--- a/Final Presentation/Ink3d Final Presentation.pptx
+++ b/Final Presentation/Ink3d Final Presentation.pptx
@@ -7,20 +7,14 @@
   <p:sldIdLst>
     <p:sldId id="269" r:id="rId2"/>
     <p:sldId id="256" r:id="rId3"/>
-    <p:sldId id="270" r:id="rId4"/>
-    <p:sldId id="271" r:id="rId5"/>
-    <p:sldId id="272" r:id="rId6"/>
-    <p:sldId id="274" r:id="rId7"/>
-    <p:sldId id="277" r:id="rId8"/>
-    <p:sldId id="280" r:id="rId9"/>
-    <p:sldId id="282" r:id="rId10"/>
-    <p:sldId id="284" r:id="rId11"/>
-    <p:sldId id="286" r:id="rId12"/>
-    <p:sldId id="287" r:id="rId13"/>
-    <p:sldId id="288" r:id="rId14"/>
-    <p:sldId id="289" r:id="rId15"/>
-    <p:sldId id="290" r:id="rId16"/>
-    <p:sldId id="291" r:id="rId17"/>
+    <p:sldId id="271" r:id="rId4"/>
+    <p:sldId id="272" r:id="rId5"/>
+    <p:sldId id="274" r:id="rId6"/>
+    <p:sldId id="277" r:id="rId7"/>
+    <p:sldId id="280" r:id="rId8"/>
+    <p:sldId id="282" r:id="rId9"/>
+    <p:sldId id="284" r:id="rId10"/>
+    <p:sldId id="287" r:id="rId11"/>
   </p:sldIdLst>
   <p:sldSz cx="9144000" cy="6858000" type="screen4x3"/>
   <p:notesSz cx="6858000" cy="9144000"/>
@@ -3243,7 +3237,7 @@
             </a:br>
             <a:r>
               <a:rPr lang="en-US" dirty="0" smtClean="0"/>
-              <a:t>Charter / Plan Review</a:t>
+              <a:t>Final Presentation</a:t>
             </a:r>
             <a:endParaRPr lang="en-US" dirty="0"/>
           </a:p>
@@ -3346,7 +3340,11 @@
           <a:p>
             <a:r>
               <a:rPr lang="en-US" dirty="0" smtClean="0"/>
-              <a:t>Performance Requirements</a:t>
+              <a:t>Other </a:t>
+            </a:r>
+            <a:r>
+              <a:rPr lang="en-US" dirty="0" smtClean="0"/>
+              <a:t>Requirements</a:t>
             </a:r>
             <a:endParaRPr lang="en-US" dirty="0"/>
           </a:p>
@@ -3365,18 +3363,18 @@
         <p:spPr>
           <a:xfrm>
             <a:off x="457200" y="1284514"/>
-            <a:ext cx="7620000" cy="5334000"/>
+            <a:ext cx="8074478" cy="5334000"/>
           </a:xfrm>
         </p:spPr>
         <p:txBody>
           <a:bodyPr>
-            <a:normAutofit/>
+            <a:normAutofit fontScale="92500" lnSpcReduction="10000"/>
           </a:bodyPr>
           <a:lstStyle/>
           <a:p>
             <a:r>
               <a:rPr lang="en-US" b="1" dirty="0"/>
-              <a:t>5.1	Startup Time</a:t>
+              <a:t>6.1	Temperature Cutoff Threshold</a:t>
             </a:r>
           </a:p>
           <a:p>
@@ -3387,17 +3385,17 @@
             </a:r>
             <a:r>
               <a:rPr lang="en-US" b="1" dirty="0"/>
-              <a:t>: </a:t>
+              <a:t>:</a:t>
             </a:r>
             <a:r>
               <a:rPr lang="en-US" dirty="0"/>
-              <a:t>4 – Low</a:t>
+              <a:t> 1 – Critical</a:t>
             </a:r>
           </a:p>
           <a:p>
             <a:r>
               <a:rPr lang="en-US" b="1" dirty="0"/>
-              <a:t>5.2	STL Import Time</a:t>
+              <a:t>6.2	Printing Area Restrictions</a:t>
             </a:r>
           </a:p>
           <a:p>
@@ -3412,13 +3410,17 @@
             </a:r>
             <a:r>
               <a:rPr lang="en-US" dirty="0"/>
-              <a:t> 4 – Low</a:t>
+              <a:t> 1 – </a:t>
+            </a:r>
+            <a:r>
+              <a:rPr lang="en-US" dirty="0" smtClean="0"/>
+              <a:t>Critical</a:t>
             </a:r>
           </a:p>
           <a:p>
             <a:r>
               <a:rPr lang="en-US" b="1" dirty="0"/>
-              <a:t>5.3	Object Processing Time</a:t>
+              <a:t>7.1	 Host Software Manual</a:t>
             </a:r>
           </a:p>
           <a:p>
@@ -3429,13 +3431,13 @@
             </a:r>
             <a:r>
               <a:rPr lang="en-US" dirty="0"/>
-              <a:t> 2 – High</a:t>
+              <a:t>  1 – Critical</a:t>
             </a:r>
           </a:p>
           <a:p>
             <a:r>
               <a:rPr lang="en-US" b="1" dirty="0"/>
-              <a:t>5.4	GUI Responsiveness</a:t>
+              <a:t>7.2	 Source Code Documentation</a:t>
             </a:r>
           </a:p>
           <a:p>
@@ -3446,10 +3448,88 @@
             </a:r>
             <a:r>
               <a:rPr lang="en-US" dirty="0"/>
-              <a:t> 3 – Moderate</a:t>
-            </a:r>
-          </a:p>
-          <a:p>
+              <a:t>  2 – High</a:t>
+            </a:r>
+          </a:p>
+          <a:p>
+            <a:r>
+              <a:rPr lang="en-US" b="1" dirty="0"/>
+              <a:t>7.3	 Source Code Availability</a:t>
+            </a:r>
+          </a:p>
+          <a:p>
+            <a:pPr lvl="1"/>
+            <a:r>
+              <a:rPr lang="en-US" b="1" dirty="0"/>
+              <a:t>Priority:</a:t>
+            </a:r>
+            <a:r>
+              <a:rPr lang="en-US" dirty="0"/>
+              <a:t>  2 – </a:t>
+            </a:r>
+            <a:r>
+              <a:rPr lang="en-US" dirty="0" smtClean="0"/>
+              <a:t>High</a:t>
+            </a:r>
+          </a:p>
+          <a:p>
+            <a:r>
+              <a:rPr lang="en-US" b="1" dirty="0"/>
+              <a:t>8.1	Material Database</a:t>
+            </a:r>
+          </a:p>
+          <a:p>
+            <a:pPr lvl="1"/>
+            <a:r>
+              <a:rPr lang="en-US" b="1" dirty="0"/>
+              <a:t>Priority:</a:t>
+            </a:r>
+            <a:r>
+              <a:rPr lang="en-US" dirty="0"/>
+              <a:t>  1 – Critical</a:t>
+            </a:r>
+          </a:p>
+          <a:p>
+            <a:r>
+              <a:rPr lang="en-US" b="1" dirty="0"/>
+              <a:t>8.2	Abstract Hardware Interface</a:t>
+            </a:r>
+          </a:p>
+          <a:p>
+            <a:pPr lvl="1"/>
+            <a:r>
+              <a:rPr lang="en-US" b="1" dirty="0"/>
+              <a:t>Priority:</a:t>
+            </a:r>
+            <a:r>
+              <a:rPr lang="en-US" dirty="0"/>
+              <a:t>  1 – </a:t>
+            </a:r>
+            <a:r>
+              <a:rPr lang="en-US" dirty="0" smtClean="0"/>
+              <a:t>Critical</a:t>
+            </a:r>
+            <a:endParaRPr lang="en-US" dirty="0"/>
+          </a:p>
+          <a:p>
+            <a:r>
+              <a:rPr lang="en-US" b="1" dirty="0"/>
+              <a:t>8.3	Modular and Scalable Design</a:t>
+            </a:r>
+          </a:p>
+          <a:p>
+            <a:pPr lvl="1"/>
+            <a:r>
+              <a:rPr lang="en-US" b="1" dirty="0"/>
+              <a:t>Priority:</a:t>
+            </a:r>
+            <a:r>
+              <a:rPr lang="en-US" dirty="0"/>
+              <a:t>  1 – Critical</a:t>
+            </a:r>
+          </a:p>
+          <a:p>
+            <a:pPr lvl="1"/>
             <a:endParaRPr lang="en-US" dirty="0"/>
           </a:p>
         </p:txBody>
@@ -3462,7 +3542,7 @@
         </p:nvSpPr>
         <p:spPr>
           <a:xfrm>
-            <a:off x="6019800" y="1371600"/>
+            <a:off x="6019800" y="1345894"/>
             <a:ext cx="2286000" cy="457200"/>
           </a:xfrm>
           <a:prstGeom prst="rect">
@@ -3512,7 +3592,7 @@
         </p:nvSpPr>
         <p:spPr>
           <a:xfrm>
-            <a:off x="6019800" y="2133600"/>
+            <a:off x="6019800" y="2057400"/>
             <a:ext cx="2286000" cy="457200"/>
           </a:xfrm>
           <a:prstGeom prst="rect">
@@ -3556,13 +3636,13 @@
       </p:sp>
       <p:sp>
         <p:nvSpPr>
-          <p:cNvPr id="7" name="Rectangle 6"/>
+          <p:cNvPr id="6" name="Rectangle 5"/>
           <p:cNvSpPr/>
           <p:nvPr/>
         </p:nvSpPr>
         <p:spPr>
           <a:xfrm>
-            <a:off x="6019800" y="2895600"/>
+            <a:off x="6019800" y="2743200"/>
             <a:ext cx="2286000" cy="457200"/>
           </a:xfrm>
           <a:prstGeom prst="rect">
@@ -3606,13 +3686,13 @@
       </p:sp>
       <p:sp>
         <p:nvSpPr>
-          <p:cNvPr id="8" name="Rectangle 7"/>
+          <p:cNvPr id="7" name="Rectangle 6"/>
           <p:cNvSpPr/>
           <p:nvPr/>
         </p:nvSpPr>
         <p:spPr>
           <a:xfrm>
-            <a:off x="6019800" y="3657600"/>
+            <a:off x="6019800" y="3352800"/>
             <a:ext cx="2286000" cy="457200"/>
           </a:xfrm>
           <a:prstGeom prst="rect">
@@ -3654,532 +3734,203 @@
           </a:p>
         </p:txBody>
       </p:sp>
-    </p:spTree>
-    <p:extLst>
-      <p:ext uri="{BB962C8B-B14F-4D97-AF65-F5344CB8AC3E}">
-        <p14:creationId xmlns:p14="http://schemas.microsoft.com/office/powerpoint/2010/main" val="2971557891"/>
-      </p:ext>
-    </p:extLst>
-  </p:cSld>
-  <p:clrMapOvr>
-    <a:masterClrMapping/>
-  </p:clrMapOvr>
-  <p:timing>
-    <p:tnLst>
-      <p:par>
-        <p:cTn id="1" dur="indefinite" restart="never" nodeType="tmRoot"/>
-      </p:par>
-    </p:tnLst>
-  </p:timing>
-</p:sld>
-</file>
-
-<file path=ppt/slides/slide11.xml><?xml version="1.0" encoding="utf-8"?>
-<p:sld xmlns:a="http://schemas.openxmlformats.org/drawingml/2006/main" xmlns:r="http://schemas.openxmlformats.org/officeDocument/2006/relationships" xmlns:p="http://schemas.openxmlformats.org/presentationml/2006/main">
-  <p:cSld>
-    <p:spTree>
-      <p:nvGrpSpPr>
-        <p:cNvPr id="1" name=""/>
-        <p:cNvGrpSpPr/>
-        <p:nvPr/>
-      </p:nvGrpSpPr>
-      <p:grpSpPr>
-        <a:xfrm>
-          <a:off x="0" y="0"/>
-          <a:ext cx="0" cy="0"/>
-          <a:chOff x="0" y="0"/>
-          <a:chExt cx="0" cy="0"/>
-        </a:xfrm>
-      </p:grpSpPr>
-      <p:sp>
-        <p:nvSpPr>
-          <p:cNvPr id="2" name="Title 1"/>
-          <p:cNvSpPr>
-            <a:spLocks noGrp="1"/>
-          </p:cNvSpPr>
-          <p:nvPr>
-            <p:ph type="title"/>
-          </p:nvPr>
-        </p:nvSpPr>
-        <p:spPr/>
-        <p:txBody>
-          <a:bodyPr/>
-          <a:lstStyle/>
-          <a:p>
-            <a:r>
-              <a:rPr lang="en-US" dirty="0" smtClean="0"/>
-              <a:t>Performance Requirements</a:t>
-            </a:r>
-            <a:endParaRPr lang="en-US" dirty="0"/>
-          </a:p>
-        </p:txBody>
-      </p:sp>
-      <p:sp>
-        <p:nvSpPr>
-          <p:cNvPr id="3" name="Content Placeholder 2"/>
-          <p:cNvSpPr>
-            <a:spLocks noGrp="1"/>
-          </p:cNvSpPr>
-          <p:nvPr>
-            <p:ph idx="1"/>
-          </p:nvPr>
+      <p:sp>
+        <p:nvSpPr>
+          <p:cNvPr id="8" name="Rectangle 7"/>
+          <p:cNvSpPr/>
+          <p:nvPr/>
         </p:nvSpPr>
         <p:spPr>
           <a:xfrm>
-            <a:off x="457200" y="1284514"/>
-            <a:ext cx="7620000" cy="5334000"/>
+            <a:off x="6019800" y="4038600"/>
+            <a:ext cx="2286000" cy="457200"/>
           </a:xfrm>
+          <a:prstGeom prst="rect">
+            <a:avLst/>
+          </a:prstGeom>
+          <a:solidFill>
+            <a:srgbClr val="00B050"/>
+          </a:solidFill>
         </p:spPr>
-        <p:txBody>
-          <a:bodyPr>
-            <a:normAutofit/>
-          </a:bodyPr>
-          <a:lstStyle/>
-          <a:p>
-            <a:r>
-              <a:rPr lang="en-US" b="1" dirty="0"/>
-              <a:t>5.5	Real Time Sensor Monitoring</a:t>
-            </a:r>
-          </a:p>
-          <a:p>
-            <a:pPr lvl="1"/>
-            <a:r>
-              <a:rPr lang="en-US" b="1" dirty="0" smtClean="0"/>
-              <a:t>5.5.1</a:t>
-            </a:r>
-            <a:r>
-              <a:rPr lang="en-US" b="1" dirty="0"/>
-              <a:t>	Description:</a:t>
-            </a:r>
-            <a:r>
-              <a:rPr lang="en-US" dirty="0"/>
-              <a:t>  The system shall monitor data from sensors in real time during </a:t>
-            </a:r>
-            <a:r>
-              <a:rPr lang="en-US" dirty="0" smtClean="0"/>
-              <a:t>			         operation</a:t>
-            </a:r>
-            <a:r>
-              <a:rPr lang="en-US" dirty="0"/>
-              <a:t>.  The sensor data must be monitored in real time to </a:t>
-            </a:r>
-            <a:r>
-              <a:rPr lang="en-US" dirty="0" smtClean="0"/>
-              <a:t>			         ensure </a:t>
-            </a:r>
-            <a:r>
-              <a:rPr lang="en-US" dirty="0"/>
-              <a:t>proper printer functionality as well as enforce safety </a:t>
-            </a:r>
-            <a:r>
-              <a:rPr lang="en-US" dirty="0" smtClean="0"/>
-              <a:t>			         systems</a:t>
-            </a:r>
-            <a:r>
-              <a:rPr lang="en-US" dirty="0"/>
-              <a:t>.</a:t>
-            </a:r>
-          </a:p>
-          <a:p>
-            <a:pPr lvl="1"/>
-            <a:r>
-              <a:rPr lang="en-US" b="1" dirty="0" smtClean="0"/>
-              <a:t>5.5.2</a:t>
-            </a:r>
-            <a:r>
-              <a:rPr lang="en-US" b="1" dirty="0"/>
-              <a:t>	Source:</a:t>
-            </a:r>
-            <a:r>
-              <a:rPr lang="en-US" dirty="0"/>
-              <a:t>  Tim Edmondson (Team Member)</a:t>
-            </a:r>
-          </a:p>
-          <a:p>
-            <a:pPr lvl="1"/>
-            <a:r>
-              <a:rPr lang="en-US" b="1" dirty="0" smtClean="0"/>
-              <a:t>5.5.3</a:t>
-            </a:r>
-            <a:r>
-              <a:rPr lang="en-US" b="1" dirty="0"/>
-              <a:t>	Constraints:</a:t>
-            </a:r>
-            <a:r>
-              <a:rPr lang="en-US" dirty="0"/>
-              <a:t>  Constant monitoring of sensors could require expensive </a:t>
-            </a:r>
-            <a:r>
-              <a:rPr lang="en-US" dirty="0" smtClean="0"/>
-              <a:t>				        processing </a:t>
-            </a:r>
-            <a:r>
-              <a:rPr lang="en-US" dirty="0"/>
-              <a:t>and memory resources.</a:t>
-            </a:r>
-          </a:p>
-          <a:p>
-            <a:pPr lvl="1"/>
-            <a:r>
-              <a:rPr lang="en-US" b="1" dirty="0" smtClean="0"/>
-              <a:t>5.5.4 </a:t>
-            </a:r>
-            <a:r>
-              <a:rPr lang="en-US" b="1" dirty="0"/>
-              <a:t>	Standards:</a:t>
-            </a:r>
-            <a:r>
-              <a:rPr lang="en-US" dirty="0"/>
-              <a:t>  None</a:t>
-            </a:r>
-          </a:p>
-          <a:p>
-            <a:pPr lvl="1"/>
-            <a:r>
-              <a:rPr lang="en-US" b="1" dirty="0" smtClean="0"/>
-              <a:t>5.5.5</a:t>
-            </a:r>
-            <a:r>
-              <a:rPr lang="en-US" b="1" dirty="0"/>
-              <a:t>	Priority:</a:t>
-            </a:r>
-            <a:r>
-              <a:rPr lang="en-US" dirty="0"/>
-              <a:t> 2 – High</a:t>
-            </a:r>
-          </a:p>
-          <a:p>
-            <a:endParaRPr lang="en-US" dirty="0"/>
-          </a:p>
-        </p:txBody>
-      </p:sp>
-    </p:spTree>
-    <p:extLst>
-      <p:ext uri="{BB962C8B-B14F-4D97-AF65-F5344CB8AC3E}">
-        <p14:creationId xmlns:p14="http://schemas.microsoft.com/office/powerpoint/2010/main" val="1994380282"/>
-      </p:ext>
-    </p:extLst>
-  </p:cSld>
-  <p:clrMapOvr>
-    <a:masterClrMapping/>
-  </p:clrMapOvr>
-  <p:timing>
-    <p:tnLst>
-      <p:par>
-        <p:cTn id="1" dur="indefinite" restart="never" nodeType="tmRoot"/>
-      </p:par>
-    </p:tnLst>
-  </p:timing>
-</p:sld>
-</file>
-
-<file path=ppt/slides/slide12.xml><?xml version="1.0" encoding="utf-8"?>
-<p:sld xmlns:a="http://schemas.openxmlformats.org/drawingml/2006/main" xmlns:r="http://schemas.openxmlformats.org/officeDocument/2006/relationships" xmlns:p="http://schemas.openxmlformats.org/presentationml/2006/main">
-  <p:cSld>
-    <p:spTree>
-      <p:nvGrpSpPr>
-        <p:cNvPr id="1" name=""/>
-        <p:cNvGrpSpPr/>
-        <p:nvPr/>
-      </p:nvGrpSpPr>
-      <p:grpSpPr>
-        <a:xfrm>
-          <a:off x="0" y="0"/>
-          <a:ext cx="0" cy="0"/>
-          <a:chOff x="0" y="0"/>
-          <a:chExt cx="0" cy="0"/>
-        </a:xfrm>
-      </p:grpSpPr>
-      <p:sp>
-        <p:nvSpPr>
-          <p:cNvPr id="2" name="Title 1"/>
-          <p:cNvSpPr>
-            <a:spLocks noGrp="1"/>
-          </p:cNvSpPr>
-          <p:nvPr>
-            <p:ph type="title"/>
-          </p:nvPr>
-        </p:nvSpPr>
-        <p:spPr/>
-        <p:txBody>
-          <a:bodyPr/>
-          <a:lstStyle/>
-          <a:p>
-            <a:r>
-              <a:rPr lang="en-US" dirty="0" smtClean="0"/>
-              <a:t>Other Requirements : Safety</a:t>
-            </a:r>
-            <a:endParaRPr lang="en-US" dirty="0"/>
-          </a:p>
-        </p:txBody>
-      </p:sp>
-      <p:sp>
-        <p:nvSpPr>
-          <p:cNvPr id="3" name="Content Placeholder 2"/>
-          <p:cNvSpPr>
-            <a:spLocks noGrp="1"/>
-          </p:cNvSpPr>
-          <p:nvPr>
-            <p:ph idx="1"/>
-          </p:nvPr>
+        <p:style>
+          <a:lnRef idx="2">
+            <a:schemeClr val="accent1">
+              <a:shade val="50000"/>
+            </a:schemeClr>
+          </a:lnRef>
+          <a:fillRef idx="1">
+            <a:schemeClr val="accent1"/>
+          </a:fillRef>
+          <a:effectRef idx="0">
+            <a:schemeClr val="accent1"/>
+          </a:effectRef>
+          <a:fontRef idx="minor">
+            <a:schemeClr val="lt1"/>
+          </a:fontRef>
+        </p:style>
+        <p:txBody>
+          <a:bodyPr rtlCol="0" anchor="ctr"/>
+          <a:lstStyle/>
+          <a:p>
+            <a:pPr algn="ctr"/>
+            <a:r>
+              <a:rPr lang="en-US" dirty="0" smtClean="0">
+                <a:solidFill>
+                  <a:schemeClr val="tx1"/>
+                </a:solidFill>
+              </a:rPr>
+              <a:t>Completed</a:t>
+            </a:r>
+          </a:p>
+        </p:txBody>
+      </p:sp>
+      <p:sp>
+        <p:nvSpPr>
+          <p:cNvPr id="9" name="Rectangle 8"/>
+          <p:cNvSpPr/>
+          <p:nvPr/>
         </p:nvSpPr>
         <p:spPr>
           <a:xfrm>
-            <a:off x="457200" y="1284514"/>
-            <a:ext cx="8074478" cy="5334000"/>
+            <a:off x="6019800" y="4658299"/>
+            <a:ext cx="2286000" cy="457200"/>
           </a:xfrm>
+          <a:prstGeom prst="rect">
+            <a:avLst/>
+          </a:prstGeom>
+          <a:solidFill>
+            <a:srgbClr val="00B050"/>
+          </a:solidFill>
         </p:spPr>
-        <p:txBody>
-          <a:bodyPr>
-            <a:normAutofit fontScale="85000" lnSpcReduction="20000"/>
-          </a:bodyPr>
-          <a:lstStyle/>
-          <a:p>
-            <a:r>
-              <a:rPr lang="en-US" b="1" dirty="0"/>
-              <a:t>6.1	Temperature Cutoff Threshold</a:t>
-            </a:r>
-          </a:p>
-          <a:p>
-            <a:pPr lvl="1"/>
-            <a:r>
-              <a:rPr lang="en-US" b="1" dirty="0" smtClean="0"/>
-              <a:t>6.1.1</a:t>
-            </a:r>
-            <a:r>
-              <a:rPr lang="en-US" b="1" dirty="0"/>
-              <a:t>	Description:</a:t>
-            </a:r>
-            <a:r>
-              <a:rPr lang="en-US" dirty="0"/>
-              <a:t>  The system shall include a temperature cutoff threshold for </a:t>
-            </a:r>
-            <a:r>
-              <a:rPr lang="en-US" dirty="0" smtClean="0"/>
-              <a:t>the printer 			        head</a:t>
-            </a:r>
-            <a:r>
-              <a:rPr lang="en-US" dirty="0"/>
-              <a:t>.  If the temperature of the printer head reaches the </a:t>
-            </a:r>
-            <a:r>
-              <a:rPr lang="en-US" dirty="0" smtClean="0"/>
-              <a:t>cutoff 				        temperature</a:t>
-            </a:r>
-            <a:r>
-              <a:rPr lang="en-US" dirty="0"/>
-              <a:t>, the system will abort the operation and shut off </a:t>
-            </a:r>
-            <a:r>
-              <a:rPr lang="en-US" dirty="0" smtClean="0"/>
-              <a:t> the </a:t>
-            </a:r>
-            <a:r>
-              <a:rPr lang="en-US" dirty="0"/>
-              <a:t>heating </a:t>
-            </a:r>
-            <a:r>
-              <a:rPr lang="en-US" dirty="0" smtClean="0"/>
-              <a:t>			        device</a:t>
-            </a:r>
-            <a:r>
-              <a:rPr lang="en-US" dirty="0"/>
-              <a:t>.</a:t>
-            </a:r>
-          </a:p>
-          <a:p>
-            <a:pPr lvl="1"/>
-            <a:r>
-              <a:rPr lang="en-US" b="1" dirty="0" smtClean="0"/>
-              <a:t>6.1.2</a:t>
-            </a:r>
-            <a:r>
-              <a:rPr lang="en-US" b="1" dirty="0"/>
-              <a:t>	Source:</a:t>
-            </a:r>
-            <a:r>
-              <a:rPr lang="en-US" dirty="0"/>
-              <a:t>  Tim Edmondson (Team Member)</a:t>
-            </a:r>
-          </a:p>
-          <a:p>
-            <a:pPr lvl="1"/>
-            <a:r>
-              <a:rPr lang="en-US" b="1" dirty="0" smtClean="0"/>
-              <a:t>6.1.3</a:t>
-            </a:r>
-            <a:r>
-              <a:rPr lang="en-US" b="1" dirty="0"/>
-              <a:t>	Constraints:</a:t>
-            </a:r>
-            <a:r>
-              <a:rPr lang="en-US" dirty="0"/>
-              <a:t>  The system must be able to accurately monitor the temperature of </a:t>
-            </a:r>
-            <a:r>
-              <a:rPr lang="en-US" dirty="0" smtClean="0"/>
-              <a:t>			        	        each </a:t>
-            </a:r>
-            <a:r>
-              <a:rPr lang="en-US" dirty="0"/>
-              <a:t>printing head.</a:t>
-            </a:r>
-          </a:p>
-          <a:p>
-            <a:pPr lvl="1"/>
-            <a:r>
-              <a:rPr lang="en-US" b="1" dirty="0" smtClean="0"/>
-              <a:t>6.1.4 </a:t>
-            </a:r>
-            <a:r>
-              <a:rPr lang="en-US" b="1" dirty="0"/>
-              <a:t>	Standards:</a:t>
-            </a:r>
-            <a:r>
-              <a:rPr lang="en-US" dirty="0"/>
-              <a:t>  None</a:t>
-            </a:r>
-          </a:p>
-          <a:p>
-            <a:pPr lvl="1"/>
-            <a:r>
-              <a:rPr lang="en-US" b="1" dirty="0" smtClean="0"/>
-              <a:t>6.1.5</a:t>
-            </a:r>
-            <a:r>
-              <a:rPr lang="en-US" b="1" dirty="0"/>
-              <a:t>	Priority:</a:t>
-            </a:r>
-            <a:r>
-              <a:rPr lang="en-US" dirty="0"/>
-              <a:t> 1 – Critical</a:t>
-            </a:r>
-          </a:p>
-          <a:p>
-            <a:r>
-              <a:rPr lang="en-US" b="1" dirty="0"/>
-              <a:t>6.2	Printing Area Restrictions</a:t>
-            </a:r>
-          </a:p>
-          <a:p>
-            <a:pPr lvl="1"/>
-            <a:r>
-              <a:rPr lang="en-US" b="1" dirty="0" smtClean="0"/>
-              <a:t>6.2.1</a:t>
-            </a:r>
-            <a:r>
-              <a:rPr lang="en-US" b="1" dirty="0"/>
-              <a:t>	Description:</a:t>
-            </a:r>
-            <a:r>
-              <a:rPr lang="en-US" dirty="0"/>
-              <a:t>  The system shall only extrude material within a configured area. </a:t>
-            </a:r>
-            <a:r>
-              <a:rPr lang="en-US" dirty="0" smtClean="0"/>
-              <a:t>Material 			        extruded </a:t>
-            </a:r>
-            <a:r>
-              <a:rPr lang="en-US" dirty="0"/>
-              <a:t>by the printer will be at a high temperature and </a:t>
-            </a:r>
-            <a:r>
-              <a:rPr lang="en-US" dirty="0" smtClean="0"/>
-              <a:t> may </a:t>
-            </a:r>
-            <a:r>
-              <a:rPr lang="en-US" dirty="0"/>
-              <a:t>cause harm </a:t>
-            </a:r>
-            <a:r>
-              <a:rPr lang="en-US" dirty="0" smtClean="0"/>
-              <a:t>			        to </a:t>
-            </a:r>
-            <a:r>
-              <a:rPr lang="en-US" dirty="0"/>
-              <a:t>the printer’s surroundings; therefore it is </a:t>
-            </a:r>
-            <a:r>
-              <a:rPr lang="en-US" dirty="0" smtClean="0"/>
-              <a:t>important </a:t>
-            </a:r>
-            <a:r>
-              <a:rPr lang="en-US" dirty="0"/>
-              <a:t>to ensure that the </a:t>
-            </a:r>
-            <a:r>
-              <a:rPr lang="en-US" dirty="0" smtClean="0"/>
-              <a:t>			        material </a:t>
-            </a:r>
-            <a:r>
-              <a:rPr lang="en-US" dirty="0"/>
-              <a:t>is only extruded in a specified safe area.</a:t>
-            </a:r>
-          </a:p>
-          <a:p>
-            <a:pPr lvl="1"/>
-            <a:r>
-              <a:rPr lang="en-US" b="1" dirty="0" smtClean="0"/>
-              <a:t>6.2.2</a:t>
-            </a:r>
-            <a:r>
-              <a:rPr lang="en-US" b="1" dirty="0"/>
-              <a:t>	Source:</a:t>
-            </a:r>
-            <a:r>
-              <a:rPr lang="en-US" dirty="0"/>
-              <a:t>  Tim Edmondson (Team Member)</a:t>
-            </a:r>
-          </a:p>
-          <a:p>
-            <a:pPr lvl="1"/>
-            <a:r>
-              <a:rPr lang="en-US" b="1" dirty="0" smtClean="0"/>
-              <a:t>6.2.3</a:t>
-            </a:r>
-            <a:r>
-              <a:rPr lang="en-US" b="1" dirty="0"/>
-              <a:t>	Constraints:</a:t>
-            </a:r>
-            <a:r>
-              <a:rPr lang="en-US" dirty="0"/>
-              <a:t>  None</a:t>
-            </a:r>
-          </a:p>
-          <a:p>
-            <a:pPr lvl="1"/>
-            <a:r>
-              <a:rPr lang="en-US" b="1" dirty="0" smtClean="0"/>
-              <a:t>6.2.4 </a:t>
-            </a:r>
-            <a:r>
-              <a:rPr lang="en-US" b="1" dirty="0"/>
-              <a:t>	Standards:</a:t>
-            </a:r>
-            <a:r>
-              <a:rPr lang="en-US" dirty="0"/>
-              <a:t>  None</a:t>
-            </a:r>
-          </a:p>
-          <a:p>
-            <a:pPr lvl="1"/>
-            <a:r>
-              <a:rPr lang="en-US" b="1" dirty="0" smtClean="0"/>
-              <a:t>6.2.5</a:t>
-            </a:r>
-            <a:r>
-              <a:rPr lang="en-US" b="1" dirty="0"/>
-              <a:t>	Priority:</a:t>
-            </a:r>
-            <a:r>
-              <a:rPr lang="en-US" dirty="0"/>
-              <a:t> 1 – </a:t>
-            </a:r>
-            <a:r>
-              <a:rPr lang="en-US" dirty="0" smtClean="0"/>
-              <a:t>Critical</a:t>
-            </a:r>
-            <a:endParaRPr lang="en-US" dirty="0"/>
+        <p:style>
+          <a:lnRef idx="2">
+            <a:schemeClr val="accent1">
+              <a:shade val="50000"/>
+            </a:schemeClr>
+          </a:lnRef>
+          <a:fillRef idx="1">
+            <a:schemeClr val="accent1"/>
+          </a:fillRef>
+          <a:effectRef idx="0">
+            <a:schemeClr val="accent1"/>
+          </a:effectRef>
+          <a:fontRef idx="minor">
+            <a:schemeClr val="lt1"/>
+          </a:fontRef>
+        </p:style>
+        <p:txBody>
+          <a:bodyPr rtlCol="0" anchor="ctr"/>
+          <a:lstStyle/>
+          <a:p>
+            <a:pPr algn="ctr"/>
+            <a:r>
+              <a:rPr lang="en-US" dirty="0" smtClean="0">
+                <a:solidFill>
+                  <a:schemeClr val="tx1"/>
+                </a:solidFill>
+              </a:rPr>
+              <a:t>Completed</a:t>
+            </a:r>
+          </a:p>
+        </p:txBody>
+      </p:sp>
+      <p:sp>
+        <p:nvSpPr>
+          <p:cNvPr id="10" name="Rectangle 9"/>
+          <p:cNvSpPr/>
+          <p:nvPr/>
+        </p:nvSpPr>
+        <p:spPr>
+          <a:xfrm>
+            <a:off x="6019800" y="5257800"/>
+            <a:ext cx="2286000" cy="457200"/>
+          </a:xfrm>
+          <a:prstGeom prst="rect">
+            <a:avLst/>
+          </a:prstGeom>
+          <a:solidFill>
+            <a:srgbClr val="00B050"/>
+          </a:solidFill>
+        </p:spPr>
+        <p:style>
+          <a:lnRef idx="2">
+            <a:schemeClr val="accent1">
+              <a:shade val="50000"/>
+            </a:schemeClr>
+          </a:lnRef>
+          <a:fillRef idx="1">
+            <a:schemeClr val="accent1"/>
+          </a:fillRef>
+          <a:effectRef idx="0">
+            <a:schemeClr val="accent1"/>
+          </a:effectRef>
+          <a:fontRef idx="minor">
+            <a:schemeClr val="lt1"/>
+          </a:fontRef>
+        </p:style>
+        <p:txBody>
+          <a:bodyPr rtlCol="0" anchor="ctr"/>
+          <a:lstStyle/>
+          <a:p>
+            <a:pPr algn="ctr"/>
+            <a:r>
+              <a:rPr lang="en-US" dirty="0" smtClean="0">
+                <a:solidFill>
+                  <a:schemeClr val="tx1"/>
+                </a:solidFill>
+              </a:rPr>
+              <a:t>Completed</a:t>
+            </a:r>
+          </a:p>
+        </p:txBody>
+      </p:sp>
+      <p:sp>
+        <p:nvSpPr>
+          <p:cNvPr id="11" name="Rectangle 10"/>
+          <p:cNvSpPr/>
+          <p:nvPr/>
+        </p:nvSpPr>
+        <p:spPr>
+          <a:xfrm>
+            <a:off x="6019800" y="5943600"/>
+            <a:ext cx="2286000" cy="457200"/>
+          </a:xfrm>
+          <a:prstGeom prst="rect">
+            <a:avLst/>
+          </a:prstGeom>
+          <a:solidFill>
+            <a:srgbClr val="00B050"/>
+          </a:solidFill>
+        </p:spPr>
+        <p:style>
+          <a:lnRef idx="2">
+            <a:schemeClr val="accent1">
+              <a:shade val="50000"/>
+            </a:schemeClr>
+          </a:lnRef>
+          <a:fillRef idx="1">
+            <a:schemeClr val="accent1"/>
+          </a:fillRef>
+          <a:effectRef idx="0">
+            <a:schemeClr val="accent1"/>
+          </a:effectRef>
+          <a:fontRef idx="minor">
+            <a:schemeClr val="lt1"/>
+          </a:fontRef>
+        </p:style>
+        <p:txBody>
+          <a:bodyPr rtlCol="0" anchor="ctr"/>
+          <a:lstStyle/>
+          <a:p>
+            <a:pPr algn="ctr"/>
+            <a:r>
+              <a:rPr lang="en-US" dirty="0" smtClean="0">
+                <a:solidFill>
+                  <a:schemeClr val="tx1"/>
+                </a:solidFill>
+              </a:rPr>
+              <a:t>Completed</a:t>
+            </a:r>
           </a:p>
         </p:txBody>
       </p:sp>
@@ -4187,1052 +3938,6 @@
     <p:extLst>
       <p:ext uri="{BB962C8B-B14F-4D97-AF65-F5344CB8AC3E}">
         <p14:creationId xmlns:p14="http://schemas.microsoft.com/office/powerpoint/2010/main" val="49939991"/>
-      </p:ext>
-    </p:extLst>
-  </p:cSld>
-  <p:clrMapOvr>
-    <a:masterClrMapping/>
-  </p:clrMapOvr>
-  <p:timing>
-    <p:tnLst>
-      <p:par>
-        <p:cTn id="1" dur="indefinite" restart="never" nodeType="tmRoot"/>
-      </p:par>
-    </p:tnLst>
-  </p:timing>
-</p:sld>
-</file>
-
-<file path=ppt/slides/slide13.xml><?xml version="1.0" encoding="utf-8"?>
-<p:sld xmlns:a="http://schemas.openxmlformats.org/drawingml/2006/main" xmlns:r="http://schemas.openxmlformats.org/officeDocument/2006/relationships" xmlns:p="http://schemas.openxmlformats.org/presentationml/2006/main">
-  <p:cSld>
-    <p:spTree>
-      <p:nvGrpSpPr>
-        <p:cNvPr id="1" name=""/>
-        <p:cNvGrpSpPr/>
-        <p:nvPr/>
-      </p:nvGrpSpPr>
-      <p:grpSpPr>
-        <a:xfrm>
-          <a:off x="0" y="0"/>
-          <a:ext cx="0" cy="0"/>
-          <a:chOff x="0" y="0"/>
-          <a:chExt cx="0" cy="0"/>
-        </a:xfrm>
-      </p:grpSpPr>
-      <p:sp>
-        <p:nvSpPr>
-          <p:cNvPr id="2" name="Title 1"/>
-          <p:cNvSpPr>
-            <a:spLocks noGrp="1"/>
-          </p:cNvSpPr>
-          <p:nvPr>
-            <p:ph type="title"/>
-          </p:nvPr>
-        </p:nvSpPr>
-        <p:spPr>
-          <a:xfrm>
-            <a:off x="97971" y="274638"/>
-            <a:ext cx="8596993" cy="1143000"/>
-          </a:xfrm>
-        </p:spPr>
-        <p:txBody>
-          <a:bodyPr/>
-          <a:lstStyle/>
-          <a:p>
-            <a:r>
-              <a:rPr lang="en-US" sz="4500" dirty="0" smtClean="0"/>
-              <a:t>Other Requirements: Maintenance and Support</a:t>
-            </a:r>
-            <a:endParaRPr lang="en-US" sz="4500" dirty="0"/>
-          </a:p>
-        </p:txBody>
-      </p:sp>
-      <p:sp>
-        <p:nvSpPr>
-          <p:cNvPr id="3" name="Content Placeholder 2"/>
-          <p:cNvSpPr>
-            <a:spLocks noGrp="1"/>
-          </p:cNvSpPr>
-          <p:nvPr>
-            <p:ph idx="1"/>
-          </p:nvPr>
-        </p:nvSpPr>
-        <p:spPr>
-          <a:xfrm>
-            <a:off x="457200" y="1284514"/>
-            <a:ext cx="8074478" cy="5334000"/>
-          </a:xfrm>
-        </p:spPr>
-        <p:txBody>
-          <a:bodyPr>
-            <a:normAutofit fontScale="85000" lnSpcReduction="20000"/>
-          </a:bodyPr>
-          <a:lstStyle/>
-          <a:p>
-            <a:r>
-              <a:rPr lang="en-US" b="1" dirty="0"/>
-              <a:t>7.1	 Host Software Manual</a:t>
-            </a:r>
-          </a:p>
-          <a:p>
-            <a:pPr lvl="1"/>
-            <a:r>
-              <a:rPr lang="en-US" b="1" dirty="0" smtClean="0"/>
-              <a:t>7.1.1</a:t>
-            </a:r>
-            <a:r>
-              <a:rPr lang="en-US" b="1" dirty="0"/>
-              <a:t>	Description</a:t>
-            </a:r>
-            <a:r>
-              <a:rPr lang="en-US" dirty="0"/>
-              <a:t>:  A manual that details the operation of the host software shall be </a:t>
-            </a:r>
-            <a:r>
-              <a:rPr lang="en-US" dirty="0" smtClean="0"/>
-              <a:t>provided</a:t>
-            </a:r>
-            <a:r>
-              <a:rPr lang="en-US" dirty="0"/>
-              <a:t>.  </a:t>
-            </a:r>
-            <a:r>
-              <a:rPr lang="en-US" dirty="0" smtClean="0"/>
-              <a:t>			       Here</a:t>
-            </a:r>
-            <a:r>
-              <a:rPr lang="en-US" dirty="0"/>
-              <a:t>, “host software” is that software which is run on the </a:t>
-            </a:r>
-            <a:r>
-              <a:rPr lang="en-US" dirty="0" smtClean="0"/>
-              <a:t>workstation </a:t>
-            </a:r>
-            <a:r>
-              <a:rPr lang="en-US" dirty="0"/>
-              <a:t>that </a:t>
-            </a:r>
-            <a:r>
-              <a:rPr lang="en-US" dirty="0" smtClean="0"/>
-              <a:t>			       generates </a:t>
-            </a:r>
-            <a:r>
-              <a:rPr lang="en-US" dirty="0"/>
-              <a:t>machine instructions for the printing </a:t>
-            </a:r>
-            <a:r>
-              <a:rPr lang="en-US" dirty="0" smtClean="0"/>
-              <a:t>hardware</a:t>
-            </a:r>
-            <a:r>
-              <a:rPr lang="en-US" dirty="0"/>
-              <a:t>.  The manual </a:t>
-            </a:r>
-            <a:r>
-              <a:rPr lang="en-US" dirty="0" smtClean="0"/>
-              <a:t>			       must </a:t>
-            </a:r>
-            <a:r>
-              <a:rPr lang="en-US" dirty="0"/>
-              <a:t>detail common troubleshooting issues as </a:t>
-            </a:r>
-            <a:r>
-              <a:rPr lang="en-US" dirty="0" smtClean="0"/>
-              <a:t>well </a:t>
-            </a:r>
-            <a:r>
-              <a:rPr lang="en-US" dirty="0"/>
-              <a:t>as provide basic usage </a:t>
-            </a:r>
-            <a:r>
-              <a:rPr lang="en-US" dirty="0" smtClean="0"/>
-              <a:t>			       instructions</a:t>
-            </a:r>
-            <a:r>
-              <a:rPr lang="en-US" dirty="0"/>
-              <a:t>.</a:t>
-            </a:r>
-          </a:p>
-          <a:p>
-            <a:pPr lvl="1"/>
-            <a:r>
-              <a:rPr lang="en-US" b="1" dirty="0" smtClean="0"/>
-              <a:t>7.1.2</a:t>
-            </a:r>
-            <a:r>
-              <a:rPr lang="en-US" b="1" dirty="0"/>
-              <a:t>	Source:</a:t>
-            </a:r>
-            <a:r>
-              <a:rPr lang="en-US" dirty="0"/>
-              <a:t>  Shawn Simonson (Team Member)</a:t>
-            </a:r>
-          </a:p>
-          <a:p>
-            <a:pPr lvl="1"/>
-            <a:r>
-              <a:rPr lang="en-US" b="1" dirty="0" smtClean="0"/>
-              <a:t>7.1.3</a:t>
-            </a:r>
-            <a:r>
-              <a:rPr lang="en-US" b="1" dirty="0"/>
-              <a:t>	Constraints:</a:t>
-            </a:r>
-            <a:r>
-              <a:rPr lang="en-US" dirty="0"/>
-              <a:t>  None</a:t>
-            </a:r>
-          </a:p>
-          <a:p>
-            <a:pPr lvl="1"/>
-            <a:r>
-              <a:rPr lang="en-US" b="1" dirty="0" smtClean="0"/>
-              <a:t>7.1.4 </a:t>
-            </a:r>
-            <a:r>
-              <a:rPr lang="en-US" b="1" dirty="0"/>
-              <a:t>	Standards:</a:t>
-            </a:r>
-            <a:r>
-              <a:rPr lang="en-US" dirty="0"/>
-              <a:t>  None</a:t>
-            </a:r>
-          </a:p>
-          <a:p>
-            <a:pPr lvl="1"/>
-            <a:r>
-              <a:rPr lang="en-US" b="1" dirty="0" smtClean="0"/>
-              <a:t>7.1.5</a:t>
-            </a:r>
-            <a:r>
-              <a:rPr lang="en-US" b="1" dirty="0"/>
-              <a:t>	Priority:</a:t>
-            </a:r>
-            <a:r>
-              <a:rPr lang="en-US" dirty="0"/>
-              <a:t>  1 – Critical</a:t>
-            </a:r>
-          </a:p>
-          <a:p>
-            <a:r>
-              <a:rPr lang="en-US" b="1" dirty="0"/>
-              <a:t>7.2	 Source Code Documentation</a:t>
-            </a:r>
-          </a:p>
-          <a:p>
-            <a:pPr lvl="1"/>
-            <a:r>
-              <a:rPr lang="en-US" b="1" dirty="0" smtClean="0"/>
-              <a:t>7.2.1</a:t>
-            </a:r>
-            <a:r>
-              <a:rPr lang="en-US" b="1" dirty="0"/>
-              <a:t>	Description</a:t>
-            </a:r>
-            <a:r>
-              <a:rPr lang="en-US" dirty="0"/>
-              <a:t>:  The source code developed by the software team shall be well documented </a:t>
-            </a:r>
-            <a:r>
-              <a:rPr lang="en-US" dirty="0" smtClean="0"/>
-              <a:t>			       with </a:t>
-            </a:r>
-            <a:r>
-              <a:rPr lang="en-US" dirty="0"/>
-              <a:t>comments explaining the functionality of all modules and any </a:t>
-            </a:r>
-            <a:r>
-              <a:rPr lang="en-US" dirty="0" smtClean="0"/>
-              <a:t>non-			       obvious </a:t>
-            </a:r>
-            <a:r>
-              <a:rPr lang="en-US" dirty="0"/>
-              <a:t>code.  This documentation is intended to support any future </a:t>
-            </a:r>
-            <a:r>
-              <a:rPr lang="en-US" dirty="0" smtClean="0"/>
-              <a:t>				      development </a:t>
-            </a:r>
-            <a:r>
-              <a:rPr lang="en-US" dirty="0"/>
-              <a:t>on the system.</a:t>
-            </a:r>
-          </a:p>
-          <a:p>
-            <a:pPr lvl="1"/>
-            <a:r>
-              <a:rPr lang="en-US" b="1" dirty="0" smtClean="0"/>
-              <a:t>7.2.2</a:t>
-            </a:r>
-            <a:r>
-              <a:rPr lang="en-US" b="1" dirty="0"/>
-              <a:t>	Source:</a:t>
-            </a:r>
-            <a:r>
-              <a:rPr lang="en-US" dirty="0"/>
-              <a:t>  Tim Edmondson (Team Member)</a:t>
-            </a:r>
-          </a:p>
-          <a:p>
-            <a:pPr lvl="1"/>
-            <a:r>
-              <a:rPr lang="en-US" b="1" dirty="0" smtClean="0"/>
-              <a:t>7.2.3</a:t>
-            </a:r>
-            <a:r>
-              <a:rPr lang="en-US" b="1" dirty="0"/>
-              <a:t>	Constraints:</a:t>
-            </a:r>
-            <a:r>
-              <a:rPr lang="en-US" dirty="0"/>
-              <a:t>  None</a:t>
-            </a:r>
-          </a:p>
-          <a:p>
-            <a:pPr lvl="1"/>
-            <a:r>
-              <a:rPr lang="en-US" b="1" dirty="0" smtClean="0"/>
-              <a:t>7.2.4 </a:t>
-            </a:r>
-            <a:r>
-              <a:rPr lang="en-US" b="1" dirty="0"/>
-              <a:t>	Standards:</a:t>
-            </a:r>
-            <a:r>
-              <a:rPr lang="en-US" dirty="0"/>
-              <a:t>  None</a:t>
-            </a:r>
-          </a:p>
-          <a:p>
-            <a:pPr lvl="1"/>
-            <a:r>
-              <a:rPr lang="en-US" b="1" dirty="0" smtClean="0"/>
-              <a:t>7.2.5</a:t>
-            </a:r>
-            <a:r>
-              <a:rPr lang="en-US" b="1" dirty="0"/>
-              <a:t>	Priority:</a:t>
-            </a:r>
-            <a:r>
-              <a:rPr lang="en-US" dirty="0"/>
-              <a:t>  2 – High</a:t>
-            </a:r>
-          </a:p>
-        </p:txBody>
-      </p:sp>
-    </p:spTree>
-    <p:extLst>
-      <p:ext uri="{BB962C8B-B14F-4D97-AF65-F5344CB8AC3E}">
-        <p14:creationId xmlns:p14="http://schemas.microsoft.com/office/powerpoint/2010/main" val="1991997123"/>
-      </p:ext>
-    </p:extLst>
-  </p:cSld>
-  <p:clrMapOvr>
-    <a:masterClrMapping/>
-  </p:clrMapOvr>
-  <p:timing>
-    <p:tnLst>
-      <p:par>
-        <p:cTn id="1" dur="indefinite" restart="never" nodeType="tmRoot"/>
-      </p:par>
-    </p:tnLst>
-  </p:timing>
-</p:sld>
-</file>
-
-<file path=ppt/slides/slide14.xml><?xml version="1.0" encoding="utf-8"?>
-<p:sld xmlns:a="http://schemas.openxmlformats.org/drawingml/2006/main" xmlns:r="http://schemas.openxmlformats.org/officeDocument/2006/relationships" xmlns:p="http://schemas.openxmlformats.org/presentationml/2006/main">
-  <p:cSld>
-    <p:spTree>
-      <p:nvGrpSpPr>
-        <p:cNvPr id="1" name=""/>
-        <p:cNvGrpSpPr/>
-        <p:nvPr/>
-      </p:nvGrpSpPr>
-      <p:grpSpPr>
-        <a:xfrm>
-          <a:off x="0" y="0"/>
-          <a:ext cx="0" cy="0"/>
-          <a:chOff x="0" y="0"/>
-          <a:chExt cx="0" cy="0"/>
-        </a:xfrm>
-      </p:grpSpPr>
-      <p:sp>
-        <p:nvSpPr>
-          <p:cNvPr id="2" name="Title 1"/>
-          <p:cNvSpPr>
-            <a:spLocks noGrp="1"/>
-          </p:cNvSpPr>
-          <p:nvPr>
-            <p:ph type="title"/>
-          </p:nvPr>
-        </p:nvSpPr>
-        <p:spPr>
-          <a:xfrm>
-            <a:off x="97971" y="274638"/>
-            <a:ext cx="8596993" cy="1143000"/>
-          </a:xfrm>
-        </p:spPr>
-        <p:txBody>
-          <a:bodyPr/>
-          <a:lstStyle/>
-          <a:p>
-            <a:r>
-              <a:rPr lang="en-US" sz="4500" dirty="0" smtClean="0"/>
-              <a:t>Other Requirements: Maintenance and Support</a:t>
-            </a:r>
-            <a:endParaRPr lang="en-US" sz="4500" dirty="0"/>
-          </a:p>
-        </p:txBody>
-      </p:sp>
-      <p:sp>
-        <p:nvSpPr>
-          <p:cNvPr id="3" name="Content Placeholder 2"/>
-          <p:cNvSpPr>
-            <a:spLocks noGrp="1"/>
-          </p:cNvSpPr>
-          <p:nvPr>
-            <p:ph idx="1"/>
-          </p:nvPr>
-        </p:nvSpPr>
-        <p:spPr>
-          <a:xfrm>
-            <a:off x="457200" y="1284514"/>
-            <a:ext cx="8074478" cy="5334000"/>
-          </a:xfrm>
-        </p:spPr>
-        <p:txBody>
-          <a:bodyPr>
-            <a:normAutofit/>
-          </a:bodyPr>
-          <a:lstStyle/>
-          <a:p>
-            <a:r>
-              <a:rPr lang="en-US" b="1" dirty="0"/>
-              <a:t>7.3	 Source Code Availability</a:t>
-            </a:r>
-          </a:p>
-          <a:p>
-            <a:pPr lvl="1"/>
-            <a:r>
-              <a:rPr lang="en-US" b="1" dirty="0" smtClean="0"/>
-              <a:t>7.3.1</a:t>
-            </a:r>
-            <a:r>
-              <a:rPr lang="en-US" b="1" dirty="0"/>
-              <a:t>	Description</a:t>
-            </a:r>
-            <a:r>
-              <a:rPr lang="en-US" dirty="0"/>
-              <a:t>:  The source code developed by the software team shall be freely </a:t>
-            </a:r>
-            <a:r>
-              <a:rPr lang="en-US" dirty="0" smtClean="0"/>
-              <a:t>				         available </a:t>
-            </a:r>
-            <a:r>
-              <a:rPr lang="en-US" dirty="0"/>
-              <a:t>to developers and the public. The source code will be hosted </a:t>
-            </a:r>
-            <a:r>
-              <a:rPr lang="en-US" dirty="0" smtClean="0"/>
-              <a:t>			         on </a:t>
-            </a:r>
-            <a:r>
-              <a:rPr lang="en-US" dirty="0"/>
-              <a:t>a public repository.</a:t>
-            </a:r>
-          </a:p>
-          <a:p>
-            <a:pPr lvl="1"/>
-            <a:r>
-              <a:rPr lang="en-US" b="1" dirty="0" smtClean="0"/>
-              <a:t>7.3.2</a:t>
-            </a:r>
-            <a:r>
-              <a:rPr lang="en-US" b="1" dirty="0"/>
-              <a:t>	Source:</a:t>
-            </a:r>
-            <a:r>
-              <a:rPr lang="en-US" dirty="0"/>
-              <a:t>  Shawn Simonson (Team Members)</a:t>
-            </a:r>
-          </a:p>
-          <a:p>
-            <a:pPr lvl="1"/>
-            <a:r>
-              <a:rPr lang="en-US" b="1" dirty="0" smtClean="0"/>
-              <a:t>7.3.3</a:t>
-            </a:r>
-            <a:r>
-              <a:rPr lang="en-US" b="1" dirty="0"/>
-              <a:t>	Constraints:</a:t>
-            </a:r>
-            <a:r>
-              <a:rPr lang="en-US" dirty="0"/>
-              <a:t>  None</a:t>
-            </a:r>
-          </a:p>
-          <a:p>
-            <a:pPr lvl="1"/>
-            <a:r>
-              <a:rPr lang="en-US" b="1" dirty="0" smtClean="0"/>
-              <a:t>7.3.4 </a:t>
-            </a:r>
-            <a:r>
-              <a:rPr lang="en-US" b="1" dirty="0"/>
-              <a:t>	Standards:</a:t>
-            </a:r>
-            <a:r>
-              <a:rPr lang="en-US" dirty="0"/>
-              <a:t>  </a:t>
-            </a:r>
-            <a:r>
-              <a:rPr lang="en-US" dirty="0" err="1"/>
-              <a:t>Git</a:t>
-            </a:r>
-            <a:r>
-              <a:rPr lang="en-US" dirty="0"/>
-              <a:t>, SVN</a:t>
-            </a:r>
-          </a:p>
-          <a:p>
-            <a:pPr lvl="1"/>
-            <a:r>
-              <a:rPr lang="en-US" b="1" dirty="0" smtClean="0"/>
-              <a:t>7.3.5</a:t>
-            </a:r>
-            <a:r>
-              <a:rPr lang="en-US" b="1" dirty="0"/>
-              <a:t>	Priority:</a:t>
-            </a:r>
-            <a:r>
-              <a:rPr lang="en-US" dirty="0"/>
-              <a:t>  2 – </a:t>
-            </a:r>
-            <a:r>
-              <a:rPr lang="en-US" dirty="0" smtClean="0"/>
-              <a:t>High</a:t>
-            </a:r>
-          </a:p>
-          <a:p>
-            <a:pPr lvl="1"/>
-            <a:endParaRPr lang="en-US" dirty="0"/>
-          </a:p>
-        </p:txBody>
-      </p:sp>
-    </p:spTree>
-    <p:extLst>
-      <p:ext uri="{BB962C8B-B14F-4D97-AF65-F5344CB8AC3E}">
-        <p14:creationId xmlns:p14="http://schemas.microsoft.com/office/powerpoint/2010/main" val="562679868"/>
-      </p:ext>
-    </p:extLst>
-  </p:cSld>
-  <p:clrMapOvr>
-    <a:masterClrMapping/>
-  </p:clrMapOvr>
-  <p:timing>
-    <p:tnLst>
-      <p:par>
-        <p:cTn id="1" dur="indefinite" restart="never" nodeType="tmRoot"/>
-      </p:par>
-    </p:tnLst>
-  </p:timing>
-</p:sld>
-</file>
-
-<file path=ppt/slides/slide15.xml><?xml version="1.0" encoding="utf-8"?>
-<p:sld xmlns:a="http://schemas.openxmlformats.org/drawingml/2006/main" xmlns:r="http://schemas.openxmlformats.org/officeDocument/2006/relationships" xmlns:p="http://schemas.openxmlformats.org/presentationml/2006/main">
-  <p:cSld>
-    <p:spTree>
-      <p:nvGrpSpPr>
-        <p:cNvPr id="1" name=""/>
-        <p:cNvGrpSpPr/>
-        <p:nvPr/>
-      </p:nvGrpSpPr>
-      <p:grpSpPr>
-        <a:xfrm>
-          <a:off x="0" y="0"/>
-          <a:ext cx="0" cy="0"/>
-          <a:chOff x="0" y="0"/>
-          <a:chExt cx="0" cy="0"/>
-        </a:xfrm>
-      </p:grpSpPr>
-      <p:sp>
-        <p:nvSpPr>
-          <p:cNvPr id="2" name="Title 1"/>
-          <p:cNvSpPr>
-            <a:spLocks noGrp="1"/>
-          </p:cNvSpPr>
-          <p:nvPr>
-            <p:ph type="title"/>
-          </p:nvPr>
-        </p:nvSpPr>
-        <p:spPr>
-          <a:xfrm>
-            <a:off x="97971" y="274638"/>
-            <a:ext cx="8596993" cy="1143000"/>
-          </a:xfrm>
-        </p:spPr>
-        <p:txBody>
-          <a:bodyPr/>
-          <a:lstStyle/>
-          <a:p>
-            <a:r>
-              <a:rPr lang="en-US" sz="4500" dirty="0" smtClean="0"/>
-              <a:t>Other Requirements: Additional</a:t>
-            </a:r>
-            <a:endParaRPr lang="en-US" sz="4500" dirty="0"/>
-          </a:p>
-        </p:txBody>
-      </p:sp>
-      <p:sp>
-        <p:nvSpPr>
-          <p:cNvPr id="3" name="Content Placeholder 2"/>
-          <p:cNvSpPr>
-            <a:spLocks noGrp="1"/>
-          </p:cNvSpPr>
-          <p:nvPr>
-            <p:ph idx="1"/>
-          </p:nvPr>
-        </p:nvSpPr>
-        <p:spPr>
-          <a:xfrm>
-            <a:off x="457200" y="1284514"/>
-            <a:ext cx="8074478" cy="5334000"/>
-          </a:xfrm>
-        </p:spPr>
-        <p:txBody>
-          <a:bodyPr>
-            <a:normAutofit fontScale="92500" lnSpcReduction="20000"/>
-          </a:bodyPr>
-          <a:lstStyle/>
-          <a:p>
-            <a:r>
-              <a:rPr lang="en-US" b="1" dirty="0"/>
-              <a:t>8.1	Material Database</a:t>
-            </a:r>
-          </a:p>
-          <a:p>
-            <a:pPr lvl="1"/>
-            <a:r>
-              <a:rPr lang="en-US" b="1" dirty="0" smtClean="0"/>
-              <a:t>8.1.1</a:t>
-            </a:r>
-            <a:r>
-              <a:rPr lang="en-US" b="1" dirty="0"/>
-              <a:t>	Description</a:t>
-            </a:r>
-            <a:r>
-              <a:rPr lang="en-US" dirty="0"/>
-              <a:t>:  The system shall have a database that holds information about how the </a:t>
-            </a:r>
-            <a:r>
-              <a:rPr lang="en-US" dirty="0" smtClean="0"/>
-              <a:t>			         material </a:t>
-            </a:r>
-            <a:r>
-              <a:rPr lang="en-US" dirty="0"/>
-              <a:t>is printed.  For each material, the database must hold the </a:t>
-            </a:r>
-            <a:r>
-              <a:rPr lang="en-US" dirty="0" smtClean="0"/>
-              <a:t>			         diameter </a:t>
-            </a:r>
-            <a:r>
-              <a:rPr lang="en-US" dirty="0"/>
-              <a:t>of the material filament and the temperature the filament </a:t>
-            </a:r>
-            <a:r>
-              <a:rPr lang="en-US" dirty="0" smtClean="0"/>
-              <a:t>			         must </a:t>
-            </a:r>
-            <a:r>
-              <a:rPr lang="en-US" dirty="0"/>
-              <a:t>be extruded at.</a:t>
-            </a:r>
-          </a:p>
-          <a:p>
-            <a:pPr lvl="1"/>
-            <a:r>
-              <a:rPr lang="en-US" b="1" dirty="0" smtClean="0"/>
-              <a:t>8.1.2</a:t>
-            </a:r>
-            <a:r>
-              <a:rPr lang="en-US" b="1" dirty="0"/>
-              <a:t>	Source:</a:t>
-            </a:r>
-            <a:r>
-              <a:rPr lang="en-US" dirty="0"/>
-              <a:t>  Dr. </a:t>
-            </a:r>
-            <a:r>
-              <a:rPr lang="en-US" dirty="0" err="1"/>
-              <a:t>Panos</a:t>
-            </a:r>
-            <a:r>
-              <a:rPr lang="en-US" dirty="0"/>
-              <a:t> S. </a:t>
-            </a:r>
-            <a:r>
-              <a:rPr lang="en-US" dirty="0" err="1"/>
-              <a:t>Shiakolas</a:t>
-            </a:r>
-            <a:r>
-              <a:rPr lang="en-US" dirty="0"/>
-              <a:t> (Sponsor)</a:t>
-            </a:r>
-          </a:p>
-          <a:p>
-            <a:pPr lvl="1"/>
-            <a:r>
-              <a:rPr lang="en-US" b="1" dirty="0" smtClean="0"/>
-              <a:t>8.1.3 	Constraints</a:t>
-            </a:r>
-            <a:r>
-              <a:rPr lang="en-US" b="1" dirty="0"/>
-              <a:t>:</a:t>
-            </a:r>
-            <a:r>
-              <a:rPr lang="en-US" dirty="0"/>
-              <a:t>  None</a:t>
-            </a:r>
-          </a:p>
-          <a:p>
-            <a:pPr lvl="1"/>
-            <a:r>
-              <a:rPr lang="en-US" b="1" dirty="0" smtClean="0"/>
-              <a:t>8.1.4	Standards</a:t>
-            </a:r>
-            <a:r>
-              <a:rPr lang="en-US" b="1" dirty="0"/>
-              <a:t>:</a:t>
-            </a:r>
-            <a:r>
-              <a:rPr lang="en-US" dirty="0"/>
-              <a:t>  Binary Text</a:t>
-            </a:r>
-          </a:p>
-          <a:p>
-            <a:pPr lvl="1"/>
-            <a:r>
-              <a:rPr lang="en-US" b="1" dirty="0" smtClean="0"/>
-              <a:t>8.1.5</a:t>
-            </a:r>
-            <a:r>
-              <a:rPr lang="en-US" b="1" dirty="0"/>
-              <a:t>	Priority:</a:t>
-            </a:r>
-            <a:r>
-              <a:rPr lang="en-US" dirty="0"/>
-              <a:t>  1 – Critical</a:t>
-            </a:r>
-          </a:p>
-          <a:p>
-            <a:r>
-              <a:rPr lang="en-US" b="1" dirty="0"/>
-              <a:t>8.2	Abstract Hardware Interface</a:t>
-            </a:r>
-          </a:p>
-          <a:p>
-            <a:pPr lvl="1"/>
-            <a:r>
-              <a:rPr lang="en-US" b="1" dirty="0" smtClean="0"/>
-              <a:t>8.2.1</a:t>
-            </a:r>
-            <a:r>
-              <a:rPr lang="en-US" b="1" dirty="0"/>
-              <a:t>	Description:</a:t>
-            </a:r>
-            <a:r>
-              <a:rPr lang="en-US" dirty="0"/>
-              <a:t> The system shall allow for multiple different printers and multiple </a:t>
-            </a:r>
-            <a:r>
-              <a:rPr lang="en-US" dirty="0" smtClean="0"/>
-              <a:t>				        different </a:t>
-            </a:r>
-            <a:r>
-              <a:rPr lang="en-US" dirty="0"/>
-              <a:t>heads to be used with minimal software change.</a:t>
-            </a:r>
-          </a:p>
-          <a:p>
-            <a:pPr lvl="1"/>
-            <a:r>
-              <a:rPr lang="en-US" b="1" dirty="0" smtClean="0"/>
-              <a:t>8.2.2</a:t>
-            </a:r>
-            <a:r>
-              <a:rPr lang="en-US" b="1" dirty="0"/>
-              <a:t>	Source:</a:t>
-            </a:r>
-            <a:r>
-              <a:rPr lang="en-US" dirty="0"/>
-              <a:t>  Jesse Bowles (Team Member)</a:t>
-            </a:r>
-          </a:p>
-          <a:p>
-            <a:pPr lvl="1"/>
-            <a:r>
-              <a:rPr lang="en-US" b="1" dirty="0" smtClean="0"/>
-              <a:t>8.2.3 	Constraints</a:t>
-            </a:r>
-            <a:r>
-              <a:rPr lang="en-US" b="1" dirty="0"/>
-              <a:t>:</a:t>
-            </a:r>
-            <a:r>
-              <a:rPr lang="en-US" dirty="0"/>
-              <a:t>  Unknown hardware interface </a:t>
-            </a:r>
-          </a:p>
-          <a:p>
-            <a:pPr lvl="1"/>
-            <a:r>
-              <a:rPr lang="en-US" b="1" dirty="0" smtClean="0"/>
-              <a:t>8.2.4 	Standards</a:t>
-            </a:r>
-            <a:r>
-              <a:rPr lang="en-US" b="1" dirty="0"/>
-              <a:t>:</a:t>
-            </a:r>
-            <a:r>
-              <a:rPr lang="en-US" dirty="0"/>
-              <a:t>  None</a:t>
-            </a:r>
-          </a:p>
-          <a:p>
-            <a:pPr lvl="1"/>
-            <a:r>
-              <a:rPr lang="en-US" b="1" dirty="0" smtClean="0"/>
-              <a:t>8.2.5</a:t>
-            </a:r>
-            <a:r>
-              <a:rPr lang="en-US" b="1" dirty="0"/>
-              <a:t>	Priority:</a:t>
-            </a:r>
-            <a:r>
-              <a:rPr lang="en-US" dirty="0"/>
-              <a:t>  1 – Critical</a:t>
-            </a:r>
-          </a:p>
-          <a:p>
-            <a:pPr lvl="1"/>
-            <a:endParaRPr lang="en-US" dirty="0"/>
-          </a:p>
-        </p:txBody>
-      </p:sp>
-    </p:spTree>
-    <p:extLst>
-      <p:ext uri="{BB962C8B-B14F-4D97-AF65-F5344CB8AC3E}">
-        <p14:creationId xmlns:p14="http://schemas.microsoft.com/office/powerpoint/2010/main" val="2901560534"/>
-      </p:ext>
-    </p:extLst>
-  </p:cSld>
-  <p:clrMapOvr>
-    <a:masterClrMapping/>
-  </p:clrMapOvr>
-  <p:timing>
-    <p:tnLst>
-      <p:par>
-        <p:cTn id="1" dur="indefinite" restart="never" nodeType="tmRoot"/>
-      </p:par>
-    </p:tnLst>
-  </p:timing>
-</p:sld>
-</file>
-
-<file path=ppt/slides/slide16.xml><?xml version="1.0" encoding="utf-8"?>
-<p:sld xmlns:a="http://schemas.openxmlformats.org/drawingml/2006/main" xmlns:r="http://schemas.openxmlformats.org/officeDocument/2006/relationships" xmlns:p="http://schemas.openxmlformats.org/presentationml/2006/main">
-  <p:cSld>
-    <p:spTree>
-      <p:nvGrpSpPr>
-        <p:cNvPr id="1" name=""/>
-        <p:cNvGrpSpPr/>
-        <p:nvPr/>
-      </p:nvGrpSpPr>
-      <p:grpSpPr>
-        <a:xfrm>
-          <a:off x="0" y="0"/>
-          <a:ext cx="0" cy="0"/>
-          <a:chOff x="0" y="0"/>
-          <a:chExt cx="0" cy="0"/>
-        </a:xfrm>
-      </p:grpSpPr>
-      <p:sp>
-        <p:nvSpPr>
-          <p:cNvPr id="2" name="Title 1"/>
-          <p:cNvSpPr>
-            <a:spLocks noGrp="1"/>
-          </p:cNvSpPr>
-          <p:nvPr>
-            <p:ph type="title"/>
-          </p:nvPr>
-        </p:nvSpPr>
-        <p:spPr>
-          <a:xfrm>
-            <a:off x="97971" y="274638"/>
-            <a:ext cx="8596993" cy="1143000"/>
-          </a:xfrm>
-        </p:spPr>
-        <p:txBody>
-          <a:bodyPr/>
-          <a:lstStyle/>
-          <a:p>
-            <a:r>
-              <a:rPr lang="en-US" sz="4500" dirty="0" smtClean="0"/>
-              <a:t>Other Requirements: Additional</a:t>
-            </a:r>
-            <a:endParaRPr lang="en-US" sz="4500" dirty="0"/>
-          </a:p>
-        </p:txBody>
-      </p:sp>
-      <p:sp>
-        <p:nvSpPr>
-          <p:cNvPr id="3" name="Content Placeholder 2"/>
-          <p:cNvSpPr>
-            <a:spLocks noGrp="1"/>
-          </p:cNvSpPr>
-          <p:nvPr>
-            <p:ph idx="1"/>
-          </p:nvPr>
-        </p:nvSpPr>
-        <p:spPr>
-          <a:xfrm>
-            <a:off x="457200" y="1284514"/>
-            <a:ext cx="8074478" cy="5334000"/>
-          </a:xfrm>
-        </p:spPr>
-        <p:txBody>
-          <a:bodyPr>
-            <a:normAutofit/>
-          </a:bodyPr>
-          <a:lstStyle/>
-          <a:p>
-            <a:r>
-              <a:rPr lang="en-US" b="1" dirty="0"/>
-              <a:t>8.3	Modular and Scalable Design</a:t>
-            </a:r>
-          </a:p>
-          <a:p>
-            <a:pPr lvl="1"/>
-            <a:r>
-              <a:rPr lang="en-US" b="1" dirty="0" smtClean="0"/>
-              <a:t>8.3.1</a:t>
-            </a:r>
-            <a:r>
-              <a:rPr lang="en-US" b="1" dirty="0"/>
-              <a:t>	Description:</a:t>
-            </a:r>
-            <a:r>
-              <a:rPr lang="en-US" dirty="0"/>
-              <a:t> The software shall be developed using proven design principles to </a:t>
-            </a:r>
-            <a:r>
-              <a:rPr lang="en-US" dirty="0" smtClean="0"/>
-              <a:t>				        ensure </a:t>
-            </a:r>
-            <a:r>
-              <a:rPr lang="en-US" dirty="0"/>
-              <a:t>that it can be scaled and maintained by future development </a:t>
-            </a:r>
-            <a:r>
-              <a:rPr lang="en-US" dirty="0" smtClean="0"/>
-              <a:t>			        teams</a:t>
-            </a:r>
-            <a:r>
-              <a:rPr lang="en-US" dirty="0"/>
-              <a:t>.</a:t>
-            </a:r>
-          </a:p>
-          <a:p>
-            <a:pPr lvl="1"/>
-            <a:r>
-              <a:rPr lang="en-US" b="1" dirty="0" smtClean="0"/>
-              <a:t>8.3.2</a:t>
-            </a:r>
-            <a:r>
-              <a:rPr lang="en-US" b="1" dirty="0"/>
-              <a:t>	Source:</a:t>
-            </a:r>
-            <a:r>
-              <a:rPr lang="en-US" dirty="0"/>
-              <a:t>  Dr. </a:t>
-            </a:r>
-            <a:r>
-              <a:rPr lang="en-US" dirty="0" err="1"/>
-              <a:t>Panos</a:t>
-            </a:r>
-            <a:r>
-              <a:rPr lang="en-US" dirty="0"/>
-              <a:t> S. </a:t>
-            </a:r>
-            <a:r>
-              <a:rPr lang="en-US" dirty="0" err="1"/>
-              <a:t>Shiakolas</a:t>
-            </a:r>
-            <a:r>
-              <a:rPr lang="en-US" dirty="0"/>
-              <a:t> (Sponsor)</a:t>
-            </a:r>
-          </a:p>
-          <a:p>
-            <a:pPr lvl="1"/>
-            <a:r>
-              <a:rPr lang="en-US" b="1" dirty="0" smtClean="0"/>
-              <a:t>8.3.3 	Constraints</a:t>
-            </a:r>
-            <a:r>
-              <a:rPr lang="en-US" b="1" dirty="0"/>
-              <a:t>:</a:t>
-            </a:r>
-            <a:r>
-              <a:rPr lang="en-US" dirty="0"/>
-              <a:t>  None</a:t>
-            </a:r>
-          </a:p>
-          <a:p>
-            <a:pPr lvl="1"/>
-            <a:r>
-              <a:rPr lang="en-US" b="1" dirty="0" smtClean="0"/>
-              <a:t>8.3.4 	Standards</a:t>
-            </a:r>
-            <a:r>
-              <a:rPr lang="en-US" b="1" dirty="0"/>
-              <a:t>:</a:t>
-            </a:r>
-            <a:r>
-              <a:rPr lang="en-US" dirty="0"/>
-              <a:t>  S.O.L.I.D. Design Principles</a:t>
-            </a:r>
-          </a:p>
-          <a:p>
-            <a:pPr lvl="1"/>
-            <a:r>
-              <a:rPr lang="en-US" b="1" dirty="0" smtClean="0"/>
-              <a:t>8.3.5</a:t>
-            </a:r>
-            <a:r>
-              <a:rPr lang="en-US" b="1" dirty="0"/>
-              <a:t>	Priority:</a:t>
-            </a:r>
-            <a:r>
-              <a:rPr lang="en-US" dirty="0"/>
-              <a:t>  1 – Critical</a:t>
-            </a:r>
-          </a:p>
-          <a:p>
-            <a:pPr lvl="1"/>
-            <a:endParaRPr lang="en-US" dirty="0"/>
-          </a:p>
-        </p:txBody>
-      </p:sp>
-    </p:spTree>
-    <p:extLst>
-      <p:ext uri="{BB962C8B-B14F-4D97-AF65-F5344CB8AC3E}">
-        <p14:creationId xmlns:p14="http://schemas.microsoft.com/office/powerpoint/2010/main" val="402307554"/>
       </p:ext>
     </p:extLst>
   </p:cSld>
@@ -5326,23 +4031,13 @@
             </a:r>
             <a:r>
               <a:rPr lang="en-US" dirty="0" smtClean="0"/>
-              <a:t> , Mr. O’Dell</a:t>
-            </a:r>
-          </a:p>
-          <a:p>
+              <a:t> , Mr. </a:t>
+            </a:r>
             <a:r>
               <a:rPr lang="en-US" dirty="0" smtClean="0"/>
-              <a:t>Constraints </a:t>
-            </a:r>
-          </a:p>
-          <a:p>
-            <a:r>
-              <a:rPr lang="en-US" dirty="0" smtClean="0"/>
-              <a:t>Assumptions</a:t>
-            </a:r>
-          </a:p>
-          <a:p>
-            <a:endParaRPr lang="en-US" dirty="0"/>
+              <a:t>O’Dell</a:t>
+            </a:r>
+            <a:endParaRPr lang="en-US" dirty="0" smtClean="0"/>
           </a:p>
         </p:txBody>
       </p:sp>
@@ -6096,142 +4791,6 @@
           <a:p>
             <a:r>
               <a:rPr lang="en-US" dirty="0" smtClean="0"/>
-              <a:t>Overview</a:t>
-            </a:r>
-            <a:endParaRPr lang="en-US" dirty="0"/>
-          </a:p>
-        </p:txBody>
-      </p:sp>
-      <p:sp>
-        <p:nvSpPr>
-          <p:cNvPr id="3" name="Content Placeholder 2"/>
-          <p:cNvSpPr>
-            <a:spLocks noGrp="1"/>
-          </p:cNvSpPr>
-          <p:nvPr>
-            <p:ph idx="1"/>
-          </p:nvPr>
-        </p:nvSpPr>
-        <p:spPr/>
-        <p:txBody>
-          <a:bodyPr/>
-          <a:lstStyle/>
-          <a:p>
-            <a:r>
-              <a:rPr lang="en-US" dirty="0" smtClean="0"/>
-              <a:t>Product Concept</a:t>
-            </a:r>
-          </a:p>
-          <a:p>
-            <a:r>
-              <a:rPr lang="en-US" dirty="0" smtClean="0"/>
-              <a:t>Functional Requirements</a:t>
-            </a:r>
-          </a:p>
-          <a:p>
-            <a:r>
-              <a:rPr lang="en-US" dirty="0" smtClean="0"/>
-              <a:t>User Interface Requirements</a:t>
-            </a:r>
-          </a:p>
-          <a:p>
-            <a:r>
-              <a:rPr lang="en-US" dirty="0" smtClean="0"/>
-              <a:t>Input and Output Requirements</a:t>
-            </a:r>
-          </a:p>
-          <a:p>
-            <a:r>
-              <a:rPr lang="en-US" dirty="0" smtClean="0"/>
-              <a:t>Packaging Requirements</a:t>
-            </a:r>
-          </a:p>
-          <a:p>
-            <a:r>
-              <a:rPr lang="en-US" dirty="0" smtClean="0"/>
-              <a:t>Performance Requirements</a:t>
-            </a:r>
-          </a:p>
-          <a:p>
-            <a:r>
-              <a:rPr lang="en-US" dirty="0" smtClean="0"/>
-              <a:t>Other Requirements</a:t>
-            </a:r>
-          </a:p>
-          <a:p>
-            <a:r>
-              <a:rPr lang="en-US" dirty="0" smtClean="0"/>
-              <a:t>Uses Cases</a:t>
-            </a:r>
-          </a:p>
-          <a:p>
-            <a:r>
-              <a:rPr lang="en-US" dirty="0" smtClean="0"/>
-              <a:t>Feasibility Analysis</a:t>
-            </a:r>
-          </a:p>
-          <a:p>
-            <a:endParaRPr lang="en-US" dirty="0" smtClean="0"/>
-          </a:p>
-          <a:p>
-            <a:endParaRPr lang="en-US" dirty="0"/>
-          </a:p>
-        </p:txBody>
-      </p:sp>
-    </p:spTree>
-    <p:extLst>
-      <p:ext uri="{BB962C8B-B14F-4D97-AF65-F5344CB8AC3E}">
-        <p14:creationId xmlns:p14="http://schemas.microsoft.com/office/powerpoint/2010/main" val="2836041654"/>
-      </p:ext>
-    </p:extLst>
-  </p:cSld>
-  <p:clrMapOvr>
-    <a:masterClrMapping/>
-  </p:clrMapOvr>
-  <p:timing>
-    <p:tnLst>
-      <p:par>
-        <p:cTn id="1" dur="indefinite" restart="never" nodeType="tmRoot"/>
-      </p:par>
-    </p:tnLst>
-  </p:timing>
-</p:sld>
-</file>
-
-<file path=ppt/slides/slide4.xml><?xml version="1.0" encoding="utf-8"?>
-<p:sld xmlns:a="http://schemas.openxmlformats.org/drawingml/2006/main" xmlns:r="http://schemas.openxmlformats.org/officeDocument/2006/relationships" xmlns:p="http://schemas.openxmlformats.org/presentationml/2006/main">
-  <p:cSld>
-    <p:spTree>
-      <p:nvGrpSpPr>
-        <p:cNvPr id="1" name=""/>
-        <p:cNvGrpSpPr/>
-        <p:nvPr/>
-      </p:nvGrpSpPr>
-      <p:grpSpPr>
-        <a:xfrm>
-          <a:off x="0" y="0"/>
-          <a:ext cx="0" cy="0"/>
-          <a:chOff x="0" y="0"/>
-          <a:chExt cx="0" cy="0"/>
-        </a:xfrm>
-      </p:grpSpPr>
-      <p:sp>
-        <p:nvSpPr>
-          <p:cNvPr id="2" name="Title 1"/>
-          <p:cNvSpPr>
-            <a:spLocks noGrp="1"/>
-          </p:cNvSpPr>
-          <p:nvPr>
-            <p:ph type="title"/>
-          </p:nvPr>
-        </p:nvSpPr>
-        <p:spPr/>
-        <p:txBody>
-          <a:bodyPr/>
-          <a:lstStyle/>
-          <a:p>
-            <a:r>
-              <a:rPr lang="en-US" dirty="0" smtClean="0"/>
               <a:t>Product Concept</a:t>
             </a:r>
             <a:endParaRPr lang="en-US" dirty="0"/>
@@ -6354,7 +4913,7 @@
 </p:sld>
 </file>
 
-<file path=ppt/slides/slide5.xml><?xml version="1.0" encoding="utf-8"?>
+<file path=ppt/slides/slide4.xml><?xml version="1.0" encoding="utf-8"?>
 <p:sld xmlns:a="http://schemas.openxmlformats.org/drawingml/2006/main" xmlns:r="http://schemas.openxmlformats.org/officeDocument/2006/relationships" xmlns:p="http://schemas.openxmlformats.org/presentationml/2006/main">
   <p:cSld>
     <p:spTree>
@@ -6468,7 +5027,7 @@
 </p:sld>
 </file>
 
-<file path=ppt/slides/slide6.xml><?xml version="1.0" encoding="utf-8"?>
+<file path=ppt/slides/slide5.xml><?xml version="1.0" encoding="utf-8"?>
 <p:sld xmlns:a="http://schemas.openxmlformats.org/drawingml/2006/main" xmlns:r="http://schemas.openxmlformats.org/officeDocument/2006/relationships" xmlns:p="http://schemas.openxmlformats.org/presentationml/2006/main">
   <p:cSld>
     <p:spTree>
@@ -6656,7 +5215,7 @@
         </p:nvSpPr>
         <p:spPr>
           <a:xfrm>
-            <a:off x="4724400" y="1752600"/>
+            <a:off x="5989987" y="1752600"/>
             <a:ext cx="2286000" cy="457200"/>
           </a:xfrm>
           <a:prstGeom prst="rect">
@@ -6706,7 +5265,7 @@
         </p:nvSpPr>
         <p:spPr>
           <a:xfrm>
-            <a:off x="4740442" y="2514600"/>
+            <a:off x="6006029" y="2514600"/>
             <a:ext cx="2286000" cy="457200"/>
           </a:xfrm>
           <a:prstGeom prst="rect">
@@ -6756,7 +5315,7 @@
         </p:nvSpPr>
         <p:spPr>
           <a:xfrm>
-            <a:off x="4740442" y="3276600"/>
+            <a:off x="6006029" y="3276600"/>
             <a:ext cx="2286000" cy="457200"/>
           </a:xfrm>
           <a:prstGeom prst="rect">
@@ -6806,7 +5365,7 @@
         </p:nvSpPr>
         <p:spPr>
           <a:xfrm>
-            <a:off x="4754213" y="4114800"/>
+            <a:off x="6019800" y="4114800"/>
             <a:ext cx="2286000" cy="457200"/>
           </a:xfrm>
           <a:prstGeom prst="rect">
@@ -6856,7 +5415,7 @@
         </p:nvSpPr>
         <p:spPr>
           <a:xfrm>
-            <a:off x="4724400" y="4876800"/>
+            <a:off x="5989987" y="4876800"/>
             <a:ext cx="2286000" cy="457200"/>
           </a:xfrm>
           <a:prstGeom prst="rect">
@@ -6906,7 +5465,7 @@
         </p:nvSpPr>
         <p:spPr>
           <a:xfrm>
-            <a:off x="4724400" y="5562600"/>
+            <a:off x="5989987" y="5562600"/>
             <a:ext cx="2286000" cy="457200"/>
           </a:xfrm>
           <a:prstGeom prst="rect">
@@ -6952,6 +5511,507 @@
     <p:extLst>
       <p:ext uri="{BB962C8B-B14F-4D97-AF65-F5344CB8AC3E}">
         <p14:creationId xmlns:p14="http://schemas.microsoft.com/office/powerpoint/2010/main" val="2451099397"/>
+      </p:ext>
+    </p:extLst>
+  </p:cSld>
+  <p:clrMapOvr>
+    <a:masterClrMapping/>
+  </p:clrMapOvr>
+  <p:timing>
+    <p:tnLst>
+      <p:par>
+        <p:cTn id="1" dur="indefinite" restart="never" nodeType="tmRoot"/>
+      </p:par>
+    </p:tnLst>
+  </p:timing>
+</p:sld>
+</file>
+
+<file path=ppt/slides/slide6.xml><?xml version="1.0" encoding="utf-8"?>
+<p:sld xmlns:a="http://schemas.openxmlformats.org/drawingml/2006/main" xmlns:r="http://schemas.openxmlformats.org/officeDocument/2006/relationships" xmlns:p="http://schemas.openxmlformats.org/presentationml/2006/main">
+  <p:cSld>
+    <p:spTree>
+      <p:nvGrpSpPr>
+        <p:cNvPr id="1" name=""/>
+        <p:cNvGrpSpPr/>
+        <p:nvPr/>
+      </p:nvGrpSpPr>
+      <p:grpSpPr>
+        <a:xfrm>
+          <a:off x="0" y="0"/>
+          <a:ext cx="0" cy="0"/>
+          <a:chOff x="0" y="0"/>
+          <a:chExt cx="0" cy="0"/>
+        </a:xfrm>
+      </p:grpSpPr>
+      <p:sp>
+        <p:nvSpPr>
+          <p:cNvPr id="2" name="Title 1"/>
+          <p:cNvSpPr>
+            <a:spLocks noGrp="1"/>
+          </p:cNvSpPr>
+          <p:nvPr>
+            <p:ph type="title"/>
+          </p:nvPr>
+        </p:nvSpPr>
+        <p:spPr/>
+        <p:txBody>
+          <a:bodyPr/>
+          <a:lstStyle/>
+          <a:p>
+            <a:r>
+              <a:rPr lang="en-US" dirty="0" smtClean="0"/>
+              <a:t>Functional Requirements</a:t>
+            </a:r>
+            <a:endParaRPr lang="en-US" dirty="0"/>
+          </a:p>
+        </p:txBody>
+      </p:sp>
+      <p:sp>
+        <p:nvSpPr>
+          <p:cNvPr id="3" name="Content Placeholder 2"/>
+          <p:cNvSpPr>
+            <a:spLocks noGrp="1"/>
+          </p:cNvSpPr>
+          <p:nvPr>
+            <p:ph idx="1"/>
+          </p:nvPr>
+        </p:nvSpPr>
+        <p:spPr/>
+        <p:txBody>
+          <a:bodyPr>
+            <a:normAutofit/>
+          </a:bodyPr>
+          <a:lstStyle/>
+          <a:p>
+            <a:r>
+              <a:rPr lang="en-US" sz="1800" b="1" dirty="0"/>
+              <a:t>3.10	Determine Shape of Support Material Structure</a:t>
+            </a:r>
+          </a:p>
+          <a:p>
+            <a:pPr lvl="1"/>
+            <a:r>
+              <a:rPr lang="en-US" sz="1600" b="1" dirty="0" smtClean="0"/>
+              <a:t>Priority</a:t>
+            </a:r>
+            <a:r>
+              <a:rPr lang="en-US" sz="1600" b="1" dirty="0"/>
+              <a:t>:</a:t>
+            </a:r>
+            <a:r>
+              <a:rPr lang="en-US" sz="1600" dirty="0"/>
+              <a:t>  1 - Critical</a:t>
+            </a:r>
+          </a:p>
+          <a:p>
+            <a:r>
+              <a:rPr lang="en-US" sz="1800" b="1" dirty="0"/>
+              <a:t>3.11	Create Printing Path</a:t>
+            </a:r>
+          </a:p>
+          <a:p>
+            <a:pPr lvl="1"/>
+            <a:r>
+              <a:rPr lang="en-US" sz="1600" b="1" dirty="0" smtClean="0"/>
+              <a:t>Priority</a:t>
+            </a:r>
+            <a:r>
+              <a:rPr lang="en-US" sz="1600" b="1" dirty="0"/>
+              <a:t>:</a:t>
+            </a:r>
+            <a:r>
+              <a:rPr lang="en-US" sz="1600" dirty="0"/>
+              <a:t>  1 </a:t>
+            </a:r>
+            <a:r>
+              <a:rPr lang="en-US" sz="1600" dirty="0" smtClean="0"/>
+              <a:t>– Critical</a:t>
+            </a:r>
+          </a:p>
+          <a:p>
+            <a:r>
+              <a:rPr lang="en-US" sz="1800" b="1" dirty="0"/>
+              <a:t>3.14	Slice Geometry into Thickness Levels</a:t>
+            </a:r>
+          </a:p>
+          <a:p>
+            <a:pPr lvl="1"/>
+            <a:r>
+              <a:rPr lang="en-US" sz="1600" b="1" dirty="0"/>
+              <a:t>Priority:</a:t>
+            </a:r>
+            <a:r>
+              <a:rPr lang="en-US" sz="1600" dirty="0"/>
+              <a:t>  1 – Critical</a:t>
+            </a:r>
+          </a:p>
+          <a:p>
+            <a:r>
+              <a:rPr lang="en-US" sz="1800" b="1" dirty="0"/>
+              <a:t>3.17	Allow for UV Head Polymerization</a:t>
+            </a:r>
+          </a:p>
+          <a:p>
+            <a:pPr lvl="1"/>
+            <a:r>
+              <a:rPr lang="en-US" sz="1600" b="1" dirty="0"/>
+              <a:t>Priority:</a:t>
+            </a:r>
+            <a:r>
+              <a:rPr lang="en-US" sz="1600" dirty="0"/>
+              <a:t>  1 – Critical</a:t>
+            </a:r>
+          </a:p>
+          <a:p>
+            <a:r>
+              <a:rPr lang="en-US" sz="1800" b="1" dirty="0"/>
+              <a:t>Non Critical Requirements</a:t>
+            </a:r>
+          </a:p>
+          <a:p>
+            <a:pPr lvl="1"/>
+            <a:r>
+              <a:rPr lang="en-US" sz="1600" dirty="0" smtClean="0"/>
+              <a:t>3.16 Monitor </a:t>
+            </a:r>
+            <a:r>
+              <a:rPr lang="en-US" sz="1600" dirty="0"/>
+              <a:t>Door Switch</a:t>
+            </a:r>
+          </a:p>
+          <a:p>
+            <a:pPr lvl="1"/>
+            <a:r>
+              <a:rPr lang="en-US" sz="1600" dirty="0" smtClean="0"/>
+              <a:t>3.18 </a:t>
+            </a:r>
+            <a:r>
+              <a:rPr lang="en-US" sz="1600" dirty="0" err="1" smtClean="0"/>
+              <a:t>Sparsity</a:t>
+            </a:r>
+            <a:r>
+              <a:rPr lang="en-US" sz="1600" dirty="0" smtClean="0"/>
+              <a:t> </a:t>
+            </a:r>
+            <a:r>
+              <a:rPr lang="en-US" sz="1600" dirty="0"/>
+              <a:t>and Density Controls</a:t>
+            </a:r>
+            <a:endParaRPr lang="en-US" sz="1600" b="1" dirty="0"/>
+          </a:p>
+          <a:p>
+            <a:endParaRPr lang="en-US" sz="1800" dirty="0"/>
+          </a:p>
+          <a:p>
+            <a:endParaRPr lang="en-US" sz="1800" dirty="0"/>
+          </a:p>
+        </p:txBody>
+      </p:sp>
+      <p:sp>
+        <p:nvSpPr>
+          <p:cNvPr id="4" name="Rectangle 3"/>
+          <p:cNvSpPr/>
+          <p:nvPr/>
+        </p:nvSpPr>
+        <p:spPr>
+          <a:xfrm>
+            <a:off x="6019800" y="1752600"/>
+            <a:ext cx="2286000" cy="457200"/>
+          </a:xfrm>
+          <a:prstGeom prst="rect">
+            <a:avLst/>
+          </a:prstGeom>
+          <a:solidFill>
+            <a:srgbClr val="00B050"/>
+          </a:solidFill>
+        </p:spPr>
+        <p:style>
+          <a:lnRef idx="2">
+            <a:schemeClr val="accent1">
+              <a:shade val="50000"/>
+            </a:schemeClr>
+          </a:lnRef>
+          <a:fillRef idx="1">
+            <a:schemeClr val="accent1"/>
+          </a:fillRef>
+          <a:effectRef idx="0">
+            <a:schemeClr val="accent1"/>
+          </a:effectRef>
+          <a:fontRef idx="minor">
+            <a:schemeClr val="lt1"/>
+          </a:fontRef>
+        </p:style>
+        <p:txBody>
+          <a:bodyPr rtlCol="0" anchor="ctr"/>
+          <a:lstStyle/>
+          <a:p>
+            <a:pPr algn="ctr"/>
+            <a:r>
+              <a:rPr lang="en-US" dirty="0" smtClean="0">
+                <a:solidFill>
+                  <a:schemeClr val="tx1"/>
+                </a:solidFill>
+              </a:rPr>
+              <a:t>Completed</a:t>
+            </a:r>
+          </a:p>
+        </p:txBody>
+      </p:sp>
+      <p:sp>
+        <p:nvSpPr>
+          <p:cNvPr id="5" name="Rectangle 4"/>
+          <p:cNvSpPr/>
+          <p:nvPr/>
+        </p:nvSpPr>
+        <p:spPr>
+          <a:xfrm>
+            <a:off x="6019800" y="2438400"/>
+            <a:ext cx="2286000" cy="457200"/>
+          </a:xfrm>
+          <a:prstGeom prst="rect">
+            <a:avLst/>
+          </a:prstGeom>
+          <a:solidFill>
+            <a:srgbClr val="00B050"/>
+          </a:solidFill>
+        </p:spPr>
+        <p:style>
+          <a:lnRef idx="2">
+            <a:schemeClr val="accent1">
+              <a:shade val="50000"/>
+            </a:schemeClr>
+          </a:lnRef>
+          <a:fillRef idx="1">
+            <a:schemeClr val="accent1"/>
+          </a:fillRef>
+          <a:effectRef idx="0">
+            <a:schemeClr val="accent1"/>
+          </a:effectRef>
+          <a:fontRef idx="minor">
+            <a:schemeClr val="lt1"/>
+          </a:fontRef>
+        </p:style>
+        <p:txBody>
+          <a:bodyPr rtlCol="0" anchor="ctr"/>
+          <a:lstStyle/>
+          <a:p>
+            <a:pPr algn="ctr"/>
+            <a:r>
+              <a:rPr lang="en-US" dirty="0" smtClean="0">
+                <a:solidFill>
+                  <a:schemeClr val="tx1"/>
+                </a:solidFill>
+              </a:rPr>
+              <a:t>Completed</a:t>
+            </a:r>
+          </a:p>
+        </p:txBody>
+      </p:sp>
+      <p:sp>
+        <p:nvSpPr>
+          <p:cNvPr id="6" name="Rectangle 5"/>
+          <p:cNvSpPr/>
+          <p:nvPr/>
+        </p:nvSpPr>
+        <p:spPr>
+          <a:xfrm>
+            <a:off x="6019800" y="3048000"/>
+            <a:ext cx="2286000" cy="457200"/>
+          </a:xfrm>
+          <a:prstGeom prst="rect">
+            <a:avLst/>
+          </a:prstGeom>
+          <a:solidFill>
+            <a:srgbClr val="00B050"/>
+          </a:solidFill>
+        </p:spPr>
+        <p:style>
+          <a:lnRef idx="2">
+            <a:schemeClr val="accent1">
+              <a:shade val="50000"/>
+            </a:schemeClr>
+          </a:lnRef>
+          <a:fillRef idx="1">
+            <a:schemeClr val="accent1"/>
+          </a:fillRef>
+          <a:effectRef idx="0">
+            <a:schemeClr val="accent1"/>
+          </a:effectRef>
+          <a:fontRef idx="minor">
+            <a:schemeClr val="lt1"/>
+          </a:fontRef>
+        </p:style>
+        <p:txBody>
+          <a:bodyPr rtlCol="0" anchor="ctr"/>
+          <a:lstStyle/>
+          <a:p>
+            <a:pPr algn="ctr"/>
+            <a:r>
+              <a:rPr lang="en-US" dirty="0" smtClean="0">
+                <a:solidFill>
+                  <a:schemeClr val="tx1"/>
+                </a:solidFill>
+              </a:rPr>
+              <a:t>Completed</a:t>
+            </a:r>
+          </a:p>
+        </p:txBody>
+      </p:sp>
+      <p:sp>
+        <p:nvSpPr>
+          <p:cNvPr id="7" name="Rectangle 6"/>
+          <p:cNvSpPr/>
+          <p:nvPr/>
+        </p:nvSpPr>
+        <p:spPr>
+          <a:xfrm>
+            <a:off x="6001439" y="3657600"/>
+            <a:ext cx="2286000" cy="457200"/>
+          </a:xfrm>
+          <a:prstGeom prst="rect">
+            <a:avLst/>
+          </a:prstGeom>
+          <a:solidFill>
+            <a:srgbClr val="00B050"/>
+          </a:solidFill>
+        </p:spPr>
+        <p:style>
+          <a:lnRef idx="2">
+            <a:schemeClr val="accent1">
+              <a:shade val="50000"/>
+            </a:schemeClr>
+          </a:lnRef>
+          <a:fillRef idx="1">
+            <a:schemeClr val="accent1"/>
+          </a:fillRef>
+          <a:effectRef idx="0">
+            <a:schemeClr val="accent1"/>
+          </a:effectRef>
+          <a:fontRef idx="minor">
+            <a:schemeClr val="lt1"/>
+          </a:fontRef>
+        </p:style>
+        <p:txBody>
+          <a:bodyPr rtlCol="0" anchor="ctr"/>
+          <a:lstStyle/>
+          <a:p>
+            <a:pPr algn="ctr"/>
+            <a:r>
+              <a:rPr lang="en-US" dirty="0" smtClean="0">
+                <a:solidFill>
+                  <a:schemeClr val="tx1"/>
+                </a:solidFill>
+              </a:rPr>
+              <a:t>Completed</a:t>
+            </a:r>
+          </a:p>
+        </p:txBody>
+      </p:sp>
+      <p:sp>
+        <p:nvSpPr>
+          <p:cNvPr id="8" name="Rectangle 7"/>
+          <p:cNvSpPr/>
+          <p:nvPr/>
+        </p:nvSpPr>
+        <p:spPr>
+          <a:xfrm>
+            <a:off x="6001439" y="4343400"/>
+            <a:ext cx="2286000" cy="304800"/>
+          </a:xfrm>
+          <a:prstGeom prst="rect">
+            <a:avLst/>
+          </a:prstGeom>
+          <a:solidFill>
+            <a:srgbClr val="FF0000"/>
+          </a:solidFill>
+        </p:spPr>
+        <p:style>
+          <a:lnRef idx="2">
+            <a:schemeClr val="accent1">
+              <a:shade val="50000"/>
+            </a:schemeClr>
+          </a:lnRef>
+          <a:fillRef idx="1">
+            <a:schemeClr val="accent1"/>
+          </a:fillRef>
+          <a:effectRef idx="0">
+            <a:schemeClr val="accent1"/>
+          </a:effectRef>
+          <a:fontRef idx="minor">
+            <a:schemeClr val="lt1"/>
+          </a:fontRef>
+        </p:style>
+        <p:txBody>
+          <a:bodyPr rtlCol="0" anchor="ctr"/>
+          <a:lstStyle/>
+          <a:p>
+            <a:pPr algn="ctr"/>
+            <a:r>
+              <a:rPr lang="en-US" dirty="0" smtClean="0">
+                <a:solidFill>
+                  <a:schemeClr val="tx1"/>
+                </a:solidFill>
+              </a:rPr>
+              <a:t>Incomplete</a:t>
+            </a:r>
+          </a:p>
+        </p:txBody>
+      </p:sp>
+      <p:sp>
+        <p:nvSpPr>
+          <p:cNvPr id="9" name="Rectangle 8"/>
+          <p:cNvSpPr/>
+          <p:nvPr/>
+        </p:nvSpPr>
+        <p:spPr>
+          <a:xfrm>
+            <a:off x="6001439" y="4724400"/>
+            <a:ext cx="2286000" cy="304800"/>
+          </a:xfrm>
+          <a:prstGeom prst="rect">
+            <a:avLst/>
+          </a:prstGeom>
+          <a:solidFill>
+            <a:srgbClr val="00B050"/>
+          </a:solidFill>
+        </p:spPr>
+        <p:style>
+          <a:lnRef idx="2">
+            <a:schemeClr val="accent1">
+              <a:shade val="50000"/>
+            </a:schemeClr>
+          </a:lnRef>
+          <a:fillRef idx="1">
+            <a:schemeClr val="accent1"/>
+          </a:fillRef>
+          <a:effectRef idx="0">
+            <a:schemeClr val="accent1"/>
+          </a:effectRef>
+          <a:fontRef idx="minor">
+            <a:schemeClr val="lt1"/>
+          </a:fontRef>
+        </p:style>
+        <p:txBody>
+          <a:bodyPr rtlCol="0" anchor="ctr"/>
+          <a:lstStyle/>
+          <a:p>
+            <a:pPr algn="ctr"/>
+            <a:r>
+              <a:rPr lang="en-US" dirty="0" smtClean="0">
+                <a:solidFill>
+                  <a:schemeClr val="tx1"/>
+                </a:solidFill>
+              </a:rPr>
+              <a:t>Completed</a:t>
+            </a:r>
+          </a:p>
+        </p:txBody>
+      </p:sp>
+    </p:spTree>
+    <p:extLst>
+      <p:ext uri="{BB962C8B-B14F-4D97-AF65-F5344CB8AC3E}">
+        <p14:creationId xmlns:p14="http://schemas.microsoft.com/office/powerpoint/2010/main" val="1381400501"/>
       </p:ext>
     </p:extLst>
   </p:cSld>
@@ -7002,7 +6062,7 @@
           <a:p>
             <a:r>
               <a:rPr lang="en-US" dirty="0" smtClean="0"/>
-              <a:t>Functional Requirements</a:t>
+              <a:t>User Interfaces Requirements</a:t>
             </a:r>
             <a:endParaRPr lang="en-US" dirty="0"/>
           </a:p>
@@ -7018,7 +6078,12 @@
             <p:ph idx="1"/>
           </p:nvPr>
         </p:nvSpPr>
-        <p:spPr/>
+        <p:spPr>
+          <a:xfrm>
+            <a:off x="457200" y="1262744"/>
+            <a:ext cx="7620000" cy="5138057"/>
+          </a:xfrm>
+        </p:spPr>
         <p:txBody>
           <a:bodyPr>
             <a:normAutofit/>
@@ -7026,126 +6091,90 @@
           <a:lstStyle/>
           <a:p>
             <a:r>
-              <a:rPr lang="en-US" sz="1800" b="1" dirty="0"/>
-              <a:t>3.10	Determine Shape of Support Material Structure</a:t>
+              <a:rPr lang="en-US" b="1" dirty="0"/>
+              <a:t>3.2	Graphical User Interface</a:t>
             </a:r>
           </a:p>
           <a:p>
             <a:pPr lvl="1"/>
             <a:r>
-              <a:rPr lang="en-US" sz="1600" b="1" dirty="0" smtClean="0"/>
+              <a:rPr lang="en-US" b="1" dirty="0" smtClean="0"/>
               <a:t>Priority</a:t>
             </a:r>
             <a:r>
-              <a:rPr lang="en-US" sz="1600" b="1" dirty="0"/>
+              <a:rPr lang="en-US" b="1" dirty="0"/>
               <a:t>:</a:t>
             </a:r>
             <a:r>
-              <a:rPr lang="en-US" sz="1600" dirty="0"/>
-              <a:t>  1 - Critical</a:t>
-            </a:r>
-          </a:p>
-          <a:p>
-            <a:r>
-              <a:rPr lang="en-US" sz="1800" b="1" dirty="0"/>
-              <a:t>3.11	Create Printing Path</a:t>
+              <a:rPr lang="en-US" dirty="0"/>
+              <a:t>  3 </a:t>
+            </a:r>
+            <a:r>
+              <a:rPr lang="en-US" dirty="0" smtClean="0"/>
+              <a:t>– Moderate</a:t>
+            </a:r>
+          </a:p>
+          <a:p>
+            <a:r>
+              <a:rPr lang="en-US" b="1" dirty="0"/>
+              <a:t>3.12	Database Interface</a:t>
             </a:r>
           </a:p>
           <a:p>
             <a:pPr lvl="1"/>
             <a:r>
-              <a:rPr lang="en-US" sz="1600" b="1" dirty="0" smtClean="0"/>
+              <a:rPr lang="en-US" b="1" dirty="0" smtClean="0"/>
               <a:t>Priority</a:t>
             </a:r>
             <a:r>
-              <a:rPr lang="en-US" sz="1600" b="1" dirty="0"/>
+              <a:rPr lang="en-US" b="1" dirty="0"/>
               <a:t>:</a:t>
             </a:r>
             <a:r>
-              <a:rPr lang="en-US" sz="1600" dirty="0"/>
-              <a:t>  1 </a:t>
-            </a:r>
-            <a:r>
-              <a:rPr lang="en-US" sz="1600" dirty="0" smtClean="0"/>
-              <a:t>– Critical</a:t>
-            </a:r>
-          </a:p>
-          <a:p>
-            <a:r>
-              <a:rPr lang="en-US" sz="1800" b="1" dirty="0"/>
-              <a:t>3.14	Slice Geometry into Thickness Levels</a:t>
+              <a:rPr lang="en-US" dirty="0"/>
+              <a:t>  1 - </a:t>
+            </a:r>
+            <a:r>
+              <a:rPr lang="en-US" dirty="0" smtClean="0"/>
+              <a:t>Critical</a:t>
+            </a:r>
+          </a:p>
+          <a:p>
+            <a:r>
+              <a:rPr lang="en-US" b="1" dirty="0"/>
+              <a:t>3.13	Store &amp; Load Material Records</a:t>
             </a:r>
           </a:p>
           <a:p>
             <a:pPr lvl="1"/>
             <a:r>
-              <a:rPr lang="en-US" sz="1600" b="1" dirty="0"/>
+              <a:rPr lang="en-US" b="1" dirty="0"/>
               <a:t>Priority:</a:t>
             </a:r>
             <a:r>
-              <a:rPr lang="en-US" sz="1600" dirty="0"/>
+              <a:rPr lang="en-US" dirty="0"/>
               <a:t>  1 – Critical</a:t>
             </a:r>
           </a:p>
           <a:p>
             <a:r>
-              <a:rPr lang="en-US" sz="1800" b="1" dirty="0"/>
-              <a:t>3.17	Allow for UV Head Polymerization</a:t>
+              <a:rPr lang="en-US" b="1" dirty="0"/>
+              <a:t>3.19	Graphical Object Models</a:t>
             </a:r>
           </a:p>
           <a:p>
             <a:pPr lvl="1"/>
             <a:r>
-              <a:rPr lang="en-US" sz="1600" b="1" dirty="0"/>
+              <a:rPr lang="en-US" b="1" dirty="0"/>
               <a:t>Priority:</a:t>
             </a:r>
             <a:r>
-              <a:rPr lang="en-US" sz="1600" dirty="0"/>
-              <a:t>  1 – Critical</a:t>
-            </a:r>
-          </a:p>
-          <a:p>
-            <a:r>
-              <a:rPr lang="en-US" sz="1800" b="1" dirty="0"/>
-              <a:t>Non Critical Requirements</a:t>
-            </a:r>
-          </a:p>
-          <a:p>
-            <a:pPr lvl="1"/>
-            <a:r>
-              <a:rPr lang="en-US" sz="1600" dirty="0" smtClean="0"/>
-              <a:t>3.16 Monitor </a:t>
-            </a:r>
-            <a:r>
-              <a:rPr lang="en-US" sz="1600" dirty="0"/>
-              <a:t>Door Switch</a:t>
-            </a:r>
-          </a:p>
-          <a:p>
-            <a:pPr lvl="1"/>
-            <a:r>
-              <a:rPr lang="en-US" sz="1600" dirty="0" smtClean="0"/>
-              <a:t>3.18 </a:t>
-            </a:r>
-            <a:r>
-              <a:rPr lang="en-US" sz="1600" dirty="0" err="1" smtClean="0"/>
-              <a:t>Sparsity</a:t>
-            </a:r>
-            <a:r>
-              <a:rPr lang="en-US" sz="1600" dirty="0" smtClean="0"/>
-              <a:t> </a:t>
-            </a:r>
-            <a:r>
-              <a:rPr lang="en-US" sz="1600" dirty="0"/>
-              <a:t>and Density Controls</a:t>
-            </a:r>
-            <a:endParaRPr lang="en-US" sz="1600" b="1" dirty="0"/>
-          </a:p>
-          <a:p>
-            <a:endParaRPr lang="en-US" sz="1800" dirty="0"/>
-          </a:p>
-          <a:p>
-            <a:endParaRPr lang="en-US" sz="1800" dirty="0"/>
+              <a:rPr lang="en-US" dirty="0"/>
+              <a:t>  5 – Future</a:t>
+            </a:r>
+          </a:p>
+          <a:p>
+            <a:endParaRPr lang="en-US" dirty="0"/>
           </a:p>
         </p:txBody>
       </p:sp>
@@ -7157,7 +6186,7 @@
         </p:nvSpPr>
         <p:spPr>
           <a:xfrm>
-            <a:off x="6019800" y="1752600"/>
+            <a:off x="6019800" y="1371600"/>
             <a:ext cx="2286000" cy="457200"/>
           </a:xfrm>
           <a:prstGeom prst="rect">
@@ -7207,7 +6236,7 @@
         </p:nvSpPr>
         <p:spPr>
           <a:xfrm>
-            <a:off x="6019800" y="2438400"/>
+            <a:off x="6019800" y="2133600"/>
             <a:ext cx="2286000" cy="457200"/>
           </a:xfrm>
           <a:prstGeom prst="rect">
@@ -7257,7 +6286,7 @@
         </p:nvSpPr>
         <p:spPr>
           <a:xfrm>
-            <a:off x="6019800" y="3048000"/>
+            <a:off x="6052851" y="2971800"/>
             <a:ext cx="2286000" cy="457200"/>
           </a:xfrm>
           <a:prstGeom prst="rect">
@@ -7301,64 +6330,14 @@
       </p:sp>
       <p:sp>
         <p:nvSpPr>
-          <p:cNvPr id="7" name="Rectangle 6"/>
-          <p:cNvSpPr/>
-          <p:nvPr/>
-        </p:nvSpPr>
-        <p:spPr>
-          <a:xfrm>
-            <a:off x="6001439" y="3657600"/>
-            <a:ext cx="2286000" cy="457200"/>
-          </a:xfrm>
-          <a:prstGeom prst="rect">
-            <a:avLst/>
-          </a:prstGeom>
-          <a:solidFill>
-            <a:srgbClr val="00B050"/>
-          </a:solidFill>
-        </p:spPr>
-        <p:style>
-          <a:lnRef idx="2">
-            <a:schemeClr val="accent1">
-              <a:shade val="50000"/>
-            </a:schemeClr>
-          </a:lnRef>
-          <a:fillRef idx="1">
-            <a:schemeClr val="accent1"/>
-          </a:fillRef>
-          <a:effectRef idx="0">
-            <a:schemeClr val="accent1"/>
-          </a:effectRef>
-          <a:fontRef idx="minor">
-            <a:schemeClr val="lt1"/>
-          </a:fontRef>
-        </p:style>
-        <p:txBody>
-          <a:bodyPr rtlCol="0" anchor="ctr"/>
-          <a:lstStyle/>
-          <a:p>
-            <a:pPr algn="ctr"/>
-            <a:r>
-              <a:rPr lang="en-US" dirty="0" smtClean="0">
-                <a:solidFill>
-                  <a:schemeClr val="tx1"/>
-                </a:solidFill>
-              </a:rPr>
-              <a:t>Completed</a:t>
-            </a:r>
-          </a:p>
-        </p:txBody>
-      </p:sp>
-      <p:sp>
-        <p:nvSpPr>
           <p:cNvPr id="8" name="Rectangle 7"/>
           <p:cNvSpPr/>
           <p:nvPr/>
         </p:nvSpPr>
         <p:spPr>
           <a:xfrm>
-            <a:off x="6001439" y="4343400"/>
-            <a:ext cx="2286000" cy="304800"/>
+            <a:off x="6052851" y="3733800"/>
+            <a:ext cx="2286000" cy="457200"/>
           </a:xfrm>
           <a:prstGeom prst="rect">
             <a:avLst/>
@@ -7399,60 +6378,10 @@
           </a:p>
         </p:txBody>
       </p:sp>
-      <p:sp>
-        <p:nvSpPr>
-          <p:cNvPr id="9" name="Rectangle 8"/>
-          <p:cNvSpPr/>
-          <p:nvPr/>
-        </p:nvSpPr>
-        <p:spPr>
-          <a:xfrm>
-            <a:off x="6001439" y="4724400"/>
-            <a:ext cx="2286000" cy="304800"/>
-          </a:xfrm>
-          <a:prstGeom prst="rect">
-            <a:avLst/>
-          </a:prstGeom>
-          <a:solidFill>
-            <a:srgbClr val="00B050"/>
-          </a:solidFill>
-        </p:spPr>
-        <p:style>
-          <a:lnRef idx="2">
-            <a:schemeClr val="accent1">
-              <a:shade val="50000"/>
-            </a:schemeClr>
-          </a:lnRef>
-          <a:fillRef idx="1">
-            <a:schemeClr val="accent1"/>
-          </a:fillRef>
-          <a:effectRef idx="0">
-            <a:schemeClr val="accent1"/>
-          </a:effectRef>
-          <a:fontRef idx="minor">
-            <a:schemeClr val="lt1"/>
-          </a:fontRef>
-        </p:style>
-        <p:txBody>
-          <a:bodyPr rtlCol="0" anchor="ctr"/>
-          <a:lstStyle/>
-          <a:p>
-            <a:pPr algn="ctr"/>
-            <a:r>
-              <a:rPr lang="en-US" dirty="0" smtClean="0">
-                <a:solidFill>
-                  <a:schemeClr val="tx1"/>
-                </a:solidFill>
-              </a:rPr>
-              <a:t>Completed</a:t>
-            </a:r>
-          </a:p>
-        </p:txBody>
-      </p:sp>
     </p:spTree>
     <p:extLst>
       <p:ext uri="{BB962C8B-B14F-4D97-AF65-F5344CB8AC3E}">
-        <p14:creationId xmlns:p14="http://schemas.microsoft.com/office/powerpoint/2010/main" val="1381400501"/>
+        <p14:creationId xmlns:p14="http://schemas.microsoft.com/office/powerpoint/2010/main" val="3520402083"/>
       </p:ext>
     </p:extLst>
   </p:cSld>
@@ -7503,7 +6432,7 @@
           <a:p>
             <a:r>
               <a:rPr lang="en-US" dirty="0" smtClean="0"/>
-              <a:t>User Interfaces Requirements</a:t>
+              <a:t>Packaging Requirements</a:t>
             </a:r>
             <a:endParaRPr lang="en-US" dirty="0"/>
           </a:p>
@@ -7521,8 +6450,8 @@
         </p:nvSpPr>
         <p:spPr>
           <a:xfrm>
-            <a:off x="457200" y="1262744"/>
-            <a:ext cx="7620000" cy="5138057"/>
+            <a:off x="457200" y="1284514"/>
+            <a:ext cx="7620000" cy="5334000"/>
           </a:xfrm>
         </p:spPr>
         <p:txBody>
@@ -7533,7 +6462,7 @@
           <a:p>
             <a:r>
               <a:rPr lang="en-US" b="1" dirty="0"/>
-              <a:t>3.2	Graphical User Interface</a:t>
+              <a:t>4.1	Software Installer</a:t>
             </a:r>
           </a:p>
           <a:p>
@@ -7548,17 +6477,13 @@
             </a:r>
             <a:r>
               <a:rPr lang="en-US" dirty="0"/>
-              <a:t>  3 </a:t>
-            </a:r>
-            <a:r>
-              <a:rPr lang="en-US" dirty="0" smtClean="0"/>
-              <a:t>– Moderate</a:t>
+              <a:t> 1 – Critical</a:t>
             </a:r>
           </a:p>
           <a:p>
             <a:r>
               <a:rPr lang="en-US" b="1" dirty="0"/>
-              <a:t>3.12	Database Interface</a:t>
+              <a:t>4.2	Host Software to Printer Connection</a:t>
             </a:r>
           </a:p>
           <a:p>
@@ -7573,17 +6498,13 @@
             </a:r>
             <a:r>
               <a:rPr lang="en-US" dirty="0"/>
-              <a:t>  1 - </a:t>
-            </a:r>
-            <a:r>
-              <a:rPr lang="en-US" dirty="0" smtClean="0"/>
-              <a:t>Critical</a:t>
+              <a:t> 1 – Critical</a:t>
             </a:r>
           </a:p>
           <a:p>
             <a:r>
               <a:rPr lang="en-US" b="1" dirty="0"/>
-              <a:t>3.13	Store &amp; Load Material Records</a:t>
+              <a:t>4.3	User Manual</a:t>
             </a:r>
           </a:p>
           <a:p>
@@ -7594,24 +6515,7 @@
             </a:r>
             <a:r>
               <a:rPr lang="en-US" dirty="0"/>
-              <a:t>  1 – Critical</a:t>
-            </a:r>
-          </a:p>
-          <a:p>
-            <a:r>
-              <a:rPr lang="en-US" b="1" dirty="0"/>
-              <a:t>3.19	Graphical Object Models</a:t>
-            </a:r>
-          </a:p>
-          <a:p>
-            <a:pPr lvl="1"/>
-            <a:r>
-              <a:rPr lang="en-US" b="1" dirty="0"/>
-              <a:t>Priority:</a:t>
-            </a:r>
-            <a:r>
-              <a:rPr lang="en-US" dirty="0"/>
-              <a:t>  5 – Future</a:t>
+              <a:t>  3 - Moderate</a:t>
             </a:r>
           </a:p>
           <a:p>
@@ -7621,7 +6525,7 @@
       </p:sp>
       <p:sp>
         <p:nvSpPr>
-          <p:cNvPr id="4" name="Rectangle 3"/>
+          <p:cNvPr id="5" name="Rectangle 4"/>
           <p:cNvSpPr/>
           <p:nvPr/>
         </p:nvSpPr>
@@ -7671,7 +6575,7 @@
       </p:sp>
       <p:sp>
         <p:nvSpPr>
-          <p:cNvPr id="5" name="Rectangle 4"/>
+          <p:cNvPr id="6" name="Rectangle 5"/>
           <p:cNvSpPr/>
           <p:nvPr/>
         </p:nvSpPr>
@@ -7721,7 +6625,7 @@
       </p:sp>
       <p:sp>
         <p:nvSpPr>
-          <p:cNvPr id="6" name="Rectangle 5"/>
+          <p:cNvPr id="7" name="Rectangle 6"/>
           <p:cNvSpPr/>
           <p:nvPr/>
         </p:nvSpPr>
@@ -7769,60 +6673,10 @@
           </a:p>
         </p:txBody>
       </p:sp>
-      <p:sp>
-        <p:nvSpPr>
-          <p:cNvPr id="8" name="Rectangle 7"/>
-          <p:cNvSpPr/>
-          <p:nvPr/>
-        </p:nvSpPr>
-        <p:spPr>
-          <a:xfrm>
-            <a:off x="6052851" y="3733800"/>
-            <a:ext cx="2286000" cy="457200"/>
-          </a:xfrm>
-          <a:prstGeom prst="rect">
-            <a:avLst/>
-          </a:prstGeom>
-          <a:solidFill>
-            <a:srgbClr val="FF0000"/>
-          </a:solidFill>
-        </p:spPr>
-        <p:style>
-          <a:lnRef idx="2">
-            <a:schemeClr val="accent1">
-              <a:shade val="50000"/>
-            </a:schemeClr>
-          </a:lnRef>
-          <a:fillRef idx="1">
-            <a:schemeClr val="accent1"/>
-          </a:fillRef>
-          <a:effectRef idx="0">
-            <a:schemeClr val="accent1"/>
-          </a:effectRef>
-          <a:fontRef idx="minor">
-            <a:schemeClr val="lt1"/>
-          </a:fontRef>
-        </p:style>
-        <p:txBody>
-          <a:bodyPr rtlCol="0" anchor="ctr"/>
-          <a:lstStyle/>
-          <a:p>
-            <a:pPr algn="ctr"/>
-            <a:r>
-              <a:rPr lang="en-US" dirty="0" smtClean="0">
-                <a:solidFill>
-                  <a:schemeClr val="tx1"/>
-                </a:solidFill>
-              </a:rPr>
-              <a:t>Incomplete</a:t>
-            </a:r>
-          </a:p>
-        </p:txBody>
-      </p:sp>
     </p:spTree>
     <p:extLst>
       <p:ext uri="{BB962C8B-B14F-4D97-AF65-F5344CB8AC3E}">
-        <p14:creationId xmlns:p14="http://schemas.microsoft.com/office/powerpoint/2010/main" val="3520402083"/>
+        <p14:creationId xmlns:p14="http://schemas.microsoft.com/office/powerpoint/2010/main" val="2282298229"/>
       </p:ext>
     </p:extLst>
   </p:cSld>
@@ -7873,7 +6727,7 @@
           <a:p>
             <a:r>
               <a:rPr lang="en-US" dirty="0" smtClean="0"/>
-              <a:t>Packaging Requirements</a:t>
+              <a:t>Performance Requirements</a:t>
             </a:r>
             <a:endParaRPr lang="en-US" dirty="0"/>
           </a:p>
@@ -7903,7 +6757,7 @@
           <a:p>
             <a:r>
               <a:rPr lang="en-US" b="1" dirty="0"/>
-              <a:t>4.1	Software Installer</a:t>
+              <a:t>5.1	Startup Time</a:t>
             </a:r>
           </a:p>
           <a:p>
@@ -7914,17 +6768,17 @@
             </a:r>
             <a:r>
               <a:rPr lang="en-US" b="1" dirty="0"/>
-              <a:t>:</a:t>
+              <a:t>: </a:t>
             </a:r>
             <a:r>
               <a:rPr lang="en-US" dirty="0"/>
-              <a:t> 1 – Critical</a:t>
+              <a:t>4 – Low</a:t>
             </a:r>
           </a:p>
           <a:p>
             <a:r>
               <a:rPr lang="en-US" b="1" dirty="0"/>
-              <a:t>4.2	Host Software to Printer Connection</a:t>
+              <a:t>5.2	STL Import Time</a:t>
             </a:r>
           </a:p>
           <a:p>
@@ -7939,13 +6793,13 @@
             </a:r>
             <a:r>
               <a:rPr lang="en-US" dirty="0"/>
-              <a:t> 1 – Critical</a:t>
+              <a:t> 4 – Low</a:t>
             </a:r>
           </a:p>
           <a:p>
             <a:r>
               <a:rPr lang="en-US" b="1" dirty="0"/>
-              <a:t>4.3	User Manual</a:t>
+              <a:t>5.3	Object Processing Time</a:t>
             </a:r>
           </a:p>
           <a:p>
@@ -7956,7 +6810,41 @@
             </a:r>
             <a:r>
               <a:rPr lang="en-US" dirty="0"/>
-              <a:t>  3 - Moderate</a:t>
+              <a:t> 2 – High</a:t>
+            </a:r>
+          </a:p>
+          <a:p>
+            <a:r>
+              <a:rPr lang="en-US" b="1" dirty="0"/>
+              <a:t>5.4	GUI Responsiveness</a:t>
+            </a:r>
+          </a:p>
+          <a:p>
+            <a:pPr lvl="1"/>
+            <a:r>
+              <a:rPr lang="en-US" b="1" dirty="0"/>
+              <a:t>Priority:</a:t>
+            </a:r>
+            <a:r>
+              <a:rPr lang="en-US" dirty="0"/>
+              <a:t> 3 – Moderate</a:t>
+            </a:r>
+          </a:p>
+          <a:p>
+            <a:r>
+              <a:rPr lang="en-US" b="1" dirty="0"/>
+              <a:t>5.5	Real Time Sensor Monitoring</a:t>
+            </a:r>
+          </a:p>
+          <a:p>
+            <a:pPr lvl="1"/>
+            <a:r>
+              <a:rPr lang="en-US" b="1" dirty="0"/>
+              <a:t>Priority:</a:t>
+            </a:r>
+            <a:r>
+              <a:rPr lang="en-US" dirty="0"/>
+              <a:t> 2 – High</a:t>
             </a:r>
           </a:p>
           <a:p>
@@ -7966,7 +6854,7 @@
       </p:sp>
       <p:sp>
         <p:nvSpPr>
-          <p:cNvPr id="5" name="Rectangle 4"/>
+          <p:cNvPr id="4" name="Rectangle 3"/>
           <p:cNvSpPr/>
           <p:nvPr/>
         </p:nvSpPr>
@@ -8016,7 +6904,7 @@
       </p:sp>
       <p:sp>
         <p:nvSpPr>
-          <p:cNvPr id="6" name="Rectangle 5"/>
+          <p:cNvPr id="5" name="Rectangle 4"/>
           <p:cNvSpPr/>
           <p:nvPr/>
         </p:nvSpPr>
@@ -8072,7 +6960,7 @@
         </p:nvSpPr>
         <p:spPr>
           <a:xfrm>
-            <a:off x="6052851" y="2971800"/>
+            <a:off x="6019800" y="2895600"/>
             <a:ext cx="2286000" cy="457200"/>
           </a:xfrm>
           <a:prstGeom prst="rect">
@@ -8114,10 +7002,110 @@
           </a:p>
         </p:txBody>
       </p:sp>
+      <p:sp>
+        <p:nvSpPr>
+          <p:cNvPr id="8" name="Rectangle 7"/>
+          <p:cNvSpPr/>
+          <p:nvPr/>
+        </p:nvSpPr>
+        <p:spPr>
+          <a:xfrm>
+            <a:off x="6019800" y="3657600"/>
+            <a:ext cx="2286000" cy="457200"/>
+          </a:xfrm>
+          <a:prstGeom prst="rect">
+            <a:avLst/>
+          </a:prstGeom>
+          <a:solidFill>
+            <a:srgbClr val="00B050"/>
+          </a:solidFill>
+        </p:spPr>
+        <p:style>
+          <a:lnRef idx="2">
+            <a:schemeClr val="accent1">
+              <a:shade val="50000"/>
+            </a:schemeClr>
+          </a:lnRef>
+          <a:fillRef idx="1">
+            <a:schemeClr val="accent1"/>
+          </a:fillRef>
+          <a:effectRef idx="0">
+            <a:schemeClr val="accent1"/>
+          </a:effectRef>
+          <a:fontRef idx="minor">
+            <a:schemeClr val="lt1"/>
+          </a:fontRef>
+        </p:style>
+        <p:txBody>
+          <a:bodyPr rtlCol="0" anchor="ctr"/>
+          <a:lstStyle/>
+          <a:p>
+            <a:pPr algn="ctr"/>
+            <a:r>
+              <a:rPr lang="en-US" dirty="0" smtClean="0">
+                <a:solidFill>
+                  <a:schemeClr val="tx1"/>
+                </a:solidFill>
+              </a:rPr>
+              <a:t>Completed</a:t>
+            </a:r>
+          </a:p>
+        </p:txBody>
+      </p:sp>
+      <p:sp>
+        <p:nvSpPr>
+          <p:cNvPr id="9" name="Rectangle 8"/>
+          <p:cNvSpPr/>
+          <p:nvPr/>
+        </p:nvSpPr>
+        <p:spPr>
+          <a:xfrm>
+            <a:off x="6019800" y="4495800"/>
+            <a:ext cx="2286000" cy="457200"/>
+          </a:xfrm>
+          <a:prstGeom prst="rect">
+            <a:avLst/>
+          </a:prstGeom>
+          <a:solidFill>
+            <a:srgbClr val="00B050"/>
+          </a:solidFill>
+        </p:spPr>
+        <p:style>
+          <a:lnRef idx="2">
+            <a:schemeClr val="accent1">
+              <a:shade val="50000"/>
+            </a:schemeClr>
+          </a:lnRef>
+          <a:fillRef idx="1">
+            <a:schemeClr val="accent1"/>
+          </a:fillRef>
+          <a:effectRef idx="0">
+            <a:schemeClr val="accent1"/>
+          </a:effectRef>
+          <a:fontRef idx="minor">
+            <a:schemeClr val="lt1"/>
+          </a:fontRef>
+        </p:style>
+        <p:txBody>
+          <a:bodyPr rtlCol="0" anchor="ctr"/>
+          <a:lstStyle/>
+          <a:p>
+            <a:pPr algn="ctr"/>
+            <a:r>
+              <a:rPr lang="en-US" dirty="0" smtClean="0">
+                <a:solidFill>
+                  <a:schemeClr val="tx1"/>
+                </a:solidFill>
+              </a:rPr>
+              <a:t>Completed</a:t>
+            </a:r>
+          </a:p>
+        </p:txBody>
+      </p:sp>
     </p:spTree>
     <p:extLst>
       <p:ext uri="{BB962C8B-B14F-4D97-AF65-F5344CB8AC3E}">
-        <p14:creationId xmlns:p14="http://schemas.microsoft.com/office/powerpoint/2010/main" val="2282298229"/>
+        <p14:creationId xmlns:p14="http://schemas.microsoft.com/office/powerpoint/2010/main" val="2971557891"/>
       </p:ext>
     </p:extLst>
   </p:cSld>

--- a/Final Presentation/Ink3d Final Presentation.pptx
+++ b/Final Presentation/Ink3d Final Presentation.pptx
@@ -15,6 +15,29 @@
     <p:sldId id="282" r:id="rId9"/>
     <p:sldId id="284" r:id="rId10"/>
     <p:sldId id="287" r:id="rId11"/>
+    <p:sldId id="293" r:id="rId12"/>
+    <p:sldId id="294" r:id="rId13"/>
+    <p:sldId id="295" r:id="rId14"/>
+    <p:sldId id="296" r:id="rId15"/>
+    <p:sldId id="297" r:id="rId16"/>
+    <p:sldId id="298" r:id="rId17"/>
+    <p:sldId id="299" r:id="rId18"/>
+    <p:sldId id="300" r:id="rId19"/>
+    <p:sldId id="301" r:id="rId20"/>
+    <p:sldId id="302" r:id="rId21"/>
+    <p:sldId id="303" r:id="rId22"/>
+    <p:sldId id="304" r:id="rId23"/>
+    <p:sldId id="305" r:id="rId24"/>
+    <p:sldId id="288" r:id="rId25"/>
+    <p:sldId id="289" r:id="rId26"/>
+    <p:sldId id="290" r:id="rId27"/>
+    <p:sldId id="291" r:id="rId28"/>
+    <p:sldId id="292" r:id="rId29"/>
+    <p:sldId id="307" r:id="rId30"/>
+    <p:sldId id="308" r:id="rId31"/>
+    <p:sldId id="309" r:id="rId32"/>
+    <p:sldId id="310" r:id="rId33"/>
+    <p:sldId id="306" r:id="rId34"/>
   </p:sldIdLst>
   <p:sldSz cx="9144000" cy="6858000" type="screen4x3"/>
   <p:notesSz cx="6858000" cy="9144000"/>
@@ -115,7 +138,7 @@
   </p:defaultTextStyle>
   <p:extLst>
     <p:ext uri="{EFAFB233-063F-42B5-8137-9DF3F51BA10A}">
-      <p15:sldGuideLst xmlns:p15="http://schemas.microsoft.com/office/powerpoint/2012/main" xmlns="">
+      <p15:sldGuideLst xmlns="" xmlns:p15="http://schemas.microsoft.com/office/powerpoint/2012/main">
         <p15:guide id="1" orient="horz" pos="2160">
           <p15:clr>
             <a:srgbClr val="A4A3A4"/>
@@ -3340,11 +3363,7 @@
           <a:p>
             <a:r>
               <a:rPr lang="en-US" dirty="0" smtClean="0"/>
-              <a:t>Other </a:t>
-            </a:r>
-            <a:r>
-              <a:rPr lang="en-US" dirty="0" smtClean="0"/>
-              <a:t>Requirements</a:t>
+              <a:t>Other Requirements</a:t>
             </a:r>
             <a:endParaRPr lang="en-US" dirty="0"/>
           </a:p>
@@ -3938,6 +3957,1935 @@
     <p:extLst>
       <p:ext uri="{BB962C8B-B14F-4D97-AF65-F5344CB8AC3E}">
         <p14:creationId xmlns:p14="http://schemas.microsoft.com/office/powerpoint/2010/main" val="49939991"/>
+      </p:ext>
+    </p:extLst>
+  </p:cSld>
+  <p:clrMapOvr>
+    <a:masterClrMapping/>
+  </p:clrMapOvr>
+  <p:timing>
+    <p:tnLst>
+      <p:par>
+        <p:cTn id="1" dur="indefinite" restart="never" nodeType="tmRoot"/>
+      </p:par>
+    </p:tnLst>
+  </p:timing>
+</p:sld>
+</file>
+
+<file path=ppt/slides/slide11.xml><?xml version="1.0" encoding="utf-8"?>
+<p:sld xmlns:a="http://schemas.openxmlformats.org/drawingml/2006/main" xmlns:r="http://schemas.openxmlformats.org/officeDocument/2006/relationships" xmlns:p="http://schemas.openxmlformats.org/presentationml/2006/main">
+  <p:cSld>
+    <p:spTree>
+      <p:nvGrpSpPr>
+        <p:cNvPr id="1" name=""/>
+        <p:cNvGrpSpPr/>
+        <p:nvPr/>
+      </p:nvGrpSpPr>
+      <p:grpSpPr>
+        <a:xfrm>
+          <a:off x="0" y="0"/>
+          <a:ext cx="0" cy="0"/>
+          <a:chOff x="0" y="0"/>
+          <a:chExt cx="0" cy="0"/>
+        </a:xfrm>
+      </p:grpSpPr>
+      <p:sp>
+        <p:nvSpPr>
+          <p:cNvPr id="2" name="Title 1"/>
+          <p:cNvSpPr>
+            <a:spLocks noGrp="1"/>
+          </p:cNvSpPr>
+          <p:nvPr>
+            <p:ph type="title"/>
+          </p:nvPr>
+        </p:nvSpPr>
+        <p:spPr/>
+        <p:txBody>
+          <a:bodyPr/>
+          <a:lstStyle/>
+          <a:p>
+            <a:r>
+              <a:rPr lang="en-US" dirty="0" smtClean="0"/>
+              <a:t>Architecture Guiding Principle</a:t>
+            </a:r>
+            <a:endParaRPr lang="en-US" dirty="0"/>
+          </a:p>
+        </p:txBody>
+      </p:sp>
+      <p:sp>
+        <p:nvSpPr>
+          <p:cNvPr id="3" name="Content Placeholder 2"/>
+          <p:cNvSpPr>
+            <a:spLocks noGrp="1"/>
+          </p:cNvSpPr>
+          <p:nvPr>
+            <p:ph idx="1"/>
+          </p:nvPr>
+        </p:nvSpPr>
+        <p:spPr/>
+        <p:txBody>
+          <a:bodyPr/>
+          <a:lstStyle/>
+          <a:p>
+            <a:r>
+              <a:rPr lang="en-US" sz="3200" u="sng" dirty="0" smtClean="0"/>
+              <a:t>Modularity</a:t>
+            </a:r>
+          </a:p>
+          <a:p>
+            <a:pPr lvl="1"/>
+            <a:r>
+              <a:rPr lang="en-US" sz="3200" dirty="0" smtClean="0"/>
+              <a:t>Layer replacement</a:t>
+            </a:r>
+          </a:p>
+          <a:p>
+            <a:pPr lvl="1"/>
+            <a:r>
+              <a:rPr lang="en-US" sz="3200" dirty="0" smtClean="0"/>
+              <a:t>Loose coupling</a:t>
+            </a:r>
+          </a:p>
+          <a:p>
+            <a:r>
+              <a:rPr lang="en-US" sz="3200" i="1" dirty="0" smtClean="0"/>
+              <a:t>Design implications</a:t>
+            </a:r>
+          </a:p>
+          <a:p>
+            <a:pPr lvl="1"/>
+            <a:r>
+              <a:rPr lang="en-US" sz="3200" dirty="0" smtClean="0"/>
+              <a:t>Interfaces defined</a:t>
+            </a:r>
+          </a:p>
+          <a:p>
+            <a:pPr lvl="1"/>
+            <a:r>
+              <a:rPr lang="en-US" sz="3200" dirty="0" smtClean="0"/>
+              <a:t>High cohesion</a:t>
+            </a:r>
+          </a:p>
+          <a:p>
+            <a:pPr lvl="1"/>
+            <a:r>
+              <a:rPr lang="en-US" sz="3200" dirty="0" smtClean="0"/>
+              <a:t>Unidirectional data flows</a:t>
+            </a:r>
+          </a:p>
+          <a:p>
+            <a:pPr lvl="1"/>
+            <a:r>
+              <a:rPr lang="en-US" sz="3200" dirty="0" smtClean="0"/>
+              <a:t>Abstraction</a:t>
+            </a:r>
+            <a:endParaRPr lang="en-US" sz="3200" dirty="0"/>
+          </a:p>
+          <a:p>
+            <a:endParaRPr lang="en-US" dirty="0" smtClean="0"/>
+          </a:p>
+          <a:p>
+            <a:pPr lvl="1"/>
+            <a:endParaRPr lang="en-US" dirty="0"/>
+          </a:p>
+        </p:txBody>
+      </p:sp>
+    </p:spTree>
+    <p:extLst>
+      <p:ext uri="{BB962C8B-B14F-4D97-AF65-F5344CB8AC3E}">
+        <p14:creationId xmlns:p14="http://schemas.microsoft.com/office/powerpoint/2010/main" val="3766022245"/>
+      </p:ext>
+    </p:extLst>
+  </p:cSld>
+  <p:clrMapOvr>
+    <a:masterClrMapping/>
+  </p:clrMapOvr>
+  <p:timing>
+    <p:tnLst>
+      <p:par>
+        <p:cTn id="1" dur="indefinite" restart="never" nodeType="tmRoot"/>
+      </p:par>
+    </p:tnLst>
+  </p:timing>
+</p:sld>
+</file>
+
+<file path=ppt/slides/slide12.xml><?xml version="1.0" encoding="utf-8"?>
+<p:sld xmlns:a="http://schemas.openxmlformats.org/drawingml/2006/main" xmlns:r="http://schemas.openxmlformats.org/officeDocument/2006/relationships" xmlns:p="http://schemas.openxmlformats.org/presentationml/2006/main">
+  <p:cSld>
+    <p:spTree>
+      <p:nvGrpSpPr>
+        <p:cNvPr id="1" name=""/>
+        <p:cNvGrpSpPr/>
+        <p:nvPr/>
+      </p:nvGrpSpPr>
+      <p:grpSpPr>
+        <a:xfrm>
+          <a:off x="0" y="0"/>
+          <a:ext cx="0" cy="0"/>
+          <a:chOff x="0" y="0"/>
+          <a:chExt cx="0" cy="0"/>
+        </a:xfrm>
+      </p:grpSpPr>
+      <p:sp>
+        <p:nvSpPr>
+          <p:cNvPr id="2" name="Title 1"/>
+          <p:cNvSpPr>
+            <a:spLocks noGrp="1"/>
+          </p:cNvSpPr>
+          <p:nvPr>
+            <p:ph type="title"/>
+          </p:nvPr>
+        </p:nvSpPr>
+        <p:spPr/>
+        <p:txBody>
+          <a:bodyPr/>
+          <a:lstStyle/>
+          <a:p>
+            <a:r>
+              <a:rPr lang="en-US" dirty="0" smtClean="0"/>
+              <a:t>Architecture Guiding Principle</a:t>
+            </a:r>
+            <a:endParaRPr lang="en-US" dirty="0"/>
+          </a:p>
+        </p:txBody>
+      </p:sp>
+      <p:sp>
+        <p:nvSpPr>
+          <p:cNvPr id="3" name="Content Placeholder 2"/>
+          <p:cNvSpPr>
+            <a:spLocks noGrp="1"/>
+          </p:cNvSpPr>
+          <p:nvPr>
+            <p:ph idx="1"/>
+          </p:nvPr>
+        </p:nvSpPr>
+        <p:spPr/>
+        <p:txBody>
+          <a:bodyPr/>
+          <a:lstStyle/>
+          <a:p>
+            <a:r>
+              <a:rPr lang="en-US" sz="3200" u="sng" dirty="0" smtClean="0"/>
+              <a:t>Configurability</a:t>
+            </a:r>
+          </a:p>
+          <a:p>
+            <a:pPr lvl="1"/>
+            <a:r>
+              <a:rPr lang="en-US" sz="3200" dirty="0" smtClean="0"/>
+              <a:t>Printer Configurability</a:t>
+            </a:r>
+          </a:p>
+          <a:p>
+            <a:pPr lvl="1"/>
+            <a:r>
+              <a:rPr lang="en-US" sz="3200" dirty="0" smtClean="0"/>
+              <a:t>Print Configurability</a:t>
+            </a:r>
+          </a:p>
+          <a:p>
+            <a:pPr lvl="1"/>
+            <a:r>
+              <a:rPr lang="en-US" sz="3200" dirty="0" smtClean="0"/>
+              <a:t>Material Configurability</a:t>
+            </a:r>
+          </a:p>
+          <a:p>
+            <a:r>
+              <a:rPr lang="en-US" sz="3200" i="1" dirty="0" smtClean="0"/>
+              <a:t>Design implications</a:t>
+            </a:r>
+          </a:p>
+          <a:p>
+            <a:pPr lvl="1"/>
+            <a:r>
+              <a:rPr lang="en-US" sz="3200" dirty="0" smtClean="0"/>
+              <a:t>Package interfaces</a:t>
+            </a:r>
+          </a:p>
+          <a:p>
+            <a:pPr lvl="1"/>
+            <a:r>
+              <a:rPr lang="en-US" sz="3200" dirty="0" smtClean="0"/>
+              <a:t>Configuration pass through</a:t>
+            </a:r>
+          </a:p>
+          <a:p>
+            <a:pPr lvl="1"/>
+            <a:r>
+              <a:rPr lang="en-US" sz="3200" dirty="0" smtClean="0"/>
+              <a:t>Concrete implementation selection</a:t>
+            </a:r>
+            <a:endParaRPr lang="en-US" sz="3200" dirty="0"/>
+          </a:p>
+          <a:p>
+            <a:endParaRPr lang="en-US" dirty="0" smtClean="0"/>
+          </a:p>
+          <a:p>
+            <a:pPr lvl="1"/>
+            <a:endParaRPr lang="en-US" dirty="0"/>
+          </a:p>
+        </p:txBody>
+      </p:sp>
+    </p:spTree>
+    <p:extLst>
+      <p:ext uri="{BB962C8B-B14F-4D97-AF65-F5344CB8AC3E}">
+        <p14:creationId xmlns:p14="http://schemas.microsoft.com/office/powerpoint/2010/main" val="3774415130"/>
+      </p:ext>
+    </p:extLst>
+  </p:cSld>
+  <p:clrMapOvr>
+    <a:masterClrMapping/>
+  </p:clrMapOvr>
+  <p:timing>
+    <p:tnLst>
+      <p:par>
+        <p:cTn id="1" dur="indefinite" restart="never" nodeType="tmRoot"/>
+      </p:par>
+    </p:tnLst>
+  </p:timing>
+</p:sld>
+</file>
+
+<file path=ppt/slides/slide13.xml><?xml version="1.0" encoding="utf-8"?>
+<p:sld xmlns:a="http://schemas.openxmlformats.org/drawingml/2006/main" xmlns:r="http://schemas.openxmlformats.org/officeDocument/2006/relationships" xmlns:p="http://schemas.openxmlformats.org/presentationml/2006/main">
+  <p:cSld>
+    <p:spTree>
+      <p:nvGrpSpPr>
+        <p:cNvPr id="1" name=""/>
+        <p:cNvGrpSpPr/>
+        <p:nvPr/>
+      </p:nvGrpSpPr>
+      <p:grpSpPr>
+        <a:xfrm>
+          <a:off x="0" y="0"/>
+          <a:ext cx="0" cy="0"/>
+          <a:chOff x="0" y="0"/>
+          <a:chExt cx="0" cy="0"/>
+        </a:xfrm>
+      </p:grpSpPr>
+      <p:sp>
+        <p:nvSpPr>
+          <p:cNvPr id="2" name="Title 1"/>
+          <p:cNvSpPr>
+            <a:spLocks noGrp="1"/>
+          </p:cNvSpPr>
+          <p:nvPr>
+            <p:ph type="title"/>
+          </p:nvPr>
+        </p:nvSpPr>
+        <p:spPr/>
+        <p:txBody>
+          <a:bodyPr/>
+          <a:lstStyle/>
+          <a:p>
+            <a:r>
+              <a:rPr lang="en-US" dirty="0" smtClean="0"/>
+              <a:t>Architecture Guiding Principle</a:t>
+            </a:r>
+            <a:endParaRPr lang="en-US" dirty="0"/>
+          </a:p>
+        </p:txBody>
+      </p:sp>
+      <p:sp>
+        <p:nvSpPr>
+          <p:cNvPr id="3" name="Content Placeholder 2"/>
+          <p:cNvSpPr>
+            <a:spLocks noGrp="1"/>
+          </p:cNvSpPr>
+          <p:nvPr>
+            <p:ph idx="1"/>
+          </p:nvPr>
+        </p:nvSpPr>
+        <p:spPr/>
+        <p:txBody>
+          <a:bodyPr/>
+          <a:lstStyle/>
+          <a:p>
+            <a:r>
+              <a:rPr lang="en-US" sz="3200" u="sng" dirty="0" smtClean="0"/>
+              <a:t>Extensibility</a:t>
+            </a:r>
+          </a:p>
+          <a:p>
+            <a:pPr lvl="1"/>
+            <a:r>
+              <a:rPr lang="en-US" sz="3200" dirty="0" smtClean="0"/>
+              <a:t>Reusable sub-systems</a:t>
+            </a:r>
+          </a:p>
+          <a:p>
+            <a:pPr lvl="1"/>
+            <a:r>
+              <a:rPr lang="en-US" sz="3200" dirty="0" smtClean="0"/>
+              <a:t>Need to add future sub-systems</a:t>
+            </a:r>
+          </a:p>
+          <a:p>
+            <a:pPr lvl="1"/>
+            <a:r>
+              <a:rPr lang="en-US" sz="3200" dirty="0" smtClean="0"/>
+              <a:t>Maintainable codebase</a:t>
+            </a:r>
+          </a:p>
+          <a:p>
+            <a:r>
+              <a:rPr lang="en-US" sz="3200" i="1" dirty="0" smtClean="0"/>
+              <a:t>Design implications</a:t>
+            </a:r>
+          </a:p>
+          <a:p>
+            <a:pPr lvl="1"/>
+            <a:r>
+              <a:rPr lang="en-US" sz="3200" dirty="0" smtClean="0"/>
+              <a:t>Abstract interfaces</a:t>
+            </a:r>
+          </a:p>
+          <a:p>
+            <a:pPr lvl="1"/>
+            <a:r>
+              <a:rPr lang="en-US" sz="3200" dirty="0" smtClean="0"/>
+              <a:t>Composite configurations</a:t>
+            </a:r>
+          </a:p>
+          <a:p>
+            <a:pPr lvl="1"/>
+            <a:r>
+              <a:rPr lang="en-US" sz="3200" dirty="0" smtClean="0"/>
+              <a:t>Establish frameworks</a:t>
+            </a:r>
+            <a:endParaRPr lang="en-US" sz="3200" dirty="0"/>
+          </a:p>
+          <a:p>
+            <a:endParaRPr lang="en-US" dirty="0" smtClean="0"/>
+          </a:p>
+          <a:p>
+            <a:pPr lvl="1"/>
+            <a:endParaRPr lang="en-US" dirty="0"/>
+          </a:p>
+        </p:txBody>
+      </p:sp>
+    </p:spTree>
+    <p:extLst>
+      <p:ext uri="{BB962C8B-B14F-4D97-AF65-F5344CB8AC3E}">
+        <p14:creationId xmlns:p14="http://schemas.microsoft.com/office/powerpoint/2010/main" val="17653634"/>
+      </p:ext>
+    </p:extLst>
+  </p:cSld>
+  <p:clrMapOvr>
+    <a:masterClrMapping/>
+  </p:clrMapOvr>
+  <p:timing>
+    <p:tnLst>
+      <p:par>
+        <p:cTn id="1" dur="indefinite" restart="never" nodeType="tmRoot"/>
+      </p:par>
+    </p:tnLst>
+  </p:timing>
+</p:sld>
+</file>
+
+<file path=ppt/slides/slide14.xml><?xml version="1.0" encoding="utf-8"?>
+<p:sld xmlns:a="http://schemas.openxmlformats.org/drawingml/2006/main" xmlns:r="http://schemas.openxmlformats.org/officeDocument/2006/relationships" xmlns:p="http://schemas.openxmlformats.org/presentationml/2006/main">
+  <p:cSld>
+    <p:spTree>
+      <p:nvGrpSpPr>
+        <p:cNvPr id="1" name=""/>
+        <p:cNvGrpSpPr/>
+        <p:nvPr/>
+      </p:nvGrpSpPr>
+      <p:grpSpPr>
+        <a:xfrm>
+          <a:off x="0" y="0"/>
+          <a:ext cx="0" cy="0"/>
+          <a:chOff x="0" y="0"/>
+          <a:chExt cx="0" cy="0"/>
+        </a:xfrm>
+      </p:grpSpPr>
+      <p:sp>
+        <p:nvSpPr>
+          <p:cNvPr id="2" name="Title 1"/>
+          <p:cNvSpPr>
+            <a:spLocks noGrp="1"/>
+          </p:cNvSpPr>
+          <p:nvPr>
+            <p:ph type="title"/>
+          </p:nvPr>
+        </p:nvSpPr>
+        <p:spPr/>
+        <p:txBody>
+          <a:bodyPr/>
+          <a:lstStyle/>
+          <a:p>
+            <a:r>
+              <a:rPr lang="en-US" dirty="0" smtClean="0"/>
+              <a:t>Architecture Guiding Principle</a:t>
+            </a:r>
+            <a:endParaRPr lang="en-US" dirty="0"/>
+          </a:p>
+        </p:txBody>
+      </p:sp>
+      <p:sp>
+        <p:nvSpPr>
+          <p:cNvPr id="3" name="Content Placeholder 2"/>
+          <p:cNvSpPr>
+            <a:spLocks noGrp="1"/>
+          </p:cNvSpPr>
+          <p:nvPr>
+            <p:ph idx="1"/>
+          </p:nvPr>
+        </p:nvSpPr>
+        <p:spPr/>
+        <p:txBody>
+          <a:bodyPr/>
+          <a:lstStyle/>
+          <a:p>
+            <a:r>
+              <a:rPr lang="en-US" sz="3200" u="sng" dirty="0" smtClean="0"/>
+              <a:t>Portability</a:t>
+            </a:r>
+          </a:p>
+          <a:p>
+            <a:pPr lvl="1"/>
+            <a:r>
+              <a:rPr lang="en-US" sz="3200" dirty="0" smtClean="0"/>
+              <a:t>Usable with a variety of printers</a:t>
+            </a:r>
+          </a:p>
+          <a:p>
+            <a:pPr lvl="1"/>
+            <a:r>
+              <a:rPr lang="en-US" sz="3200" dirty="0" smtClean="0"/>
+              <a:t>Usable with different interfaces</a:t>
+            </a:r>
+          </a:p>
+          <a:p>
+            <a:r>
+              <a:rPr lang="en-US" sz="3200" i="1" dirty="0" smtClean="0"/>
+              <a:t>Design implications</a:t>
+            </a:r>
+          </a:p>
+          <a:p>
+            <a:pPr lvl="1"/>
+            <a:r>
+              <a:rPr lang="en-US" sz="3200" dirty="0" smtClean="0"/>
+              <a:t>Abstract communications layer</a:t>
+            </a:r>
+          </a:p>
+          <a:p>
+            <a:pPr lvl="1"/>
+            <a:r>
+              <a:rPr lang="en-US" sz="3200" dirty="0" smtClean="0"/>
+              <a:t>Can implement different G-Code flavors</a:t>
+            </a:r>
+          </a:p>
+          <a:p>
+            <a:pPr lvl="1"/>
+            <a:r>
+              <a:rPr lang="en-US" sz="3200" dirty="0" smtClean="0"/>
+              <a:t>Abstract printer feedback</a:t>
+            </a:r>
+            <a:endParaRPr lang="en-US" sz="3200" dirty="0"/>
+          </a:p>
+          <a:p>
+            <a:endParaRPr lang="en-US" dirty="0" smtClean="0"/>
+          </a:p>
+          <a:p>
+            <a:pPr lvl="1"/>
+            <a:endParaRPr lang="en-US" dirty="0"/>
+          </a:p>
+        </p:txBody>
+      </p:sp>
+    </p:spTree>
+    <p:extLst>
+      <p:ext uri="{BB962C8B-B14F-4D97-AF65-F5344CB8AC3E}">
+        <p14:creationId xmlns:p14="http://schemas.microsoft.com/office/powerpoint/2010/main" val="2389744036"/>
+      </p:ext>
+    </p:extLst>
+  </p:cSld>
+  <p:clrMapOvr>
+    <a:masterClrMapping/>
+  </p:clrMapOvr>
+  <p:timing>
+    <p:tnLst>
+      <p:par>
+        <p:cTn id="1" dur="indefinite" restart="never" nodeType="tmRoot"/>
+      </p:par>
+    </p:tnLst>
+  </p:timing>
+</p:sld>
+</file>
+
+<file path=ppt/slides/slide15.xml><?xml version="1.0" encoding="utf-8"?>
+<p:sld xmlns:a="http://schemas.openxmlformats.org/drawingml/2006/main" xmlns:r="http://schemas.openxmlformats.org/officeDocument/2006/relationships" xmlns:p="http://schemas.openxmlformats.org/presentationml/2006/main">
+  <p:cSld>
+    <p:spTree>
+      <p:nvGrpSpPr>
+        <p:cNvPr id="1" name=""/>
+        <p:cNvGrpSpPr/>
+        <p:nvPr/>
+      </p:nvGrpSpPr>
+      <p:grpSpPr>
+        <a:xfrm>
+          <a:off x="0" y="0"/>
+          <a:ext cx="0" cy="0"/>
+          <a:chOff x="0" y="0"/>
+          <a:chExt cx="0" cy="0"/>
+        </a:xfrm>
+      </p:grpSpPr>
+      <p:sp>
+        <p:nvSpPr>
+          <p:cNvPr id="2" name="Title 1"/>
+          <p:cNvSpPr>
+            <a:spLocks noGrp="1"/>
+          </p:cNvSpPr>
+          <p:nvPr>
+            <p:ph type="title"/>
+          </p:nvPr>
+        </p:nvSpPr>
+        <p:spPr/>
+        <p:txBody>
+          <a:bodyPr/>
+          <a:lstStyle/>
+          <a:p>
+            <a:r>
+              <a:rPr lang="en-US" dirty="0" smtClean="0"/>
+              <a:t>Architecture Design</a:t>
+            </a:r>
+            <a:endParaRPr lang="en-US" dirty="0"/>
+          </a:p>
+        </p:txBody>
+      </p:sp>
+      <p:sp>
+        <p:nvSpPr>
+          <p:cNvPr id="5" name="Content Placeholder 4"/>
+          <p:cNvSpPr>
+            <a:spLocks noGrp="1"/>
+          </p:cNvSpPr>
+          <p:nvPr>
+            <p:ph idx="1"/>
+          </p:nvPr>
+        </p:nvSpPr>
+        <p:spPr/>
+        <p:txBody>
+          <a:bodyPr/>
+          <a:lstStyle/>
+          <a:p>
+            <a:r>
+              <a:rPr lang="en-US" dirty="0" smtClean="0"/>
+              <a:t>Seven Layers</a:t>
+            </a:r>
+          </a:p>
+          <a:p>
+            <a:r>
+              <a:rPr lang="en-US" dirty="0" smtClean="0"/>
+              <a:t>Layer Independence</a:t>
+            </a:r>
+          </a:p>
+          <a:p>
+            <a:r>
+              <a:rPr lang="en-US" dirty="0" smtClean="0"/>
+              <a:t>Interface Based</a:t>
+            </a:r>
+          </a:p>
+          <a:p>
+            <a:r>
+              <a:rPr lang="en-US" dirty="0" smtClean="0"/>
+              <a:t>Master Configuration Object</a:t>
+            </a:r>
+            <a:br>
+              <a:rPr lang="en-US" dirty="0" smtClean="0"/>
+            </a:br>
+            <a:endParaRPr lang="en-US" dirty="0"/>
+          </a:p>
+        </p:txBody>
+      </p:sp>
+      <p:sp>
+        <p:nvSpPr>
+          <p:cNvPr id="6" name="Rectangle 2"/>
+          <p:cNvSpPr>
+            <a:spLocks noChangeArrowheads="1"/>
+          </p:cNvSpPr>
+          <p:nvPr/>
+        </p:nvSpPr>
+        <p:spPr bwMode="auto">
+          <a:xfrm>
+            <a:off x="0" y="0"/>
+            <a:ext cx="9144000" cy="0"/>
+          </a:xfrm>
+          <a:prstGeom prst="rect">
+            <a:avLst/>
+          </a:prstGeom>
+          <a:noFill/>
+          <a:ln>
+            <a:noFill/>
+          </a:ln>
+          <a:effectLst/>
+          <a:extLst>
+            <a:ext uri="{909E8E84-426E-40DD-AFC4-6F175D3DCCD1}">
+              <a14:hiddenFill xmlns:a14="http://schemas.microsoft.com/office/drawing/2010/main">
+                <a:solidFill>
+                  <a:schemeClr val="accent1"/>
+                </a:solidFill>
+              </a14:hiddenFill>
+            </a:ext>
+            <a:ext uri="{91240B29-F687-4F45-9708-019B960494DF}">
+              <a14:hiddenLine xmlns:a14="http://schemas.microsoft.com/office/drawing/2010/main" w="9525">
+                <a:solidFill>
+                  <a:schemeClr val="tx1"/>
+                </a:solidFill>
+                <a:miter lim="800000"/>
+                <a:headEnd/>
+                <a:tailEnd/>
+              </a14:hiddenLine>
+            </a:ext>
+            <a:ext uri="{AF507438-7753-43E0-B8FC-AC1667EBCBE1}">
+              <a14:hiddenEffects xmlns:a14="http://schemas.microsoft.com/office/drawing/2010/main">
+                <a:effectLst>
+                  <a:outerShdw dist="35921" dir="2700000" algn="ctr" rotWithShape="0">
+                    <a:schemeClr val="bg2"/>
+                  </a:outerShdw>
+                </a:effectLst>
+              </a14:hiddenEffects>
+            </a:ext>
+          </a:extLst>
+        </p:spPr>
+        <p:txBody>
+          <a:bodyPr vert="horz" wrap="none" lIns="91440" tIns="45720" rIns="91440" bIns="45720" numCol="1" anchor="ctr" anchorCtr="0" compatLnSpc="1">
+            <a:prstTxWarp prst="textNoShape">
+              <a:avLst/>
+            </a:prstTxWarp>
+            <a:spAutoFit/>
+          </a:bodyPr>
+          <a:lstStyle/>
+          <a:p>
+            <a:endParaRPr lang="en-US">
+              <a:solidFill>
+                <a:srgbClr val="2F2B20"/>
+              </a:solidFill>
+            </a:endParaRPr>
+          </a:p>
+        </p:txBody>
+      </p:sp>
+      <p:graphicFrame>
+        <p:nvGraphicFramePr>
+          <p:cNvPr id="7" name="Object 6"/>
+          <p:cNvGraphicFramePr>
+            <a:graphicFrameLocks noChangeAspect="1"/>
+          </p:cNvGraphicFramePr>
+          <p:nvPr>
+            <p:extLst/>
+          </p:nvPr>
+        </p:nvGraphicFramePr>
+        <p:xfrm>
+          <a:off x="3594894" y="533400"/>
+          <a:ext cx="4863306" cy="6238875"/>
+        </p:xfrm>
+        <a:graphic>
+          <a:graphicData uri="http://schemas.openxmlformats.org/presentationml/2006/ole">
+            <mc:AlternateContent xmlns:mc="http://schemas.openxmlformats.org/markup-compatibility/2006">
+              <mc:Choice xmlns:v="urn:schemas-microsoft-com:vml" Requires="v">
+                <p:oleObj spid="_x0000_s1027" name="Visio" r:id="rId3" imgW="7343730" imgH="9410580" progId="Visio.Drawing.15">
+                  <p:embed/>
+                </p:oleObj>
+              </mc:Choice>
+              <mc:Fallback>
+                <p:oleObj name="Visio" r:id="rId3" imgW="7343730" imgH="9410580" progId="Visio.Drawing.15">
+                  <p:embed/>
+                  <p:pic>
+                    <p:nvPicPr>
+                      <p:cNvPr id="0" name=""/>
+                      <p:cNvPicPr>
+                        <a:picLocks noChangeAspect="1" noChangeArrowheads="1"/>
+                      </p:cNvPicPr>
+                      <p:nvPr/>
+                    </p:nvPicPr>
+                    <p:blipFill>
+                      <a:blip r:embed="rId4"/>
+                      <a:srcRect/>
+                      <a:stretch>
+                        <a:fillRect/>
+                      </a:stretch>
+                    </p:blipFill>
+                    <p:spPr bwMode="auto">
+                      <a:xfrm>
+                        <a:off x="3594894" y="533400"/>
+                        <a:ext cx="4863306" cy="6238875"/>
+                      </a:xfrm>
+                      <a:prstGeom prst="rect">
+                        <a:avLst/>
+                      </a:prstGeom>
+                      <a:noFill/>
+                    </p:spPr>
+                  </p:pic>
+                </p:oleObj>
+              </mc:Fallback>
+            </mc:AlternateContent>
+          </a:graphicData>
+        </a:graphic>
+      </p:graphicFrame>
+    </p:spTree>
+    <p:extLst>
+      <p:ext uri="{BB962C8B-B14F-4D97-AF65-F5344CB8AC3E}">
+        <p14:creationId xmlns:p14="http://schemas.microsoft.com/office/powerpoint/2010/main" val="953969343"/>
+      </p:ext>
+    </p:extLst>
+  </p:cSld>
+  <p:clrMapOvr>
+    <a:masterClrMapping/>
+  </p:clrMapOvr>
+  <p:timing>
+    <p:tnLst>
+      <p:par>
+        <p:cTn id="1" dur="indefinite" restart="never" nodeType="tmRoot"/>
+      </p:par>
+    </p:tnLst>
+  </p:timing>
+</p:sld>
+</file>
+
+<file path=ppt/slides/slide16.xml><?xml version="1.0" encoding="utf-8"?>
+<p:sld xmlns:a="http://schemas.openxmlformats.org/drawingml/2006/main" xmlns:r="http://schemas.openxmlformats.org/officeDocument/2006/relationships" xmlns:p="http://schemas.openxmlformats.org/presentationml/2006/main">
+  <p:cSld>
+    <p:spTree>
+      <p:nvGrpSpPr>
+        <p:cNvPr id="1" name=""/>
+        <p:cNvGrpSpPr/>
+        <p:nvPr/>
+      </p:nvGrpSpPr>
+      <p:grpSpPr>
+        <a:xfrm>
+          <a:off x="0" y="0"/>
+          <a:ext cx="0" cy="0"/>
+          <a:chOff x="0" y="0"/>
+          <a:chExt cx="0" cy="0"/>
+        </a:xfrm>
+      </p:grpSpPr>
+      <p:sp>
+        <p:nvSpPr>
+          <p:cNvPr id="2" name="Title 1"/>
+          <p:cNvSpPr>
+            <a:spLocks noGrp="1"/>
+          </p:cNvSpPr>
+          <p:nvPr>
+            <p:ph type="title"/>
+          </p:nvPr>
+        </p:nvSpPr>
+        <p:spPr/>
+        <p:txBody>
+          <a:bodyPr/>
+          <a:lstStyle/>
+          <a:p>
+            <a:r>
+              <a:rPr lang="en-US" dirty="0" smtClean="0"/>
+              <a:t>Module </a:t>
+            </a:r>
+            <a:br>
+              <a:rPr lang="en-US" dirty="0" smtClean="0"/>
+            </a:br>
+            <a:r>
+              <a:rPr lang="en-US" dirty="0" smtClean="0"/>
+              <a:t>Decomposition</a:t>
+            </a:r>
+            <a:endParaRPr lang="en-US" dirty="0"/>
+          </a:p>
+        </p:txBody>
+      </p:sp>
+      <p:sp>
+        <p:nvSpPr>
+          <p:cNvPr id="5" name="Content Placeholder 4"/>
+          <p:cNvSpPr>
+            <a:spLocks noGrp="1"/>
+          </p:cNvSpPr>
+          <p:nvPr>
+            <p:ph idx="1"/>
+          </p:nvPr>
+        </p:nvSpPr>
+        <p:spPr/>
+        <p:txBody>
+          <a:bodyPr/>
+          <a:lstStyle/>
+          <a:p>
+            <a:r>
+              <a:rPr lang="en-US" dirty="0" smtClean="0"/>
+              <a:t>High Cohesion</a:t>
+            </a:r>
+          </a:p>
+          <a:p>
+            <a:r>
+              <a:rPr lang="en-US" dirty="0" smtClean="0"/>
+              <a:t>Low Coupling</a:t>
+            </a:r>
+          </a:p>
+          <a:p>
+            <a:r>
+              <a:rPr lang="en-US" dirty="0"/>
+              <a:t>Master Configuration Object</a:t>
+            </a:r>
+            <a:r>
+              <a:rPr lang="en-US" dirty="0" smtClean="0"/>
+              <a:t/>
+            </a:r>
+            <a:br>
+              <a:rPr lang="en-US" dirty="0" smtClean="0"/>
+            </a:br>
+            <a:endParaRPr lang="en-US" dirty="0"/>
+          </a:p>
+        </p:txBody>
+      </p:sp>
+      <p:sp>
+        <p:nvSpPr>
+          <p:cNvPr id="6" name="Rectangle 2"/>
+          <p:cNvSpPr>
+            <a:spLocks noChangeArrowheads="1"/>
+          </p:cNvSpPr>
+          <p:nvPr/>
+        </p:nvSpPr>
+        <p:spPr bwMode="auto">
+          <a:xfrm>
+            <a:off x="0" y="0"/>
+            <a:ext cx="9144000" cy="0"/>
+          </a:xfrm>
+          <a:prstGeom prst="rect">
+            <a:avLst/>
+          </a:prstGeom>
+          <a:noFill/>
+          <a:ln>
+            <a:noFill/>
+          </a:ln>
+          <a:effectLst/>
+          <a:extLst>
+            <a:ext uri="{909E8E84-426E-40DD-AFC4-6F175D3DCCD1}">
+              <a14:hiddenFill xmlns:a14="http://schemas.microsoft.com/office/drawing/2010/main">
+                <a:solidFill>
+                  <a:schemeClr val="accent1"/>
+                </a:solidFill>
+              </a14:hiddenFill>
+            </a:ext>
+            <a:ext uri="{91240B29-F687-4F45-9708-019B960494DF}">
+              <a14:hiddenLine xmlns:a14="http://schemas.microsoft.com/office/drawing/2010/main" w="9525">
+                <a:solidFill>
+                  <a:schemeClr val="tx1"/>
+                </a:solidFill>
+                <a:miter lim="800000"/>
+                <a:headEnd/>
+                <a:tailEnd/>
+              </a14:hiddenLine>
+            </a:ext>
+            <a:ext uri="{AF507438-7753-43E0-B8FC-AC1667EBCBE1}">
+              <a14:hiddenEffects xmlns:a14="http://schemas.microsoft.com/office/drawing/2010/main">
+                <a:effectLst>
+                  <a:outerShdw dist="35921" dir="2700000" algn="ctr" rotWithShape="0">
+                    <a:schemeClr val="bg2"/>
+                  </a:outerShdw>
+                </a:effectLst>
+              </a14:hiddenEffects>
+            </a:ext>
+          </a:extLst>
+        </p:spPr>
+        <p:txBody>
+          <a:bodyPr vert="horz" wrap="none" lIns="91440" tIns="45720" rIns="91440" bIns="45720" numCol="1" anchor="ctr" anchorCtr="0" compatLnSpc="1">
+            <a:prstTxWarp prst="textNoShape">
+              <a:avLst/>
+            </a:prstTxWarp>
+            <a:spAutoFit/>
+          </a:bodyPr>
+          <a:lstStyle/>
+          <a:p>
+            <a:endParaRPr lang="en-US">
+              <a:solidFill>
+                <a:srgbClr val="2F2B20"/>
+              </a:solidFill>
+            </a:endParaRPr>
+          </a:p>
+        </p:txBody>
+      </p:sp>
+      <p:sp>
+        <p:nvSpPr>
+          <p:cNvPr id="3" name="Rectangle 4"/>
+          <p:cNvSpPr>
+            <a:spLocks noChangeArrowheads="1"/>
+          </p:cNvSpPr>
+          <p:nvPr/>
+        </p:nvSpPr>
+        <p:spPr bwMode="auto">
+          <a:xfrm>
+            <a:off x="0" y="0"/>
+            <a:ext cx="9144000" cy="0"/>
+          </a:xfrm>
+          <a:prstGeom prst="rect">
+            <a:avLst/>
+          </a:prstGeom>
+          <a:noFill/>
+          <a:ln>
+            <a:noFill/>
+          </a:ln>
+          <a:effectLst/>
+          <a:extLst>
+            <a:ext uri="{909E8E84-426E-40DD-AFC4-6F175D3DCCD1}">
+              <a14:hiddenFill xmlns:a14="http://schemas.microsoft.com/office/drawing/2010/main">
+                <a:solidFill>
+                  <a:schemeClr val="accent1"/>
+                </a:solidFill>
+              </a14:hiddenFill>
+            </a:ext>
+            <a:ext uri="{91240B29-F687-4F45-9708-019B960494DF}">
+              <a14:hiddenLine xmlns:a14="http://schemas.microsoft.com/office/drawing/2010/main" w="9525">
+                <a:solidFill>
+                  <a:schemeClr val="tx1"/>
+                </a:solidFill>
+                <a:miter lim="800000"/>
+                <a:headEnd/>
+                <a:tailEnd/>
+              </a14:hiddenLine>
+            </a:ext>
+            <a:ext uri="{AF507438-7753-43E0-B8FC-AC1667EBCBE1}">
+              <a14:hiddenEffects xmlns:a14="http://schemas.microsoft.com/office/drawing/2010/main">
+                <a:effectLst>
+                  <a:outerShdw dist="35921" dir="2700000" algn="ctr" rotWithShape="0">
+                    <a:schemeClr val="bg2"/>
+                  </a:outerShdw>
+                </a:effectLst>
+              </a14:hiddenEffects>
+            </a:ext>
+          </a:extLst>
+        </p:spPr>
+        <p:txBody>
+          <a:bodyPr vert="horz" wrap="none" lIns="91440" tIns="45720" rIns="91440" bIns="45720" numCol="1" anchor="ctr" anchorCtr="0" compatLnSpc="1">
+            <a:prstTxWarp prst="textNoShape">
+              <a:avLst/>
+            </a:prstTxWarp>
+            <a:spAutoFit/>
+          </a:bodyPr>
+          <a:lstStyle/>
+          <a:p>
+            <a:endParaRPr lang="en-US">
+              <a:solidFill>
+                <a:srgbClr val="2F2B20"/>
+              </a:solidFill>
+            </a:endParaRPr>
+          </a:p>
+        </p:txBody>
+      </p:sp>
+      <p:graphicFrame>
+        <p:nvGraphicFramePr>
+          <p:cNvPr id="4" name="Object 3"/>
+          <p:cNvGraphicFramePr>
+            <a:graphicFrameLocks noChangeAspect="1"/>
+          </p:cNvGraphicFramePr>
+          <p:nvPr>
+            <p:extLst/>
+          </p:nvPr>
+        </p:nvGraphicFramePr>
+        <p:xfrm>
+          <a:off x="3200400" y="32658"/>
+          <a:ext cx="5256741" cy="6758668"/>
+        </p:xfrm>
+        <a:graphic>
+          <a:graphicData uri="http://schemas.openxmlformats.org/presentationml/2006/ole">
+            <mc:AlternateContent xmlns:mc="http://schemas.openxmlformats.org/markup-compatibility/2006">
+              <mc:Choice xmlns:v="urn:schemas-microsoft-com:vml" Requires="v">
+                <p:oleObj spid="_x0000_s2051" name="Visio" r:id="rId3" imgW="7534278" imgH="9677340" progId="Visio.Drawing.15">
+                  <p:embed/>
+                </p:oleObj>
+              </mc:Choice>
+              <mc:Fallback>
+                <p:oleObj name="Visio" r:id="rId3" imgW="7534278" imgH="9677340" progId="Visio.Drawing.15">
+                  <p:embed/>
+                  <p:pic>
+                    <p:nvPicPr>
+                      <p:cNvPr id="0" name=""/>
+                      <p:cNvPicPr>
+                        <a:picLocks noChangeAspect="1" noChangeArrowheads="1"/>
+                      </p:cNvPicPr>
+                      <p:nvPr/>
+                    </p:nvPicPr>
+                    <p:blipFill>
+                      <a:blip r:embed="rId4">
+                        <a:extLst>
+                          <a:ext uri="{28A0092B-C50C-407E-A947-70E740481C1C}">
+                            <a14:useLocalDpi xmlns:a14="http://schemas.microsoft.com/office/drawing/2010/main" val="0"/>
+                          </a:ext>
+                        </a:extLst>
+                      </a:blip>
+                      <a:srcRect/>
+                      <a:stretch>
+                        <a:fillRect/>
+                      </a:stretch>
+                    </p:blipFill>
+                    <p:spPr bwMode="auto">
+                      <a:xfrm>
+                        <a:off x="3200400" y="32658"/>
+                        <a:ext cx="5256741" cy="6758668"/>
+                      </a:xfrm>
+                      <a:prstGeom prst="rect">
+                        <a:avLst/>
+                      </a:prstGeom>
+                      <a:noFill/>
+                    </p:spPr>
+                  </p:pic>
+                </p:oleObj>
+              </mc:Fallback>
+            </mc:AlternateContent>
+          </a:graphicData>
+        </a:graphic>
+      </p:graphicFrame>
+    </p:spTree>
+    <p:extLst>
+      <p:ext uri="{BB962C8B-B14F-4D97-AF65-F5344CB8AC3E}">
+        <p14:creationId xmlns:p14="http://schemas.microsoft.com/office/powerpoint/2010/main" val="52195771"/>
+      </p:ext>
+    </p:extLst>
+  </p:cSld>
+  <p:clrMapOvr>
+    <a:masterClrMapping/>
+  </p:clrMapOvr>
+  <p:timing>
+    <p:tnLst>
+      <p:par>
+        <p:cTn id="1" dur="indefinite" restart="never" nodeType="tmRoot"/>
+      </p:par>
+    </p:tnLst>
+  </p:timing>
+</p:sld>
+</file>
+
+<file path=ppt/slides/slide17.xml><?xml version="1.0" encoding="utf-8"?>
+<p:sld xmlns:a="http://schemas.openxmlformats.org/drawingml/2006/main" xmlns:r="http://schemas.openxmlformats.org/officeDocument/2006/relationships" xmlns:p="http://schemas.openxmlformats.org/presentationml/2006/main">
+  <p:cSld>
+    <p:spTree>
+      <p:nvGrpSpPr>
+        <p:cNvPr id="1" name=""/>
+        <p:cNvGrpSpPr/>
+        <p:nvPr/>
+      </p:nvGrpSpPr>
+      <p:grpSpPr>
+        <a:xfrm>
+          <a:off x="0" y="0"/>
+          <a:ext cx="0" cy="0"/>
+          <a:chOff x="0" y="0"/>
+          <a:chExt cx="0" cy="0"/>
+        </a:xfrm>
+      </p:grpSpPr>
+      <p:sp>
+        <p:nvSpPr>
+          <p:cNvPr id="2" name="Title 1"/>
+          <p:cNvSpPr>
+            <a:spLocks noGrp="1"/>
+          </p:cNvSpPr>
+          <p:nvPr>
+            <p:ph type="title"/>
+          </p:nvPr>
+        </p:nvSpPr>
+        <p:spPr>
+          <a:xfrm>
+            <a:off x="228600" y="152400"/>
+            <a:ext cx="8423082" cy="1066800"/>
+          </a:xfrm>
+        </p:spPr>
+        <p:txBody>
+          <a:bodyPr/>
+          <a:lstStyle/>
+          <a:p>
+            <a:r>
+              <a:rPr lang="en-US" dirty="0" smtClean="0"/>
+              <a:t>User Interface Layer</a:t>
+            </a:r>
+            <a:endParaRPr lang="en-US" dirty="0"/>
+          </a:p>
+        </p:txBody>
+      </p:sp>
+      <p:sp>
+        <p:nvSpPr>
+          <p:cNvPr id="5" name="Content Placeholder 4"/>
+          <p:cNvSpPr>
+            <a:spLocks noGrp="1"/>
+          </p:cNvSpPr>
+          <p:nvPr>
+            <p:ph idx="1"/>
+          </p:nvPr>
+        </p:nvSpPr>
+        <p:spPr/>
+        <p:txBody>
+          <a:bodyPr/>
+          <a:lstStyle/>
+          <a:p>
+            <a:pPr marL="114300" indent="0">
+              <a:buNone/>
+            </a:pPr>
+            <a:r>
+              <a:rPr lang="en-US" dirty="0" smtClean="0"/>
+              <a:t/>
+            </a:r>
+            <a:br>
+              <a:rPr lang="en-US" dirty="0" smtClean="0"/>
+            </a:br>
+            <a:endParaRPr lang="en-US" dirty="0"/>
+          </a:p>
+        </p:txBody>
+      </p:sp>
+      <p:sp>
+        <p:nvSpPr>
+          <p:cNvPr id="6" name="Rectangle 2"/>
+          <p:cNvSpPr>
+            <a:spLocks noChangeArrowheads="1"/>
+          </p:cNvSpPr>
+          <p:nvPr/>
+        </p:nvSpPr>
+        <p:spPr bwMode="auto">
+          <a:xfrm>
+            <a:off x="0" y="0"/>
+            <a:ext cx="9144000" cy="0"/>
+          </a:xfrm>
+          <a:prstGeom prst="rect">
+            <a:avLst/>
+          </a:prstGeom>
+          <a:noFill/>
+          <a:ln>
+            <a:noFill/>
+          </a:ln>
+          <a:effectLst/>
+          <a:extLst>
+            <a:ext uri="{909E8E84-426E-40DD-AFC4-6F175D3DCCD1}">
+              <a14:hiddenFill xmlns:a14="http://schemas.microsoft.com/office/drawing/2010/main">
+                <a:solidFill>
+                  <a:schemeClr val="accent1"/>
+                </a:solidFill>
+              </a14:hiddenFill>
+            </a:ext>
+            <a:ext uri="{91240B29-F687-4F45-9708-019B960494DF}">
+              <a14:hiddenLine xmlns:a14="http://schemas.microsoft.com/office/drawing/2010/main" w="9525">
+                <a:solidFill>
+                  <a:schemeClr val="tx1"/>
+                </a:solidFill>
+                <a:miter lim="800000"/>
+                <a:headEnd/>
+                <a:tailEnd/>
+              </a14:hiddenLine>
+            </a:ext>
+            <a:ext uri="{AF507438-7753-43E0-B8FC-AC1667EBCBE1}">
+              <a14:hiddenEffects xmlns:a14="http://schemas.microsoft.com/office/drawing/2010/main">
+                <a:effectLst>
+                  <a:outerShdw dist="35921" dir="2700000" algn="ctr" rotWithShape="0">
+                    <a:schemeClr val="bg2"/>
+                  </a:outerShdw>
+                </a:effectLst>
+              </a14:hiddenEffects>
+            </a:ext>
+          </a:extLst>
+        </p:spPr>
+        <p:txBody>
+          <a:bodyPr vert="horz" wrap="none" lIns="91440" tIns="45720" rIns="91440" bIns="45720" numCol="1" anchor="ctr" anchorCtr="0" compatLnSpc="1">
+            <a:prstTxWarp prst="textNoShape">
+              <a:avLst/>
+            </a:prstTxWarp>
+            <a:spAutoFit/>
+          </a:bodyPr>
+          <a:lstStyle/>
+          <a:p>
+            <a:endParaRPr lang="en-US">
+              <a:solidFill>
+                <a:srgbClr val="2F2B20"/>
+              </a:solidFill>
+            </a:endParaRPr>
+          </a:p>
+        </p:txBody>
+      </p:sp>
+      <p:sp>
+        <p:nvSpPr>
+          <p:cNvPr id="3" name="Rectangle 4"/>
+          <p:cNvSpPr>
+            <a:spLocks noChangeArrowheads="1"/>
+          </p:cNvSpPr>
+          <p:nvPr/>
+        </p:nvSpPr>
+        <p:spPr bwMode="auto">
+          <a:xfrm>
+            <a:off x="0" y="0"/>
+            <a:ext cx="9144000" cy="0"/>
+          </a:xfrm>
+          <a:prstGeom prst="rect">
+            <a:avLst/>
+          </a:prstGeom>
+          <a:noFill/>
+          <a:ln>
+            <a:noFill/>
+          </a:ln>
+          <a:effectLst/>
+          <a:extLst>
+            <a:ext uri="{909E8E84-426E-40DD-AFC4-6F175D3DCCD1}">
+              <a14:hiddenFill xmlns:a14="http://schemas.microsoft.com/office/drawing/2010/main">
+                <a:solidFill>
+                  <a:schemeClr val="accent1"/>
+                </a:solidFill>
+              </a14:hiddenFill>
+            </a:ext>
+            <a:ext uri="{91240B29-F687-4F45-9708-019B960494DF}">
+              <a14:hiddenLine xmlns:a14="http://schemas.microsoft.com/office/drawing/2010/main" w="9525">
+                <a:solidFill>
+                  <a:schemeClr val="tx1"/>
+                </a:solidFill>
+                <a:miter lim="800000"/>
+                <a:headEnd/>
+                <a:tailEnd/>
+              </a14:hiddenLine>
+            </a:ext>
+            <a:ext uri="{AF507438-7753-43E0-B8FC-AC1667EBCBE1}">
+              <a14:hiddenEffects xmlns:a14="http://schemas.microsoft.com/office/drawing/2010/main">
+                <a:effectLst>
+                  <a:outerShdw dist="35921" dir="2700000" algn="ctr" rotWithShape="0">
+                    <a:schemeClr val="bg2"/>
+                  </a:outerShdw>
+                </a:effectLst>
+              </a14:hiddenEffects>
+            </a:ext>
+          </a:extLst>
+        </p:spPr>
+        <p:txBody>
+          <a:bodyPr vert="horz" wrap="none" lIns="91440" tIns="45720" rIns="91440" bIns="45720" numCol="1" anchor="ctr" anchorCtr="0" compatLnSpc="1">
+            <a:prstTxWarp prst="textNoShape">
+              <a:avLst/>
+            </a:prstTxWarp>
+            <a:spAutoFit/>
+          </a:bodyPr>
+          <a:lstStyle/>
+          <a:p>
+            <a:endParaRPr lang="en-US">
+              <a:solidFill>
+                <a:srgbClr val="2F2B20"/>
+              </a:solidFill>
+            </a:endParaRPr>
+          </a:p>
+        </p:txBody>
+      </p:sp>
+      <p:pic>
+        <p:nvPicPr>
+          <p:cNvPr id="11266" name="Picture 2"/>
+          <p:cNvPicPr>
+            <a:picLocks noChangeAspect="1" noChangeArrowheads="1"/>
+          </p:cNvPicPr>
+          <p:nvPr/>
+        </p:nvPicPr>
+        <p:blipFill>
+          <a:blip r:embed="rId2">
+            <a:extLst>
+              <a:ext uri="{28A0092B-C50C-407E-A947-70E740481C1C}">
+                <a14:useLocalDpi xmlns:a14="http://schemas.microsoft.com/office/drawing/2010/main" val="0"/>
+              </a:ext>
+            </a:extLst>
+          </a:blip>
+          <a:srcRect/>
+          <a:stretch>
+            <a:fillRect/>
+          </a:stretch>
+        </p:blipFill>
+        <p:spPr bwMode="auto">
+          <a:xfrm>
+            <a:off x="0" y="1066800"/>
+            <a:ext cx="8077199" cy="5705475"/>
+          </a:xfrm>
+          <a:prstGeom prst="rect">
+            <a:avLst/>
+          </a:prstGeom>
+          <a:noFill/>
+          <a:ln>
+            <a:noFill/>
+          </a:ln>
+          <a:extLst>
+            <a:ext uri="{909E8E84-426E-40DD-AFC4-6F175D3DCCD1}">
+              <a14:hiddenFill xmlns:a14="http://schemas.microsoft.com/office/drawing/2010/main">
+                <a:solidFill>
+                  <a:schemeClr val="accent1"/>
+                </a:solidFill>
+              </a14:hiddenFill>
+            </a:ext>
+            <a:ext uri="{91240B29-F687-4F45-9708-019B960494DF}">
+              <a14:hiddenLine xmlns:a14="http://schemas.microsoft.com/office/drawing/2010/main" w="9525">
+                <a:solidFill>
+                  <a:schemeClr val="tx1"/>
+                </a:solidFill>
+                <a:miter lim="800000"/>
+                <a:headEnd/>
+                <a:tailEnd/>
+              </a14:hiddenLine>
+            </a:ext>
+          </a:extLst>
+        </p:spPr>
+      </p:pic>
+    </p:spTree>
+    <p:extLst>
+      <p:ext uri="{BB962C8B-B14F-4D97-AF65-F5344CB8AC3E}">
+        <p14:creationId xmlns:p14="http://schemas.microsoft.com/office/powerpoint/2010/main" val="4217791989"/>
+      </p:ext>
+    </p:extLst>
+  </p:cSld>
+  <p:clrMapOvr>
+    <a:masterClrMapping/>
+  </p:clrMapOvr>
+  <p:timing>
+    <p:tnLst>
+      <p:par>
+        <p:cTn id="1" dur="indefinite" restart="never" nodeType="tmRoot"/>
+      </p:par>
+    </p:tnLst>
+  </p:timing>
+</p:sld>
+</file>
+
+<file path=ppt/slides/slide18.xml><?xml version="1.0" encoding="utf-8"?>
+<p:sld xmlns:a="http://schemas.openxmlformats.org/drawingml/2006/main" xmlns:r="http://schemas.openxmlformats.org/officeDocument/2006/relationships" xmlns:p="http://schemas.openxmlformats.org/presentationml/2006/main">
+  <p:cSld>
+    <p:spTree>
+      <p:nvGrpSpPr>
+        <p:cNvPr id="1" name=""/>
+        <p:cNvGrpSpPr/>
+        <p:nvPr/>
+      </p:nvGrpSpPr>
+      <p:grpSpPr>
+        <a:xfrm>
+          <a:off x="0" y="0"/>
+          <a:ext cx="0" cy="0"/>
+          <a:chOff x="0" y="0"/>
+          <a:chExt cx="0" cy="0"/>
+        </a:xfrm>
+      </p:grpSpPr>
+      <p:sp>
+        <p:nvSpPr>
+          <p:cNvPr id="2" name="Title 1"/>
+          <p:cNvSpPr>
+            <a:spLocks noGrp="1"/>
+          </p:cNvSpPr>
+          <p:nvPr>
+            <p:ph type="title"/>
+          </p:nvPr>
+        </p:nvSpPr>
+        <p:spPr>
+          <a:xfrm>
+            <a:off x="228600" y="0"/>
+            <a:ext cx="8423082" cy="1066800"/>
+          </a:xfrm>
+        </p:spPr>
+        <p:txBody>
+          <a:bodyPr/>
+          <a:lstStyle/>
+          <a:p>
+            <a:r>
+              <a:rPr lang="en-US" dirty="0" smtClean="0"/>
+              <a:t>Preprocessing Layer</a:t>
+            </a:r>
+            <a:endParaRPr lang="en-US" dirty="0"/>
+          </a:p>
+        </p:txBody>
+      </p:sp>
+      <p:sp>
+        <p:nvSpPr>
+          <p:cNvPr id="5" name="Content Placeholder 4"/>
+          <p:cNvSpPr>
+            <a:spLocks noGrp="1"/>
+          </p:cNvSpPr>
+          <p:nvPr>
+            <p:ph idx="1"/>
+          </p:nvPr>
+        </p:nvSpPr>
+        <p:spPr/>
+        <p:txBody>
+          <a:bodyPr/>
+          <a:lstStyle/>
+          <a:p>
+            <a:pPr marL="114300" indent="0">
+              <a:buNone/>
+            </a:pPr>
+            <a:r>
+              <a:rPr lang="en-US" dirty="0" smtClean="0"/>
+              <a:t/>
+            </a:r>
+            <a:br>
+              <a:rPr lang="en-US" dirty="0" smtClean="0"/>
+            </a:br>
+            <a:endParaRPr lang="en-US" dirty="0"/>
+          </a:p>
+        </p:txBody>
+      </p:sp>
+      <p:sp>
+        <p:nvSpPr>
+          <p:cNvPr id="6" name="Rectangle 2"/>
+          <p:cNvSpPr>
+            <a:spLocks noChangeArrowheads="1"/>
+          </p:cNvSpPr>
+          <p:nvPr/>
+        </p:nvSpPr>
+        <p:spPr bwMode="auto">
+          <a:xfrm>
+            <a:off x="0" y="0"/>
+            <a:ext cx="9144000" cy="0"/>
+          </a:xfrm>
+          <a:prstGeom prst="rect">
+            <a:avLst/>
+          </a:prstGeom>
+          <a:noFill/>
+          <a:ln>
+            <a:noFill/>
+          </a:ln>
+          <a:effectLst/>
+          <a:extLst>
+            <a:ext uri="{909E8E84-426E-40DD-AFC4-6F175D3DCCD1}">
+              <a14:hiddenFill xmlns:a14="http://schemas.microsoft.com/office/drawing/2010/main">
+                <a:solidFill>
+                  <a:schemeClr val="accent1"/>
+                </a:solidFill>
+              </a14:hiddenFill>
+            </a:ext>
+            <a:ext uri="{91240B29-F687-4F45-9708-019B960494DF}">
+              <a14:hiddenLine xmlns:a14="http://schemas.microsoft.com/office/drawing/2010/main" w="9525">
+                <a:solidFill>
+                  <a:schemeClr val="tx1"/>
+                </a:solidFill>
+                <a:miter lim="800000"/>
+                <a:headEnd/>
+                <a:tailEnd/>
+              </a14:hiddenLine>
+            </a:ext>
+            <a:ext uri="{AF507438-7753-43E0-B8FC-AC1667EBCBE1}">
+              <a14:hiddenEffects xmlns:a14="http://schemas.microsoft.com/office/drawing/2010/main">
+                <a:effectLst>
+                  <a:outerShdw dist="35921" dir="2700000" algn="ctr" rotWithShape="0">
+                    <a:schemeClr val="bg2"/>
+                  </a:outerShdw>
+                </a:effectLst>
+              </a14:hiddenEffects>
+            </a:ext>
+          </a:extLst>
+        </p:spPr>
+        <p:txBody>
+          <a:bodyPr vert="horz" wrap="none" lIns="91440" tIns="45720" rIns="91440" bIns="45720" numCol="1" anchor="ctr" anchorCtr="0" compatLnSpc="1">
+            <a:prstTxWarp prst="textNoShape">
+              <a:avLst/>
+            </a:prstTxWarp>
+            <a:spAutoFit/>
+          </a:bodyPr>
+          <a:lstStyle/>
+          <a:p>
+            <a:endParaRPr lang="en-US">
+              <a:solidFill>
+                <a:srgbClr val="2F2B20"/>
+              </a:solidFill>
+            </a:endParaRPr>
+          </a:p>
+        </p:txBody>
+      </p:sp>
+      <p:sp>
+        <p:nvSpPr>
+          <p:cNvPr id="3" name="Rectangle 4"/>
+          <p:cNvSpPr>
+            <a:spLocks noChangeArrowheads="1"/>
+          </p:cNvSpPr>
+          <p:nvPr/>
+        </p:nvSpPr>
+        <p:spPr bwMode="auto">
+          <a:xfrm>
+            <a:off x="0" y="0"/>
+            <a:ext cx="9144000" cy="0"/>
+          </a:xfrm>
+          <a:prstGeom prst="rect">
+            <a:avLst/>
+          </a:prstGeom>
+          <a:noFill/>
+          <a:ln>
+            <a:noFill/>
+          </a:ln>
+          <a:effectLst/>
+          <a:extLst>
+            <a:ext uri="{909E8E84-426E-40DD-AFC4-6F175D3DCCD1}">
+              <a14:hiddenFill xmlns:a14="http://schemas.microsoft.com/office/drawing/2010/main">
+                <a:solidFill>
+                  <a:schemeClr val="accent1"/>
+                </a:solidFill>
+              </a14:hiddenFill>
+            </a:ext>
+            <a:ext uri="{91240B29-F687-4F45-9708-019B960494DF}">
+              <a14:hiddenLine xmlns:a14="http://schemas.microsoft.com/office/drawing/2010/main" w="9525">
+                <a:solidFill>
+                  <a:schemeClr val="tx1"/>
+                </a:solidFill>
+                <a:miter lim="800000"/>
+                <a:headEnd/>
+                <a:tailEnd/>
+              </a14:hiddenLine>
+            </a:ext>
+            <a:ext uri="{AF507438-7753-43E0-B8FC-AC1667EBCBE1}">
+              <a14:hiddenEffects xmlns:a14="http://schemas.microsoft.com/office/drawing/2010/main">
+                <a:effectLst>
+                  <a:outerShdw dist="35921" dir="2700000" algn="ctr" rotWithShape="0">
+                    <a:schemeClr val="bg2"/>
+                  </a:outerShdw>
+                </a:effectLst>
+              </a14:hiddenEffects>
+            </a:ext>
+          </a:extLst>
+        </p:spPr>
+        <p:txBody>
+          <a:bodyPr vert="horz" wrap="none" lIns="91440" tIns="45720" rIns="91440" bIns="45720" numCol="1" anchor="ctr" anchorCtr="0" compatLnSpc="1">
+            <a:prstTxWarp prst="textNoShape">
+              <a:avLst/>
+            </a:prstTxWarp>
+            <a:spAutoFit/>
+          </a:bodyPr>
+          <a:lstStyle/>
+          <a:p>
+            <a:endParaRPr lang="en-US">
+              <a:solidFill>
+                <a:srgbClr val="2F2B20"/>
+              </a:solidFill>
+            </a:endParaRPr>
+          </a:p>
+        </p:txBody>
+      </p:sp>
+      <p:pic>
+        <p:nvPicPr>
+          <p:cNvPr id="11266" name="Picture 2"/>
+          <p:cNvPicPr>
+            <a:picLocks noChangeAspect="1" noChangeArrowheads="1"/>
+          </p:cNvPicPr>
+          <p:nvPr/>
+        </p:nvPicPr>
+        <p:blipFill>
+          <a:blip r:embed="rId2">
+            <a:extLst>
+              <a:ext uri="{28A0092B-C50C-407E-A947-70E740481C1C}">
+                <a14:useLocalDpi xmlns:a14="http://schemas.microsoft.com/office/drawing/2010/main" val="0"/>
+              </a:ext>
+            </a:extLst>
+          </a:blip>
+          <a:srcRect/>
+          <a:stretch>
+            <a:fillRect/>
+          </a:stretch>
+        </p:blipFill>
+        <p:spPr bwMode="auto">
+          <a:xfrm>
+            <a:off x="2043114" y="914400"/>
+            <a:ext cx="4586288" cy="5605463"/>
+          </a:xfrm>
+          <a:prstGeom prst="rect">
+            <a:avLst/>
+          </a:prstGeom>
+          <a:noFill/>
+          <a:ln>
+            <a:noFill/>
+          </a:ln>
+          <a:extLst>
+            <a:ext uri="{909E8E84-426E-40DD-AFC4-6F175D3DCCD1}">
+              <a14:hiddenFill xmlns:a14="http://schemas.microsoft.com/office/drawing/2010/main">
+                <a:solidFill>
+                  <a:schemeClr val="accent1"/>
+                </a:solidFill>
+              </a14:hiddenFill>
+            </a:ext>
+            <a:ext uri="{91240B29-F687-4F45-9708-019B960494DF}">
+              <a14:hiddenLine xmlns:a14="http://schemas.microsoft.com/office/drawing/2010/main" w="9525">
+                <a:solidFill>
+                  <a:schemeClr val="tx1"/>
+                </a:solidFill>
+                <a:miter lim="800000"/>
+                <a:headEnd/>
+                <a:tailEnd/>
+              </a14:hiddenLine>
+            </a:ext>
+          </a:extLst>
+        </p:spPr>
+      </p:pic>
+    </p:spTree>
+    <p:extLst>
+      <p:ext uri="{BB962C8B-B14F-4D97-AF65-F5344CB8AC3E}">
+        <p14:creationId xmlns:p14="http://schemas.microsoft.com/office/powerpoint/2010/main" val="3696925481"/>
+      </p:ext>
+    </p:extLst>
+  </p:cSld>
+  <p:clrMapOvr>
+    <a:masterClrMapping/>
+  </p:clrMapOvr>
+  <p:timing>
+    <p:tnLst>
+      <p:par>
+        <p:cTn id="1" dur="indefinite" restart="never" nodeType="tmRoot"/>
+      </p:par>
+    </p:tnLst>
+  </p:timing>
+</p:sld>
+</file>
+
+<file path=ppt/slides/slide19.xml><?xml version="1.0" encoding="utf-8"?>
+<p:sld xmlns:a="http://schemas.openxmlformats.org/drawingml/2006/main" xmlns:r="http://schemas.openxmlformats.org/officeDocument/2006/relationships" xmlns:p="http://schemas.openxmlformats.org/presentationml/2006/main">
+  <p:cSld>
+    <p:spTree>
+      <p:nvGrpSpPr>
+        <p:cNvPr id="1" name=""/>
+        <p:cNvGrpSpPr/>
+        <p:nvPr/>
+      </p:nvGrpSpPr>
+      <p:grpSpPr>
+        <a:xfrm>
+          <a:off x="0" y="0"/>
+          <a:ext cx="0" cy="0"/>
+          <a:chOff x="0" y="0"/>
+          <a:chExt cx="0" cy="0"/>
+        </a:xfrm>
+      </p:grpSpPr>
+      <p:sp>
+        <p:nvSpPr>
+          <p:cNvPr id="2" name="Title 1"/>
+          <p:cNvSpPr>
+            <a:spLocks noGrp="1"/>
+          </p:cNvSpPr>
+          <p:nvPr>
+            <p:ph type="title"/>
+          </p:nvPr>
+        </p:nvSpPr>
+        <p:spPr>
+          <a:xfrm>
+            <a:off x="228600" y="0"/>
+            <a:ext cx="8423082" cy="1066800"/>
+          </a:xfrm>
+        </p:spPr>
+        <p:txBody>
+          <a:bodyPr/>
+          <a:lstStyle/>
+          <a:p>
+            <a:r>
+              <a:rPr lang="en-US" dirty="0"/>
+              <a:t>P</a:t>
+            </a:r>
+            <a:r>
+              <a:rPr lang="en-US" dirty="0" smtClean="0"/>
+              <a:t>rocessing Layer</a:t>
+            </a:r>
+            <a:endParaRPr lang="en-US" dirty="0"/>
+          </a:p>
+        </p:txBody>
+      </p:sp>
+      <p:sp>
+        <p:nvSpPr>
+          <p:cNvPr id="5" name="Content Placeholder 4"/>
+          <p:cNvSpPr>
+            <a:spLocks noGrp="1"/>
+          </p:cNvSpPr>
+          <p:nvPr>
+            <p:ph idx="1"/>
+          </p:nvPr>
+        </p:nvSpPr>
+        <p:spPr/>
+        <p:txBody>
+          <a:bodyPr/>
+          <a:lstStyle/>
+          <a:p>
+            <a:pPr marL="114300" indent="0">
+              <a:buNone/>
+            </a:pPr>
+            <a:r>
+              <a:rPr lang="en-US" dirty="0" smtClean="0"/>
+              <a:t/>
+            </a:r>
+            <a:br>
+              <a:rPr lang="en-US" dirty="0" smtClean="0"/>
+            </a:br>
+            <a:endParaRPr lang="en-US" dirty="0"/>
+          </a:p>
+        </p:txBody>
+      </p:sp>
+      <p:sp>
+        <p:nvSpPr>
+          <p:cNvPr id="6" name="Rectangle 2"/>
+          <p:cNvSpPr>
+            <a:spLocks noChangeArrowheads="1"/>
+          </p:cNvSpPr>
+          <p:nvPr/>
+        </p:nvSpPr>
+        <p:spPr bwMode="auto">
+          <a:xfrm>
+            <a:off x="0" y="0"/>
+            <a:ext cx="9144000" cy="0"/>
+          </a:xfrm>
+          <a:prstGeom prst="rect">
+            <a:avLst/>
+          </a:prstGeom>
+          <a:noFill/>
+          <a:ln>
+            <a:noFill/>
+          </a:ln>
+          <a:effectLst/>
+          <a:extLst>
+            <a:ext uri="{909E8E84-426E-40DD-AFC4-6F175D3DCCD1}">
+              <a14:hiddenFill xmlns:a14="http://schemas.microsoft.com/office/drawing/2010/main">
+                <a:solidFill>
+                  <a:schemeClr val="accent1"/>
+                </a:solidFill>
+              </a14:hiddenFill>
+            </a:ext>
+            <a:ext uri="{91240B29-F687-4F45-9708-019B960494DF}">
+              <a14:hiddenLine xmlns:a14="http://schemas.microsoft.com/office/drawing/2010/main" w="9525">
+                <a:solidFill>
+                  <a:schemeClr val="tx1"/>
+                </a:solidFill>
+                <a:miter lim="800000"/>
+                <a:headEnd/>
+                <a:tailEnd/>
+              </a14:hiddenLine>
+            </a:ext>
+            <a:ext uri="{AF507438-7753-43E0-B8FC-AC1667EBCBE1}">
+              <a14:hiddenEffects xmlns:a14="http://schemas.microsoft.com/office/drawing/2010/main">
+                <a:effectLst>
+                  <a:outerShdw dist="35921" dir="2700000" algn="ctr" rotWithShape="0">
+                    <a:schemeClr val="bg2"/>
+                  </a:outerShdw>
+                </a:effectLst>
+              </a14:hiddenEffects>
+            </a:ext>
+          </a:extLst>
+        </p:spPr>
+        <p:txBody>
+          <a:bodyPr vert="horz" wrap="none" lIns="91440" tIns="45720" rIns="91440" bIns="45720" numCol="1" anchor="ctr" anchorCtr="0" compatLnSpc="1">
+            <a:prstTxWarp prst="textNoShape">
+              <a:avLst/>
+            </a:prstTxWarp>
+            <a:spAutoFit/>
+          </a:bodyPr>
+          <a:lstStyle/>
+          <a:p>
+            <a:endParaRPr lang="en-US">
+              <a:solidFill>
+                <a:srgbClr val="2F2B20"/>
+              </a:solidFill>
+            </a:endParaRPr>
+          </a:p>
+        </p:txBody>
+      </p:sp>
+      <p:sp>
+        <p:nvSpPr>
+          <p:cNvPr id="3" name="Rectangle 4"/>
+          <p:cNvSpPr>
+            <a:spLocks noChangeArrowheads="1"/>
+          </p:cNvSpPr>
+          <p:nvPr/>
+        </p:nvSpPr>
+        <p:spPr bwMode="auto">
+          <a:xfrm>
+            <a:off x="0" y="0"/>
+            <a:ext cx="9144000" cy="0"/>
+          </a:xfrm>
+          <a:prstGeom prst="rect">
+            <a:avLst/>
+          </a:prstGeom>
+          <a:noFill/>
+          <a:ln>
+            <a:noFill/>
+          </a:ln>
+          <a:effectLst/>
+          <a:extLst>
+            <a:ext uri="{909E8E84-426E-40DD-AFC4-6F175D3DCCD1}">
+              <a14:hiddenFill xmlns:a14="http://schemas.microsoft.com/office/drawing/2010/main">
+                <a:solidFill>
+                  <a:schemeClr val="accent1"/>
+                </a:solidFill>
+              </a14:hiddenFill>
+            </a:ext>
+            <a:ext uri="{91240B29-F687-4F45-9708-019B960494DF}">
+              <a14:hiddenLine xmlns:a14="http://schemas.microsoft.com/office/drawing/2010/main" w="9525">
+                <a:solidFill>
+                  <a:schemeClr val="tx1"/>
+                </a:solidFill>
+                <a:miter lim="800000"/>
+                <a:headEnd/>
+                <a:tailEnd/>
+              </a14:hiddenLine>
+            </a:ext>
+            <a:ext uri="{AF507438-7753-43E0-B8FC-AC1667EBCBE1}">
+              <a14:hiddenEffects xmlns:a14="http://schemas.microsoft.com/office/drawing/2010/main">
+                <a:effectLst>
+                  <a:outerShdw dist="35921" dir="2700000" algn="ctr" rotWithShape="0">
+                    <a:schemeClr val="bg2"/>
+                  </a:outerShdw>
+                </a:effectLst>
+              </a14:hiddenEffects>
+            </a:ext>
+          </a:extLst>
+        </p:spPr>
+        <p:txBody>
+          <a:bodyPr vert="horz" wrap="none" lIns="91440" tIns="45720" rIns="91440" bIns="45720" numCol="1" anchor="ctr" anchorCtr="0" compatLnSpc="1">
+            <a:prstTxWarp prst="textNoShape">
+              <a:avLst/>
+            </a:prstTxWarp>
+            <a:spAutoFit/>
+          </a:bodyPr>
+          <a:lstStyle/>
+          <a:p>
+            <a:endParaRPr lang="en-US">
+              <a:solidFill>
+                <a:srgbClr val="2F2B20"/>
+              </a:solidFill>
+            </a:endParaRPr>
+          </a:p>
+        </p:txBody>
+      </p:sp>
+      <p:pic>
+        <p:nvPicPr>
+          <p:cNvPr id="12290" name="Picture 2"/>
+          <p:cNvPicPr>
+            <a:picLocks noChangeAspect="1" noChangeArrowheads="1"/>
+          </p:cNvPicPr>
+          <p:nvPr/>
+        </p:nvPicPr>
+        <p:blipFill>
+          <a:blip r:embed="rId2">
+            <a:extLst>
+              <a:ext uri="{28A0092B-C50C-407E-A947-70E740481C1C}">
+                <a14:useLocalDpi xmlns:a14="http://schemas.microsoft.com/office/drawing/2010/main" val="0"/>
+              </a:ext>
+            </a:extLst>
+          </a:blip>
+          <a:srcRect/>
+          <a:stretch>
+            <a:fillRect/>
+          </a:stretch>
+        </p:blipFill>
+        <p:spPr bwMode="auto">
+          <a:xfrm>
+            <a:off x="1219200" y="1295400"/>
+            <a:ext cx="6197275" cy="4714300"/>
+          </a:xfrm>
+          <a:prstGeom prst="rect">
+            <a:avLst/>
+          </a:prstGeom>
+          <a:noFill/>
+          <a:ln>
+            <a:noFill/>
+          </a:ln>
+          <a:extLst>
+            <a:ext uri="{909E8E84-426E-40DD-AFC4-6F175D3DCCD1}">
+              <a14:hiddenFill xmlns:a14="http://schemas.microsoft.com/office/drawing/2010/main">
+                <a:solidFill>
+                  <a:schemeClr val="accent1"/>
+                </a:solidFill>
+              </a14:hiddenFill>
+            </a:ext>
+            <a:ext uri="{91240B29-F687-4F45-9708-019B960494DF}">
+              <a14:hiddenLine xmlns:a14="http://schemas.microsoft.com/office/drawing/2010/main" w="9525">
+                <a:solidFill>
+                  <a:schemeClr val="tx1"/>
+                </a:solidFill>
+                <a:miter lim="800000"/>
+                <a:headEnd/>
+                <a:tailEnd/>
+              </a14:hiddenLine>
+            </a:ext>
+          </a:extLst>
+        </p:spPr>
+      </p:pic>
+    </p:spTree>
+    <p:extLst>
+      <p:ext uri="{BB962C8B-B14F-4D97-AF65-F5344CB8AC3E}">
+        <p14:creationId xmlns:p14="http://schemas.microsoft.com/office/powerpoint/2010/main" val="3385495006"/>
       </p:ext>
     </p:extLst>
   </p:cSld>
@@ -4031,13 +5979,8 @@
             </a:r>
             <a:r>
               <a:rPr lang="en-US" dirty="0" smtClean="0"/>
-              <a:t> , Mr. </a:t>
-            </a:r>
-            <a:r>
-              <a:rPr lang="en-US" dirty="0" smtClean="0"/>
-              <a:t>O’Dell</a:t>
-            </a:r>
-            <a:endParaRPr lang="en-US" dirty="0" smtClean="0"/>
+              <a:t> , Mr. O’Dell</a:t>
+            </a:r>
           </a:p>
         </p:txBody>
       </p:sp>
@@ -4757,6 +6700,1961 @@
 </p:sld>
 </file>
 
+<file path=ppt/slides/slide20.xml><?xml version="1.0" encoding="utf-8"?>
+<p:sld xmlns:a="http://schemas.openxmlformats.org/drawingml/2006/main" xmlns:r="http://schemas.openxmlformats.org/officeDocument/2006/relationships" xmlns:p="http://schemas.openxmlformats.org/presentationml/2006/main">
+  <p:cSld>
+    <p:spTree>
+      <p:nvGrpSpPr>
+        <p:cNvPr id="1" name=""/>
+        <p:cNvGrpSpPr/>
+        <p:nvPr/>
+      </p:nvGrpSpPr>
+      <p:grpSpPr>
+        <a:xfrm>
+          <a:off x="0" y="0"/>
+          <a:ext cx="0" cy="0"/>
+          <a:chOff x="0" y="0"/>
+          <a:chExt cx="0" cy="0"/>
+        </a:xfrm>
+      </p:grpSpPr>
+      <p:sp>
+        <p:nvSpPr>
+          <p:cNvPr id="2" name="Title 1"/>
+          <p:cNvSpPr>
+            <a:spLocks noGrp="1"/>
+          </p:cNvSpPr>
+          <p:nvPr>
+            <p:ph type="title"/>
+          </p:nvPr>
+        </p:nvSpPr>
+        <p:spPr>
+          <a:xfrm>
+            <a:off x="228600" y="0"/>
+            <a:ext cx="8423082" cy="1066800"/>
+          </a:xfrm>
+        </p:spPr>
+        <p:txBody>
+          <a:bodyPr/>
+          <a:lstStyle/>
+          <a:p>
+            <a:r>
+              <a:rPr lang="en-US" dirty="0" smtClean="0"/>
+              <a:t>Post Processing Layer</a:t>
+            </a:r>
+            <a:endParaRPr lang="en-US" dirty="0"/>
+          </a:p>
+        </p:txBody>
+      </p:sp>
+      <p:sp>
+        <p:nvSpPr>
+          <p:cNvPr id="5" name="Content Placeholder 4"/>
+          <p:cNvSpPr>
+            <a:spLocks noGrp="1"/>
+          </p:cNvSpPr>
+          <p:nvPr>
+            <p:ph idx="1"/>
+          </p:nvPr>
+        </p:nvSpPr>
+        <p:spPr/>
+        <p:txBody>
+          <a:bodyPr/>
+          <a:lstStyle/>
+          <a:p>
+            <a:pPr marL="114300" indent="0">
+              <a:buNone/>
+            </a:pPr>
+            <a:r>
+              <a:rPr lang="en-US" dirty="0" smtClean="0"/>
+              <a:t/>
+            </a:r>
+            <a:br>
+              <a:rPr lang="en-US" dirty="0" smtClean="0"/>
+            </a:br>
+            <a:endParaRPr lang="en-US" dirty="0"/>
+          </a:p>
+        </p:txBody>
+      </p:sp>
+      <p:sp>
+        <p:nvSpPr>
+          <p:cNvPr id="6" name="Rectangle 2"/>
+          <p:cNvSpPr>
+            <a:spLocks noChangeArrowheads="1"/>
+          </p:cNvSpPr>
+          <p:nvPr/>
+        </p:nvSpPr>
+        <p:spPr bwMode="auto">
+          <a:xfrm>
+            <a:off x="0" y="0"/>
+            <a:ext cx="9144000" cy="0"/>
+          </a:xfrm>
+          <a:prstGeom prst="rect">
+            <a:avLst/>
+          </a:prstGeom>
+          <a:noFill/>
+          <a:ln>
+            <a:noFill/>
+          </a:ln>
+          <a:effectLst/>
+          <a:extLst>
+            <a:ext uri="{909E8E84-426E-40DD-AFC4-6F175D3DCCD1}">
+              <a14:hiddenFill xmlns:a14="http://schemas.microsoft.com/office/drawing/2010/main">
+                <a:solidFill>
+                  <a:schemeClr val="accent1"/>
+                </a:solidFill>
+              </a14:hiddenFill>
+            </a:ext>
+            <a:ext uri="{91240B29-F687-4F45-9708-019B960494DF}">
+              <a14:hiddenLine xmlns:a14="http://schemas.microsoft.com/office/drawing/2010/main" w="9525">
+                <a:solidFill>
+                  <a:schemeClr val="tx1"/>
+                </a:solidFill>
+                <a:miter lim="800000"/>
+                <a:headEnd/>
+                <a:tailEnd/>
+              </a14:hiddenLine>
+            </a:ext>
+            <a:ext uri="{AF507438-7753-43E0-B8FC-AC1667EBCBE1}">
+              <a14:hiddenEffects xmlns:a14="http://schemas.microsoft.com/office/drawing/2010/main">
+                <a:effectLst>
+                  <a:outerShdw dist="35921" dir="2700000" algn="ctr" rotWithShape="0">
+                    <a:schemeClr val="bg2"/>
+                  </a:outerShdw>
+                </a:effectLst>
+              </a14:hiddenEffects>
+            </a:ext>
+          </a:extLst>
+        </p:spPr>
+        <p:txBody>
+          <a:bodyPr vert="horz" wrap="none" lIns="91440" tIns="45720" rIns="91440" bIns="45720" numCol="1" anchor="ctr" anchorCtr="0" compatLnSpc="1">
+            <a:prstTxWarp prst="textNoShape">
+              <a:avLst/>
+            </a:prstTxWarp>
+            <a:spAutoFit/>
+          </a:bodyPr>
+          <a:lstStyle/>
+          <a:p>
+            <a:endParaRPr lang="en-US">
+              <a:solidFill>
+                <a:srgbClr val="2F2B20"/>
+              </a:solidFill>
+            </a:endParaRPr>
+          </a:p>
+        </p:txBody>
+      </p:sp>
+      <p:sp>
+        <p:nvSpPr>
+          <p:cNvPr id="3" name="Rectangle 4"/>
+          <p:cNvSpPr>
+            <a:spLocks noChangeArrowheads="1"/>
+          </p:cNvSpPr>
+          <p:nvPr/>
+        </p:nvSpPr>
+        <p:spPr bwMode="auto">
+          <a:xfrm>
+            <a:off x="0" y="0"/>
+            <a:ext cx="9144000" cy="0"/>
+          </a:xfrm>
+          <a:prstGeom prst="rect">
+            <a:avLst/>
+          </a:prstGeom>
+          <a:noFill/>
+          <a:ln>
+            <a:noFill/>
+          </a:ln>
+          <a:effectLst/>
+          <a:extLst>
+            <a:ext uri="{909E8E84-426E-40DD-AFC4-6F175D3DCCD1}">
+              <a14:hiddenFill xmlns:a14="http://schemas.microsoft.com/office/drawing/2010/main">
+                <a:solidFill>
+                  <a:schemeClr val="accent1"/>
+                </a:solidFill>
+              </a14:hiddenFill>
+            </a:ext>
+            <a:ext uri="{91240B29-F687-4F45-9708-019B960494DF}">
+              <a14:hiddenLine xmlns:a14="http://schemas.microsoft.com/office/drawing/2010/main" w="9525">
+                <a:solidFill>
+                  <a:schemeClr val="tx1"/>
+                </a:solidFill>
+                <a:miter lim="800000"/>
+                <a:headEnd/>
+                <a:tailEnd/>
+              </a14:hiddenLine>
+            </a:ext>
+            <a:ext uri="{AF507438-7753-43E0-B8FC-AC1667EBCBE1}">
+              <a14:hiddenEffects xmlns:a14="http://schemas.microsoft.com/office/drawing/2010/main">
+                <a:effectLst>
+                  <a:outerShdw dist="35921" dir="2700000" algn="ctr" rotWithShape="0">
+                    <a:schemeClr val="bg2"/>
+                  </a:outerShdw>
+                </a:effectLst>
+              </a14:hiddenEffects>
+            </a:ext>
+          </a:extLst>
+        </p:spPr>
+        <p:txBody>
+          <a:bodyPr vert="horz" wrap="none" lIns="91440" tIns="45720" rIns="91440" bIns="45720" numCol="1" anchor="ctr" anchorCtr="0" compatLnSpc="1">
+            <a:prstTxWarp prst="textNoShape">
+              <a:avLst/>
+            </a:prstTxWarp>
+            <a:spAutoFit/>
+          </a:bodyPr>
+          <a:lstStyle/>
+          <a:p>
+            <a:endParaRPr lang="en-US">
+              <a:solidFill>
+                <a:srgbClr val="2F2B20"/>
+              </a:solidFill>
+            </a:endParaRPr>
+          </a:p>
+        </p:txBody>
+      </p:sp>
+      <p:pic>
+        <p:nvPicPr>
+          <p:cNvPr id="13315" name="Picture 3"/>
+          <p:cNvPicPr>
+            <a:picLocks noChangeAspect="1" noChangeArrowheads="1"/>
+          </p:cNvPicPr>
+          <p:nvPr/>
+        </p:nvPicPr>
+        <p:blipFill>
+          <a:blip r:embed="rId2">
+            <a:extLst>
+              <a:ext uri="{28A0092B-C50C-407E-A947-70E740481C1C}">
+                <a14:useLocalDpi xmlns:a14="http://schemas.microsoft.com/office/drawing/2010/main" val="0"/>
+              </a:ext>
+            </a:extLst>
+          </a:blip>
+          <a:srcRect/>
+          <a:stretch>
+            <a:fillRect/>
+          </a:stretch>
+        </p:blipFill>
+        <p:spPr bwMode="auto">
+          <a:xfrm>
+            <a:off x="838200" y="1295400"/>
+            <a:ext cx="6553200" cy="4981094"/>
+          </a:xfrm>
+          <a:prstGeom prst="rect">
+            <a:avLst/>
+          </a:prstGeom>
+          <a:noFill/>
+          <a:ln>
+            <a:noFill/>
+          </a:ln>
+          <a:extLst>
+            <a:ext uri="{909E8E84-426E-40DD-AFC4-6F175D3DCCD1}">
+              <a14:hiddenFill xmlns:a14="http://schemas.microsoft.com/office/drawing/2010/main">
+                <a:solidFill>
+                  <a:schemeClr val="accent1"/>
+                </a:solidFill>
+              </a14:hiddenFill>
+            </a:ext>
+            <a:ext uri="{91240B29-F687-4F45-9708-019B960494DF}">
+              <a14:hiddenLine xmlns:a14="http://schemas.microsoft.com/office/drawing/2010/main" w="9525">
+                <a:solidFill>
+                  <a:schemeClr val="tx1"/>
+                </a:solidFill>
+                <a:miter lim="800000"/>
+                <a:headEnd/>
+                <a:tailEnd/>
+              </a14:hiddenLine>
+            </a:ext>
+          </a:extLst>
+        </p:spPr>
+      </p:pic>
+    </p:spTree>
+    <p:extLst>
+      <p:ext uri="{BB962C8B-B14F-4D97-AF65-F5344CB8AC3E}">
+        <p14:creationId xmlns:p14="http://schemas.microsoft.com/office/powerpoint/2010/main" val="2465211374"/>
+      </p:ext>
+    </p:extLst>
+  </p:cSld>
+  <p:clrMapOvr>
+    <a:masterClrMapping/>
+  </p:clrMapOvr>
+  <p:timing>
+    <p:tnLst>
+      <p:par>
+        <p:cTn id="1" dur="indefinite" restart="never" nodeType="tmRoot"/>
+      </p:par>
+    </p:tnLst>
+  </p:timing>
+</p:sld>
+</file>
+
+<file path=ppt/slides/slide21.xml><?xml version="1.0" encoding="utf-8"?>
+<p:sld xmlns:a="http://schemas.openxmlformats.org/drawingml/2006/main" xmlns:r="http://schemas.openxmlformats.org/officeDocument/2006/relationships" xmlns:p="http://schemas.openxmlformats.org/presentationml/2006/main">
+  <p:cSld>
+    <p:spTree>
+      <p:nvGrpSpPr>
+        <p:cNvPr id="1" name=""/>
+        <p:cNvGrpSpPr/>
+        <p:nvPr/>
+      </p:nvGrpSpPr>
+      <p:grpSpPr>
+        <a:xfrm>
+          <a:off x="0" y="0"/>
+          <a:ext cx="0" cy="0"/>
+          <a:chOff x="0" y="0"/>
+          <a:chExt cx="0" cy="0"/>
+        </a:xfrm>
+      </p:grpSpPr>
+      <p:sp>
+        <p:nvSpPr>
+          <p:cNvPr id="2" name="Title 1"/>
+          <p:cNvSpPr>
+            <a:spLocks noGrp="1"/>
+          </p:cNvSpPr>
+          <p:nvPr>
+            <p:ph type="title"/>
+          </p:nvPr>
+        </p:nvSpPr>
+        <p:spPr>
+          <a:xfrm>
+            <a:off x="228600" y="0"/>
+            <a:ext cx="8423082" cy="1066800"/>
+          </a:xfrm>
+        </p:spPr>
+        <p:txBody>
+          <a:bodyPr/>
+          <a:lstStyle/>
+          <a:p>
+            <a:r>
+              <a:rPr lang="en-US" dirty="0" smtClean="0"/>
+              <a:t>Printer Control Layer</a:t>
+            </a:r>
+            <a:endParaRPr lang="en-US" dirty="0"/>
+          </a:p>
+        </p:txBody>
+      </p:sp>
+      <p:sp>
+        <p:nvSpPr>
+          <p:cNvPr id="5" name="Content Placeholder 4"/>
+          <p:cNvSpPr>
+            <a:spLocks noGrp="1"/>
+          </p:cNvSpPr>
+          <p:nvPr>
+            <p:ph idx="1"/>
+          </p:nvPr>
+        </p:nvSpPr>
+        <p:spPr/>
+        <p:txBody>
+          <a:bodyPr/>
+          <a:lstStyle/>
+          <a:p>
+            <a:pPr marL="114300" indent="0">
+              <a:buNone/>
+            </a:pPr>
+            <a:r>
+              <a:rPr lang="en-US" dirty="0" smtClean="0"/>
+              <a:t/>
+            </a:r>
+            <a:br>
+              <a:rPr lang="en-US" dirty="0" smtClean="0"/>
+            </a:br>
+            <a:endParaRPr lang="en-US" dirty="0"/>
+          </a:p>
+        </p:txBody>
+      </p:sp>
+      <p:sp>
+        <p:nvSpPr>
+          <p:cNvPr id="6" name="Rectangle 2"/>
+          <p:cNvSpPr>
+            <a:spLocks noChangeArrowheads="1"/>
+          </p:cNvSpPr>
+          <p:nvPr/>
+        </p:nvSpPr>
+        <p:spPr bwMode="auto">
+          <a:xfrm>
+            <a:off x="0" y="0"/>
+            <a:ext cx="9144000" cy="0"/>
+          </a:xfrm>
+          <a:prstGeom prst="rect">
+            <a:avLst/>
+          </a:prstGeom>
+          <a:noFill/>
+          <a:ln>
+            <a:noFill/>
+          </a:ln>
+          <a:effectLst/>
+          <a:extLst>
+            <a:ext uri="{909E8E84-426E-40DD-AFC4-6F175D3DCCD1}">
+              <a14:hiddenFill xmlns:a14="http://schemas.microsoft.com/office/drawing/2010/main">
+                <a:solidFill>
+                  <a:schemeClr val="accent1"/>
+                </a:solidFill>
+              </a14:hiddenFill>
+            </a:ext>
+            <a:ext uri="{91240B29-F687-4F45-9708-019B960494DF}">
+              <a14:hiddenLine xmlns:a14="http://schemas.microsoft.com/office/drawing/2010/main" w="9525">
+                <a:solidFill>
+                  <a:schemeClr val="tx1"/>
+                </a:solidFill>
+                <a:miter lim="800000"/>
+                <a:headEnd/>
+                <a:tailEnd/>
+              </a14:hiddenLine>
+            </a:ext>
+            <a:ext uri="{AF507438-7753-43E0-B8FC-AC1667EBCBE1}">
+              <a14:hiddenEffects xmlns:a14="http://schemas.microsoft.com/office/drawing/2010/main">
+                <a:effectLst>
+                  <a:outerShdw dist="35921" dir="2700000" algn="ctr" rotWithShape="0">
+                    <a:schemeClr val="bg2"/>
+                  </a:outerShdw>
+                </a:effectLst>
+              </a14:hiddenEffects>
+            </a:ext>
+          </a:extLst>
+        </p:spPr>
+        <p:txBody>
+          <a:bodyPr vert="horz" wrap="none" lIns="91440" tIns="45720" rIns="91440" bIns="45720" numCol="1" anchor="ctr" anchorCtr="0" compatLnSpc="1">
+            <a:prstTxWarp prst="textNoShape">
+              <a:avLst/>
+            </a:prstTxWarp>
+            <a:spAutoFit/>
+          </a:bodyPr>
+          <a:lstStyle/>
+          <a:p>
+            <a:endParaRPr lang="en-US">
+              <a:solidFill>
+                <a:srgbClr val="2F2B20"/>
+              </a:solidFill>
+            </a:endParaRPr>
+          </a:p>
+        </p:txBody>
+      </p:sp>
+      <p:sp>
+        <p:nvSpPr>
+          <p:cNvPr id="3" name="Rectangle 4"/>
+          <p:cNvSpPr>
+            <a:spLocks noChangeArrowheads="1"/>
+          </p:cNvSpPr>
+          <p:nvPr/>
+        </p:nvSpPr>
+        <p:spPr bwMode="auto">
+          <a:xfrm>
+            <a:off x="0" y="0"/>
+            <a:ext cx="9144000" cy="0"/>
+          </a:xfrm>
+          <a:prstGeom prst="rect">
+            <a:avLst/>
+          </a:prstGeom>
+          <a:noFill/>
+          <a:ln>
+            <a:noFill/>
+          </a:ln>
+          <a:effectLst/>
+          <a:extLst>
+            <a:ext uri="{909E8E84-426E-40DD-AFC4-6F175D3DCCD1}">
+              <a14:hiddenFill xmlns:a14="http://schemas.microsoft.com/office/drawing/2010/main">
+                <a:solidFill>
+                  <a:schemeClr val="accent1"/>
+                </a:solidFill>
+              </a14:hiddenFill>
+            </a:ext>
+            <a:ext uri="{91240B29-F687-4F45-9708-019B960494DF}">
+              <a14:hiddenLine xmlns:a14="http://schemas.microsoft.com/office/drawing/2010/main" w="9525">
+                <a:solidFill>
+                  <a:schemeClr val="tx1"/>
+                </a:solidFill>
+                <a:miter lim="800000"/>
+                <a:headEnd/>
+                <a:tailEnd/>
+              </a14:hiddenLine>
+            </a:ext>
+            <a:ext uri="{AF507438-7753-43E0-B8FC-AC1667EBCBE1}">
+              <a14:hiddenEffects xmlns:a14="http://schemas.microsoft.com/office/drawing/2010/main">
+                <a:effectLst>
+                  <a:outerShdw dist="35921" dir="2700000" algn="ctr" rotWithShape="0">
+                    <a:schemeClr val="bg2"/>
+                  </a:outerShdw>
+                </a:effectLst>
+              </a14:hiddenEffects>
+            </a:ext>
+          </a:extLst>
+        </p:spPr>
+        <p:txBody>
+          <a:bodyPr vert="horz" wrap="none" lIns="91440" tIns="45720" rIns="91440" bIns="45720" numCol="1" anchor="ctr" anchorCtr="0" compatLnSpc="1">
+            <a:prstTxWarp prst="textNoShape">
+              <a:avLst/>
+            </a:prstTxWarp>
+            <a:spAutoFit/>
+          </a:bodyPr>
+          <a:lstStyle/>
+          <a:p>
+            <a:endParaRPr lang="en-US">
+              <a:solidFill>
+                <a:srgbClr val="2F2B20"/>
+              </a:solidFill>
+            </a:endParaRPr>
+          </a:p>
+        </p:txBody>
+      </p:sp>
+      <p:pic>
+        <p:nvPicPr>
+          <p:cNvPr id="14339" name="Picture 3"/>
+          <p:cNvPicPr>
+            <a:picLocks noChangeAspect="1" noChangeArrowheads="1"/>
+          </p:cNvPicPr>
+          <p:nvPr/>
+        </p:nvPicPr>
+        <p:blipFill>
+          <a:blip r:embed="rId2">
+            <a:extLst>
+              <a:ext uri="{28A0092B-C50C-407E-A947-70E740481C1C}">
+                <a14:useLocalDpi xmlns:a14="http://schemas.microsoft.com/office/drawing/2010/main" val="0"/>
+              </a:ext>
+            </a:extLst>
+          </a:blip>
+          <a:srcRect/>
+          <a:stretch>
+            <a:fillRect/>
+          </a:stretch>
+        </p:blipFill>
+        <p:spPr bwMode="auto">
+          <a:xfrm>
+            <a:off x="304800" y="914400"/>
+            <a:ext cx="8093788" cy="5638800"/>
+          </a:xfrm>
+          <a:prstGeom prst="rect">
+            <a:avLst/>
+          </a:prstGeom>
+          <a:noFill/>
+          <a:ln>
+            <a:noFill/>
+          </a:ln>
+          <a:extLst>
+            <a:ext uri="{909E8E84-426E-40DD-AFC4-6F175D3DCCD1}">
+              <a14:hiddenFill xmlns:a14="http://schemas.microsoft.com/office/drawing/2010/main">
+                <a:solidFill>
+                  <a:schemeClr val="accent1"/>
+                </a:solidFill>
+              </a14:hiddenFill>
+            </a:ext>
+            <a:ext uri="{91240B29-F687-4F45-9708-019B960494DF}">
+              <a14:hiddenLine xmlns:a14="http://schemas.microsoft.com/office/drawing/2010/main" w="9525">
+                <a:solidFill>
+                  <a:schemeClr val="tx1"/>
+                </a:solidFill>
+                <a:miter lim="800000"/>
+                <a:headEnd/>
+                <a:tailEnd/>
+              </a14:hiddenLine>
+            </a:ext>
+          </a:extLst>
+        </p:spPr>
+      </p:pic>
+    </p:spTree>
+    <p:extLst>
+      <p:ext uri="{BB962C8B-B14F-4D97-AF65-F5344CB8AC3E}">
+        <p14:creationId xmlns:p14="http://schemas.microsoft.com/office/powerpoint/2010/main" val="1583419590"/>
+      </p:ext>
+    </p:extLst>
+  </p:cSld>
+  <p:clrMapOvr>
+    <a:masterClrMapping/>
+  </p:clrMapOvr>
+  <p:timing>
+    <p:tnLst>
+      <p:par>
+        <p:cTn id="1" dur="indefinite" restart="never" nodeType="tmRoot"/>
+      </p:par>
+    </p:tnLst>
+  </p:timing>
+</p:sld>
+</file>
+
+<file path=ppt/slides/slide22.xml><?xml version="1.0" encoding="utf-8"?>
+<p:sld xmlns:a="http://schemas.openxmlformats.org/drawingml/2006/main" xmlns:r="http://schemas.openxmlformats.org/officeDocument/2006/relationships" xmlns:p="http://schemas.openxmlformats.org/presentationml/2006/main">
+  <p:cSld>
+    <p:spTree>
+      <p:nvGrpSpPr>
+        <p:cNvPr id="1" name=""/>
+        <p:cNvGrpSpPr/>
+        <p:nvPr/>
+      </p:nvGrpSpPr>
+      <p:grpSpPr>
+        <a:xfrm>
+          <a:off x="0" y="0"/>
+          <a:ext cx="0" cy="0"/>
+          <a:chOff x="0" y="0"/>
+          <a:chExt cx="0" cy="0"/>
+        </a:xfrm>
+      </p:grpSpPr>
+      <p:sp>
+        <p:nvSpPr>
+          <p:cNvPr id="2" name="Title 1"/>
+          <p:cNvSpPr>
+            <a:spLocks noGrp="1"/>
+          </p:cNvSpPr>
+          <p:nvPr>
+            <p:ph type="title"/>
+          </p:nvPr>
+        </p:nvSpPr>
+        <p:spPr>
+          <a:xfrm>
+            <a:off x="228600" y="0"/>
+            <a:ext cx="8423082" cy="1066800"/>
+          </a:xfrm>
+        </p:spPr>
+        <p:txBody>
+          <a:bodyPr/>
+          <a:lstStyle/>
+          <a:p>
+            <a:r>
+              <a:rPr lang="en-US" dirty="0" smtClean="0"/>
+              <a:t>Communications Layer</a:t>
+            </a:r>
+            <a:endParaRPr lang="en-US" dirty="0"/>
+          </a:p>
+        </p:txBody>
+      </p:sp>
+      <p:sp>
+        <p:nvSpPr>
+          <p:cNvPr id="5" name="Content Placeholder 4"/>
+          <p:cNvSpPr>
+            <a:spLocks noGrp="1"/>
+          </p:cNvSpPr>
+          <p:nvPr>
+            <p:ph idx="1"/>
+          </p:nvPr>
+        </p:nvSpPr>
+        <p:spPr/>
+        <p:txBody>
+          <a:bodyPr/>
+          <a:lstStyle/>
+          <a:p>
+            <a:pPr marL="114300" indent="0">
+              <a:buNone/>
+            </a:pPr>
+            <a:r>
+              <a:rPr lang="en-US" dirty="0" smtClean="0"/>
+              <a:t/>
+            </a:r>
+            <a:br>
+              <a:rPr lang="en-US" dirty="0" smtClean="0"/>
+            </a:br>
+            <a:endParaRPr lang="en-US" dirty="0"/>
+          </a:p>
+        </p:txBody>
+      </p:sp>
+      <p:sp>
+        <p:nvSpPr>
+          <p:cNvPr id="6" name="Rectangle 2"/>
+          <p:cNvSpPr>
+            <a:spLocks noChangeArrowheads="1"/>
+          </p:cNvSpPr>
+          <p:nvPr/>
+        </p:nvSpPr>
+        <p:spPr bwMode="auto">
+          <a:xfrm>
+            <a:off x="0" y="0"/>
+            <a:ext cx="9144000" cy="0"/>
+          </a:xfrm>
+          <a:prstGeom prst="rect">
+            <a:avLst/>
+          </a:prstGeom>
+          <a:noFill/>
+          <a:ln>
+            <a:noFill/>
+          </a:ln>
+          <a:effectLst/>
+          <a:extLst>
+            <a:ext uri="{909E8E84-426E-40DD-AFC4-6F175D3DCCD1}">
+              <a14:hiddenFill xmlns:a14="http://schemas.microsoft.com/office/drawing/2010/main">
+                <a:solidFill>
+                  <a:schemeClr val="accent1"/>
+                </a:solidFill>
+              </a14:hiddenFill>
+            </a:ext>
+            <a:ext uri="{91240B29-F687-4F45-9708-019B960494DF}">
+              <a14:hiddenLine xmlns:a14="http://schemas.microsoft.com/office/drawing/2010/main" w="9525">
+                <a:solidFill>
+                  <a:schemeClr val="tx1"/>
+                </a:solidFill>
+                <a:miter lim="800000"/>
+                <a:headEnd/>
+                <a:tailEnd/>
+              </a14:hiddenLine>
+            </a:ext>
+            <a:ext uri="{AF507438-7753-43E0-B8FC-AC1667EBCBE1}">
+              <a14:hiddenEffects xmlns:a14="http://schemas.microsoft.com/office/drawing/2010/main">
+                <a:effectLst>
+                  <a:outerShdw dist="35921" dir="2700000" algn="ctr" rotWithShape="0">
+                    <a:schemeClr val="bg2"/>
+                  </a:outerShdw>
+                </a:effectLst>
+              </a14:hiddenEffects>
+            </a:ext>
+          </a:extLst>
+        </p:spPr>
+        <p:txBody>
+          <a:bodyPr vert="horz" wrap="none" lIns="91440" tIns="45720" rIns="91440" bIns="45720" numCol="1" anchor="ctr" anchorCtr="0" compatLnSpc="1">
+            <a:prstTxWarp prst="textNoShape">
+              <a:avLst/>
+            </a:prstTxWarp>
+            <a:spAutoFit/>
+          </a:bodyPr>
+          <a:lstStyle/>
+          <a:p>
+            <a:endParaRPr lang="en-US">
+              <a:solidFill>
+                <a:srgbClr val="2F2B20"/>
+              </a:solidFill>
+            </a:endParaRPr>
+          </a:p>
+        </p:txBody>
+      </p:sp>
+      <p:sp>
+        <p:nvSpPr>
+          <p:cNvPr id="3" name="Rectangle 4"/>
+          <p:cNvSpPr>
+            <a:spLocks noChangeArrowheads="1"/>
+          </p:cNvSpPr>
+          <p:nvPr/>
+        </p:nvSpPr>
+        <p:spPr bwMode="auto">
+          <a:xfrm>
+            <a:off x="0" y="0"/>
+            <a:ext cx="9144000" cy="0"/>
+          </a:xfrm>
+          <a:prstGeom prst="rect">
+            <a:avLst/>
+          </a:prstGeom>
+          <a:noFill/>
+          <a:ln>
+            <a:noFill/>
+          </a:ln>
+          <a:effectLst/>
+          <a:extLst>
+            <a:ext uri="{909E8E84-426E-40DD-AFC4-6F175D3DCCD1}">
+              <a14:hiddenFill xmlns:a14="http://schemas.microsoft.com/office/drawing/2010/main">
+                <a:solidFill>
+                  <a:schemeClr val="accent1"/>
+                </a:solidFill>
+              </a14:hiddenFill>
+            </a:ext>
+            <a:ext uri="{91240B29-F687-4F45-9708-019B960494DF}">
+              <a14:hiddenLine xmlns:a14="http://schemas.microsoft.com/office/drawing/2010/main" w="9525">
+                <a:solidFill>
+                  <a:schemeClr val="tx1"/>
+                </a:solidFill>
+                <a:miter lim="800000"/>
+                <a:headEnd/>
+                <a:tailEnd/>
+              </a14:hiddenLine>
+            </a:ext>
+            <a:ext uri="{AF507438-7753-43E0-B8FC-AC1667EBCBE1}">
+              <a14:hiddenEffects xmlns:a14="http://schemas.microsoft.com/office/drawing/2010/main">
+                <a:effectLst>
+                  <a:outerShdw dist="35921" dir="2700000" algn="ctr" rotWithShape="0">
+                    <a:schemeClr val="bg2"/>
+                  </a:outerShdw>
+                </a:effectLst>
+              </a14:hiddenEffects>
+            </a:ext>
+          </a:extLst>
+        </p:spPr>
+        <p:txBody>
+          <a:bodyPr vert="horz" wrap="none" lIns="91440" tIns="45720" rIns="91440" bIns="45720" numCol="1" anchor="ctr" anchorCtr="0" compatLnSpc="1">
+            <a:prstTxWarp prst="textNoShape">
+              <a:avLst/>
+            </a:prstTxWarp>
+            <a:spAutoFit/>
+          </a:bodyPr>
+          <a:lstStyle/>
+          <a:p>
+            <a:endParaRPr lang="en-US">
+              <a:solidFill>
+                <a:srgbClr val="2F2B20"/>
+              </a:solidFill>
+            </a:endParaRPr>
+          </a:p>
+        </p:txBody>
+      </p:sp>
+      <p:pic>
+        <p:nvPicPr>
+          <p:cNvPr id="15362" name="Picture 2"/>
+          <p:cNvPicPr>
+            <a:picLocks noChangeAspect="1" noChangeArrowheads="1"/>
+          </p:cNvPicPr>
+          <p:nvPr/>
+        </p:nvPicPr>
+        <p:blipFill>
+          <a:blip r:embed="rId2">
+            <a:extLst>
+              <a:ext uri="{28A0092B-C50C-407E-A947-70E740481C1C}">
+                <a14:useLocalDpi xmlns:a14="http://schemas.microsoft.com/office/drawing/2010/main" val="0"/>
+              </a:ext>
+            </a:extLst>
+          </a:blip>
+          <a:srcRect/>
+          <a:stretch>
+            <a:fillRect/>
+          </a:stretch>
+        </p:blipFill>
+        <p:spPr bwMode="auto">
+          <a:xfrm>
+            <a:off x="76200" y="1945584"/>
+            <a:ext cx="8288066" cy="2855015"/>
+          </a:xfrm>
+          <a:prstGeom prst="rect">
+            <a:avLst/>
+          </a:prstGeom>
+          <a:noFill/>
+          <a:ln>
+            <a:noFill/>
+          </a:ln>
+          <a:extLst>
+            <a:ext uri="{909E8E84-426E-40DD-AFC4-6F175D3DCCD1}">
+              <a14:hiddenFill xmlns:a14="http://schemas.microsoft.com/office/drawing/2010/main">
+                <a:solidFill>
+                  <a:schemeClr val="accent1"/>
+                </a:solidFill>
+              </a14:hiddenFill>
+            </a:ext>
+            <a:ext uri="{91240B29-F687-4F45-9708-019B960494DF}">
+              <a14:hiddenLine xmlns:a14="http://schemas.microsoft.com/office/drawing/2010/main" w="9525">
+                <a:solidFill>
+                  <a:schemeClr val="tx1"/>
+                </a:solidFill>
+                <a:miter lim="800000"/>
+                <a:headEnd/>
+                <a:tailEnd/>
+              </a14:hiddenLine>
+            </a:ext>
+          </a:extLst>
+        </p:spPr>
+      </p:pic>
+    </p:spTree>
+    <p:extLst>
+      <p:ext uri="{BB962C8B-B14F-4D97-AF65-F5344CB8AC3E}">
+        <p14:creationId xmlns:p14="http://schemas.microsoft.com/office/powerpoint/2010/main" val="108821432"/>
+      </p:ext>
+    </p:extLst>
+  </p:cSld>
+  <p:clrMapOvr>
+    <a:masterClrMapping/>
+  </p:clrMapOvr>
+  <p:timing>
+    <p:tnLst>
+      <p:par>
+        <p:cTn id="1" dur="indefinite" restart="never" nodeType="tmRoot"/>
+      </p:par>
+    </p:tnLst>
+  </p:timing>
+</p:sld>
+</file>
+
+<file path=ppt/slides/slide23.xml><?xml version="1.0" encoding="utf-8"?>
+<p:sld xmlns:a="http://schemas.openxmlformats.org/drawingml/2006/main" xmlns:r="http://schemas.openxmlformats.org/officeDocument/2006/relationships" xmlns:p="http://schemas.openxmlformats.org/presentationml/2006/main">
+  <p:cSld>
+    <p:spTree>
+      <p:nvGrpSpPr>
+        <p:cNvPr id="1" name=""/>
+        <p:cNvGrpSpPr/>
+        <p:nvPr/>
+      </p:nvGrpSpPr>
+      <p:grpSpPr>
+        <a:xfrm>
+          <a:off x="0" y="0"/>
+          <a:ext cx="0" cy="0"/>
+          <a:chOff x="0" y="0"/>
+          <a:chExt cx="0" cy="0"/>
+        </a:xfrm>
+      </p:grpSpPr>
+      <p:sp>
+        <p:nvSpPr>
+          <p:cNvPr id="2" name="Title 1"/>
+          <p:cNvSpPr>
+            <a:spLocks noGrp="1"/>
+          </p:cNvSpPr>
+          <p:nvPr>
+            <p:ph type="title"/>
+          </p:nvPr>
+        </p:nvSpPr>
+        <p:spPr>
+          <a:xfrm>
+            <a:off x="228600" y="0"/>
+            <a:ext cx="8423082" cy="1066800"/>
+          </a:xfrm>
+        </p:spPr>
+        <p:txBody>
+          <a:bodyPr/>
+          <a:lstStyle/>
+          <a:p>
+            <a:r>
+              <a:rPr lang="en-US" dirty="0" smtClean="0"/>
+              <a:t>Printer Feedback Layer</a:t>
+            </a:r>
+            <a:endParaRPr lang="en-US" dirty="0"/>
+          </a:p>
+        </p:txBody>
+      </p:sp>
+      <p:sp>
+        <p:nvSpPr>
+          <p:cNvPr id="5" name="Content Placeholder 4"/>
+          <p:cNvSpPr>
+            <a:spLocks noGrp="1"/>
+          </p:cNvSpPr>
+          <p:nvPr>
+            <p:ph idx="1"/>
+          </p:nvPr>
+        </p:nvSpPr>
+        <p:spPr/>
+        <p:txBody>
+          <a:bodyPr/>
+          <a:lstStyle/>
+          <a:p>
+            <a:pPr marL="114300" indent="0">
+              <a:buNone/>
+            </a:pPr>
+            <a:r>
+              <a:rPr lang="en-US" dirty="0" smtClean="0"/>
+              <a:t/>
+            </a:r>
+            <a:br>
+              <a:rPr lang="en-US" dirty="0" smtClean="0"/>
+            </a:br>
+            <a:endParaRPr lang="en-US" dirty="0"/>
+          </a:p>
+        </p:txBody>
+      </p:sp>
+      <p:sp>
+        <p:nvSpPr>
+          <p:cNvPr id="6" name="Rectangle 2"/>
+          <p:cNvSpPr>
+            <a:spLocks noChangeArrowheads="1"/>
+          </p:cNvSpPr>
+          <p:nvPr/>
+        </p:nvSpPr>
+        <p:spPr bwMode="auto">
+          <a:xfrm>
+            <a:off x="0" y="0"/>
+            <a:ext cx="9144000" cy="0"/>
+          </a:xfrm>
+          <a:prstGeom prst="rect">
+            <a:avLst/>
+          </a:prstGeom>
+          <a:noFill/>
+          <a:ln>
+            <a:noFill/>
+          </a:ln>
+          <a:effectLst/>
+          <a:extLst>
+            <a:ext uri="{909E8E84-426E-40DD-AFC4-6F175D3DCCD1}">
+              <a14:hiddenFill xmlns:a14="http://schemas.microsoft.com/office/drawing/2010/main">
+                <a:solidFill>
+                  <a:schemeClr val="accent1"/>
+                </a:solidFill>
+              </a14:hiddenFill>
+            </a:ext>
+            <a:ext uri="{91240B29-F687-4F45-9708-019B960494DF}">
+              <a14:hiddenLine xmlns:a14="http://schemas.microsoft.com/office/drawing/2010/main" w="9525">
+                <a:solidFill>
+                  <a:schemeClr val="tx1"/>
+                </a:solidFill>
+                <a:miter lim="800000"/>
+                <a:headEnd/>
+                <a:tailEnd/>
+              </a14:hiddenLine>
+            </a:ext>
+            <a:ext uri="{AF507438-7753-43E0-B8FC-AC1667EBCBE1}">
+              <a14:hiddenEffects xmlns:a14="http://schemas.microsoft.com/office/drawing/2010/main">
+                <a:effectLst>
+                  <a:outerShdw dist="35921" dir="2700000" algn="ctr" rotWithShape="0">
+                    <a:schemeClr val="bg2"/>
+                  </a:outerShdw>
+                </a:effectLst>
+              </a14:hiddenEffects>
+            </a:ext>
+          </a:extLst>
+        </p:spPr>
+        <p:txBody>
+          <a:bodyPr vert="horz" wrap="none" lIns="91440" tIns="45720" rIns="91440" bIns="45720" numCol="1" anchor="ctr" anchorCtr="0" compatLnSpc="1">
+            <a:prstTxWarp prst="textNoShape">
+              <a:avLst/>
+            </a:prstTxWarp>
+            <a:spAutoFit/>
+          </a:bodyPr>
+          <a:lstStyle/>
+          <a:p>
+            <a:endParaRPr lang="en-US">
+              <a:solidFill>
+                <a:srgbClr val="2F2B20"/>
+              </a:solidFill>
+            </a:endParaRPr>
+          </a:p>
+        </p:txBody>
+      </p:sp>
+      <p:sp>
+        <p:nvSpPr>
+          <p:cNvPr id="3" name="Rectangle 4"/>
+          <p:cNvSpPr>
+            <a:spLocks noChangeArrowheads="1"/>
+          </p:cNvSpPr>
+          <p:nvPr/>
+        </p:nvSpPr>
+        <p:spPr bwMode="auto">
+          <a:xfrm>
+            <a:off x="0" y="0"/>
+            <a:ext cx="9144000" cy="0"/>
+          </a:xfrm>
+          <a:prstGeom prst="rect">
+            <a:avLst/>
+          </a:prstGeom>
+          <a:noFill/>
+          <a:ln>
+            <a:noFill/>
+          </a:ln>
+          <a:effectLst/>
+          <a:extLst>
+            <a:ext uri="{909E8E84-426E-40DD-AFC4-6F175D3DCCD1}">
+              <a14:hiddenFill xmlns:a14="http://schemas.microsoft.com/office/drawing/2010/main">
+                <a:solidFill>
+                  <a:schemeClr val="accent1"/>
+                </a:solidFill>
+              </a14:hiddenFill>
+            </a:ext>
+            <a:ext uri="{91240B29-F687-4F45-9708-019B960494DF}">
+              <a14:hiddenLine xmlns:a14="http://schemas.microsoft.com/office/drawing/2010/main" w="9525">
+                <a:solidFill>
+                  <a:schemeClr val="tx1"/>
+                </a:solidFill>
+                <a:miter lim="800000"/>
+                <a:headEnd/>
+                <a:tailEnd/>
+              </a14:hiddenLine>
+            </a:ext>
+            <a:ext uri="{AF507438-7753-43E0-B8FC-AC1667EBCBE1}">
+              <a14:hiddenEffects xmlns:a14="http://schemas.microsoft.com/office/drawing/2010/main">
+                <a:effectLst>
+                  <a:outerShdw dist="35921" dir="2700000" algn="ctr" rotWithShape="0">
+                    <a:schemeClr val="bg2"/>
+                  </a:outerShdw>
+                </a:effectLst>
+              </a14:hiddenEffects>
+            </a:ext>
+          </a:extLst>
+        </p:spPr>
+        <p:txBody>
+          <a:bodyPr vert="horz" wrap="none" lIns="91440" tIns="45720" rIns="91440" bIns="45720" numCol="1" anchor="ctr" anchorCtr="0" compatLnSpc="1">
+            <a:prstTxWarp prst="textNoShape">
+              <a:avLst/>
+            </a:prstTxWarp>
+            <a:spAutoFit/>
+          </a:bodyPr>
+          <a:lstStyle/>
+          <a:p>
+            <a:endParaRPr lang="en-US">
+              <a:solidFill>
+                <a:srgbClr val="2F2B20"/>
+              </a:solidFill>
+            </a:endParaRPr>
+          </a:p>
+        </p:txBody>
+      </p:sp>
+      <p:pic>
+        <p:nvPicPr>
+          <p:cNvPr id="16386" name="Picture 2"/>
+          <p:cNvPicPr>
+            <a:picLocks noChangeAspect="1" noChangeArrowheads="1"/>
+          </p:cNvPicPr>
+          <p:nvPr/>
+        </p:nvPicPr>
+        <p:blipFill>
+          <a:blip r:embed="rId2">
+            <a:extLst>
+              <a:ext uri="{28A0092B-C50C-407E-A947-70E740481C1C}">
+                <a14:useLocalDpi xmlns:a14="http://schemas.microsoft.com/office/drawing/2010/main" val="0"/>
+              </a:ext>
+            </a:extLst>
+          </a:blip>
+          <a:srcRect/>
+          <a:stretch>
+            <a:fillRect/>
+          </a:stretch>
+        </p:blipFill>
+        <p:spPr bwMode="auto">
+          <a:xfrm>
+            <a:off x="304800" y="1066800"/>
+            <a:ext cx="8043483" cy="4267200"/>
+          </a:xfrm>
+          <a:prstGeom prst="rect">
+            <a:avLst/>
+          </a:prstGeom>
+          <a:noFill/>
+          <a:ln>
+            <a:noFill/>
+          </a:ln>
+          <a:extLst>
+            <a:ext uri="{909E8E84-426E-40DD-AFC4-6F175D3DCCD1}">
+              <a14:hiddenFill xmlns:a14="http://schemas.microsoft.com/office/drawing/2010/main">
+                <a:solidFill>
+                  <a:schemeClr val="accent1"/>
+                </a:solidFill>
+              </a14:hiddenFill>
+            </a:ext>
+            <a:ext uri="{91240B29-F687-4F45-9708-019B960494DF}">
+              <a14:hiddenLine xmlns:a14="http://schemas.microsoft.com/office/drawing/2010/main" w="9525">
+                <a:solidFill>
+                  <a:schemeClr val="tx1"/>
+                </a:solidFill>
+                <a:miter lim="800000"/>
+                <a:headEnd/>
+                <a:tailEnd/>
+              </a14:hiddenLine>
+            </a:ext>
+          </a:extLst>
+        </p:spPr>
+      </p:pic>
+    </p:spTree>
+    <p:extLst>
+      <p:ext uri="{BB962C8B-B14F-4D97-AF65-F5344CB8AC3E}">
+        <p14:creationId xmlns:p14="http://schemas.microsoft.com/office/powerpoint/2010/main" val="1649786163"/>
+      </p:ext>
+    </p:extLst>
+  </p:cSld>
+  <p:clrMapOvr>
+    <a:masterClrMapping/>
+  </p:clrMapOvr>
+  <p:timing>
+    <p:tnLst>
+      <p:par>
+        <p:cTn id="1" dur="indefinite" restart="never" nodeType="tmRoot"/>
+      </p:par>
+    </p:tnLst>
+  </p:timing>
+</p:sld>
+</file>
+
+<file path=ppt/slides/slide24.xml><?xml version="1.0" encoding="utf-8"?>
+<p:sld xmlns:a="http://schemas.openxmlformats.org/drawingml/2006/main" xmlns:r="http://schemas.openxmlformats.org/officeDocument/2006/relationships" xmlns:p="http://schemas.openxmlformats.org/presentationml/2006/main">
+  <p:cSld>
+    <p:spTree>
+      <p:nvGrpSpPr>
+        <p:cNvPr id="1" name=""/>
+        <p:cNvGrpSpPr/>
+        <p:nvPr/>
+      </p:nvGrpSpPr>
+      <p:grpSpPr>
+        <a:xfrm>
+          <a:off x="0" y="0"/>
+          <a:ext cx="0" cy="0"/>
+          <a:chOff x="0" y="0"/>
+          <a:chExt cx="0" cy="0"/>
+        </a:xfrm>
+      </p:grpSpPr>
+      <p:sp>
+        <p:nvSpPr>
+          <p:cNvPr id="2" name="Title 1"/>
+          <p:cNvSpPr>
+            <a:spLocks noGrp="1"/>
+          </p:cNvSpPr>
+          <p:nvPr>
+            <p:ph type="title"/>
+          </p:nvPr>
+        </p:nvSpPr>
+        <p:spPr/>
+        <p:txBody>
+          <a:bodyPr/>
+          <a:lstStyle/>
+          <a:p>
+            <a:r>
+              <a:rPr lang="en-US" sz="4000" dirty="0"/>
+              <a:t>Design Considerations/Tradeoffs</a:t>
+            </a:r>
+          </a:p>
+        </p:txBody>
+      </p:sp>
+      <p:sp>
+        <p:nvSpPr>
+          <p:cNvPr id="3" name="Content Placeholder 2"/>
+          <p:cNvSpPr>
+            <a:spLocks noGrp="1"/>
+          </p:cNvSpPr>
+          <p:nvPr>
+            <p:ph idx="1"/>
+          </p:nvPr>
+        </p:nvSpPr>
+        <p:spPr/>
+        <p:txBody>
+          <a:bodyPr>
+            <a:normAutofit/>
+          </a:bodyPr>
+          <a:lstStyle/>
+          <a:p>
+            <a:r>
+              <a:rPr lang="en-US" sz="3600" dirty="0" smtClean="0"/>
+              <a:t>Master Configuration Object</a:t>
+            </a:r>
+          </a:p>
+          <a:p>
+            <a:pPr lvl="1"/>
+            <a:r>
+              <a:rPr lang="en-US" sz="3200" dirty="0" smtClean="0"/>
+              <a:t>Consistent interface between layers</a:t>
+            </a:r>
+          </a:p>
+          <a:p>
+            <a:pPr lvl="1"/>
+            <a:r>
+              <a:rPr lang="en-US" sz="3200" dirty="0" smtClean="0"/>
+              <a:t>Many parameters for processing</a:t>
+            </a:r>
+          </a:p>
+          <a:p>
+            <a:pPr lvl="1"/>
+            <a:r>
+              <a:rPr lang="en-US" sz="3200" dirty="0"/>
+              <a:t>Linear </a:t>
+            </a:r>
+            <a:r>
+              <a:rPr lang="en-US" sz="3200" dirty="0" smtClean="0"/>
+              <a:t>pipeline design</a:t>
+            </a:r>
+            <a:endParaRPr lang="en-US" sz="3200" dirty="0"/>
+          </a:p>
+        </p:txBody>
+      </p:sp>
+    </p:spTree>
+    <p:extLst>
+      <p:ext uri="{BB962C8B-B14F-4D97-AF65-F5344CB8AC3E}">
+        <p14:creationId xmlns:p14="http://schemas.microsoft.com/office/powerpoint/2010/main" val="2929970361"/>
+      </p:ext>
+    </p:extLst>
+  </p:cSld>
+  <p:clrMapOvr>
+    <a:masterClrMapping/>
+  </p:clrMapOvr>
+</p:sld>
+</file>
+
+<file path=ppt/slides/slide25.xml><?xml version="1.0" encoding="utf-8"?>
+<p:sld xmlns:a="http://schemas.openxmlformats.org/drawingml/2006/main" xmlns:r="http://schemas.openxmlformats.org/officeDocument/2006/relationships" xmlns:p="http://schemas.openxmlformats.org/presentationml/2006/main">
+  <p:cSld>
+    <p:spTree>
+      <p:nvGrpSpPr>
+        <p:cNvPr id="1" name=""/>
+        <p:cNvGrpSpPr/>
+        <p:nvPr/>
+      </p:nvGrpSpPr>
+      <p:grpSpPr>
+        <a:xfrm>
+          <a:off x="0" y="0"/>
+          <a:ext cx="0" cy="0"/>
+          <a:chOff x="0" y="0"/>
+          <a:chExt cx="0" cy="0"/>
+        </a:xfrm>
+      </p:grpSpPr>
+      <p:sp>
+        <p:nvSpPr>
+          <p:cNvPr id="2" name="Title 1"/>
+          <p:cNvSpPr>
+            <a:spLocks noGrp="1"/>
+          </p:cNvSpPr>
+          <p:nvPr>
+            <p:ph type="title"/>
+          </p:nvPr>
+        </p:nvSpPr>
+        <p:spPr/>
+        <p:txBody>
+          <a:bodyPr/>
+          <a:lstStyle/>
+          <a:p>
+            <a:r>
+              <a:rPr lang="en-US" sz="4000" dirty="0"/>
+              <a:t>Design Considerations/Tradeoffs</a:t>
+            </a:r>
+          </a:p>
+        </p:txBody>
+      </p:sp>
+      <p:sp>
+        <p:nvSpPr>
+          <p:cNvPr id="3" name="Content Placeholder 2"/>
+          <p:cNvSpPr>
+            <a:spLocks noGrp="1"/>
+          </p:cNvSpPr>
+          <p:nvPr>
+            <p:ph idx="1"/>
+          </p:nvPr>
+        </p:nvSpPr>
+        <p:spPr/>
+        <p:txBody>
+          <a:bodyPr/>
+          <a:lstStyle/>
+          <a:p>
+            <a:pPr marL="228600" lvl="1">
+              <a:spcBef>
+                <a:spcPts val="1000"/>
+              </a:spcBef>
+            </a:pPr>
+            <a:r>
+              <a:rPr lang="en-US" sz="3600" dirty="0"/>
+              <a:t>Third Party Slicing Engine vs. Custom Slicing </a:t>
+            </a:r>
+            <a:r>
+              <a:rPr lang="en-US" sz="3600" dirty="0" smtClean="0"/>
+              <a:t>Engine</a:t>
+            </a:r>
+          </a:p>
+          <a:p>
+            <a:pPr marL="685800" lvl="2">
+              <a:spcBef>
+                <a:spcPts val="1000"/>
+              </a:spcBef>
+            </a:pPr>
+            <a:r>
+              <a:rPr lang="en-US" sz="3200" dirty="0" smtClean="0"/>
+              <a:t>Feasibility</a:t>
+            </a:r>
+            <a:endParaRPr lang="en-US" sz="3200" dirty="0"/>
+          </a:p>
+          <a:p>
+            <a:pPr marL="1143000" lvl="3">
+              <a:spcBef>
+                <a:spcPts val="1000"/>
+              </a:spcBef>
+            </a:pPr>
+            <a:r>
+              <a:rPr lang="en-US" sz="2800" dirty="0" smtClean="0"/>
+              <a:t>Geometry skills</a:t>
+            </a:r>
+          </a:p>
+          <a:p>
+            <a:pPr marL="1143000" lvl="3">
+              <a:spcBef>
+                <a:spcPts val="1000"/>
+              </a:spcBef>
+            </a:pPr>
+            <a:r>
+              <a:rPr lang="en-US" sz="2800" dirty="0" smtClean="0"/>
+              <a:t>Complexity</a:t>
+            </a:r>
+          </a:p>
+          <a:p>
+            <a:pPr marL="1143000" lvl="3">
+              <a:spcBef>
+                <a:spcPts val="1000"/>
+              </a:spcBef>
+            </a:pPr>
+            <a:r>
+              <a:rPr lang="en-US" sz="2800" dirty="0" smtClean="0"/>
+              <a:t>Time</a:t>
+            </a:r>
+          </a:p>
+          <a:p>
+            <a:pPr marL="685800" lvl="2">
+              <a:spcBef>
+                <a:spcPts val="1000"/>
+              </a:spcBef>
+            </a:pPr>
+            <a:endParaRPr lang="en-US" sz="2800" dirty="0" smtClean="0"/>
+          </a:p>
+        </p:txBody>
+      </p:sp>
+    </p:spTree>
+    <p:extLst>
+      <p:ext uri="{BB962C8B-B14F-4D97-AF65-F5344CB8AC3E}">
+        <p14:creationId xmlns:p14="http://schemas.microsoft.com/office/powerpoint/2010/main" val="1423957487"/>
+      </p:ext>
+    </p:extLst>
+  </p:cSld>
+  <p:clrMapOvr>
+    <a:masterClrMapping/>
+  </p:clrMapOvr>
+</p:sld>
+</file>
+
+<file path=ppt/slides/slide26.xml><?xml version="1.0" encoding="utf-8"?>
+<p:sld xmlns:a="http://schemas.openxmlformats.org/drawingml/2006/main" xmlns:r="http://schemas.openxmlformats.org/officeDocument/2006/relationships" xmlns:p="http://schemas.openxmlformats.org/presentationml/2006/main">
+  <p:cSld>
+    <p:spTree>
+      <p:nvGrpSpPr>
+        <p:cNvPr id="1" name=""/>
+        <p:cNvGrpSpPr/>
+        <p:nvPr/>
+      </p:nvGrpSpPr>
+      <p:grpSpPr>
+        <a:xfrm>
+          <a:off x="0" y="0"/>
+          <a:ext cx="0" cy="0"/>
+          <a:chOff x="0" y="0"/>
+          <a:chExt cx="0" cy="0"/>
+        </a:xfrm>
+      </p:grpSpPr>
+      <p:sp>
+        <p:nvSpPr>
+          <p:cNvPr id="2" name="Title 1"/>
+          <p:cNvSpPr>
+            <a:spLocks noGrp="1"/>
+          </p:cNvSpPr>
+          <p:nvPr>
+            <p:ph type="title"/>
+          </p:nvPr>
+        </p:nvSpPr>
+        <p:spPr/>
+        <p:txBody>
+          <a:bodyPr/>
+          <a:lstStyle/>
+          <a:p>
+            <a:r>
+              <a:rPr lang="en-US" sz="4000" dirty="0" smtClean="0"/>
+              <a:t>Design Considerations/Tradeoffs</a:t>
+            </a:r>
+            <a:endParaRPr lang="en-US" sz="4000" dirty="0"/>
+          </a:p>
+        </p:txBody>
+      </p:sp>
+      <p:sp>
+        <p:nvSpPr>
+          <p:cNvPr id="3" name="Content Placeholder 2"/>
+          <p:cNvSpPr>
+            <a:spLocks noGrp="1"/>
+          </p:cNvSpPr>
+          <p:nvPr>
+            <p:ph idx="1"/>
+          </p:nvPr>
+        </p:nvSpPr>
+        <p:spPr/>
+        <p:txBody>
+          <a:bodyPr/>
+          <a:lstStyle/>
+          <a:p>
+            <a:r>
+              <a:rPr lang="en-US" sz="3600" dirty="0"/>
+              <a:t>Three Processing Layers vs. One Processing </a:t>
+            </a:r>
+            <a:r>
+              <a:rPr lang="en-US" sz="3600" dirty="0" smtClean="0"/>
+              <a:t>Layer</a:t>
+            </a:r>
+          </a:p>
+          <a:p>
+            <a:pPr lvl="1"/>
+            <a:r>
+              <a:rPr lang="en-US" sz="3200" dirty="0" smtClean="0"/>
+              <a:t>Modularity</a:t>
+            </a:r>
+          </a:p>
+          <a:p>
+            <a:pPr lvl="1"/>
+            <a:r>
+              <a:rPr lang="en-US" sz="3200" dirty="0" smtClean="0"/>
+              <a:t>Preprocessing</a:t>
+            </a:r>
+          </a:p>
+          <a:p>
+            <a:pPr lvl="1"/>
+            <a:r>
+              <a:rPr lang="en-US" sz="3200" dirty="0" smtClean="0"/>
+              <a:t>Post Processing</a:t>
+            </a:r>
+          </a:p>
+        </p:txBody>
+      </p:sp>
+    </p:spTree>
+    <p:extLst>
+      <p:ext uri="{BB962C8B-B14F-4D97-AF65-F5344CB8AC3E}">
+        <p14:creationId xmlns:p14="http://schemas.microsoft.com/office/powerpoint/2010/main" val="1016291838"/>
+      </p:ext>
+    </p:extLst>
+  </p:cSld>
+  <p:clrMapOvr>
+    <a:masterClrMapping/>
+  </p:clrMapOvr>
+</p:sld>
+</file>
+
+<file path=ppt/slides/slide27.xml><?xml version="1.0" encoding="utf-8"?>
+<p:sld xmlns:a="http://schemas.openxmlformats.org/drawingml/2006/main" xmlns:r="http://schemas.openxmlformats.org/officeDocument/2006/relationships" xmlns:p="http://schemas.openxmlformats.org/presentationml/2006/main">
+  <p:cSld>
+    <p:spTree>
+      <p:nvGrpSpPr>
+        <p:cNvPr id="1" name=""/>
+        <p:cNvGrpSpPr/>
+        <p:nvPr/>
+      </p:nvGrpSpPr>
+      <p:grpSpPr>
+        <a:xfrm>
+          <a:off x="0" y="0"/>
+          <a:ext cx="0" cy="0"/>
+          <a:chOff x="0" y="0"/>
+          <a:chExt cx="0" cy="0"/>
+        </a:xfrm>
+      </p:grpSpPr>
+      <p:sp>
+        <p:nvSpPr>
+          <p:cNvPr id="2" name="Title 1"/>
+          <p:cNvSpPr>
+            <a:spLocks noGrp="1"/>
+          </p:cNvSpPr>
+          <p:nvPr>
+            <p:ph type="title"/>
+          </p:nvPr>
+        </p:nvSpPr>
+        <p:spPr/>
+        <p:txBody>
+          <a:bodyPr/>
+          <a:lstStyle/>
+          <a:p>
+            <a:r>
+              <a:rPr lang="en-US" sz="4000" dirty="0"/>
+              <a:t>Design Considerations/Tradeoffs</a:t>
+            </a:r>
+          </a:p>
+        </p:txBody>
+      </p:sp>
+      <p:sp>
+        <p:nvSpPr>
+          <p:cNvPr id="3" name="Content Placeholder 2"/>
+          <p:cNvSpPr>
+            <a:spLocks noGrp="1"/>
+          </p:cNvSpPr>
+          <p:nvPr>
+            <p:ph idx="1"/>
+          </p:nvPr>
+        </p:nvSpPr>
+        <p:spPr/>
+        <p:txBody>
+          <a:bodyPr/>
+          <a:lstStyle/>
+          <a:p>
+            <a:pPr marL="228600" lvl="1">
+              <a:spcBef>
+                <a:spcPts val="1000"/>
+              </a:spcBef>
+            </a:pPr>
+            <a:r>
+              <a:rPr lang="en-US" sz="3600" dirty="0"/>
+              <a:t>Separate Printer Control Layer and Printer Feedback </a:t>
+            </a:r>
+            <a:r>
+              <a:rPr lang="en-US" sz="3600" dirty="0" smtClean="0"/>
+              <a:t>Layer</a:t>
+            </a:r>
+          </a:p>
+          <a:p>
+            <a:pPr marL="685800" lvl="2">
+              <a:spcBef>
+                <a:spcPts val="1000"/>
+              </a:spcBef>
+            </a:pPr>
+            <a:r>
+              <a:rPr lang="en-US" sz="3200" dirty="0" smtClean="0"/>
+              <a:t>Modularity</a:t>
+            </a:r>
+          </a:p>
+          <a:p>
+            <a:pPr marL="685800" lvl="2">
+              <a:spcBef>
+                <a:spcPts val="1000"/>
+              </a:spcBef>
+            </a:pPr>
+            <a:r>
+              <a:rPr lang="en-US" sz="3200" dirty="0" smtClean="0"/>
+              <a:t>Portability Between Printers</a:t>
+            </a:r>
+          </a:p>
+          <a:p>
+            <a:pPr marL="685800" lvl="2">
+              <a:spcBef>
+                <a:spcPts val="1000"/>
+              </a:spcBef>
+            </a:pPr>
+            <a:endParaRPr lang="en-US" sz="2800" dirty="0"/>
+          </a:p>
+          <a:p>
+            <a:endParaRPr lang="en-US" dirty="0"/>
+          </a:p>
+        </p:txBody>
+      </p:sp>
+    </p:spTree>
+    <p:extLst>
+      <p:ext uri="{BB962C8B-B14F-4D97-AF65-F5344CB8AC3E}">
+        <p14:creationId xmlns:p14="http://schemas.microsoft.com/office/powerpoint/2010/main" val="1608587139"/>
+      </p:ext>
+    </p:extLst>
+  </p:cSld>
+  <p:clrMapOvr>
+    <a:masterClrMapping/>
+  </p:clrMapOvr>
+</p:sld>
+</file>
+
+<file path=ppt/slides/slide28.xml><?xml version="1.0" encoding="utf-8"?>
+<p:sld xmlns:a="http://schemas.openxmlformats.org/drawingml/2006/main" xmlns:r="http://schemas.openxmlformats.org/officeDocument/2006/relationships" xmlns:p="http://schemas.openxmlformats.org/presentationml/2006/main">
+  <p:cSld>
+    <p:spTree>
+      <p:nvGrpSpPr>
+        <p:cNvPr id="1" name=""/>
+        <p:cNvGrpSpPr/>
+        <p:nvPr/>
+      </p:nvGrpSpPr>
+      <p:grpSpPr>
+        <a:xfrm>
+          <a:off x="0" y="0"/>
+          <a:ext cx="0" cy="0"/>
+          <a:chOff x="0" y="0"/>
+          <a:chExt cx="0" cy="0"/>
+        </a:xfrm>
+      </p:grpSpPr>
+      <p:sp>
+        <p:nvSpPr>
+          <p:cNvPr id="2" name="Title 1"/>
+          <p:cNvSpPr>
+            <a:spLocks noGrp="1"/>
+          </p:cNvSpPr>
+          <p:nvPr>
+            <p:ph type="title"/>
+          </p:nvPr>
+        </p:nvSpPr>
+        <p:spPr/>
+        <p:txBody>
+          <a:bodyPr/>
+          <a:lstStyle/>
+          <a:p>
+            <a:r>
+              <a:rPr lang="en-US" sz="4000" dirty="0"/>
+              <a:t>Design Considerations/Tradeoffs</a:t>
+            </a:r>
+          </a:p>
+        </p:txBody>
+      </p:sp>
+      <p:sp>
+        <p:nvSpPr>
+          <p:cNvPr id="3" name="Content Placeholder 2"/>
+          <p:cNvSpPr>
+            <a:spLocks noGrp="1"/>
+          </p:cNvSpPr>
+          <p:nvPr>
+            <p:ph idx="1"/>
+          </p:nvPr>
+        </p:nvSpPr>
+        <p:spPr/>
+        <p:txBody>
+          <a:bodyPr>
+            <a:normAutofit/>
+          </a:bodyPr>
+          <a:lstStyle/>
+          <a:p>
+            <a:pPr marL="228600" lvl="1">
+              <a:spcBef>
+                <a:spcPts val="1000"/>
+              </a:spcBef>
+            </a:pPr>
+            <a:r>
+              <a:rPr lang="en-US" sz="3600" dirty="0"/>
+              <a:t>GUI View / Controller Subsystems</a:t>
+            </a:r>
+          </a:p>
+          <a:p>
+            <a:pPr lvl="1"/>
+            <a:r>
+              <a:rPr lang="en-US" sz="3200" dirty="0" smtClean="0"/>
+              <a:t>Modularity</a:t>
+            </a:r>
+          </a:p>
+          <a:p>
+            <a:pPr lvl="2"/>
+            <a:r>
+              <a:rPr lang="en-US" sz="2800" dirty="0" smtClean="0"/>
+              <a:t>Separation between presentation and logic</a:t>
+            </a:r>
+          </a:p>
+          <a:p>
+            <a:pPr lvl="1"/>
+            <a:r>
+              <a:rPr lang="en-US" sz="3200" dirty="0" smtClean="0"/>
+              <a:t>Extensibility</a:t>
+            </a:r>
+            <a:endParaRPr lang="en-US" sz="3200" dirty="0"/>
+          </a:p>
+        </p:txBody>
+      </p:sp>
+    </p:spTree>
+    <p:extLst>
+      <p:ext uri="{BB962C8B-B14F-4D97-AF65-F5344CB8AC3E}">
+        <p14:creationId xmlns:p14="http://schemas.microsoft.com/office/powerpoint/2010/main" val="1691665003"/>
+      </p:ext>
+    </p:extLst>
+  </p:cSld>
+  <p:clrMapOvr>
+    <a:masterClrMapping/>
+  </p:clrMapOvr>
+</p:sld>
+</file>
+
+<file path=ppt/slides/slide29.xml><?xml version="1.0" encoding="utf-8"?>
+<p:sld xmlns:a="http://schemas.openxmlformats.org/drawingml/2006/main" xmlns:r="http://schemas.openxmlformats.org/officeDocument/2006/relationships" xmlns:p="http://schemas.openxmlformats.org/presentationml/2006/main">
+  <p:cSld>
+    <p:spTree>
+      <p:nvGrpSpPr>
+        <p:cNvPr id="1" name=""/>
+        <p:cNvGrpSpPr/>
+        <p:nvPr/>
+      </p:nvGrpSpPr>
+      <p:grpSpPr>
+        <a:xfrm>
+          <a:off x="0" y="0"/>
+          <a:ext cx="0" cy="0"/>
+          <a:chOff x="0" y="0"/>
+          <a:chExt cx="0" cy="0"/>
+        </a:xfrm>
+      </p:grpSpPr>
+      <p:sp>
+        <p:nvSpPr>
+          <p:cNvPr id="2" name="Title 1"/>
+          <p:cNvSpPr>
+            <a:spLocks noGrp="1"/>
+          </p:cNvSpPr>
+          <p:nvPr>
+            <p:ph type="title"/>
+          </p:nvPr>
+        </p:nvSpPr>
+        <p:spPr/>
+        <p:txBody>
+          <a:bodyPr/>
+          <a:lstStyle/>
+          <a:p>
+            <a:r>
+              <a:rPr lang="en-US" dirty="0" smtClean="0"/>
+              <a:t>Features To Be Tested</a:t>
+            </a:r>
+            <a:endParaRPr lang="en-US" dirty="0"/>
+          </a:p>
+        </p:txBody>
+      </p:sp>
+      <p:sp>
+        <p:nvSpPr>
+          <p:cNvPr id="3" name="Content Placeholder 2"/>
+          <p:cNvSpPr>
+            <a:spLocks noGrp="1"/>
+          </p:cNvSpPr>
+          <p:nvPr>
+            <p:ph idx="1"/>
+          </p:nvPr>
+        </p:nvSpPr>
+        <p:spPr/>
+        <p:txBody>
+          <a:bodyPr numCol="2">
+            <a:normAutofit fontScale="85000" lnSpcReduction="20000"/>
+          </a:bodyPr>
+          <a:lstStyle/>
+          <a:p>
+            <a:pPr lvl="0"/>
+            <a:r>
+              <a:rPr lang="en-US" dirty="0"/>
+              <a:t>STL File Input</a:t>
+            </a:r>
+          </a:p>
+          <a:p>
+            <a:pPr lvl="0"/>
+            <a:r>
+              <a:rPr lang="en-US" dirty="0"/>
+              <a:t>Graphical User Interface</a:t>
+            </a:r>
+          </a:p>
+          <a:p>
+            <a:pPr lvl="0"/>
+            <a:r>
+              <a:rPr lang="en-US" dirty="0"/>
+              <a:t>Generate Machine Instructions</a:t>
+            </a:r>
+          </a:p>
+          <a:p>
+            <a:pPr lvl="0"/>
+            <a:r>
+              <a:rPr lang="en-US" dirty="0"/>
+              <a:t>Issue Machine Instructions</a:t>
+            </a:r>
+          </a:p>
+          <a:p>
+            <a:pPr lvl="0"/>
+            <a:r>
+              <a:rPr lang="en-US" dirty="0"/>
+              <a:t>Monitor Temperature</a:t>
+            </a:r>
+          </a:p>
+          <a:p>
+            <a:pPr lvl="0"/>
+            <a:r>
+              <a:rPr lang="en-US" dirty="0"/>
+              <a:t>Monitor Position</a:t>
+            </a:r>
+          </a:p>
+          <a:p>
+            <a:pPr lvl="0"/>
+            <a:r>
+              <a:rPr lang="en-US" dirty="0"/>
+              <a:t>Adhere to Material Constraints</a:t>
+            </a:r>
+          </a:p>
+          <a:p>
+            <a:pPr lvl="0"/>
+            <a:r>
+              <a:rPr lang="en-US" dirty="0"/>
+              <a:t>Identify Materials</a:t>
+            </a:r>
+          </a:p>
+          <a:p>
+            <a:pPr lvl="0"/>
+            <a:r>
+              <a:rPr lang="en-US" dirty="0"/>
+              <a:t>Identify Shapes</a:t>
+            </a:r>
+          </a:p>
+          <a:p>
+            <a:pPr lvl="0"/>
+            <a:r>
+              <a:rPr lang="en-US" dirty="0"/>
+              <a:t>Determine Shape of Support Material Structure</a:t>
+            </a:r>
+          </a:p>
+          <a:p>
+            <a:pPr lvl="0"/>
+            <a:r>
+              <a:rPr lang="en-US" dirty="0"/>
+              <a:t>Create Printing Path</a:t>
+            </a:r>
+          </a:p>
+          <a:p>
+            <a:pPr lvl="0"/>
+            <a:r>
+              <a:rPr lang="en-US" dirty="0"/>
+              <a:t>Database Interface</a:t>
+            </a:r>
+          </a:p>
+          <a:p>
+            <a:pPr lvl="0"/>
+            <a:r>
+              <a:rPr lang="en-US" dirty="0"/>
+              <a:t>Store &amp; Load Material Records</a:t>
+            </a:r>
+          </a:p>
+          <a:p>
+            <a:pPr lvl="0"/>
+            <a:r>
+              <a:rPr lang="en-US" dirty="0"/>
+              <a:t>Slice Geometry into Thickness Levels</a:t>
+            </a:r>
+          </a:p>
+          <a:p>
+            <a:pPr lvl="0"/>
+            <a:r>
+              <a:rPr lang="en-US" dirty="0"/>
+              <a:t>Monitor Flow Sensors</a:t>
+            </a:r>
+          </a:p>
+          <a:p>
+            <a:pPr lvl="0"/>
+            <a:r>
+              <a:rPr lang="en-US" dirty="0"/>
+              <a:t>Allow for UV Head Polymerization</a:t>
+            </a:r>
+          </a:p>
+          <a:p>
+            <a:pPr lvl="0"/>
+            <a:r>
+              <a:rPr lang="en-US" dirty="0"/>
+              <a:t>Fill Density</a:t>
+            </a:r>
+          </a:p>
+          <a:p>
+            <a:pPr lvl="0"/>
+            <a:r>
+              <a:rPr lang="en-US" dirty="0"/>
+              <a:t>Software Installer</a:t>
+            </a:r>
+          </a:p>
+          <a:p>
+            <a:pPr lvl="0"/>
+            <a:r>
+              <a:rPr lang="en-US" dirty="0"/>
+              <a:t>Host Software to Printer Connection</a:t>
+            </a:r>
+          </a:p>
+          <a:p>
+            <a:pPr lvl="0"/>
+            <a:r>
+              <a:rPr lang="en-US" dirty="0"/>
+              <a:t>Startup Time</a:t>
+            </a:r>
+          </a:p>
+          <a:p>
+            <a:pPr lvl="0"/>
+            <a:r>
+              <a:rPr lang="en-US" dirty="0"/>
+              <a:t>STL Import Time</a:t>
+            </a:r>
+          </a:p>
+          <a:p>
+            <a:pPr lvl="0"/>
+            <a:r>
+              <a:rPr lang="en-US" dirty="0"/>
+              <a:t>Object Processing Time</a:t>
+            </a:r>
+          </a:p>
+          <a:p>
+            <a:pPr lvl="0"/>
+            <a:r>
+              <a:rPr lang="en-US" dirty="0"/>
+              <a:t>GUI Responsiveness</a:t>
+            </a:r>
+          </a:p>
+          <a:p>
+            <a:pPr lvl="0"/>
+            <a:r>
+              <a:rPr lang="en-US" dirty="0"/>
+              <a:t>Real Time Sensor Monitoring</a:t>
+            </a:r>
+          </a:p>
+          <a:p>
+            <a:pPr lvl="0"/>
+            <a:r>
+              <a:rPr lang="en-US" dirty="0"/>
+              <a:t>Temperature Cutoff Threshold</a:t>
+            </a:r>
+          </a:p>
+          <a:p>
+            <a:pPr lvl="0"/>
+            <a:r>
+              <a:rPr lang="en-US" dirty="0"/>
+              <a:t>Printing Area Restrictions</a:t>
+            </a:r>
+          </a:p>
+          <a:p>
+            <a:pPr lvl="0"/>
+            <a:r>
+              <a:rPr lang="en-US" dirty="0"/>
+              <a:t>Material Database</a:t>
+            </a:r>
+          </a:p>
+          <a:p>
+            <a:endParaRPr lang="en-US" dirty="0"/>
+          </a:p>
+        </p:txBody>
+      </p:sp>
+    </p:spTree>
+    <p:extLst>
+      <p:ext uri="{BB962C8B-B14F-4D97-AF65-F5344CB8AC3E}">
+        <p14:creationId xmlns:p14="http://schemas.microsoft.com/office/powerpoint/2010/main" val="2256491640"/>
+      </p:ext>
+    </p:extLst>
+  </p:cSld>
+  <p:clrMapOvr>
+    <a:masterClrMapping/>
+  </p:clrMapOvr>
+  <p:timing>
+    <p:tnLst>
+      <p:par>
+        <p:cTn id="1" dur="indefinite" restart="never" nodeType="tmRoot"/>
+      </p:par>
+    </p:tnLst>
+  </p:timing>
+</p:sld>
+</file>
+
 <file path=ppt/slides/slide3.xml><?xml version="1.0" encoding="utf-8"?>
 <p:sld xmlns:a="http://schemas.openxmlformats.org/drawingml/2006/main" xmlns:r="http://schemas.openxmlformats.org/officeDocument/2006/relationships" xmlns:p="http://schemas.openxmlformats.org/presentationml/2006/main">
   <p:cSld>
@@ -4910,6 +8808,1126 @@
       </p:par>
     </p:tnLst>
   </p:timing>
+</p:sld>
+</file>
+
+<file path=ppt/slides/slide30.xml><?xml version="1.0" encoding="utf-8"?>
+<p:sld xmlns:a="http://schemas.openxmlformats.org/drawingml/2006/main" xmlns:r="http://schemas.openxmlformats.org/officeDocument/2006/relationships" xmlns:p="http://schemas.openxmlformats.org/presentationml/2006/main">
+  <p:cSld>
+    <p:spTree>
+      <p:nvGrpSpPr>
+        <p:cNvPr id="1" name=""/>
+        <p:cNvGrpSpPr/>
+        <p:nvPr/>
+      </p:nvGrpSpPr>
+      <p:grpSpPr>
+        <a:xfrm>
+          <a:off x="0" y="0"/>
+          <a:ext cx="0" cy="0"/>
+          <a:chOff x="0" y="0"/>
+          <a:chExt cx="0" cy="0"/>
+        </a:xfrm>
+      </p:grpSpPr>
+      <p:sp>
+        <p:nvSpPr>
+          <p:cNvPr id="2" name="Title 1"/>
+          <p:cNvSpPr>
+            <a:spLocks noGrp="1"/>
+          </p:cNvSpPr>
+          <p:nvPr>
+            <p:ph type="title"/>
+          </p:nvPr>
+        </p:nvSpPr>
+        <p:spPr/>
+        <p:txBody>
+          <a:bodyPr/>
+          <a:lstStyle/>
+          <a:p>
+            <a:r>
+              <a:rPr lang="en-US" dirty="0" smtClean="0"/>
+              <a:t>Features Not To Be Tested</a:t>
+            </a:r>
+            <a:endParaRPr lang="en-US" dirty="0"/>
+          </a:p>
+        </p:txBody>
+      </p:sp>
+      <p:sp>
+        <p:nvSpPr>
+          <p:cNvPr id="3" name="Content Placeholder 2"/>
+          <p:cNvSpPr>
+            <a:spLocks noGrp="1"/>
+          </p:cNvSpPr>
+          <p:nvPr>
+            <p:ph idx="1"/>
+          </p:nvPr>
+        </p:nvSpPr>
+        <p:spPr/>
+        <p:txBody>
+          <a:bodyPr/>
+          <a:lstStyle/>
+          <a:p>
+            <a:r>
+              <a:rPr lang="en-US" dirty="0" smtClean="0"/>
+              <a:t>Monitor Door Switch</a:t>
+            </a:r>
+          </a:p>
+          <a:p>
+            <a:r>
+              <a:rPr lang="en-US" dirty="0" smtClean="0"/>
+              <a:t>Graphical Object Models</a:t>
+            </a:r>
+          </a:p>
+          <a:p>
+            <a:r>
+              <a:rPr lang="en-US" dirty="0" smtClean="0"/>
+              <a:t>Abstract Hardware Interface</a:t>
+            </a:r>
+          </a:p>
+          <a:p>
+            <a:r>
+              <a:rPr lang="en-US" dirty="0" smtClean="0"/>
+              <a:t>Modular and Scalable Design</a:t>
+            </a:r>
+            <a:endParaRPr lang="en-US" dirty="0"/>
+          </a:p>
+        </p:txBody>
+      </p:sp>
+    </p:spTree>
+    <p:extLst>
+      <p:ext uri="{BB962C8B-B14F-4D97-AF65-F5344CB8AC3E}">
+        <p14:creationId xmlns:p14="http://schemas.microsoft.com/office/powerpoint/2010/main" val="2326085283"/>
+      </p:ext>
+    </p:extLst>
+  </p:cSld>
+  <p:clrMapOvr>
+    <a:masterClrMapping/>
+  </p:clrMapOvr>
+  <p:timing>
+    <p:tnLst>
+      <p:par>
+        <p:cTn id="1" dur="indefinite" restart="never" nodeType="tmRoot"/>
+      </p:par>
+    </p:tnLst>
+  </p:timing>
+</p:sld>
+</file>
+
+<file path=ppt/slides/slide31.xml><?xml version="1.0" encoding="utf-8"?>
+<p:sld xmlns:a="http://schemas.openxmlformats.org/drawingml/2006/main" xmlns:r="http://schemas.openxmlformats.org/officeDocument/2006/relationships" xmlns:p="http://schemas.openxmlformats.org/presentationml/2006/main">
+  <p:cSld>
+    <p:spTree>
+      <p:nvGrpSpPr>
+        <p:cNvPr id="1" name=""/>
+        <p:cNvGrpSpPr/>
+        <p:nvPr/>
+      </p:nvGrpSpPr>
+      <p:grpSpPr>
+        <a:xfrm>
+          <a:off x="0" y="0"/>
+          <a:ext cx="0" cy="0"/>
+          <a:chOff x="0" y="0"/>
+          <a:chExt cx="0" cy="0"/>
+        </a:xfrm>
+      </p:grpSpPr>
+      <p:sp>
+        <p:nvSpPr>
+          <p:cNvPr id="2" name="Title 1"/>
+          <p:cNvSpPr>
+            <a:spLocks noGrp="1"/>
+          </p:cNvSpPr>
+          <p:nvPr>
+            <p:ph type="title"/>
+          </p:nvPr>
+        </p:nvSpPr>
+        <p:spPr/>
+        <p:txBody>
+          <a:bodyPr/>
+          <a:lstStyle/>
+          <a:p>
+            <a:r>
+              <a:rPr lang="en-US" dirty="0" smtClean="0"/>
+              <a:t>Metrics for Overall Success</a:t>
+            </a:r>
+            <a:endParaRPr lang="en-US" dirty="0"/>
+          </a:p>
+        </p:txBody>
+      </p:sp>
+      <p:graphicFrame>
+        <p:nvGraphicFramePr>
+          <p:cNvPr id="4" name="Table 3"/>
+          <p:cNvGraphicFramePr>
+            <a:graphicFrameLocks noGrp="1"/>
+          </p:cNvGraphicFramePr>
+          <p:nvPr>
+            <p:extLst>
+              <p:ext uri="{D42A27DB-BD31-4B8C-83A1-F6EECF244321}">
+                <p14:modId xmlns:p14="http://schemas.microsoft.com/office/powerpoint/2010/main" val="3097288469"/>
+              </p:ext>
+            </p:extLst>
+          </p:nvPr>
+        </p:nvGraphicFramePr>
+        <p:xfrm>
+          <a:off x="628650" y="1415828"/>
+          <a:ext cx="8015479" cy="4594828"/>
+        </p:xfrm>
+        <a:graphic>
+          <a:graphicData uri="http://schemas.openxmlformats.org/drawingml/2006/table">
+            <a:tbl>
+              <a:tblPr firstRow="1" bandRow="1">
+                <a:tableStyleId>{5C22544A-7EE6-4342-B048-85BDC9FD1C3A}</a:tableStyleId>
+              </a:tblPr>
+              <a:tblGrid>
+                <a:gridCol w="2671255"/>
+                <a:gridCol w="2672112"/>
+                <a:gridCol w="2672112"/>
+              </a:tblGrid>
+              <a:tr h="319508">
+                <a:tc>
+                  <a:txBody>
+                    <a:bodyPr/>
+                    <a:lstStyle/>
+                    <a:p>
+                      <a:pPr marL="0" marR="0" algn="l">
+                        <a:lnSpc>
+                          <a:spcPct val="105000"/>
+                        </a:lnSpc>
+                        <a:spcBef>
+                          <a:spcPts val="0"/>
+                        </a:spcBef>
+                        <a:spcAft>
+                          <a:spcPts val="0"/>
+                        </a:spcAft>
+                      </a:pPr>
+                      <a:r>
+                        <a:rPr lang="en-US" sz="1600" dirty="0">
+                          <a:effectLst/>
+                        </a:rPr>
+                        <a:t>Metric</a:t>
+                      </a:r>
+                      <a:endParaRPr lang="en-US" sz="1600" dirty="0">
+                        <a:effectLst/>
+                        <a:latin typeface="Times New Roman" panose="02020603050405020304" pitchFamily="18" charset="0"/>
+                        <a:ea typeface="Times New Roman" panose="02020603050405020304" pitchFamily="18" charset="0"/>
+                        <a:cs typeface="Times New Roman" panose="02020603050405020304" pitchFamily="18" charset="0"/>
+                      </a:endParaRPr>
+                    </a:p>
+                  </a:txBody>
+                  <a:tcPr marL="68580" marR="68580" marT="0" marB="0"/>
+                </a:tc>
+                <a:tc>
+                  <a:txBody>
+                    <a:bodyPr/>
+                    <a:lstStyle/>
+                    <a:p>
+                      <a:pPr marL="0" marR="0" algn="l">
+                        <a:lnSpc>
+                          <a:spcPct val="105000"/>
+                        </a:lnSpc>
+                        <a:spcBef>
+                          <a:spcPts val="0"/>
+                        </a:spcBef>
+                        <a:spcAft>
+                          <a:spcPts val="0"/>
+                        </a:spcAft>
+                      </a:pPr>
+                      <a:r>
+                        <a:rPr lang="en-US" sz="1600" dirty="0">
+                          <a:effectLst/>
+                        </a:rPr>
+                        <a:t>Pass Criteria</a:t>
+                      </a:r>
+                      <a:endParaRPr lang="en-US" sz="1600" dirty="0">
+                        <a:effectLst/>
+                        <a:latin typeface="Times New Roman" panose="02020603050405020304" pitchFamily="18" charset="0"/>
+                        <a:ea typeface="Times New Roman" panose="02020603050405020304" pitchFamily="18" charset="0"/>
+                        <a:cs typeface="Times New Roman" panose="02020603050405020304" pitchFamily="18" charset="0"/>
+                      </a:endParaRPr>
+                    </a:p>
+                  </a:txBody>
+                  <a:tcPr marL="68580" marR="68580" marT="0" marB="0"/>
+                </a:tc>
+                <a:tc>
+                  <a:txBody>
+                    <a:bodyPr/>
+                    <a:lstStyle/>
+                    <a:p>
+                      <a:pPr marL="0" marR="0" algn="l">
+                        <a:lnSpc>
+                          <a:spcPct val="105000"/>
+                        </a:lnSpc>
+                        <a:spcBef>
+                          <a:spcPts val="0"/>
+                        </a:spcBef>
+                        <a:spcAft>
+                          <a:spcPts val="0"/>
+                        </a:spcAft>
+                      </a:pPr>
+                      <a:r>
+                        <a:rPr lang="en-US" sz="1600" dirty="0">
+                          <a:effectLst/>
+                        </a:rPr>
+                        <a:t>Fail Criteria</a:t>
+                      </a:r>
+                      <a:endParaRPr lang="en-US" sz="1600" dirty="0">
+                        <a:effectLst/>
+                        <a:latin typeface="Times New Roman" panose="02020603050405020304" pitchFamily="18" charset="0"/>
+                        <a:ea typeface="Times New Roman" panose="02020603050405020304" pitchFamily="18" charset="0"/>
+                        <a:cs typeface="Times New Roman" panose="02020603050405020304" pitchFamily="18" charset="0"/>
+                      </a:endParaRPr>
+                    </a:p>
+                  </a:txBody>
+                  <a:tcPr marL="68580" marR="68580" marT="0" marB="0"/>
+                </a:tc>
+              </a:tr>
+              <a:tr h="988953">
+                <a:tc>
+                  <a:txBody>
+                    <a:bodyPr/>
+                    <a:lstStyle/>
+                    <a:p>
+                      <a:pPr marL="0" marR="0" algn="l">
+                        <a:lnSpc>
+                          <a:spcPct val="105000"/>
+                        </a:lnSpc>
+                        <a:spcBef>
+                          <a:spcPts val="0"/>
+                        </a:spcBef>
+                        <a:spcAft>
+                          <a:spcPts val="0"/>
+                        </a:spcAft>
+                      </a:pPr>
+                      <a:r>
+                        <a:rPr lang="en-US" sz="1800" dirty="0">
+                          <a:effectLst/>
+                        </a:rPr>
+                        <a:t>Percentage of critical priority features verified</a:t>
+                      </a:r>
+                    </a:p>
+                    <a:p>
+                      <a:pPr marL="0" marR="0" algn="l">
+                        <a:lnSpc>
+                          <a:spcPct val="105000"/>
+                        </a:lnSpc>
+                        <a:spcBef>
+                          <a:spcPts val="0"/>
+                        </a:spcBef>
+                        <a:spcAft>
+                          <a:spcPts val="0"/>
+                        </a:spcAft>
+                      </a:pPr>
+                      <a:r>
+                        <a:rPr lang="en-US" sz="1800" dirty="0">
+                          <a:effectLst/>
+                        </a:rPr>
+                        <a:t> </a:t>
+                      </a:r>
+                      <a:endParaRPr lang="en-US" sz="1800" dirty="0">
+                        <a:effectLst/>
+                        <a:latin typeface="Times New Roman" panose="02020603050405020304" pitchFamily="18" charset="0"/>
+                        <a:ea typeface="Times New Roman" panose="02020603050405020304" pitchFamily="18" charset="0"/>
+                        <a:cs typeface="Times New Roman" panose="02020603050405020304" pitchFamily="18" charset="0"/>
+                      </a:endParaRPr>
+                    </a:p>
+                  </a:txBody>
+                  <a:tcPr marL="68580" marR="68580" marT="0" marB="0"/>
+                </a:tc>
+                <a:tc>
+                  <a:txBody>
+                    <a:bodyPr/>
+                    <a:lstStyle/>
+                    <a:p>
+                      <a:pPr marL="0" marR="0" algn="l">
+                        <a:lnSpc>
+                          <a:spcPct val="105000"/>
+                        </a:lnSpc>
+                        <a:spcBef>
+                          <a:spcPts val="0"/>
+                        </a:spcBef>
+                        <a:spcAft>
+                          <a:spcPts val="0"/>
+                        </a:spcAft>
+                      </a:pPr>
+                      <a:r>
+                        <a:rPr lang="en-US" sz="1800">
+                          <a:effectLst/>
+                        </a:rPr>
+                        <a:t>100%</a:t>
+                      </a:r>
+                      <a:endParaRPr lang="en-US" sz="1800">
+                        <a:effectLst/>
+                        <a:latin typeface="Times New Roman" panose="02020603050405020304" pitchFamily="18" charset="0"/>
+                        <a:ea typeface="Times New Roman" panose="02020603050405020304" pitchFamily="18" charset="0"/>
+                        <a:cs typeface="Times New Roman" panose="02020603050405020304" pitchFamily="18" charset="0"/>
+                      </a:endParaRPr>
+                    </a:p>
+                  </a:txBody>
+                  <a:tcPr marL="68580" marR="68580" marT="0" marB="0"/>
+                </a:tc>
+                <a:tc>
+                  <a:txBody>
+                    <a:bodyPr/>
+                    <a:lstStyle/>
+                    <a:p>
+                      <a:pPr marL="0" marR="0" algn="l">
+                        <a:lnSpc>
+                          <a:spcPct val="105000"/>
+                        </a:lnSpc>
+                        <a:spcBef>
+                          <a:spcPts val="0"/>
+                        </a:spcBef>
+                        <a:spcAft>
+                          <a:spcPts val="0"/>
+                        </a:spcAft>
+                      </a:pPr>
+                      <a:r>
+                        <a:rPr lang="en-US" sz="1800">
+                          <a:effectLst/>
+                        </a:rPr>
+                        <a:t>Less than %100</a:t>
+                      </a:r>
+                      <a:endParaRPr lang="en-US" sz="1800">
+                        <a:effectLst/>
+                        <a:latin typeface="Times New Roman" panose="02020603050405020304" pitchFamily="18" charset="0"/>
+                        <a:ea typeface="Times New Roman" panose="02020603050405020304" pitchFamily="18" charset="0"/>
+                        <a:cs typeface="Times New Roman" panose="02020603050405020304" pitchFamily="18" charset="0"/>
+                      </a:endParaRPr>
+                    </a:p>
+                  </a:txBody>
+                  <a:tcPr marL="68580" marR="68580" marT="0" marB="0"/>
+                </a:tc>
+              </a:tr>
+              <a:tr h="988953">
+                <a:tc>
+                  <a:txBody>
+                    <a:bodyPr/>
+                    <a:lstStyle/>
+                    <a:p>
+                      <a:pPr marL="0" marR="0" algn="l">
+                        <a:lnSpc>
+                          <a:spcPct val="105000"/>
+                        </a:lnSpc>
+                        <a:spcBef>
+                          <a:spcPts val="0"/>
+                        </a:spcBef>
+                        <a:spcAft>
+                          <a:spcPts val="0"/>
+                        </a:spcAft>
+                      </a:pPr>
+                      <a:r>
+                        <a:rPr lang="en-US" sz="1800" dirty="0">
+                          <a:effectLst/>
+                        </a:rPr>
+                        <a:t>Percentage of high priority features verified</a:t>
+                      </a:r>
+                    </a:p>
+                    <a:p>
+                      <a:pPr marL="0" marR="0" algn="l">
+                        <a:lnSpc>
+                          <a:spcPct val="105000"/>
+                        </a:lnSpc>
+                        <a:spcBef>
+                          <a:spcPts val="0"/>
+                        </a:spcBef>
+                        <a:spcAft>
+                          <a:spcPts val="0"/>
+                        </a:spcAft>
+                      </a:pPr>
+                      <a:r>
+                        <a:rPr lang="en-US" sz="1800" dirty="0">
+                          <a:effectLst/>
+                        </a:rPr>
+                        <a:t> </a:t>
+                      </a:r>
+                      <a:endParaRPr lang="en-US" sz="1800" dirty="0">
+                        <a:effectLst/>
+                        <a:latin typeface="Times New Roman" panose="02020603050405020304" pitchFamily="18" charset="0"/>
+                        <a:ea typeface="Times New Roman" panose="02020603050405020304" pitchFamily="18" charset="0"/>
+                        <a:cs typeface="Times New Roman" panose="02020603050405020304" pitchFamily="18" charset="0"/>
+                      </a:endParaRPr>
+                    </a:p>
+                  </a:txBody>
+                  <a:tcPr marL="68580" marR="68580" marT="0" marB="0"/>
+                </a:tc>
+                <a:tc>
+                  <a:txBody>
+                    <a:bodyPr/>
+                    <a:lstStyle/>
+                    <a:p>
+                      <a:pPr marL="0" marR="0" algn="l">
+                        <a:lnSpc>
+                          <a:spcPct val="105000"/>
+                        </a:lnSpc>
+                        <a:spcBef>
+                          <a:spcPts val="0"/>
+                        </a:spcBef>
+                        <a:spcAft>
+                          <a:spcPts val="0"/>
+                        </a:spcAft>
+                      </a:pPr>
+                      <a:r>
+                        <a:rPr lang="en-US" sz="1800" dirty="0">
+                          <a:effectLst/>
+                        </a:rPr>
+                        <a:t>100%</a:t>
+                      </a:r>
+                      <a:endParaRPr lang="en-US" sz="1800" dirty="0">
+                        <a:effectLst/>
+                        <a:latin typeface="Times New Roman" panose="02020603050405020304" pitchFamily="18" charset="0"/>
+                        <a:ea typeface="Times New Roman" panose="02020603050405020304" pitchFamily="18" charset="0"/>
+                        <a:cs typeface="Times New Roman" panose="02020603050405020304" pitchFamily="18" charset="0"/>
+                      </a:endParaRPr>
+                    </a:p>
+                  </a:txBody>
+                  <a:tcPr marL="68580" marR="68580" marT="0" marB="0"/>
+                </a:tc>
+                <a:tc>
+                  <a:txBody>
+                    <a:bodyPr/>
+                    <a:lstStyle/>
+                    <a:p>
+                      <a:pPr marL="0" marR="0" algn="l">
+                        <a:lnSpc>
+                          <a:spcPct val="105000"/>
+                        </a:lnSpc>
+                        <a:spcBef>
+                          <a:spcPts val="0"/>
+                        </a:spcBef>
+                        <a:spcAft>
+                          <a:spcPts val="0"/>
+                        </a:spcAft>
+                      </a:pPr>
+                      <a:r>
+                        <a:rPr lang="en-US" sz="1800">
+                          <a:effectLst/>
+                        </a:rPr>
+                        <a:t>Less than 100%</a:t>
+                      </a:r>
+                      <a:endParaRPr lang="en-US" sz="1800">
+                        <a:effectLst/>
+                        <a:latin typeface="Times New Roman" panose="02020603050405020304" pitchFamily="18" charset="0"/>
+                        <a:ea typeface="Times New Roman" panose="02020603050405020304" pitchFamily="18" charset="0"/>
+                        <a:cs typeface="Times New Roman" panose="02020603050405020304" pitchFamily="18" charset="0"/>
+                      </a:endParaRPr>
+                    </a:p>
+                  </a:txBody>
+                  <a:tcPr marL="68580" marR="68580" marT="0" marB="0"/>
+                </a:tc>
+              </a:tr>
+              <a:tr h="988953">
+                <a:tc>
+                  <a:txBody>
+                    <a:bodyPr/>
+                    <a:lstStyle/>
+                    <a:p>
+                      <a:pPr marL="0" marR="0" algn="l">
+                        <a:lnSpc>
+                          <a:spcPct val="105000"/>
+                        </a:lnSpc>
+                        <a:spcBef>
+                          <a:spcPts val="0"/>
+                        </a:spcBef>
+                        <a:spcAft>
+                          <a:spcPts val="0"/>
+                        </a:spcAft>
+                      </a:pPr>
+                      <a:r>
+                        <a:rPr lang="en-US" sz="1800" dirty="0">
+                          <a:effectLst/>
+                        </a:rPr>
+                        <a:t>Percentage of moderate priority features verified</a:t>
+                      </a:r>
+                    </a:p>
+                    <a:p>
+                      <a:pPr marL="0" marR="0" algn="l">
+                        <a:lnSpc>
+                          <a:spcPct val="105000"/>
+                        </a:lnSpc>
+                        <a:spcBef>
+                          <a:spcPts val="0"/>
+                        </a:spcBef>
+                        <a:spcAft>
+                          <a:spcPts val="0"/>
+                        </a:spcAft>
+                      </a:pPr>
+                      <a:r>
+                        <a:rPr lang="en-US" sz="1800" dirty="0">
+                          <a:effectLst/>
+                        </a:rPr>
+                        <a:t> </a:t>
+                      </a:r>
+                      <a:endParaRPr lang="en-US" sz="1800" dirty="0">
+                        <a:effectLst/>
+                        <a:latin typeface="Times New Roman" panose="02020603050405020304" pitchFamily="18" charset="0"/>
+                        <a:ea typeface="Times New Roman" panose="02020603050405020304" pitchFamily="18" charset="0"/>
+                        <a:cs typeface="Times New Roman" panose="02020603050405020304" pitchFamily="18" charset="0"/>
+                      </a:endParaRPr>
+                    </a:p>
+                  </a:txBody>
+                  <a:tcPr marL="68580" marR="68580" marT="0" marB="0"/>
+                </a:tc>
+                <a:tc>
+                  <a:txBody>
+                    <a:bodyPr/>
+                    <a:lstStyle/>
+                    <a:p>
+                      <a:pPr marL="0" marR="0" algn="l">
+                        <a:lnSpc>
+                          <a:spcPct val="105000"/>
+                        </a:lnSpc>
+                        <a:spcBef>
+                          <a:spcPts val="0"/>
+                        </a:spcBef>
+                        <a:spcAft>
+                          <a:spcPts val="0"/>
+                        </a:spcAft>
+                      </a:pPr>
+                      <a:r>
+                        <a:rPr lang="en-US" sz="1800" dirty="0">
+                          <a:effectLst/>
+                        </a:rPr>
+                        <a:t>75% - 100%</a:t>
+                      </a:r>
+                      <a:endParaRPr lang="en-US" sz="1800" dirty="0">
+                        <a:effectLst/>
+                        <a:latin typeface="Times New Roman" panose="02020603050405020304" pitchFamily="18" charset="0"/>
+                        <a:ea typeface="Times New Roman" panose="02020603050405020304" pitchFamily="18" charset="0"/>
+                        <a:cs typeface="Times New Roman" panose="02020603050405020304" pitchFamily="18" charset="0"/>
+                      </a:endParaRPr>
+                    </a:p>
+                  </a:txBody>
+                  <a:tcPr marL="68580" marR="68580" marT="0" marB="0"/>
+                </a:tc>
+                <a:tc>
+                  <a:txBody>
+                    <a:bodyPr/>
+                    <a:lstStyle/>
+                    <a:p>
+                      <a:pPr marL="0" marR="0" algn="l">
+                        <a:lnSpc>
+                          <a:spcPct val="105000"/>
+                        </a:lnSpc>
+                        <a:spcBef>
+                          <a:spcPts val="0"/>
+                        </a:spcBef>
+                        <a:spcAft>
+                          <a:spcPts val="0"/>
+                        </a:spcAft>
+                      </a:pPr>
+                      <a:r>
+                        <a:rPr lang="en-US" sz="1800" dirty="0">
+                          <a:effectLst/>
+                        </a:rPr>
+                        <a:t>Less than 75%</a:t>
+                      </a:r>
+                      <a:endParaRPr lang="en-US" sz="1800" dirty="0">
+                        <a:effectLst/>
+                        <a:latin typeface="Times New Roman" panose="02020603050405020304" pitchFamily="18" charset="0"/>
+                        <a:ea typeface="Times New Roman" panose="02020603050405020304" pitchFamily="18" charset="0"/>
+                        <a:cs typeface="Times New Roman" panose="02020603050405020304" pitchFamily="18" charset="0"/>
+                      </a:endParaRPr>
+                    </a:p>
+                  </a:txBody>
+                  <a:tcPr marL="68580" marR="68580" marT="0" marB="0"/>
+                </a:tc>
+              </a:tr>
+              <a:tr h="988953">
+                <a:tc>
+                  <a:txBody>
+                    <a:bodyPr/>
+                    <a:lstStyle/>
+                    <a:p>
+                      <a:pPr marL="0" marR="0" algn="l">
+                        <a:lnSpc>
+                          <a:spcPct val="105000"/>
+                        </a:lnSpc>
+                        <a:spcBef>
+                          <a:spcPts val="0"/>
+                        </a:spcBef>
+                        <a:spcAft>
+                          <a:spcPts val="0"/>
+                        </a:spcAft>
+                      </a:pPr>
+                      <a:r>
+                        <a:rPr lang="en-US" sz="1800">
+                          <a:effectLst/>
+                        </a:rPr>
+                        <a:t>Percentage of low priority features verified</a:t>
+                      </a:r>
+                    </a:p>
+                    <a:p>
+                      <a:pPr marL="0" marR="0" algn="l">
+                        <a:lnSpc>
+                          <a:spcPct val="105000"/>
+                        </a:lnSpc>
+                        <a:spcBef>
+                          <a:spcPts val="0"/>
+                        </a:spcBef>
+                        <a:spcAft>
+                          <a:spcPts val="0"/>
+                        </a:spcAft>
+                      </a:pPr>
+                      <a:r>
+                        <a:rPr lang="en-US" sz="1800">
+                          <a:effectLst/>
+                        </a:rPr>
+                        <a:t> </a:t>
+                      </a:r>
+                      <a:endParaRPr lang="en-US" sz="1800">
+                        <a:effectLst/>
+                        <a:latin typeface="Times New Roman" panose="02020603050405020304" pitchFamily="18" charset="0"/>
+                        <a:ea typeface="Times New Roman" panose="02020603050405020304" pitchFamily="18" charset="0"/>
+                        <a:cs typeface="Times New Roman" panose="02020603050405020304" pitchFamily="18" charset="0"/>
+                      </a:endParaRPr>
+                    </a:p>
+                  </a:txBody>
+                  <a:tcPr marL="68580" marR="68580" marT="0" marB="0"/>
+                </a:tc>
+                <a:tc>
+                  <a:txBody>
+                    <a:bodyPr/>
+                    <a:lstStyle/>
+                    <a:p>
+                      <a:pPr marL="0" marR="0" algn="l">
+                        <a:lnSpc>
+                          <a:spcPct val="105000"/>
+                        </a:lnSpc>
+                        <a:spcBef>
+                          <a:spcPts val="0"/>
+                        </a:spcBef>
+                        <a:spcAft>
+                          <a:spcPts val="0"/>
+                        </a:spcAft>
+                      </a:pPr>
+                      <a:r>
+                        <a:rPr lang="en-US" sz="1800">
+                          <a:effectLst/>
+                        </a:rPr>
+                        <a:t>50% - 100%</a:t>
+                      </a:r>
+                    </a:p>
+                    <a:p>
+                      <a:pPr marL="0" marR="0" algn="l">
+                        <a:lnSpc>
+                          <a:spcPct val="105000"/>
+                        </a:lnSpc>
+                        <a:spcBef>
+                          <a:spcPts val="0"/>
+                        </a:spcBef>
+                        <a:spcAft>
+                          <a:spcPts val="0"/>
+                        </a:spcAft>
+                      </a:pPr>
+                      <a:r>
+                        <a:rPr lang="en-US" sz="1800">
+                          <a:effectLst/>
+                        </a:rPr>
+                        <a:t> </a:t>
+                      </a:r>
+                      <a:endParaRPr lang="en-US" sz="1800">
+                        <a:effectLst/>
+                        <a:latin typeface="Times New Roman" panose="02020603050405020304" pitchFamily="18" charset="0"/>
+                        <a:ea typeface="Times New Roman" panose="02020603050405020304" pitchFamily="18" charset="0"/>
+                        <a:cs typeface="Times New Roman" panose="02020603050405020304" pitchFamily="18" charset="0"/>
+                      </a:endParaRPr>
+                    </a:p>
+                  </a:txBody>
+                  <a:tcPr marL="68580" marR="68580" marT="0" marB="0"/>
+                </a:tc>
+                <a:tc>
+                  <a:txBody>
+                    <a:bodyPr/>
+                    <a:lstStyle/>
+                    <a:p>
+                      <a:pPr marL="0" marR="0" algn="l">
+                        <a:lnSpc>
+                          <a:spcPct val="105000"/>
+                        </a:lnSpc>
+                        <a:spcBef>
+                          <a:spcPts val="0"/>
+                        </a:spcBef>
+                        <a:spcAft>
+                          <a:spcPts val="0"/>
+                        </a:spcAft>
+                      </a:pPr>
+                      <a:r>
+                        <a:rPr lang="en-US" sz="1800" dirty="0">
+                          <a:effectLst/>
+                        </a:rPr>
+                        <a:t>Less than 50%</a:t>
+                      </a:r>
+                      <a:endParaRPr lang="en-US" sz="1800" dirty="0">
+                        <a:effectLst/>
+                        <a:latin typeface="Times New Roman" panose="02020603050405020304" pitchFamily="18" charset="0"/>
+                        <a:ea typeface="Times New Roman" panose="02020603050405020304" pitchFamily="18" charset="0"/>
+                        <a:cs typeface="Times New Roman" panose="02020603050405020304" pitchFamily="18" charset="0"/>
+                      </a:endParaRPr>
+                    </a:p>
+                  </a:txBody>
+                  <a:tcPr marL="68580" marR="68580" marT="0" marB="0"/>
+                </a:tc>
+              </a:tr>
+              <a:tr h="319508">
+                <a:tc>
+                  <a:txBody>
+                    <a:bodyPr/>
+                    <a:lstStyle/>
+                    <a:p>
+                      <a:pPr marL="0" marR="0" algn="l">
+                        <a:lnSpc>
+                          <a:spcPct val="105000"/>
+                        </a:lnSpc>
+                        <a:spcBef>
+                          <a:spcPts val="0"/>
+                        </a:spcBef>
+                        <a:spcAft>
+                          <a:spcPts val="0"/>
+                        </a:spcAft>
+                      </a:pPr>
+                      <a:r>
+                        <a:rPr lang="en-US" sz="1800">
+                          <a:effectLst/>
+                        </a:rPr>
+                        <a:t>Branch and Line Coverage</a:t>
+                      </a:r>
+                      <a:endParaRPr lang="en-US" sz="1800">
+                        <a:effectLst/>
+                        <a:latin typeface="Times New Roman" panose="02020603050405020304" pitchFamily="18" charset="0"/>
+                        <a:ea typeface="Times New Roman" panose="02020603050405020304" pitchFamily="18" charset="0"/>
+                        <a:cs typeface="Times New Roman" panose="02020603050405020304" pitchFamily="18" charset="0"/>
+                      </a:endParaRPr>
+                    </a:p>
+                  </a:txBody>
+                  <a:tcPr marL="68580" marR="68580" marT="0" marB="0"/>
+                </a:tc>
+                <a:tc>
+                  <a:txBody>
+                    <a:bodyPr/>
+                    <a:lstStyle/>
+                    <a:p>
+                      <a:pPr marL="0" marR="0" algn="l">
+                        <a:lnSpc>
+                          <a:spcPct val="105000"/>
+                        </a:lnSpc>
+                        <a:spcBef>
+                          <a:spcPts val="0"/>
+                        </a:spcBef>
+                        <a:spcAft>
+                          <a:spcPts val="0"/>
+                        </a:spcAft>
+                      </a:pPr>
+                      <a:r>
+                        <a:rPr lang="en-US" sz="1800">
+                          <a:effectLst/>
+                        </a:rPr>
+                        <a:t>80%-100%</a:t>
+                      </a:r>
+                      <a:endParaRPr lang="en-US" sz="1800">
+                        <a:effectLst/>
+                        <a:latin typeface="Times New Roman" panose="02020603050405020304" pitchFamily="18" charset="0"/>
+                        <a:ea typeface="Times New Roman" panose="02020603050405020304" pitchFamily="18" charset="0"/>
+                        <a:cs typeface="Times New Roman" panose="02020603050405020304" pitchFamily="18" charset="0"/>
+                      </a:endParaRPr>
+                    </a:p>
+                  </a:txBody>
+                  <a:tcPr marL="68580" marR="68580" marT="0" marB="0"/>
+                </a:tc>
+                <a:tc>
+                  <a:txBody>
+                    <a:bodyPr/>
+                    <a:lstStyle/>
+                    <a:p>
+                      <a:pPr marL="0" marR="0" algn="l">
+                        <a:lnSpc>
+                          <a:spcPct val="105000"/>
+                        </a:lnSpc>
+                        <a:spcBef>
+                          <a:spcPts val="0"/>
+                        </a:spcBef>
+                        <a:spcAft>
+                          <a:spcPts val="0"/>
+                        </a:spcAft>
+                      </a:pPr>
+                      <a:r>
+                        <a:rPr lang="en-US" sz="1800" dirty="0">
+                          <a:effectLst/>
+                        </a:rPr>
+                        <a:t>Less than 80%</a:t>
+                      </a:r>
+                      <a:endParaRPr lang="en-US" sz="1800" dirty="0">
+                        <a:effectLst/>
+                        <a:latin typeface="Times New Roman" panose="02020603050405020304" pitchFamily="18" charset="0"/>
+                        <a:ea typeface="Times New Roman" panose="02020603050405020304" pitchFamily="18" charset="0"/>
+                        <a:cs typeface="Times New Roman" panose="02020603050405020304" pitchFamily="18" charset="0"/>
+                      </a:endParaRPr>
+                    </a:p>
+                  </a:txBody>
+                  <a:tcPr marL="68580" marR="68580" marT="0" marB="0"/>
+                </a:tc>
+              </a:tr>
+            </a:tbl>
+          </a:graphicData>
+        </a:graphic>
+      </p:graphicFrame>
+    </p:spTree>
+    <p:extLst>
+      <p:ext uri="{BB962C8B-B14F-4D97-AF65-F5344CB8AC3E}">
+        <p14:creationId xmlns:p14="http://schemas.microsoft.com/office/powerpoint/2010/main" val="10815229"/>
+      </p:ext>
+    </p:extLst>
+  </p:cSld>
+  <p:clrMapOvr>
+    <a:masterClrMapping/>
+  </p:clrMapOvr>
+  <p:timing>
+    <p:tnLst>
+      <p:par>
+        <p:cTn id="1" dur="indefinite" restart="never" nodeType="tmRoot"/>
+      </p:par>
+    </p:tnLst>
+  </p:timing>
+</p:sld>
+</file>
+
+<file path=ppt/slides/slide32.xml><?xml version="1.0" encoding="utf-8"?>
+<p:sld xmlns:a="http://schemas.openxmlformats.org/drawingml/2006/main" xmlns:r="http://schemas.openxmlformats.org/officeDocument/2006/relationships" xmlns:p="http://schemas.openxmlformats.org/presentationml/2006/main">
+  <p:cSld>
+    <p:spTree>
+      <p:nvGrpSpPr>
+        <p:cNvPr id="1" name=""/>
+        <p:cNvGrpSpPr/>
+        <p:nvPr/>
+      </p:nvGrpSpPr>
+      <p:grpSpPr>
+        <a:xfrm>
+          <a:off x="0" y="0"/>
+          <a:ext cx="0" cy="0"/>
+          <a:chOff x="0" y="0"/>
+          <a:chExt cx="0" cy="0"/>
+        </a:xfrm>
+      </p:grpSpPr>
+      <p:sp>
+        <p:nvSpPr>
+          <p:cNvPr id="2" name="Title 1"/>
+          <p:cNvSpPr>
+            <a:spLocks noGrp="1"/>
+          </p:cNvSpPr>
+          <p:nvPr>
+            <p:ph type="title"/>
+          </p:nvPr>
+        </p:nvSpPr>
+        <p:spPr/>
+        <p:txBody>
+          <a:bodyPr/>
+          <a:lstStyle/>
+          <a:p>
+            <a:r>
+              <a:rPr lang="en-US" dirty="0" smtClean="0"/>
+              <a:t>Test Deliverables</a:t>
+            </a:r>
+            <a:endParaRPr lang="en-US" dirty="0"/>
+          </a:p>
+        </p:txBody>
+      </p:sp>
+      <p:sp>
+        <p:nvSpPr>
+          <p:cNvPr id="3" name="Content Placeholder 2"/>
+          <p:cNvSpPr>
+            <a:spLocks noGrp="1"/>
+          </p:cNvSpPr>
+          <p:nvPr>
+            <p:ph idx="1"/>
+          </p:nvPr>
+        </p:nvSpPr>
+        <p:spPr/>
+        <p:txBody>
+          <a:bodyPr>
+            <a:normAutofit/>
+          </a:bodyPr>
+          <a:lstStyle/>
+          <a:p>
+            <a:r>
+              <a:rPr lang="en-US" dirty="0" err="1" smtClean="0"/>
+              <a:t>JUnit</a:t>
+            </a:r>
+            <a:r>
+              <a:rPr lang="en-US" dirty="0" smtClean="0"/>
+              <a:t> Tests</a:t>
+            </a:r>
+          </a:p>
+          <a:p>
+            <a:pPr lvl="1"/>
+            <a:r>
+              <a:rPr lang="en-US" dirty="0" smtClean="0"/>
+              <a:t>Test Cases</a:t>
+            </a:r>
+          </a:p>
+          <a:p>
+            <a:pPr lvl="1"/>
+            <a:r>
+              <a:rPr lang="en-US" dirty="0" smtClean="0"/>
+              <a:t>Test Execution Code</a:t>
+            </a:r>
+          </a:p>
+          <a:p>
+            <a:r>
+              <a:rPr lang="en-US" dirty="0" smtClean="0"/>
+              <a:t>Test Output Reports</a:t>
+            </a:r>
+          </a:p>
+          <a:p>
+            <a:r>
+              <a:rPr lang="en-US" dirty="0" smtClean="0"/>
+              <a:t>Coverage Reports</a:t>
+            </a:r>
+          </a:p>
+          <a:p>
+            <a:r>
+              <a:rPr lang="en-US" dirty="0" smtClean="0"/>
+              <a:t>Non-</a:t>
+            </a:r>
+            <a:r>
+              <a:rPr lang="en-US" dirty="0" err="1" smtClean="0"/>
+              <a:t>Junit</a:t>
+            </a:r>
+            <a:r>
+              <a:rPr lang="en-US" dirty="0" smtClean="0"/>
+              <a:t> Tests</a:t>
+            </a:r>
+          </a:p>
+          <a:p>
+            <a:pPr lvl="1"/>
+            <a:r>
+              <a:rPr lang="en-US" dirty="0" smtClean="0"/>
+              <a:t>Tabular report</a:t>
+            </a:r>
+          </a:p>
+        </p:txBody>
+      </p:sp>
+    </p:spTree>
+    <p:extLst>
+      <p:ext uri="{BB962C8B-B14F-4D97-AF65-F5344CB8AC3E}">
+        <p14:creationId xmlns:p14="http://schemas.microsoft.com/office/powerpoint/2010/main" val="1081791921"/>
+      </p:ext>
+    </p:extLst>
+  </p:cSld>
+  <p:clrMapOvr>
+    <a:masterClrMapping/>
+  </p:clrMapOvr>
+  <p:timing>
+    <p:tnLst>
+      <p:par>
+        <p:cTn id="1" dur="indefinite" restart="never" nodeType="tmRoot"/>
+      </p:par>
+    </p:tnLst>
+  </p:timing>
+</p:sld>
+</file>
+
+<file path=ppt/slides/slide33.xml><?xml version="1.0" encoding="utf-8"?>
+<p:sld xmlns:a="http://schemas.openxmlformats.org/drawingml/2006/main" xmlns:r="http://schemas.openxmlformats.org/officeDocument/2006/relationships" xmlns:p="http://schemas.openxmlformats.org/presentationml/2006/main">
+  <p:cSld>
+    <p:spTree>
+      <p:nvGrpSpPr>
+        <p:cNvPr id="1" name=""/>
+        <p:cNvGrpSpPr/>
+        <p:nvPr/>
+      </p:nvGrpSpPr>
+      <p:grpSpPr>
+        <a:xfrm>
+          <a:off x="0" y="0"/>
+          <a:ext cx="0" cy="0"/>
+          <a:chOff x="0" y="0"/>
+          <a:chExt cx="0" cy="0"/>
+        </a:xfrm>
+      </p:grpSpPr>
+      <p:sp>
+        <p:nvSpPr>
+          <p:cNvPr id="2" name="Title 1"/>
+          <p:cNvSpPr>
+            <a:spLocks noGrp="1"/>
+          </p:cNvSpPr>
+          <p:nvPr>
+            <p:ph type="title"/>
+          </p:nvPr>
+        </p:nvSpPr>
+        <p:spPr/>
+        <p:txBody>
+          <a:bodyPr/>
+          <a:lstStyle/>
+          <a:p>
+            <a:r>
+              <a:rPr lang="en-US" dirty="0" smtClean="0"/>
+              <a:t>Lessons Learned</a:t>
+            </a:r>
+            <a:endParaRPr lang="en-US" dirty="0"/>
+          </a:p>
+        </p:txBody>
+      </p:sp>
+      <p:sp>
+        <p:nvSpPr>
+          <p:cNvPr id="3" name="Content Placeholder 2"/>
+          <p:cNvSpPr>
+            <a:spLocks noGrp="1"/>
+          </p:cNvSpPr>
+          <p:nvPr>
+            <p:ph idx="1"/>
+          </p:nvPr>
+        </p:nvSpPr>
+        <p:spPr/>
+        <p:txBody>
+          <a:bodyPr/>
+          <a:lstStyle/>
+          <a:p>
+            <a:r>
+              <a:rPr lang="en-US" dirty="0" smtClean="0"/>
+              <a:t>Understand the customer’s needs</a:t>
+            </a:r>
+          </a:p>
+          <a:p>
+            <a:r>
+              <a:rPr lang="en-US" dirty="0" smtClean="0"/>
+              <a:t>Constant communication with team and customer</a:t>
+            </a:r>
+          </a:p>
+          <a:p>
+            <a:r>
+              <a:rPr lang="en-US" dirty="0" smtClean="0"/>
+              <a:t>Ask for help when needed</a:t>
+            </a:r>
+          </a:p>
+          <a:p>
+            <a:r>
+              <a:rPr lang="en-US" dirty="0" smtClean="0"/>
+              <a:t>Hold each other accountable</a:t>
+            </a:r>
+          </a:p>
+          <a:p>
+            <a:r>
+              <a:rPr lang="en-US" dirty="0" smtClean="0"/>
+              <a:t>Design in as much detail as possible before implementation</a:t>
+            </a:r>
+          </a:p>
+          <a:p>
+            <a:r>
+              <a:rPr lang="en-US" dirty="0" smtClean="0"/>
+              <a:t>Use resources available</a:t>
+            </a:r>
+          </a:p>
+          <a:p>
+            <a:endParaRPr lang="en-US" dirty="0" smtClean="0"/>
+          </a:p>
+        </p:txBody>
+      </p:sp>
+    </p:spTree>
+    <p:extLst>
+      <p:ext uri="{BB962C8B-B14F-4D97-AF65-F5344CB8AC3E}">
+        <p14:creationId xmlns:p14="http://schemas.microsoft.com/office/powerpoint/2010/main" val="1844655071"/>
+      </p:ext>
+    </p:extLst>
+  </p:cSld>
+  <p:clrMapOvr>
+    <a:masterClrMapping/>
+  </p:clrMapOvr>
 </p:sld>
 </file>
 

--- a/Final Presentation/Ink3d Final Presentation.pptx
+++ b/Final Presentation/Ink3d Final Presentation.pptx
@@ -33,11 +33,14 @@
     <p:sldId id="290" r:id="rId27"/>
     <p:sldId id="291" r:id="rId28"/>
     <p:sldId id="292" r:id="rId29"/>
-    <p:sldId id="307" r:id="rId30"/>
-    <p:sldId id="308" r:id="rId31"/>
-    <p:sldId id="309" r:id="rId32"/>
-    <p:sldId id="310" r:id="rId33"/>
-    <p:sldId id="306" r:id="rId34"/>
+    <p:sldId id="315" r:id="rId30"/>
+    <p:sldId id="316" r:id="rId31"/>
+    <p:sldId id="317" r:id="rId32"/>
+    <p:sldId id="312" r:id="rId33"/>
+    <p:sldId id="313" r:id="rId34"/>
+    <p:sldId id="314" r:id="rId35"/>
+    <p:sldId id="306" r:id="rId36"/>
+    <p:sldId id="311" r:id="rId37"/>
   </p:sldIdLst>
   <p:sldSz cx="9144000" cy="6858000" type="screen4x3"/>
   <p:notesSz cx="6858000" cy="9144000"/>
@@ -138,7 +141,7 @@
   </p:defaultTextStyle>
   <p:extLst>
     <p:ext uri="{EFAFB233-063F-42B5-8137-9DF3F51BA10A}">
-      <p15:sldGuideLst xmlns="" xmlns:p15="http://schemas.microsoft.com/office/powerpoint/2012/main">
+      <p15:sldGuideLst xmlns:p15="http://schemas.microsoft.com/office/powerpoint/2012/main" xmlns="">
         <p15:guide id="1" orient="horz" pos="2160">
           <p15:clr>
             <a:srgbClr val="A4A3A4"/>
@@ -153,6 +156,2035 @@
     </p:ext>
   </p:extLst>
 </p:presentation>
+</file>
+
+<file path=ppt/charts/chart1.xml><?xml version="1.0" encoding="utf-8"?>
+<c:chartSpace xmlns:c="http://schemas.openxmlformats.org/drawingml/2006/chart" xmlns:a="http://schemas.openxmlformats.org/drawingml/2006/main" xmlns:r="http://schemas.openxmlformats.org/officeDocument/2006/relationships">
+  <c:date1904 val="0"/>
+  <c:lang val="en-US"/>
+  <c:roundedCorners val="0"/>
+  <mc:AlternateContent xmlns:mc="http://schemas.openxmlformats.org/markup-compatibility/2006">
+    <mc:Choice xmlns:c14="http://schemas.microsoft.com/office/drawing/2007/8/2/chart" Requires="c14">
+      <c14:style val="102"/>
+    </mc:Choice>
+    <mc:Fallback>
+      <c:style val="2"/>
+    </mc:Fallback>
+  </mc:AlternateContent>
+  <c:chart>
+    <c:autoTitleDeleted val="0"/>
+    <c:plotArea>
+      <c:layout/>
+      <c:lineChart>
+        <c:grouping val="standard"/>
+        <c:varyColors val="0"/>
+        <c:ser>
+          <c:idx val="0"/>
+          <c:order val="0"/>
+          <c:tx>
+            <c:strRef>
+              <c:f>Total!$B$1</c:f>
+              <c:strCache>
+                <c:ptCount val="1"/>
+                <c:pt idx="0">
+                  <c:v>Planned</c:v>
+                </c:pt>
+              </c:strCache>
+            </c:strRef>
+          </c:tx>
+          <c:marker>
+            <c:symbol val="none"/>
+          </c:marker>
+          <c:cat>
+            <c:numRef>
+              <c:f>Total!$A$2:$A$103</c:f>
+              <c:numCache>
+                <c:formatCode>m/d/yyyy</c:formatCode>
+                <c:ptCount val="102"/>
+                <c:pt idx="0">
+                  <c:v>41528</c:v>
+                </c:pt>
+                <c:pt idx="1">
+                  <c:v>41529</c:v>
+                </c:pt>
+                <c:pt idx="2">
+                  <c:v>41530</c:v>
+                </c:pt>
+                <c:pt idx="3">
+                  <c:v>41534</c:v>
+                </c:pt>
+                <c:pt idx="4">
+                  <c:v>41536</c:v>
+                </c:pt>
+                <c:pt idx="5">
+                  <c:v>41541</c:v>
+                </c:pt>
+                <c:pt idx="6">
+                  <c:v>41543</c:v>
+                </c:pt>
+                <c:pt idx="7">
+                  <c:v>41544</c:v>
+                </c:pt>
+                <c:pt idx="8">
+                  <c:v>41546</c:v>
+                </c:pt>
+                <c:pt idx="9">
+                  <c:v>41548</c:v>
+                </c:pt>
+                <c:pt idx="10">
+                  <c:v>41549</c:v>
+                </c:pt>
+                <c:pt idx="11">
+                  <c:v>41550</c:v>
+                </c:pt>
+                <c:pt idx="12">
+                  <c:v>41552</c:v>
+                </c:pt>
+                <c:pt idx="13">
+                  <c:v>41553</c:v>
+                </c:pt>
+                <c:pt idx="14">
+                  <c:v>41554</c:v>
+                </c:pt>
+                <c:pt idx="15">
+                  <c:v>41555</c:v>
+                </c:pt>
+                <c:pt idx="16">
+                  <c:v>41556</c:v>
+                </c:pt>
+                <c:pt idx="17">
+                  <c:v>41557</c:v>
+                </c:pt>
+                <c:pt idx="18">
+                  <c:v>41558</c:v>
+                </c:pt>
+                <c:pt idx="19">
+                  <c:v>41560</c:v>
+                </c:pt>
+                <c:pt idx="20">
+                  <c:v>41562</c:v>
+                </c:pt>
+                <c:pt idx="21">
+                  <c:v>41563</c:v>
+                </c:pt>
+                <c:pt idx="22">
+                  <c:v>41564</c:v>
+                </c:pt>
+                <c:pt idx="23">
+                  <c:v>41565</c:v>
+                </c:pt>
+                <c:pt idx="24">
+                  <c:v>41569</c:v>
+                </c:pt>
+                <c:pt idx="25">
+                  <c:v>41570</c:v>
+                </c:pt>
+                <c:pt idx="26">
+                  <c:v>41571</c:v>
+                </c:pt>
+                <c:pt idx="27">
+                  <c:v>41572</c:v>
+                </c:pt>
+                <c:pt idx="28">
+                  <c:v>41576</c:v>
+                </c:pt>
+                <c:pt idx="29">
+                  <c:v>41577</c:v>
+                </c:pt>
+                <c:pt idx="30">
+                  <c:v>41579</c:v>
+                </c:pt>
+                <c:pt idx="31">
+                  <c:v>41581</c:v>
+                </c:pt>
+                <c:pt idx="32">
+                  <c:v>41582</c:v>
+                </c:pt>
+                <c:pt idx="33">
+                  <c:v>41583</c:v>
+                </c:pt>
+                <c:pt idx="34">
+                  <c:v>41585</c:v>
+                </c:pt>
+                <c:pt idx="35">
+                  <c:v>41586</c:v>
+                </c:pt>
+                <c:pt idx="36">
+                  <c:v>41590</c:v>
+                </c:pt>
+                <c:pt idx="37">
+                  <c:v>41592</c:v>
+                </c:pt>
+                <c:pt idx="38">
+                  <c:v>41596</c:v>
+                </c:pt>
+                <c:pt idx="39">
+                  <c:v>41597</c:v>
+                </c:pt>
+                <c:pt idx="40">
+                  <c:v>41598</c:v>
+                </c:pt>
+                <c:pt idx="41">
+                  <c:v>41599</c:v>
+                </c:pt>
+                <c:pt idx="42">
+                  <c:v>41600</c:v>
+                </c:pt>
+                <c:pt idx="43">
+                  <c:v>41604</c:v>
+                </c:pt>
+                <c:pt idx="44">
+                  <c:v>41606</c:v>
+                </c:pt>
+                <c:pt idx="45">
+                  <c:v>41607</c:v>
+                </c:pt>
+                <c:pt idx="46">
+                  <c:v>41611</c:v>
+                </c:pt>
+                <c:pt idx="47">
+                  <c:v>41612</c:v>
+                </c:pt>
+                <c:pt idx="48">
+                  <c:v>41613</c:v>
+                </c:pt>
+                <c:pt idx="49">
+                  <c:v>41614</c:v>
+                </c:pt>
+                <c:pt idx="50">
+                  <c:v>41617</c:v>
+                </c:pt>
+                <c:pt idx="51">
+                  <c:v>41618</c:v>
+                </c:pt>
+                <c:pt idx="52">
+                  <c:v>41619</c:v>
+                </c:pt>
+                <c:pt idx="53">
+                  <c:v>41653</c:v>
+                </c:pt>
+                <c:pt idx="54">
+                  <c:v>41654</c:v>
+                </c:pt>
+                <c:pt idx="55">
+                  <c:v>41655</c:v>
+                </c:pt>
+                <c:pt idx="56">
+                  <c:v>41657</c:v>
+                </c:pt>
+                <c:pt idx="57">
+                  <c:v>41659</c:v>
+                </c:pt>
+                <c:pt idx="58">
+                  <c:v>41660</c:v>
+                </c:pt>
+                <c:pt idx="59">
+                  <c:v>41662</c:v>
+                </c:pt>
+                <c:pt idx="60">
+                  <c:v>41663</c:v>
+                </c:pt>
+                <c:pt idx="61">
+                  <c:v>41667</c:v>
+                </c:pt>
+                <c:pt idx="62">
+                  <c:v>41669</c:v>
+                </c:pt>
+                <c:pt idx="63">
+                  <c:v>41674</c:v>
+                </c:pt>
+                <c:pt idx="64">
+                  <c:v>41676</c:v>
+                </c:pt>
+                <c:pt idx="65">
+                  <c:v>41680</c:v>
+                </c:pt>
+                <c:pt idx="66">
+                  <c:v>41681</c:v>
+                </c:pt>
+                <c:pt idx="67">
+                  <c:v>41682</c:v>
+                </c:pt>
+                <c:pt idx="68">
+                  <c:v>41683</c:v>
+                </c:pt>
+                <c:pt idx="69">
+                  <c:v>41684</c:v>
+                </c:pt>
+                <c:pt idx="70">
+                  <c:v>41686</c:v>
+                </c:pt>
+                <c:pt idx="71">
+                  <c:v>41688</c:v>
+                </c:pt>
+                <c:pt idx="72">
+                  <c:v>41689</c:v>
+                </c:pt>
+                <c:pt idx="73">
+                  <c:v>41690</c:v>
+                </c:pt>
+                <c:pt idx="74">
+                  <c:v>41691</c:v>
+                </c:pt>
+                <c:pt idx="75">
+                  <c:v>41694</c:v>
+                </c:pt>
+                <c:pt idx="76">
+                  <c:v>41695</c:v>
+                </c:pt>
+                <c:pt idx="77">
+                  <c:v>41697</c:v>
+                </c:pt>
+                <c:pt idx="78">
+                  <c:v>41698</c:v>
+                </c:pt>
+                <c:pt idx="79">
+                  <c:v>41702</c:v>
+                </c:pt>
+                <c:pt idx="80">
+                  <c:v>41707</c:v>
+                </c:pt>
+                <c:pt idx="81">
+                  <c:v>41709</c:v>
+                </c:pt>
+                <c:pt idx="82">
+                  <c:v>41711</c:v>
+                </c:pt>
+                <c:pt idx="83">
+                  <c:v>41712</c:v>
+                </c:pt>
+                <c:pt idx="84">
+                  <c:v>41714</c:v>
+                </c:pt>
+                <c:pt idx="85">
+                  <c:v>41716</c:v>
+                </c:pt>
+                <c:pt idx="86">
+                  <c:v>41718</c:v>
+                </c:pt>
+                <c:pt idx="87">
+                  <c:v>41723</c:v>
+                </c:pt>
+                <c:pt idx="88">
+                  <c:v>41725</c:v>
+                </c:pt>
+                <c:pt idx="89">
+                  <c:v>41726</c:v>
+                </c:pt>
+                <c:pt idx="90">
+                  <c:v>41730</c:v>
+                </c:pt>
+                <c:pt idx="91">
+                  <c:v>41732</c:v>
+                </c:pt>
+                <c:pt idx="92">
+                  <c:v>41737</c:v>
+                </c:pt>
+                <c:pt idx="93">
+                  <c:v>41739</c:v>
+                </c:pt>
+                <c:pt idx="94">
+                  <c:v>41740</c:v>
+                </c:pt>
+                <c:pt idx="95">
+                  <c:v>41744</c:v>
+                </c:pt>
+                <c:pt idx="96">
+                  <c:v>41746</c:v>
+                </c:pt>
+                <c:pt idx="97">
+                  <c:v>41751</c:v>
+                </c:pt>
+                <c:pt idx="98">
+                  <c:v>41753</c:v>
+                </c:pt>
+                <c:pt idx="99">
+                  <c:v>41754</c:v>
+                </c:pt>
+                <c:pt idx="100">
+                  <c:v>41758</c:v>
+                </c:pt>
+                <c:pt idx="101">
+                  <c:v>41760</c:v>
+                </c:pt>
+              </c:numCache>
+            </c:numRef>
+          </c:cat>
+          <c:val>
+            <c:numRef>
+              <c:f>Total!$B$2:$B$103</c:f>
+              <c:numCache>
+                <c:formatCode>General</c:formatCode>
+                <c:ptCount val="102"/>
+                <c:pt idx="0">
+                  <c:v>53</c:v>
+                </c:pt>
+                <c:pt idx="1">
+                  <c:v>61</c:v>
+                </c:pt>
+                <c:pt idx="2">
+                  <c:v>62</c:v>
+                </c:pt>
+                <c:pt idx="3">
+                  <c:v>66</c:v>
+                </c:pt>
+                <c:pt idx="4">
+                  <c:v>76</c:v>
+                </c:pt>
+                <c:pt idx="5">
+                  <c:v>116</c:v>
+                </c:pt>
+                <c:pt idx="6">
+                  <c:v>132</c:v>
+                </c:pt>
+                <c:pt idx="7">
+                  <c:v>133</c:v>
+                </c:pt>
+                <c:pt idx="8">
+                  <c:v>143</c:v>
+                </c:pt>
+                <c:pt idx="9">
+                  <c:v>151</c:v>
+                </c:pt>
+                <c:pt idx="10">
+                  <c:v>159</c:v>
+                </c:pt>
+                <c:pt idx="11">
+                  <c:v>171</c:v>
+                </c:pt>
+                <c:pt idx="12">
+                  <c:v>212</c:v>
+                </c:pt>
+                <c:pt idx="13">
+                  <c:v>235</c:v>
+                </c:pt>
+                <c:pt idx="14">
+                  <c:v>236</c:v>
+                </c:pt>
+                <c:pt idx="15">
+                  <c:v>244</c:v>
+                </c:pt>
+                <c:pt idx="16">
+                  <c:v>245</c:v>
+                </c:pt>
+                <c:pt idx="17">
+                  <c:v>270</c:v>
+                </c:pt>
+                <c:pt idx="18">
+                  <c:v>279</c:v>
+                </c:pt>
+                <c:pt idx="19">
+                  <c:v>281</c:v>
+                </c:pt>
+                <c:pt idx="20">
+                  <c:v>289</c:v>
+                </c:pt>
+                <c:pt idx="21">
+                  <c:v>295</c:v>
+                </c:pt>
+                <c:pt idx="22">
+                  <c:v>319</c:v>
+                </c:pt>
+                <c:pt idx="23">
+                  <c:v>327</c:v>
+                </c:pt>
+                <c:pt idx="24">
+                  <c:v>335</c:v>
+                </c:pt>
+                <c:pt idx="25">
+                  <c:v>335</c:v>
+                </c:pt>
+                <c:pt idx="26">
+                  <c:v>337</c:v>
+                </c:pt>
+                <c:pt idx="27">
+                  <c:v>346</c:v>
+                </c:pt>
+                <c:pt idx="28">
+                  <c:v>354</c:v>
+                </c:pt>
+                <c:pt idx="29">
+                  <c:v>414</c:v>
+                </c:pt>
+                <c:pt idx="30">
+                  <c:v>440</c:v>
+                </c:pt>
+                <c:pt idx="31">
+                  <c:v>462</c:v>
+                </c:pt>
+                <c:pt idx="32">
+                  <c:v>463</c:v>
+                </c:pt>
+                <c:pt idx="33">
+                  <c:v>469</c:v>
+                </c:pt>
+                <c:pt idx="34">
+                  <c:v>485</c:v>
+                </c:pt>
+                <c:pt idx="35">
+                  <c:v>486</c:v>
+                </c:pt>
+                <c:pt idx="36">
+                  <c:v>494</c:v>
+                </c:pt>
+                <c:pt idx="37">
+                  <c:v>502</c:v>
+                </c:pt>
+                <c:pt idx="38">
+                  <c:v>502</c:v>
+                </c:pt>
+                <c:pt idx="39">
+                  <c:v>510</c:v>
+                </c:pt>
+                <c:pt idx="40">
+                  <c:v>510</c:v>
+                </c:pt>
+                <c:pt idx="41">
+                  <c:v>518</c:v>
+                </c:pt>
+                <c:pt idx="42">
+                  <c:v>519</c:v>
+                </c:pt>
+                <c:pt idx="43">
+                  <c:v>527</c:v>
+                </c:pt>
+                <c:pt idx="44">
+                  <c:v>535</c:v>
+                </c:pt>
+                <c:pt idx="45">
+                  <c:v>553</c:v>
+                </c:pt>
+                <c:pt idx="46">
+                  <c:v>571</c:v>
+                </c:pt>
+                <c:pt idx="47">
+                  <c:v>593</c:v>
+                </c:pt>
+                <c:pt idx="48">
+                  <c:v>596</c:v>
+                </c:pt>
+                <c:pt idx="49">
+                  <c:v>606</c:v>
+                </c:pt>
+                <c:pt idx="50">
+                  <c:v>610</c:v>
+                </c:pt>
+                <c:pt idx="51">
+                  <c:v>613</c:v>
+                </c:pt>
+                <c:pt idx="52">
+                  <c:v>616</c:v>
+                </c:pt>
+                <c:pt idx="53">
+                  <c:v>629</c:v>
+                </c:pt>
+                <c:pt idx="54">
+                  <c:v>632</c:v>
+                </c:pt>
+                <c:pt idx="55">
+                  <c:v>640</c:v>
+                </c:pt>
+                <c:pt idx="56">
+                  <c:v>640</c:v>
+                </c:pt>
+                <c:pt idx="57">
+                  <c:v>643</c:v>
+                </c:pt>
+                <c:pt idx="58">
+                  <c:v>687</c:v>
+                </c:pt>
+                <c:pt idx="59">
+                  <c:v>702</c:v>
+                </c:pt>
+                <c:pt idx="60">
+                  <c:v>702</c:v>
+                </c:pt>
+                <c:pt idx="61">
+                  <c:v>728</c:v>
+                </c:pt>
+                <c:pt idx="62">
+                  <c:v>736</c:v>
+                </c:pt>
+                <c:pt idx="63">
+                  <c:v>744</c:v>
+                </c:pt>
+                <c:pt idx="64">
+                  <c:v>752</c:v>
+                </c:pt>
+                <c:pt idx="65">
+                  <c:v>754</c:v>
+                </c:pt>
+                <c:pt idx="66">
+                  <c:v>762</c:v>
+                </c:pt>
+                <c:pt idx="67">
+                  <c:v>806</c:v>
+                </c:pt>
+                <c:pt idx="68">
+                  <c:v>814</c:v>
+                </c:pt>
+                <c:pt idx="69">
+                  <c:v>836</c:v>
+                </c:pt>
+                <c:pt idx="70">
+                  <c:v>844</c:v>
+                </c:pt>
+                <c:pt idx="71">
+                  <c:v>870</c:v>
+                </c:pt>
+                <c:pt idx="72">
+                  <c:v>884</c:v>
+                </c:pt>
+                <c:pt idx="73">
+                  <c:v>894</c:v>
+                </c:pt>
+                <c:pt idx="74">
+                  <c:v>1004</c:v>
+                </c:pt>
+                <c:pt idx="75">
+                  <c:v>1008</c:v>
+                </c:pt>
+                <c:pt idx="76">
+                  <c:v>1016</c:v>
+                </c:pt>
+                <c:pt idx="77">
+                  <c:v>1018</c:v>
+                </c:pt>
+                <c:pt idx="78">
+                  <c:v>1018</c:v>
+                </c:pt>
+                <c:pt idx="79">
+                  <c:v>1035</c:v>
+                </c:pt>
+                <c:pt idx="80">
+                  <c:v>1043</c:v>
+                </c:pt>
+                <c:pt idx="81">
+                  <c:v>1051</c:v>
+                </c:pt>
+                <c:pt idx="82">
+                  <c:v>1059</c:v>
+                </c:pt>
+                <c:pt idx="83">
+                  <c:v>1060</c:v>
+                </c:pt>
+                <c:pt idx="84">
+                  <c:v>1068</c:v>
+                </c:pt>
+                <c:pt idx="85">
+                  <c:v>1168</c:v>
+                </c:pt>
+                <c:pt idx="86">
+                  <c:v>1276</c:v>
+                </c:pt>
+                <c:pt idx="87">
+                  <c:v>1284</c:v>
+                </c:pt>
+                <c:pt idx="88">
+                  <c:v>1292</c:v>
+                </c:pt>
+                <c:pt idx="89">
+                  <c:v>1293</c:v>
+                </c:pt>
+                <c:pt idx="90">
+                  <c:v>1394</c:v>
+                </c:pt>
+                <c:pt idx="91">
+                  <c:v>1420</c:v>
+                </c:pt>
+                <c:pt idx="92">
+                  <c:v>1428</c:v>
+                </c:pt>
+                <c:pt idx="93">
+                  <c:v>1436</c:v>
+                </c:pt>
+                <c:pt idx="94">
+                  <c:v>1437</c:v>
+                </c:pt>
+                <c:pt idx="95">
+                  <c:v>1537</c:v>
+                </c:pt>
+                <c:pt idx="96">
+                  <c:v>1553</c:v>
+                </c:pt>
+                <c:pt idx="97">
+                  <c:v>1561</c:v>
+                </c:pt>
+                <c:pt idx="98">
+                  <c:v>1569</c:v>
+                </c:pt>
+                <c:pt idx="99">
+                  <c:v>1570</c:v>
+                </c:pt>
+                <c:pt idx="100">
+                  <c:v>1578</c:v>
+                </c:pt>
+                <c:pt idx="101">
+                  <c:v>1586</c:v>
+                </c:pt>
+              </c:numCache>
+            </c:numRef>
+          </c:val>
+          <c:smooth val="0"/>
+        </c:ser>
+        <c:ser>
+          <c:idx val="1"/>
+          <c:order val="1"/>
+          <c:tx>
+            <c:strRef>
+              <c:f>Total!$C$1</c:f>
+              <c:strCache>
+                <c:ptCount val="1"/>
+                <c:pt idx="0">
+                  <c:v>Actual</c:v>
+                </c:pt>
+              </c:strCache>
+            </c:strRef>
+          </c:tx>
+          <c:marker>
+            <c:symbol val="none"/>
+          </c:marker>
+          <c:cat>
+            <c:numRef>
+              <c:f>Total!$A$2:$A$103</c:f>
+              <c:numCache>
+                <c:formatCode>m/d/yyyy</c:formatCode>
+                <c:ptCount val="102"/>
+                <c:pt idx="0">
+                  <c:v>41528</c:v>
+                </c:pt>
+                <c:pt idx="1">
+                  <c:v>41529</c:v>
+                </c:pt>
+                <c:pt idx="2">
+                  <c:v>41530</c:v>
+                </c:pt>
+                <c:pt idx="3">
+                  <c:v>41534</c:v>
+                </c:pt>
+                <c:pt idx="4">
+                  <c:v>41536</c:v>
+                </c:pt>
+                <c:pt idx="5">
+                  <c:v>41541</c:v>
+                </c:pt>
+                <c:pt idx="6">
+                  <c:v>41543</c:v>
+                </c:pt>
+                <c:pt idx="7">
+                  <c:v>41544</c:v>
+                </c:pt>
+                <c:pt idx="8">
+                  <c:v>41546</c:v>
+                </c:pt>
+                <c:pt idx="9">
+                  <c:v>41548</c:v>
+                </c:pt>
+                <c:pt idx="10">
+                  <c:v>41549</c:v>
+                </c:pt>
+                <c:pt idx="11">
+                  <c:v>41550</c:v>
+                </c:pt>
+                <c:pt idx="12">
+                  <c:v>41552</c:v>
+                </c:pt>
+                <c:pt idx="13">
+                  <c:v>41553</c:v>
+                </c:pt>
+                <c:pt idx="14">
+                  <c:v>41554</c:v>
+                </c:pt>
+                <c:pt idx="15">
+                  <c:v>41555</c:v>
+                </c:pt>
+                <c:pt idx="16">
+                  <c:v>41556</c:v>
+                </c:pt>
+                <c:pt idx="17">
+                  <c:v>41557</c:v>
+                </c:pt>
+                <c:pt idx="18">
+                  <c:v>41558</c:v>
+                </c:pt>
+                <c:pt idx="19">
+                  <c:v>41560</c:v>
+                </c:pt>
+                <c:pt idx="20">
+                  <c:v>41562</c:v>
+                </c:pt>
+                <c:pt idx="21">
+                  <c:v>41563</c:v>
+                </c:pt>
+                <c:pt idx="22">
+                  <c:v>41564</c:v>
+                </c:pt>
+                <c:pt idx="23">
+                  <c:v>41565</c:v>
+                </c:pt>
+                <c:pt idx="24">
+                  <c:v>41569</c:v>
+                </c:pt>
+                <c:pt idx="25">
+                  <c:v>41570</c:v>
+                </c:pt>
+                <c:pt idx="26">
+                  <c:v>41571</c:v>
+                </c:pt>
+                <c:pt idx="27">
+                  <c:v>41572</c:v>
+                </c:pt>
+                <c:pt idx="28">
+                  <c:v>41576</c:v>
+                </c:pt>
+                <c:pt idx="29">
+                  <c:v>41577</c:v>
+                </c:pt>
+                <c:pt idx="30">
+                  <c:v>41579</c:v>
+                </c:pt>
+                <c:pt idx="31">
+                  <c:v>41581</c:v>
+                </c:pt>
+                <c:pt idx="32">
+                  <c:v>41582</c:v>
+                </c:pt>
+                <c:pt idx="33">
+                  <c:v>41583</c:v>
+                </c:pt>
+                <c:pt idx="34">
+                  <c:v>41585</c:v>
+                </c:pt>
+                <c:pt idx="35">
+                  <c:v>41586</c:v>
+                </c:pt>
+                <c:pt idx="36">
+                  <c:v>41590</c:v>
+                </c:pt>
+                <c:pt idx="37">
+                  <c:v>41592</c:v>
+                </c:pt>
+                <c:pt idx="38">
+                  <c:v>41596</c:v>
+                </c:pt>
+                <c:pt idx="39">
+                  <c:v>41597</c:v>
+                </c:pt>
+                <c:pt idx="40">
+                  <c:v>41598</c:v>
+                </c:pt>
+                <c:pt idx="41">
+                  <c:v>41599</c:v>
+                </c:pt>
+                <c:pt idx="42">
+                  <c:v>41600</c:v>
+                </c:pt>
+                <c:pt idx="43">
+                  <c:v>41604</c:v>
+                </c:pt>
+                <c:pt idx="44">
+                  <c:v>41606</c:v>
+                </c:pt>
+                <c:pt idx="45">
+                  <c:v>41607</c:v>
+                </c:pt>
+                <c:pt idx="46">
+                  <c:v>41611</c:v>
+                </c:pt>
+                <c:pt idx="47">
+                  <c:v>41612</c:v>
+                </c:pt>
+                <c:pt idx="48">
+                  <c:v>41613</c:v>
+                </c:pt>
+                <c:pt idx="49">
+                  <c:v>41614</c:v>
+                </c:pt>
+                <c:pt idx="50">
+                  <c:v>41617</c:v>
+                </c:pt>
+                <c:pt idx="51">
+                  <c:v>41618</c:v>
+                </c:pt>
+                <c:pt idx="52">
+                  <c:v>41619</c:v>
+                </c:pt>
+                <c:pt idx="53">
+                  <c:v>41653</c:v>
+                </c:pt>
+                <c:pt idx="54">
+                  <c:v>41654</c:v>
+                </c:pt>
+                <c:pt idx="55">
+                  <c:v>41655</c:v>
+                </c:pt>
+                <c:pt idx="56">
+                  <c:v>41657</c:v>
+                </c:pt>
+                <c:pt idx="57">
+                  <c:v>41659</c:v>
+                </c:pt>
+                <c:pt idx="58">
+                  <c:v>41660</c:v>
+                </c:pt>
+                <c:pt idx="59">
+                  <c:v>41662</c:v>
+                </c:pt>
+                <c:pt idx="60">
+                  <c:v>41663</c:v>
+                </c:pt>
+                <c:pt idx="61">
+                  <c:v>41667</c:v>
+                </c:pt>
+                <c:pt idx="62">
+                  <c:v>41669</c:v>
+                </c:pt>
+                <c:pt idx="63">
+                  <c:v>41674</c:v>
+                </c:pt>
+                <c:pt idx="64">
+                  <c:v>41676</c:v>
+                </c:pt>
+                <c:pt idx="65">
+                  <c:v>41680</c:v>
+                </c:pt>
+                <c:pt idx="66">
+                  <c:v>41681</c:v>
+                </c:pt>
+                <c:pt idx="67">
+                  <c:v>41682</c:v>
+                </c:pt>
+                <c:pt idx="68">
+                  <c:v>41683</c:v>
+                </c:pt>
+                <c:pt idx="69">
+                  <c:v>41684</c:v>
+                </c:pt>
+                <c:pt idx="70">
+                  <c:v>41686</c:v>
+                </c:pt>
+                <c:pt idx="71">
+                  <c:v>41688</c:v>
+                </c:pt>
+                <c:pt idx="72">
+                  <c:v>41689</c:v>
+                </c:pt>
+                <c:pt idx="73">
+                  <c:v>41690</c:v>
+                </c:pt>
+                <c:pt idx="74">
+                  <c:v>41691</c:v>
+                </c:pt>
+                <c:pt idx="75">
+                  <c:v>41694</c:v>
+                </c:pt>
+                <c:pt idx="76">
+                  <c:v>41695</c:v>
+                </c:pt>
+                <c:pt idx="77">
+                  <c:v>41697</c:v>
+                </c:pt>
+                <c:pt idx="78">
+                  <c:v>41698</c:v>
+                </c:pt>
+                <c:pt idx="79">
+                  <c:v>41702</c:v>
+                </c:pt>
+                <c:pt idx="80">
+                  <c:v>41707</c:v>
+                </c:pt>
+                <c:pt idx="81">
+                  <c:v>41709</c:v>
+                </c:pt>
+                <c:pt idx="82">
+                  <c:v>41711</c:v>
+                </c:pt>
+                <c:pt idx="83">
+                  <c:v>41712</c:v>
+                </c:pt>
+                <c:pt idx="84">
+                  <c:v>41714</c:v>
+                </c:pt>
+                <c:pt idx="85">
+                  <c:v>41716</c:v>
+                </c:pt>
+                <c:pt idx="86">
+                  <c:v>41718</c:v>
+                </c:pt>
+                <c:pt idx="87">
+                  <c:v>41723</c:v>
+                </c:pt>
+                <c:pt idx="88">
+                  <c:v>41725</c:v>
+                </c:pt>
+                <c:pt idx="89">
+                  <c:v>41726</c:v>
+                </c:pt>
+                <c:pt idx="90">
+                  <c:v>41730</c:v>
+                </c:pt>
+                <c:pt idx="91">
+                  <c:v>41732</c:v>
+                </c:pt>
+                <c:pt idx="92">
+                  <c:v>41737</c:v>
+                </c:pt>
+                <c:pt idx="93">
+                  <c:v>41739</c:v>
+                </c:pt>
+                <c:pt idx="94">
+                  <c:v>41740</c:v>
+                </c:pt>
+                <c:pt idx="95">
+                  <c:v>41744</c:v>
+                </c:pt>
+                <c:pt idx="96">
+                  <c:v>41746</c:v>
+                </c:pt>
+                <c:pt idx="97">
+                  <c:v>41751</c:v>
+                </c:pt>
+                <c:pt idx="98">
+                  <c:v>41753</c:v>
+                </c:pt>
+                <c:pt idx="99">
+                  <c:v>41754</c:v>
+                </c:pt>
+                <c:pt idx="100">
+                  <c:v>41758</c:v>
+                </c:pt>
+                <c:pt idx="101">
+                  <c:v>41760</c:v>
+                </c:pt>
+              </c:numCache>
+            </c:numRef>
+          </c:cat>
+          <c:val>
+            <c:numRef>
+              <c:f>Total!$C$2:$C$103</c:f>
+              <c:numCache>
+                <c:formatCode>General</c:formatCode>
+                <c:ptCount val="102"/>
+                <c:pt idx="0">
+                  <c:v>45.5</c:v>
+                </c:pt>
+                <c:pt idx="1">
+                  <c:v>49.5</c:v>
+                </c:pt>
+                <c:pt idx="2">
+                  <c:v>50.5</c:v>
+                </c:pt>
+                <c:pt idx="3">
+                  <c:v>54.5</c:v>
+                </c:pt>
+                <c:pt idx="4">
+                  <c:v>60.5</c:v>
+                </c:pt>
+                <c:pt idx="5">
+                  <c:v>81</c:v>
+                </c:pt>
+                <c:pt idx="6">
+                  <c:v>89</c:v>
+                </c:pt>
+                <c:pt idx="7">
+                  <c:v>90</c:v>
+                </c:pt>
+                <c:pt idx="8">
+                  <c:v>100</c:v>
+                </c:pt>
+                <c:pt idx="9">
+                  <c:v>104</c:v>
+                </c:pt>
+                <c:pt idx="10">
+                  <c:v>108</c:v>
+                </c:pt>
+                <c:pt idx="11">
+                  <c:v>125</c:v>
+                </c:pt>
+                <c:pt idx="12">
+                  <c:v>168</c:v>
+                </c:pt>
+                <c:pt idx="13">
+                  <c:v>182</c:v>
+                </c:pt>
+                <c:pt idx="14">
+                  <c:v>182</c:v>
+                </c:pt>
+                <c:pt idx="15">
+                  <c:v>186</c:v>
+                </c:pt>
+                <c:pt idx="16">
+                  <c:v>186</c:v>
+                </c:pt>
+                <c:pt idx="17">
+                  <c:v>201</c:v>
+                </c:pt>
+                <c:pt idx="18">
+                  <c:v>205</c:v>
+                </c:pt>
+                <c:pt idx="19">
+                  <c:v>205</c:v>
+                </c:pt>
+                <c:pt idx="20">
+                  <c:v>209</c:v>
+                </c:pt>
+                <c:pt idx="21">
+                  <c:v>217</c:v>
+                </c:pt>
+                <c:pt idx="22">
+                  <c:v>229</c:v>
+                </c:pt>
+                <c:pt idx="23">
+                  <c:v>233</c:v>
+                </c:pt>
+                <c:pt idx="24">
+                  <c:v>237</c:v>
+                </c:pt>
+                <c:pt idx="25">
+                  <c:v>237</c:v>
+                </c:pt>
+                <c:pt idx="26">
+                  <c:v>237</c:v>
+                </c:pt>
+                <c:pt idx="27">
+                  <c:v>238</c:v>
+                </c:pt>
+                <c:pt idx="28">
+                  <c:v>239</c:v>
+                </c:pt>
+                <c:pt idx="29">
+                  <c:v>266</c:v>
+                </c:pt>
+                <c:pt idx="30">
+                  <c:v>284</c:v>
+                </c:pt>
+                <c:pt idx="31">
+                  <c:v>296</c:v>
+                </c:pt>
+                <c:pt idx="32">
+                  <c:v>297</c:v>
+                </c:pt>
+                <c:pt idx="33">
+                  <c:v>304</c:v>
+                </c:pt>
+                <c:pt idx="34">
+                  <c:v>309</c:v>
+                </c:pt>
+                <c:pt idx="35">
+                  <c:v>310</c:v>
+                </c:pt>
+                <c:pt idx="36">
+                  <c:v>314</c:v>
+                </c:pt>
+                <c:pt idx="37">
+                  <c:v>318</c:v>
+                </c:pt>
+                <c:pt idx="38">
+                  <c:v>318</c:v>
+                </c:pt>
+                <c:pt idx="39">
+                  <c:v>322</c:v>
+                </c:pt>
+                <c:pt idx="40">
+                  <c:v>322</c:v>
+                </c:pt>
+                <c:pt idx="41">
+                  <c:v>330</c:v>
+                </c:pt>
+                <c:pt idx="42">
+                  <c:v>330</c:v>
+                </c:pt>
+                <c:pt idx="43">
+                  <c:v>338</c:v>
+                </c:pt>
+                <c:pt idx="44">
+                  <c:v>338</c:v>
+                </c:pt>
+                <c:pt idx="45">
+                  <c:v>344</c:v>
+                </c:pt>
+                <c:pt idx="46">
+                  <c:v>351</c:v>
+                </c:pt>
+                <c:pt idx="47">
+                  <c:v>367</c:v>
+                </c:pt>
+                <c:pt idx="48">
+                  <c:v>370</c:v>
+                </c:pt>
+                <c:pt idx="49">
+                  <c:v>376</c:v>
+                </c:pt>
+                <c:pt idx="50">
+                  <c:v>377</c:v>
+                </c:pt>
+                <c:pt idx="51">
+                  <c:v>379</c:v>
+                </c:pt>
+                <c:pt idx="52">
+                  <c:v>380</c:v>
+                </c:pt>
+                <c:pt idx="53">
+                  <c:v>395</c:v>
+                </c:pt>
+                <c:pt idx="54">
+                  <c:v>397</c:v>
+                </c:pt>
+                <c:pt idx="55">
+                  <c:v>401</c:v>
+                </c:pt>
+                <c:pt idx="56">
+                  <c:v>401</c:v>
+                </c:pt>
+                <c:pt idx="57">
+                  <c:v>405</c:v>
+                </c:pt>
+                <c:pt idx="58">
+                  <c:v>474</c:v>
+                </c:pt>
+                <c:pt idx="59">
+                  <c:v>487</c:v>
+                </c:pt>
+                <c:pt idx="60">
+                  <c:v>487</c:v>
+                </c:pt>
+                <c:pt idx="61">
+                  <c:v>502</c:v>
+                </c:pt>
+                <c:pt idx="62">
+                  <c:v>506</c:v>
+                </c:pt>
+                <c:pt idx="63">
+                  <c:v>510</c:v>
+                </c:pt>
+                <c:pt idx="64">
+                  <c:v>514</c:v>
+                </c:pt>
+                <c:pt idx="65">
+                  <c:v>514</c:v>
+                </c:pt>
+                <c:pt idx="66">
+                  <c:v>518</c:v>
+                </c:pt>
+                <c:pt idx="67">
+                  <c:v>519</c:v>
+                </c:pt>
+                <c:pt idx="68">
+                  <c:v>523</c:v>
+                </c:pt>
+                <c:pt idx="69">
+                  <c:v>524</c:v>
+                </c:pt>
+                <c:pt idx="70">
+                  <c:v>530</c:v>
+                </c:pt>
+                <c:pt idx="71">
+                  <c:v>665</c:v>
+                </c:pt>
+                <c:pt idx="72">
+                  <c:v>681</c:v>
+                </c:pt>
+                <c:pt idx="73">
+                  <c:v>689</c:v>
+                </c:pt>
+                <c:pt idx="74">
+                  <c:v>745</c:v>
+                </c:pt>
+                <c:pt idx="75">
+                  <c:v>746</c:v>
+                </c:pt>
+                <c:pt idx="76">
+                  <c:v>750</c:v>
+                </c:pt>
+                <c:pt idx="77">
+                  <c:v>751</c:v>
+                </c:pt>
+                <c:pt idx="78">
+                  <c:v>751</c:v>
+                </c:pt>
+                <c:pt idx="79">
+                  <c:v>758</c:v>
+                </c:pt>
+                <c:pt idx="80">
+                  <c:v>761</c:v>
+                </c:pt>
+                <c:pt idx="81">
+                  <c:v>761</c:v>
+                </c:pt>
+                <c:pt idx="82">
+                  <c:v>765</c:v>
+                </c:pt>
+                <c:pt idx="83">
+                  <c:v>765</c:v>
+                </c:pt>
+                <c:pt idx="84">
+                  <c:v>775</c:v>
+                </c:pt>
+                <c:pt idx="85">
+                  <c:v>831</c:v>
+                </c:pt>
+                <c:pt idx="86">
+                  <c:v>875</c:v>
+                </c:pt>
+                <c:pt idx="87">
+                  <c:v>878</c:v>
+                </c:pt>
+                <c:pt idx="88">
+                  <c:v>878</c:v>
+                </c:pt>
+                <c:pt idx="89">
+                  <c:v>879</c:v>
+                </c:pt>
+                <c:pt idx="90">
+                  <c:v>931</c:v>
+                </c:pt>
+                <c:pt idx="91">
+                  <c:v>934</c:v>
+                </c:pt>
+                <c:pt idx="92">
+                  <c:v>935</c:v>
+                </c:pt>
+                <c:pt idx="93">
+                  <c:v>936</c:v>
+                </c:pt>
+                <c:pt idx="94">
+                  <c:v>937</c:v>
+                </c:pt>
+                <c:pt idx="95">
+                  <c:v>980</c:v>
+                </c:pt>
+                <c:pt idx="96">
+                  <c:v>1000</c:v>
+                </c:pt>
+                <c:pt idx="97">
+                  <c:v>1020</c:v>
+                </c:pt>
+                <c:pt idx="98">
+                  <c:v>1040</c:v>
+                </c:pt>
+                <c:pt idx="99">
+                  <c:v>1160</c:v>
+                </c:pt>
+                <c:pt idx="100">
+                  <c:v>1180</c:v>
+                </c:pt>
+                <c:pt idx="101">
+                  <c:v>1250</c:v>
+                </c:pt>
+              </c:numCache>
+            </c:numRef>
+          </c:val>
+          <c:smooth val="0"/>
+        </c:ser>
+        <c:ser>
+          <c:idx val="2"/>
+          <c:order val="2"/>
+          <c:tx>
+            <c:strRef>
+              <c:f>Total!$D$1</c:f>
+              <c:strCache>
+                <c:ptCount val="1"/>
+                <c:pt idx="0">
+                  <c:v>Earned Value</c:v>
+                </c:pt>
+              </c:strCache>
+            </c:strRef>
+          </c:tx>
+          <c:marker>
+            <c:symbol val="none"/>
+          </c:marker>
+          <c:cat>
+            <c:numRef>
+              <c:f>Total!$A$2:$A$103</c:f>
+              <c:numCache>
+                <c:formatCode>m/d/yyyy</c:formatCode>
+                <c:ptCount val="102"/>
+                <c:pt idx="0">
+                  <c:v>41528</c:v>
+                </c:pt>
+                <c:pt idx="1">
+                  <c:v>41529</c:v>
+                </c:pt>
+                <c:pt idx="2">
+                  <c:v>41530</c:v>
+                </c:pt>
+                <c:pt idx="3">
+                  <c:v>41534</c:v>
+                </c:pt>
+                <c:pt idx="4">
+                  <c:v>41536</c:v>
+                </c:pt>
+                <c:pt idx="5">
+                  <c:v>41541</c:v>
+                </c:pt>
+                <c:pt idx="6">
+                  <c:v>41543</c:v>
+                </c:pt>
+                <c:pt idx="7">
+                  <c:v>41544</c:v>
+                </c:pt>
+                <c:pt idx="8">
+                  <c:v>41546</c:v>
+                </c:pt>
+                <c:pt idx="9">
+                  <c:v>41548</c:v>
+                </c:pt>
+                <c:pt idx="10">
+                  <c:v>41549</c:v>
+                </c:pt>
+                <c:pt idx="11">
+                  <c:v>41550</c:v>
+                </c:pt>
+                <c:pt idx="12">
+                  <c:v>41552</c:v>
+                </c:pt>
+                <c:pt idx="13">
+                  <c:v>41553</c:v>
+                </c:pt>
+                <c:pt idx="14">
+                  <c:v>41554</c:v>
+                </c:pt>
+                <c:pt idx="15">
+                  <c:v>41555</c:v>
+                </c:pt>
+                <c:pt idx="16">
+                  <c:v>41556</c:v>
+                </c:pt>
+                <c:pt idx="17">
+                  <c:v>41557</c:v>
+                </c:pt>
+                <c:pt idx="18">
+                  <c:v>41558</c:v>
+                </c:pt>
+                <c:pt idx="19">
+                  <c:v>41560</c:v>
+                </c:pt>
+                <c:pt idx="20">
+                  <c:v>41562</c:v>
+                </c:pt>
+                <c:pt idx="21">
+                  <c:v>41563</c:v>
+                </c:pt>
+                <c:pt idx="22">
+                  <c:v>41564</c:v>
+                </c:pt>
+                <c:pt idx="23">
+                  <c:v>41565</c:v>
+                </c:pt>
+                <c:pt idx="24">
+                  <c:v>41569</c:v>
+                </c:pt>
+                <c:pt idx="25">
+                  <c:v>41570</c:v>
+                </c:pt>
+                <c:pt idx="26">
+                  <c:v>41571</c:v>
+                </c:pt>
+                <c:pt idx="27">
+                  <c:v>41572</c:v>
+                </c:pt>
+                <c:pt idx="28">
+                  <c:v>41576</c:v>
+                </c:pt>
+                <c:pt idx="29">
+                  <c:v>41577</c:v>
+                </c:pt>
+                <c:pt idx="30">
+                  <c:v>41579</c:v>
+                </c:pt>
+                <c:pt idx="31">
+                  <c:v>41581</c:v>
+                </c:pt>
+                <c:pt idx="32">
+                  <c:v>41582</c:v>
+                </c:pt>
+                <c:pt idx="33">
+                  <c:v>41583</c:v>
+                </c:pt>
+                <c:pt idx="34">
+                  <c:v>41585</c:v>
+                </c:pt>
+                <c:pt idx="35">
+                  <c:v>41586</c:v>
+                </c:pt>
+                <c:pt idx="36">
+                  <c:v>41590</c:v>
+                </c:pt>
+                <c:pt idx="37">
+                  <c:v>41592</c:v>
+                </c:pt>
+                <c:pt idx="38">
+                  <c:v>41596</c:v>
+                </c:pt>
+                <c:pt idx="39">
+                  <c:v>41597</c:v>
+                </c:pt>
+                <c:pt idx="40">
+                  <c:v>41598</c:v>
+                </c:pt>
+                <c:pt idx="41">
+                  <c:v>41599</c:v>
+                </c:pt>
+                <c:pt idx="42">
+                  <c:v>41600</c:v>
+                </c:pt>
+                <c:pt idx="43">
+                  <c:v>41604</c:v>
+                </c:pt>
+                <c:pt idx="44">
+                  <c:v>41606</c:v>
+                </c:pt>
+                <c:pt idx="45">
+                  <c:v>41607</c:v>
+                </c:pt>
+                <c:pt idx="46">
+                  <c:v>41611</c:v>
+                </c:pt>
+                <c:pt idx="47">
+                  <c:v>41612</c:v>
+                </c:pt>
+                <c:pt idx="48">
+                  <c:v>41613</c:v>
+                </c:pt>
+                <c:pt idx="49">
+                  <c:v>41614</c:v>
+                </c:pt>
+                <c:pt idx="50">
+                  <c:v>41617</c:v>
+                </c:pt>
+                <c:pt idx="51">
+                  <c:v>41618</c:v>
+                </c:pt>
+                <c:pt idx="52">
+                  <c:v>41619</c:v>
+                </c:pt>
+                <c:pt idx="53">
+                  <c:v>41653</c:v>
+                </c:pt>
+                <c:pt idx="54">
+                  <c:v>41654</c:v>
+                </c:pt>
+                <c:pt idx="55">
+                  <c:v>41655</c:v>
+                </c:pt>
+                <c:pt idx="56">
+                  <c:v>41657</c:v>
+                </c:pt>
+                <c:pt idx="57">
+                  <c:v>41659</c:v>
+                </c:pt>
+                <c:pt idx="58">
+                  <c:v>41660</c:v>
+                </c:pt>
+                <c:pt idx="59">
+                  <c:v>41662</c:v>
+                </c:pt>
+                <c:pt idx="60">
+                  <c:v>41663</c:v>
+                </c:pt>
+                <c:pt idx="61">
+                  <c:v>41667</c:v>
+                </c:pt>
+                <c:pt idx="62">
+                  <c:v>41669</c:v>
+                </c:pt>
+                <c:pt idx="63">
+                  <c:v>41674</c:v>
+                </c:pt>
+                <c:pt idx="64">
+                  <c:v>41676</c:v>
+                </c:pt>
+                <c:pt idx="65">
+                  <c:v>41680</c:v>
+                </c:pt>
+                <c:pt idx="66">
+                  <c:v>41681</c:v>
+                </c:pt>
+                <c:pt idx="67">
+                  <c:v>41682</c:v>
+                </c:pt>
+                <c:pt idx="68">
+                  <c:v>41683</c:v>
+                </c:pt>
+                <c:pt idx="69">
+                  <c:v>41684</c:v>
+                </c:pt>
+                <c:pt idx="70">
+                  <c:v>41686</c:v>
+                </c:pt>
+                <c:pt idx="71">
+                  <c:v>41688</c:v>
+                </c:pt>
+                <c:pt idx="72">
+                  <c:v>41689</c:v>
+                </c:pt>
+                <c:pt idx="73">
+                  <c:v>41690</c:v>
+                </c:pt>
+                <c:pt idx="74">
+                  <c:v>41691</c:v>
+                </c:pt>
+                <c:pt idx="75">
+                  <c:v>41694</c:v>
+                </c:pt>
+                <c:pt idx="76">
+                  <c:v>41695</c:v>
+                </c:pt>
+                <c:pt idx="77">
+                  <c:v>41697</c:v>
+                </c:pt>
+                <c:pt idx="78">
+                  <c:v>41698</c:v>
+                </c:pt>
+                <c:pt idx="79">
+                  <c:v>41702</c:v>
+                </c:pt>
+                <c:pt idx="80">
+                  <c:v>41707</c:v>
+                </c:pt>
+                <c:pt idx="81">
+                  <c:v>41709</c:v>
+                </c:pt>
+                <c:pt idx="82">
+                  <c:v>41711</c:v>
+                </c:pt>
+                <c:pt idx="83">
+                  <c:v>41712</c:v>
+                </c:pt>
+                <c:pt idx="84">
+                  <c:v>41714</c:v>
+                </c:pt>
+                <c:pt idx="85">
+                  <c:v>41716</c:v>
+                </c:pt>
+                <c:pt idx="86">
+                  <c:v>41718</c:v>
+                </c:pt>
+                <c:pt idx="87">
+                  <c:v>41723</c:v>
+                </c:pt>
+                <c:pt idx="88">
+                  <c:v>41725</c:v>
+                </c:pt>
+                <c:pt idx="89">
+                  <c:v>41726</c:v>
+                </c:pt>
+                <c:pt idx="90">
+                  <c:v>41730</c:v>
+                </c:pt>
+                <c:pt idx="91">
+                  <c:v>41732</c:v>
+                </c:pt>
+                <c:pt idx="92">
+                  <c:v>41737</c:v>
+                </c:pt>
+                <c:pt idx="93">
+                  <c:v>41739</c:v>
+                </c:pt>
+                <c:pt idx="94">
+                  <c:v>41740</c:v>
+                </c:pt>
+                <c:pt idx="95">
+                  <c:v>41744</c:v>
+                </c:pt>
+                <c:pt idx="96">
+                  <c:v>41746</c:v>
+                </c:pt>
+                <c:pt idx="97">
+                  <c:v>41751</c:v>
+                </c:pt>
+                <c:pt idx="98">
+                  <c:v>41753</c:v>
+                </c:pt>
+                <c:pt idx="99">
+                  <c:v>41754</c:v>
+                </c:pt>
+                <c:pt idx="100">
+                  <c:v>41758</c:v>
+                </c:pt>
+                <c:pt idx="101">
+                  <c:v>41760</c:v>
+                </c:pt>
+              </c:numCache>
+            </c:numRef>
+          </c:cat>
+          <c:val>
+            <c:numRef>
+              <c:f>Total!$D$2:$D$103</c:f>
+              <c:numCache>
+                <c:formatCode>General</c:formatCode>
+                <c:ptCount val="102"/>
+                <c:pt idx="0">
+                  <c:v>41</c:v>
+                </c:pt>
+                <c:pt idx="1">
+                  <c:v>49</c:v>
+                </c:pt>
+                <c:pt idx="2">
+                  <c:v>50</c:v>
+                </c:pt>
+                <c:pt idx="3">
+                  <c:v>58</c:v>
+                </c:pt>
+                <c:pt idx="4">
+                  <c:v>62</c:v>
+                </c:pt>
+                <c:pt idx="5">
+                  <c:v>72</c:v>
+                </c:pt>
+                <c:pt idx="6">
+                  <c:v>88</c:v>
+                </c:pt>
+                <c:pt idx="7">
+                  <c:v>89</c:v>
+                </c:pt>
+                <c:pt idx="8">
+                  <c:v>89</c:v>
+                </c:pt>
+                <c:pt idx="9">
+                  <c:v>97</c:v>
+                </c:pt>
+                <c:pt idx="10">
+                  <c:v>105</c:v>
+                </c:pt>
+                <c:pt idx="11">
+                  <c:v>149</c:v>
+                </c:pt>
+                <c:pt idx="12">
+                  <c:v>157</c:v>
+                </c:pt>
+                <c:pt idx="13">
+                  <c:v>160</c:v>
+                </c:pt>
+                <c:pt idx="14">
+                  <c:v>160</c:v>
+                </c:pt>
+                <c:pt idx="15">
+                  <c:v>169</c:v>
+                </c:pt>
+                <c:pt idx="16">
+                  <c:v>179</c:v>
+                </c:pt>
+                <c:pt idx="17">
+                  <c:v>207</c:v>
+                </c:pt>
+                <c:pt idx="18">
+                  <c:v>216</c:v>
+                </c:pt>
+                <c:pt idx="19">
+                  <c:v>230</c:v>
+                </c:pt>
+                <c:pt idx="20">
+                  <c:v>238</c:v>
+                </c:pt>
+                <c:pt idx="21">
+                  <c:v>238</c:v>
+                </c:pt>
+                <c:pt idx="22">
+                  <c:v>238</c:v>
+                </c:pt>
+                <c:pt idx="23">
+                  <c:v>243</c:v>
+                </c:pt>
+                <c:pt idx="24">
+                  <c:v>259</c:v>
+                </c:pt>
+                <c:pt idx="25">
+                  <c:v>269</c:v>
+                </c:pt>
+                <c:pt idx="26">
+                  <c:v>271</c:v>
+                </c:pt>
+                <c:pt idx="27">
+                  <c:v>280</c:v>
+                </c:pt>
+                <c:pt idx="28">
+                  <c:v>288</c:v>
+                </c:pt>
+                <c:pt idx="29">
+                  <c:v>291</c:v>
+                </c:pt>
+                <c:pt idx="30">
+                  <c:v>301</c:v>
+                </c:pt>
+                <c:pt idx="31">
+                  <c:v>309</c:v>
+                </c:pt>
+                <c:pt idx="32">
+                  <c:v>326</c:v>
+                </c:pt>
+                <c:pt idx="33">
+                  <c:v>355</c:v>
+                </c:pt>
+                <c:pt idx="34">
+                  <c:v>371</c:v>
+                </c:pt>
+                <c:pt idx="35">
+                  <c:v>371</c:v>
+                </c:pt>
+                <c:pt idx="36">
+                  <c:v>379</c:v>
+                </c:pt>
+                <c:pt idx="37">
+                  <c:v>380</c:v>
+                </c:pt>
+                <c:pt idx="38">
+                  <c:v>415</c:v>
+                </c:pt>
+                <c:pt idx="39">
+                  <c:v>423</c:v>
+                </c:pt>
+                <c:pt idx="40">
+                  <c:v>426</c:v>
+                </c:pt>
+                <c:pt idx="41">
+                  <c:v>434</c:v>
+                </c:pt>
+                <c:pt idx="42">
+                  <c:v>435</c:v>
+                </c:pt>
+                <c:pt idx="43">
+                  <c:v>443</c:v>
+                </c:pt>
+                <c:pt idx="44">
+                  <c:v>451</c:v>
+                </c:pt>
+                <c:pt idx="45">
+                  <c:v>464</c:v>
+                </c:pt>
+                <c:pt idx="46">
+                  <c:v>524</c:v>
+                </c:pt>
+                <c:pt idx="47">
+                  <c:v>568</c:v>
+                </c:pt>
+                <c:pt idx="48">
+                  <c:v>576</c:v>
+                </c:pt>
+                <c:pt idx="49">
+                  <c:v>577</c:v>
+                </c:pt>
+                <c:pt idx="50">
+                  <c:v>582</c:v>
+                </c:pt>
+                <c:pt idx="51">
+                  <c:v>582</c:v>
+                </c:pt>
+                <c:pt idx="52">
+                  <c:v>595</c:v>
+                </c:pt>
+                <c:pt idx="53">
+                  <c:v>603</c:v>
+                </c:pt>
+                <c:pt idx="54">
+                  <c:v>615</c:v>
+                </c:pt>
+                <c:pt idx="55">
+                  <c:v>623</c:v>
+                </c:pt>
+                <c:pt idx="56">
+                  <c:v>638</c:v>
+                </c:pt>
+                <c:pt idx="57">
+                  <c:v>641</c:v>
+                </c:pt>
+                <c:pt idx="58">
+                  <c:v>649</c:v>
+                </c:pt>
+                <c:pt idx="59">
+                  <c:v>657</c:v>
+                </c:pt>
+                <c:pt idx="60">
+                  <c:v>658</c:v>
+                </c:pt>
+                <c:pt idx="61">
+                  <c:v>666</c:v>
+                </c:pt>
+                <c:pt idx="62">
+                  <c:v>674</c:v>
+                </c:pt>
+                <c:pt idx="63">
+                  <c:v>682</c:v>
+                </c:pt>
+                <c:pt idx="64">
+                  <c:v>690</c:v>
+                </c:pt>
+                <c:pt idx="65">
+                  <c:v>692</c:v>
+                </c:pt>
+                <c:pt idx="66">
+                  <c:v>700</c:v>
+                </c:pt>
+                <c:pt idx="67">
+                  <c:v>700</c:v>
+                </c:pt>
+                <c:pt idx="68">
+                  <c:v>708</c:v>
+                </c:pt>
+                <c:pt idx="69">
+                  <c:v>752</c:v>
+                </c:pt>
+                <c:pt idx="70">
+                  <c:v>760</c:v>
+                </c:pt>
+                <c:pt idx="71">
+                  <c:v>762</c:v>
+                </c:pt>
+                <c:pt idx="72">
+                  <c:v>866</c:v>
+                </c:pt>
+                <c:pt idx="73">
+                  <c:v>875</c:v>
+                </c:pt>
+                <c:pt idx="74">
+                  <c:v>886</c:v>
+                </c:pt>
+                <c:pt idx="75">
+                  <c:v>896</c:v>
+                </c:pt>
+                <c:pt idx="76">
+                  <c:v>904</c:v>
+                </c:pt>
+                <c:pt idx="77">
+                  <c:v>906</c:v>
+                </c:pt>
+                <c:pt idx="78">
+                  <c:v>915</c:v>
+                </c:pt>
+                <c:pt idx="79">
+                  <c:v>923</c:v>
+                </c:pt>
+                <c:pt idx="80">
+                  <c:v>931</c:v>
+                </c:pt>
+                <c:pt idx="81">
+                  <c:v>939</c:v>
+                </c:pt>
+                <c:pt idx="82">
+                  <c:v>947</c:v>
+                </c:pt>
+                <c:pt idx="83">
+                  <c:v>948</c:v>
+                </c:pt>
+                <c:pt idx="84">
+                  <c:v>956</c:v>
+                </c:pt>
+                <c:pt idx="85">
+                  <c:v>1056</c:v>
+                </c:pt>
+                <c:pt idx="86">
+                  <c:v>1064</c:v>
+                </c:pt>
+                <c:pt idx="87">
+                  <c:v>1072</c:v>
+                </c:pt>
+                <c:pt idx="88">
+                  <c:v>1080</c:v>
+                </c:pt>
+                <c:pt idx="89">
+                  <c:v>1081</c:v>
+                </c:pt>
+                <c:pt idx="90">
+                  <c:v>1182</c:v>
+                </c:pt>
+                <c:pt idx="91">
+                  <c:v>1298</c:v>
+                </c:pt>
+                <c:pt idx="92">
+                  <c:v>1306</c:v>
+                </c:pt>
+                <c:pt idx="93">
+                  <c:v>1314</c:v>
+                </c:pt>
+                <c:pt idx="94">
+                  <c:v>1315</c:v>
+                </c:pt>
+                <c:pt idx="95">
+                  <c:v>1323</c:v>
+                </c:pt>
+                <c:pt idx="96">
+                  <c:v>1431</c:v>
+                </c:pt>
+                <c:pt idx="97">
+                  <c:v>1439</c:v>
+                </c:pt>
+                <c:pt idx="98">
+                  <c:v>1447</c:v>
+                </c:pt>
+                <c:pt idx="99">
+                  <c:v>1448</c:v>
+                </c:pt>
+                <c:pt idx="100">
+                  <c:v>1558</c:v>
+                </c:pt>
+                <c:pt idx="101">
+                  <c:v>1574</c:v>
+                </c:pt>
+              </c:numCache>
+            </c:numRef>
+          </c:val>
+          <c:smooth val="0"/>
+        </c:ser>
+        <c:dLbls>
+          <c:showLegendKey val="0"/>
+          <c:showVal val="0"/>
+          <c:showCatName val="0"/>
+          <c:showSerName val="0"/>
+          <c:showPercent val="0"/>
+          <c:showBubbleSize val="0"/>
+        </c:dLbls>
+        <c:marker val="1"/>
+        <c:smooth val="0"/>
+        <c:axId val="113611520"/>
+        <c:axId val="113613056"/>
+      </c:lineChart>
+      <c:dateAx>
+        <c:axId val="113611520"/>
+        <c:scaling>
+          <c:orientation val="minMax"/>
+        </c:scaling>
+        <c:delete val="0"/>
+        <c:axPos val="b"/>
+        <c:numFmt formatCode="m/d/yyyy" sourceLinked="1"/>
+        <c:majorTickMark val="out"/>
+        <c:minorTickMark val="none"/>
+        <c:tickLblPos val="nextTo"/>
+        <c:crossAx val="113613056"/>
+        <c:crosses val="autoZero"/>
+        <c:auto val="1"/>
+        <c:lblOffset val="100"/>
+        <c:baseTimeUnit val="days"/>
+      </c:dateAx>
+      <c:valAx>
+        <c:axId val="113613056"/>
+        <c:scaling>
+          <c:orientation val="minMax"/>
+        </c:scaling>
+        <c:delete val="0"/>
+        <c:axPos val="l"/>
+        <c:majorGridlines/>
+        <c:numFmt formatCode="General" sourceLinked="1"/>
+        <c:majorTickMark val="out"/>
+        <c:minorTickMark val="none"/>
+        <c:tickLblPos val="nextTo"/>
+        <c:crossAx val="113611520"/>
+        <c:crosses val="autoZero"/>
+        <c:crossBetween val="between"/>
+      </c:valAx>
+    </c:plotArea>
+    <c:legend>
+      <c:legendPos val="r"/>
+      <c:layout/>
+      <c:overlay val="0"/>
+    </c:legend>
+    <c:plotVisOnly val="1"/>
+    <c:dispBlanksAs val="gap"/>
+    <c:showDLblsOverMax val="0"/>
+  </c:chart>
+  <c:externalData r:id="rId1">
+    <c:autoUpdate val="0"/>
+  </c:externalData>
+</c:chartSpace>
 </file>
 
 <file path=ppt/slideLayouts/slideLayout1.xml><?xml version="1.0" encoding="utf-8"?>
@@ -349,7 +2381,7 @@
           <a:p>
             <a:fld id="{8FF4DA45-B795-4CB0-B3BB-6A487B8C4B48}" type="datetimeFigureOut">
               <a:rPr lang="en-US" smtClean="0"/>
-              <a:t>4/27/2014</a:t>
+              <a:t>4/29/2014</a:t>
             </a:fld>
             <a:endParaRPr lang="en-US"/>
           </a:p>
@@ -514,7 +2546,7 @@
           <a:p>
             <a:fld id="{8FF4DA45-B795-4CB0-B3BB-6A487B8C4B48}" type="datetimeFigureOut">
               <a:rPr lang="en-US" smtClean="0"/>
-              <a:t>4/27/2014</a:t>
+              <a:t>4/29/2014</a:t>
             </a:fld>
             <a:endParaRPr lang="en-US"/>
           </a:p>
@@ -689,7 +2721,7 @@
           <a:p>
             <a:fld id="{8FF4DA45-B795-4CB0-B3BB-6A487B8C4B48}" type="datetimeFigureOut">
               <a:rPr lang="en-US" smtClean="0"/>
-              <a:t>4/27/2014</a:t>
+              <a:t>4/29/2014</a:t>
             </a:fld>
             <a:endParaRPr lang="en-US"/>
           </a:p>
@@ -854,7 +2886,7 @@
           <a:p>
             <a:fld id="{8FF4DA45-B795-4CB0-B3BB-6A487B8C4B48}" type="datetimeFigureOut">
               <a:rPr lang="en-US" smtClean="0"/>
-              <a:t>4/27/2014</a:t>
+              <a:t>4/29/2014</a:t>
             </a:fld>
             <a:endParaRPr lang="en-US"/>
           </a:p>
@@ -1095,7 +3127,7 @@
           <a:p>
             <a:fld id="{8FF4DA45-B795-4CB0-B3BB-6A487B8C4B48}" type="datetimeFigureOut">
               <a:rPr lang="en-US" smtClean="0"/>
-              <a:t>4/27/2014</a:t>
+              <a:t>4/29/2014</a:t>
             </a:fld>
             <a:endParaRPr lang="en-US"/>
           </a:p>
@@ -1378,7 +3410,7 @@
           <a:p>
             <a:fld id="{8FF4DA45-B795-4CB0-B3BB-6A487B8C4B48}" type="datetimeFigureOut">
               <a:rPr lang="en-US" smtClean="0"/>
-              <a:t>4/27/2014</a:t>
+              <a:t>4/29/2014</a:t>
             </a:fld>
             <a:endParaRPr lang="en-US"/>
           </a:p>
@@ -1807,7 +3839,7 @@
           <a:p>
             <a:fld id="{8FF4DA45-B795-4CB0-B3BB-6A487B8C4B48}" type="datetimeFigureOut">
               <a:rPr lang="en-US" smtClean="0"/>
-              <a:t>4/27/2014</a:t>
+              <a:t>4/29/2014</a:t>
             </a:fld>
             <a:endParaRPr lang="en-US"/>
           </a:p>
@@ -1920,7 +3952,7 @@
           <a:p>
             <a:fld id="{8FF4DA45-B795-4CB0-B3BB-6A487B8C4B48}" type="datetimeFigureOut">
               <a:rPr lang="en-US" smtClean="0"/>
-              <a:t>4/27/2014</a:t>
+              <a:t>4/29/2014</a:t>
             </a:fld>
             <a:endParaRPr lang="en-US"/>
           </a:p>
@@ -2010,7 +4042,7 @@
           <a:p>
             <a:fld id="{8FF4DA45-B795-4CB0-B3BB-6A487B8C4B48}" type="datetimeFigureOut">
               <a:rPr lang="en-US" smtClean="0"/>
-              <a:t>4/27/2014</a:t>
+              <a:t>4/29/2014</a:t>
             </a:fld>
             <a:endParaRPr lang="en-US"/>
           </a:p>
@@ -2199,7 +4231,7 @@
           <a:p>
             <a:fld id="{8FF4DA45-B795-4CB0-B3BB-6A487B8C4B48}" type="datetimeFigureOut">
               <a:rPr lang="en-US" smtClean="0"/>
-              <a:t>4/27/2014</a:t>
+              <a:t>4/29/2014</a:t>
             </a:fld>
             <a:endParaRPr lang="en-US"/>
           </a:p>
@@ -2517,7 +4549,7 @@
           <a:p>
             <a:fld id="{8FF4DA45-B795-4CB0-B3BB-6A487B8C4B48}" type="datetimeFigureOut">
               <a:rPr lang="en-US" smtClean="0"/>
-              <a:t>4/27/2014</a:t>
+              <a:t>4/29/2014</a:t>
             </a:fld>
             <a:endParaRPr lang="en-US"/>
           </a:p>
@@ -2896,7 +4928,7 @@
           <a:p>
             <a:fld id="{8FF4DA45-B795-4CB0-B3BB-6A487B8C4B48}" type="datetimeFigureOut">
               <a:rPr lang="en-US" smtClean="0"/>
-              <a:t>4/27/2014</a:t>
+              <a:t>4/29/2014</a:t>
             </a:fld>
             <a:endParaRPr lang="en-US"/>
           </a:p>
@@ -4687,12 +6719,12 @@
           <a:graphicData uri="http://schemas.openxmlformats.org/presentationml/2006/ole">
             <mc:AlternateContent xmlns:mc="http://schemas.openxmlformats.org/markup-compatibility/2006">
               <mc:Choice xmlns:v="urn:schemas-microsoft-com:vml" Requires="v">
-                <p:oleObj spid="_x0000_s1027" name="Visio" r:id="rId3" imgW="7343730" imgH="9410580" progId="Visio.Drawing.15">
+                <p:oleObj spid="_x0000_s1033" name="Visio" r:id="rId4" imgW="7343730" imgH="9410580" progId="Visio.Drawing.15">
                   <p:embed/>
                 </p:oleObj>
               </mc:Choice>
               <mc:Fallback>
-                <p:oleObj name="Visio" r:id="rId3" imgW="7343730" imgH="9410580" progId="Visio.Drawing.15">
+                <p:oleObj name="Visio" r:id="rId4" imgW="7343730" imgH="9410580" progId="Visio.Drawing.15">
                   <p:embed/>
                   <p:pic>
                     <p:nvPicPr>
@@ -4703,7 +6735,7 @@
                       <p:nvPr/>
                     </p:nvPicPr>
                     <p:blipFill>
-                      <a:blip r:embed="rId4"/>
+                      <a:blip r:embed="rId5"/>
                       <a:srcRect/>
                       <a:stretch>
                         <a:fillRect/>
@@ -4987,12 +7019,12 @@
           <a:graphicData uri="http://schemas.openxmlformats.org/presentationml/2006/ole">
             <mc:AlternateContent xmlns:mc="http://schemas.openxmlformats.org/markup-compatibility/2006">
               <mc:Choice xmlns:v="urn:schemas-microsoft-com:vml" Requires="v">
-                <p:oleObj spid="_x0000_s2051" name="Visio" r:id="rId3" imgW="7534278" imgH="9677340" progId="Visio.Drawing.15">
+                <p:oleObj spid="_x0000_s2057" name="Visio" r:id="rId4" imgW="7534278" imgH="9677340" progId="Visio.Drawing.15">
                   <p:embed/>
                 </p:oleObj>
               </mc:Choice>
               <mc:Fallback>
-                <p:oleObj name="Visio" r:id="rId3" imgW="7534278" imgH="9677340" progId="Visio.Drawing.15">
+                <p:oleObj name="Visio" r:id="rId4" imgW="7534278" imgH="9677340" progId="Visio.Drawing.15">
                   <p:embed/>
                   <p:pic>
                     <p:nvPicPr>
@@ -5003,7 +7035,7 @@
                       <p:nvPr/>
                     </p:nvPicPr>
                     <p:blipFill>
-                      <a:blip r:embed="rId4">
+                      <a:blip r:embed="rId5">
                         <a:extLst>
                           <a:ext uri="{28A0092B-C50C-407E-A947-70E740481C1C}">
                             <a14:useLocalDpi xmlns:a14="http://schemas.microsoft.com/office/drawing/2010/main" val="0"/>
@@ -8419,7 +10451,7 @@
           <a:p>
             <a:r>
               <a:rPr lang="en-US" dirty="0" smtClean="0"/>
-              <a:t>Features To Be Tested</a:t>
+              <a:t>Testing Approach</a:t>
             </a:r>
             <a:endParaRPr lang="en-US" dirty="0"/>
           </a:p>
@@ -8437,200 +10469,25 @@
         </p:nvSpPr>
         <p:spPr/>
         <p:txBody>
-          <a:bodyPr numCol="2">
-            <a:normAutofit fontScale="85000" lnSpcReduction="20000"/>
-          </a:bodyPr>
-          <a:lstStyle/>
-          <a:p>
-            <a:pPr lvl="0"/>
-            <a:r>
-              <a:rPr lang="en-US" dirty="0"/>
-              <a:t>STL File Input</a:t>
-            </a:r>
-          </a:p>
-          <a:p>
-            <a:pPr lvl="0"/>
-            <a:r>
-              <a:rPr lang="en-US" dirty="0"/>
-              <a:t>Graphical User Interface</a:t>
-            </a:r>
-          </a:p>
-          <a:p>
-            <a:pPr lvl="0"/>
-            <a:r>
-              <a:rPr lang="en-US" dirty="0"/>
-              <a:t>Generate Machine Instructions</a:t>
-            </a:r>
-          </a:p>
-          <a:p>
-            <a:pPr lvl="0"/>
-            <a:r>
-              <a:rPr lang="en-US" dirty="0"/>
-              <a:t>Issue Machine Instructions</a:t>
-            </a:r>
-          </a:p>
-          <a:p>
-            <a:pPr lvl="0"/>
-            <a:r>
-              <a:rPr lang="en-US" dirty="0"/>
-              <a:t>Monitor Temperature</a:t>
-            </a:r>
-          </a:p>
-          <a:p>
-            <a:pPr lvl="0"/>
-            <a:r>
-              <a:rPr lang="en-US" dirty="0"/>
-              <a:t>Monitor Position</a:t>
-            </a:r>
-          </a:p>
-          <a:p>
-            <a:pPr lvl="0"/>
-            <a:r>
-              <a:rPr lang="en-US" dirty="0"/>
-              <a:t>Adhere to Material Constraints</a:t>
-            </a:r>
-          </a:p>
-          <a:p>
-            <a:pPr lvl="0"/>
-            <a:r>
-              <a:rPr lang="en-US" dirty="0"/>
-              <a:t>Identify Materials</a:t>
-            </a:r>
-          </a:p>
-          <a:p>
-            <a:pPr lvl="0"/>
-            <a:r>
-              <a:rPr lang="en-US" dirty="0"/>
-              <a:t>Identify Shapes</a:t>
-            </a:r>
-          </a:p>
-          <a:p>
-            <a:pPr lvl="0"/>
-            <a:r>
-              <a:rPr lang="en-US" dirty="0"/>
-              <a:t>Determine Shape of Support Material Structure</a:t>
-            </a:r>
-          </a:p>
-          <a:p>
-            <a:pPr lvl="0"/>
-            <a:r>
-              <a:rPr lang="en-US" dirty="0"/>
-              <a:t>Create Printing Path</a:t>
-            </a:r>
-          </a:p>
-          <a:p>
-            <a:pPr lvl="0"/>
-            <a:r>
-              <a:rPr lang="en-US" dirty="0"/>
-              <a:t>Database Interface</a:t>
-            </a:r>
-          </a:p>
-          <a:p>
-            <a:pPr lvl="0"/>
-            <a:r>
-              <a:rPr lang="en-US" dirty="0"/>
-              <a:t>Store &amp; Load Material Records</a:t>
-            </a:r>
-          </a:p>
-          <a:p>
-            <a:pPr lvl="0"/>
-            <a:r>
-              <a:rPr lang="en-US" dirty="0"/>
-              <a:t>Slice Geometry into Thickness Levels</a:t>
-            </a:r>
-          </a:p>
-          <a:p>
-            <a:pPr lvl="0"/>
-            <a:r>
-              <a:rPr lang="en-US" dirty="0"/>
-              <a:t>Monitor Flow Sensors</a:t>
-            </a:r>
-          </a:p>
-          <a:p>
-            <a:pPr lvl="0"/>
-            <a:r>
-              <a:rPr lang="en-US" dirty="0"/>
-              <a:t>Allow for UV Head Polymerization</a:t>
-            </a:r>
-          </a:p>
-          <a:p>
-            <a:pPr lvl="0"/>
-            <a:r>
-              <a:rPr lang="en-US" dirty="0"/>
-              <a:t>Fill Density</a:t>
-            </a:r>
-          </a:p>
-          <a:p>
-            <a:pPr lvl="0"/>
-            <a:r>
-              <a:rPr lang="en-US" dirty="0"/>
-              <a:t>Software Installer</a:t>
-            </a:r>
-          </a:p>
-          <a:p>
-            <a:pPr lvl="0"/>
-            <a:r>
-              <a:rPr lang="en-US" dirty="0"/>
-              <a:t>Host Software to Printer Connection</a:t>
-            </a:r>
-          </a:p>
-          <a:p>
-            <a:pPr lvl="0"/>
-            <a:r>
-              <a:rPr lang="en-US" dirty="0"/>
-              <a:t>Startup Time</a:t>
-            </a:r>
-          </a:p>
-          <a:p>
-            <a:pPr lvl="0"/>
-            <a:r>
-              <a:rPr lang="en-US" dirty="0"/>
-              <a:t>STL Import Time</a:t>
-            </a:r>
-          </a:p>
-          <a:p>
-            <a:pPr lvl="0"/>
-            <a:r>
-              <a:rPr lang="en-US" dirty="0"/>
-              <a:t>Object Processing Time</a:t>
-            </a:r>
-          </a:p>
-          <a:p>
-            <a:pPr lvl="0"/>
-            <a:r>
-              <a:rPr lang="en-US" dirty="0"/>
-              <a:t>GUI Responsiveness</a:t>
-            </a:r>
-          </a:p>
-          <a:p>
-            <a:pPr lvl="0"/>
-            <a:r>
-              <a:rPr lang="en-US" dirty="0"/>
-              <a:t>Real Time Sensor Monitoring</a:t>
-            </a:r>
-          </a:p>
-          <a:p>
-            <a:pPr lvl="0"/>
-            <a:r>
-              <a:rPr lang="en-US" dirty="0"/>
-              <a:t>Temperature Cutoff Threshold</a:t>
-            </a:r>
-          </a:p>
-          <a:p>
-            <a:pPr lvl="0"/>
-            <a:r>
-              <a:rPr lang="en-US" dirty="0"/>
-              <a:t>Printing Area Restrictions</a:t>
-            </a:r>
-          </a:p>
-          <a:p>
-            <a:pPr lvl="0"/>
-            <a:r>
-              <a:rPr lang="en-US" dirty="0"/>
-              <a:t>Material Database</a:t>
-            </a:r>
-          </a:p>
-          <a:p>
+          <a:bodyPr/>
+          <a:lstStyle/>
+          <a:p>
+            <a:r>
+              <a:rPr lang="en-US" dirty="0" smtClean="0"/>
+              <a:t>Unit</a:t>
+            </a:r>
+          </a:p>
+          <a:p>
+            <a:r>
+              <a:rPr lang="en-US" dirty="0" smtClean="0"/>
+              <a:t>Component</a:t>
+            </a:r>
+          </a:p>
+          <a:p>
+            <a:r>
+              <a:rPr lang="en-US" dirty="0" smtClean="0"/>
+              <a:t>Integration</a:t>
+            </a:r>
             <a:endParaRPr lang="en-US" dirty="0"/>
           </a:p>
         </p:txBody>
@@ -8638,20 +10495,13 @@
     </p:spTree>
     <p:extLst>
       <p:ext uri="{BB962C8B-B14F-4D97-AF65-F5344CB8AC3E}">
-        <p14:creationId xmlns:p14="http://schemas.microsoft.com/office/powerpoint/2010/main" val="2256491640"/>
+        <p14:creationId xmlns:p14="http://schemas.microsoft.com/office/powerpoint/2010/main" val="2145337260"/>
       </p:ext>
     </p:extLst>
   </p:cSld>
   <p:clrMapOvr>
     <a:masterClrMapping/>
   </p:clrMapOvr>
-  <p:timing>
-    <p:tnLst>
-      <p:par>
-        <p:cTn id="1" dur="indefinite" restart="never" nodeType="tmRoot"/>
-      </p:par>
-    </p:tnLst>
-  </p:timing>
 </p:sld>
 </file>
 
@@ -8845,7 +10695,7 @@
           <a:p>
             <a:r>
               <a:rPr lang="en-US" dirty="0" smtClean="0"/>
-              <a:t>Features Not To Be Tested</a:t>
+              <a:t>Three Stages of Testing</a:t>
             </a:r>
             <a:endParaRPr lang="en-US" dirty="0"/>
           </a:p>
@@ -8868,47 +10718,69 @@
           <a:p>
             <a:r>
               <a:rPr lang="en-US" dirty="0" smtClean="0"/>
-              <a:t>Monitor Door Switch</a:t>
-            </a:r>
-          </a:p>
-          <a:p>
+              <a:t>Stage One</a:t>
+            </a:r>
+          </a:p>
+          <a:p>
+            <a:pPr lvl="1"/>
             <a:r>
               <a:rPr lang="en-US" dirty="0" smtClean="0"/>
-              <a:t>Graphical Object Models</a:t>
-            </a:r>
-          </a:p>
-          <a:p>
+              <a:t>Database</a:t>
+            </a:r>
+          </a:p>
+          <a:p>
+            <a:pPr lvl="1"/>
             <a:r>
               <a:rPr lang="en-US" dirty="0" smtClean="0"/>
-              <a:t>Abstract Hardware Interface</a:t>
+              <a:t>Processing</a:t>
             </a:r>
           </a:p>
           <a:p>
             <a:r>
               <a:rPr lang="en-US" dirty="0" smtClean="0"/>
-              <a:t>Modular and Scalable Design</a:t>
+              <a:t>Stage Two</a:t>
+            </a:r>
+          </a:p>
+          <a:p>
+            <a:pPr lvl="1"/>
+            <a:r>
+              <a:rPr lang="en-US" dirty="0" smtClean="0"/>
+              <a:t>Configuration GUI/Controllers</a:t>
             </a:r>
             <a:endParaRPr lang="en-US" dirty="0"/>
+          </a:p>
+          <a:p>
+            <a:r>
+              <a:rPr lang="en-US" dirty="0" smtClean="0"/>
+              <a:t>Stage Three</a:t>
+            </a:r>
+          </a:p>
+          <a:p>
+            <a:pPr lvl="1"/>
+            <a:r>
+              <a:rPr lang="en-US" dirty="0" smtClean="0"/>
+              <a:t>Print Job GUI/Controller</a:t>
+            </a:r>
+          </a:p>
+          <a:p>
+            <a:pPr lvl="1"/>
+            <a:r>
+              <a:rPr lang="en-US" dirty="0" smtClean="0"/>
+              <a:t>Printer Communication</a:t>
+            </a:r>
           </a:p>
         </p:txBody>
       </p:sp>
     </p:spTree>
     <p:extLst>
       <p:ext uri="{BB962C8B-B14F-4D97-AF65-F5344CB8AC3E}">
-        <p14:creationId xmlns:p14="http://schemas.microsoft.com/office/powerpoint/2010/main" val="2326085283"/>
+        <p14:creationId xmlns:p14="http://schemas.microsoft.com/office/powerpoint/2010/main" val="2279128402"/>
       </p:ext>
     </p:extLst>
   </p:cSld>
   <p:clrMapOvr>
     <a:masterClrMapping/>
   </p:clrMapOvr>
-  <p:timing>
-    <p:tnLst>
-      <p:par>
-        <p:cTn id="1" dur="indefinite" restart="never" nodeType="tmRoot"/>
-      </p:par>
-    </p:tnLst>
-  </p:timing>
 </p:sld>
 </file>
 
@@ -8946,7 +10818,7 @@
           <a:p>
             <a:r>
               <a:rPr lang="en-US" dirty="0" smtClean="0"/>
-              <a:t>Metrics for Overall Success</a:t>
+              <a:t>Overall Test Results</a:t>
             </a:r>
             <a:endParaRPr lang="en-US" dirty="0"/>
           </a:p>
@@ -8954,21 +10826,22 @@
       </p:sp>
       <p:graphicFrame>
         <p:nvGraphicFramePr>
-          <p:cNvPr id="4" name="Table 3"/>
+          <p:cNvPr id="4" name="Content Placeholder 3"/>
           <p:cNvGraphicFramePr>
             <a:graphicFrameLocks noGrp="1"/>
           </p:cNvGraphicFramePr>
           <p:nvPr>
+            <p:ph idx="1"/>
             <p:extLst>
               <p:ext uri="{D42A27DB-BD31-4B8C-83A1-F6EECF244321}">
-                <p14:modId xmlns:p14="http://schemas.microsoft.com/office/powerpoint/2010/main" val="3097288469"/>
+                <p14:modId xmlns:p14="http://schemas.microsoft.com/office/powerpoint/2010/main" val="227400233"/>
               </p:ext>
             </p:extLst>
           </p:nvPr>
         </p:nvGraphicFramePr>
         <p:xfrm>
-          <a:off x="628650" y="1415828"/>
-          <a:ext cx="8015479" cy="4594828"/>
+          <a:off x="628650" y="1825625"/>
+          <a:ext cx="7886700" cy="3596640"/>
         </p:xfrm>
         <a:graphic>
           <a:graphicData uri="http://schemas.openxmlformats.org/drawingml/2006/table">
@@ -8977,691 +10850,356 @@
                 <a:tableStyleId>{5C22544A-7EE6-4342-B048-85BDC9FD1C3A}</a:tableStyleId>
               </a:tblPr>
               <a:tblGrid>
-                <a:gridCol w="2671255"/>
-                <a:gridCol w="2672112"/>
-                <a:gridCol w="2672112"/>
+                <a:gridCol w="2843599"/>
+                <a:gridCol w="1853513"/>
+                <a:gridCol w="1507524"/>
+                <a:gridCol w="1682064"/>
               </a:tblGrid>
-              <a:tr h="319508">
+              <a:tr h="370840">
                 <a:tc>
                   <a:txBody>
                     <a:bodyPr/>
                     <a:lstStyle/>
                     <a:p>
-                      <a:pPr marL="0" marR="0" algn="l">
-                        <a:lnSpc>
-                          <a:spcPct val="105000"/>
-                        </a:lnSpc>
-                        <a:spcBef>
-                          <a:spcPts val="0"/>
-                        </a:spcBef>
-                        <a:spcAft>
-                          <a:spcPts val="0"/>
-                        </a:spcAft>
-                      </a:pPr>
                       <a:r>
-                        <a:rPr lang="en-US" sz="1600" dirty="0">
-                          <a:effectLst/>
-                        </a:rPr>
+                        <a:rPr lang="en-US" sz="2000" dirty="0" smtClean="0"/>
                         <a:t>Metric</a:t>
                       </a:r>
-                      <a:endParaRPr lang="en-US" sz="1600" dirty="0">
-                        <a:effectLst/>
-                        <a:latin typeface="Times New Roman" panose="02020603050405020304" pitchFamily="18" charset="0"/>
-                        <a:ea typeface="Times New Roman" panose="02020603050405020304" pitchFamily="18" charset="0"/>
-                        <a:cs typeface="Times New Roman" panose="02020603050405020304" pitchFamily="18" charset="0"/>
-                      </a:endParaRPr>
+                      <a:endParaRPr lang="en-US" sz="2000" dirty="0"/>
                     </a:p>
                   </a:txBody>
-                  <a:tcPr marL="68580" marR="68580" marT="0" marB="0"/>
+                  <a:tcPr/>
                 </a:tc>
                 <a:tc>
                   <a:txBody>
                     <a:bodyPr/>
                     <a:lstStyle/>
                     <a:p>
-                      <a:pPr marL="0" marR="0" algn="l">
-                        <a:lnSpc>
-                          <a:spcPct val="105000"/>
-                        </a:lnSpc>
-                        <a:spcBef>
-                          <a:spcPts val="0"/>
-                        </a:spcBef>
-                        <a:spcAft>
-                          <a:spcPts val="0"/>
-                        </a:spcAft>
-                      </a:pPr>
                       <a:r>
-                        <a:rPr lang="en-US" sz="1600" dirty="0">
-                          <a:effectLst/>
-                        </a:rPr>
+                        <a:rPr lang="en-US" sz="2000" dirty="0" smtClean="0"/>
                         <a:t>Pass Criteria</a:t>
                       </a:r>
-                      <a:endParaRPr lang="en-US" sz="1600" dirty="0">
-                        <a:effectLst/>
-                        <a:latin typeface="Times New Roman" panose="02020603050405020304" pitchFamily="18" charset="0"/>
-                        <a:ea typeface="Times New Roman" panose="02020603050405020304" pitchFamily="18" charset="0"/>
-                        <a:cs typeface="Times New Roman" panose="02020603050405020304" pitchFamily="18" charset="0"/>
-                      </a:endParaRPr>
+                      <a:endParaRPr lang="en-US" sz="2000" dirty="0"/>
                     </a:p>
                   </a:txBody>
-                  <a:tcPr marL="68580" marR="68580" marT="0" marB="0"/>
+                  <a:tcPr/>
                 </a:tc>
                 <a:tc>
                   <a:txBody>
                     <a:bodyPr/>
                     <a:lstStyle/>
                     <a:p>
-                      <a:pPr marL="0" marR="0" algn="l">
-                        <a:lnSpc>
-                          <a:spcPct val="105000"/>
-                        </a:lnSpc>
-                        <a:spcBef>
-                          <a:spcPts val="0"/>
-                        </a:spcBef>
-                        <a:spcAft>
-                          <a:spcPts val="0"/>
-                        </a:spcAft>
-                      </a:pPr>
                       <a:r>
-                        <a:rPr lang="en-US" sz="1600" dirty="0">
-                          <a:effectLst/>
-                        </a:rPr>
-                        <a:t>Fail Criteria</a:t>
+                        <a:rPr lang="en-US" sz="2000" dirty="0" smtClean="0"/>
+                        <a:t>Result</a:t>
                       </a:r>
-                      <a:endParaRPr lang="en-US" sz="1600" dirty="0">
-                        <a:effectLst/>
-                        <a:latin typeface="Times New Roman" panose="02020603050405020304" pitchFamily="18" charset="0"/>
-                        <a:ea typeface="Times New Roman" panose="02020603050405020304" pitchFamily="18" charset="0"/>
-                        <a:cs typeface="Times New Roman" panose="02020603050405020304" pitchFamily="18" charset="0"/>
-                      </a:endParaRPr>
+                      <a:endParaRPr lang="en-US" sz="2000" dirty="0"/>
                     </a:p>
                   </a:txBody>
-                  <a:tcPr marL="68580" marR="68580" marT="0" marB="0"/>
-                </a:tc>
-              </a:tr>
-              <a:tr h="988953">
-                <a:tc>
-                  <a:txBody>
-                    <a:bodyPr/>
-                    <a:lstStyle/>
-                    <a:p>
-                      <a:pPr marL="0" marR="0" algn="l">
-                        <a:lnSpc>
-                          <a:spcPct val="105000"/>
-                        </a:lnSpc>
-                        <a:spcBef>
-                          <a:spcPts val="0"/>
-                        </a:spcBef>
-                        <a:spcAft>
-                          <a:spcPts val="0"/>
-                        </a:spcAft>
-                      </a:pPr>
-                      <a:r>
-                        <a:rPr lang="en-US" sz="1800" dirty="0">
-                          <a:effectLst/>
-                        </a:rPr>
-                        <a:t>Percentage of critical priority features verified</a:t>
-                      </a:r>
-                    </a:p>
-                    <a:p>
-                      <a:pPr marL="0" marR="0" algn="l">
-                        <a:lnSpc>
-                          <a:spcPct val="105000"/>
-                        </a:lnSpc>
-                        <a:spcBef>
-                          <a:spcPts val="0"/>
-                        </a:spcBef>
-                        <a:spcAft>
-                          <a:spcPts val="0"/>
-                        </a:spcAft>
-                      </a:pPr>
-                      <a:r>
-                        <a:rPr lang="en-US" sz="1800" dirty="0">
-                          <a:effectLst/>
-                        </a:rPr>
-                        <a:t> </a:t>
-                      </a:r>
-                      <a:endParaRPr lang="en-US" sz="1800" dirty="0">
-                        <a:effectLst/>
-                        <a:latin typeface="Times New Roman" panose="02020603050405020304" pitchFamily="18" charset="0"/>
-                        <a:ea typeface="Times New Roman" panose="02020603050405020304" pitchFamily="18" charset="0"/>
-                        <a:cs typeface="Times New Roman" panose="02020603050405020304" pitchFamily="18" charset="0"/>
-                      </a:endParaRPr>
-                    </a:p>
-                  </a:txBody>
-                  <a:tcPr marL="68580" marR="68580" marT="0" marB="0"/>
+                  <a:tcPr/>
                 </a:tc>
                 <a:tc>
                   <a:txBody>
                     <a:bodyPr/>
                     <a:lstStyle/>
                     <a:p>
-                      <a:pPr marL="0" marR="0" algn="l">
-                        <a:lnSpc>
-                          <a:spcPct val="105000"/>
-                        </a:lnSpc>
-                        <a:spcBef>
-                          <a:spcPts val="0"/>
-                        </a:spcBef>
-                        <a:spcAft>
-                          <a:spcPts val="0"/>
-                        </a:spcAft>
-                      </a:pPr>
                       <a:r>
-                        <a:rPr lang="en-US" sz="1800">
-                          <a:effectLst/>
-                        </a:rPr>
-                        <a:t>100%</a:t>
+                        <a:rPr lang="en-US" sz="2000" dirty="0" smtClean="0"/>
+                        <a:t>Pass/Fail</a:t>
                       </a:r>
-                      <a:endParaRPr lang="en-US" sz="1800">
-                        <a:effectLst/>
-                        <a:latin typeface="Times New Roman" panose="02020603050405020304" pitchFamily="18" charset="0"/>
-                        <a:ea typeface="Times New Roman" panose="02020603050405020304" pitchFamily="18" charset="0"/>
-                        <a:cs typeface="Times New Roman" panose="02020603050405020304" pitchFamily="18" charset="0"/>
-                      </a:endParaRPr>
+                      <a:endParaRPr lang="en-US" sz="2000" dirty="0"/>
                     </a:p>
                   </a:txBody>
-                  <a:tcPr marL="68580" marR="68580" marT="0" marB="0"/>
+                  <a:tcPr/>
+                </a:tc>
+              </a:tr>
+              <a:tr h="370840">
+                <a:tc>
+                  <a:txBody>
+                    <a:bodyPr/>
+                    <a:lstStyle/>
+                    <a:p>
+                      <a:r>
+                        <a:rPr lang="en-US" sz="2000" dirty="0" smtClean="0"/>
+                        <a:t>Critical Priority Features</a:t>
+                      </a:r>
+                      <a:r>
+                        <a:rPr lang="en-US" sz="2000" baseline="0" dirty="0" smtClean="0"/>
+                        <a:t> Verified</a:t>
+                      </a:r>
+                      <a:endParaRPr lang="en-US" sz="2000" dirty="0"/>
+                    </a:p>
+                  </a:txBody>
+                  <a:tcPr/>
                 </a:tc>
                 <a:tc>
                   <a:txBody>
                     <a:bodyPr/>
                     <a:lstStyle/>
                     <a:p>
-                      <a:pPr marL="0" marR="0" algn="l">
-                        <a:lnSpc>
-                          <a:spcPct val="105000"/>
-                        </a:lnSpc>
-                        <a:spcBef>
-                          <a:spcPts val="0"/>
-                        </a:spcBef>
-                        <a:spcAft>
-                          <a:spcPts val="0"/>
-                        </a:spcAft>
-                      </a:pPr>
+                      <a:pPr algn="ctr"/>
                       <a:r>
-                        <a:rPr lang="en-US" sz="1800">
-                          <a:effectLst/>
-                        </a:rPr>
-                        <a:t>Less than %100</a:t>
+                        <a:rPr lang="en-US" sz="2000" dirty="0" smtClean="0"/>
+                        <a:t>100%</a:t>
                       </a:r>
-                      <a:endParaRPr lang="en-US" sz="1800">
-                        <a:effectLst/>
-                        <a:latin typeface="Times New Roman" panose="02020603050405020304" pitchFamily="18" charset="0"/>
-                        <a:ea typeface="Times New Roman" panose="02020603050405020304" pitchFamily="18" charset="0"/>
-                        <a:cs typeface="Times New Roman" panose="02020603050405020304" pitchFamily="18" charset="0"/>
-                      </a:endParaRPr>
+                      <a:endParaRPr lang="en-US" sz="2000" dirty="0"/>
                     </a:p>
                   </a:txBody>
-                  <a:tcPr marL="68580" marR="68580" marT="0" marB="0"/>
-                </a:tc>
-              </a:tr>
-              <a:tr h="988953">
-                <a:tc>
-                  <a:txBody>
-                    <a:bodyPr/>
-                    <a:lstStyle/>
-                    <a:p>
-                      <a:pPr marL="0" marR="0" algn="l">
-                        <a:lnSpc>
-                          <a:spcPct val="105000"/>
-                        </a:lnSpc>
-                        <a:spcBef>
-                          <a:spcPts val="0"/>
-                        </a:spcBef>
-                        <a:spcAft>
-                          <a:spcPts val="0"/>
-                        </a:spcAft>
-                      </a:pPr>
-                      <a:r>
-                        <a:rPr lang="en-US" sz="1800" dirty="0">
-                          <a:effectLst/>
-                        </a:rPr>
-                        <a:t>Percentage of high priority features verified</a:t>
-                      </a:r>
-                    </a:p>
-                    <a:p>
-                      <a:pPr marL="0" marR="0" algn="l">
-                        <a:lnSpc>
-                          <a:spcPct val="105000"/>
-                        </a:lnSpc>
-                        <a:spcBef>
-                          <a:spcPts val="0"/>
-                        </a:spcBef>
-                        <a:spcAft>
-                          <a:spcPts val="0"/>
-                        </a:spcAft>
-                      </a:pPr>
-                      <a:r>
-                        <a:rPr lang="en-US" sz="1800" dirty="0">
-                          <a:effectLst/>
-                        </a:rPr>
-                        <a:t> </a:t>
-                      </a:r>
-                      <a:endParaRPr lang="en-US" sz="1800" dirty="0">
-                        <a:effectLst/>
-                        <a:latin typeface="Times New Roman" panose="02020603050405020304" pitchFamily="18" charset="0"/>
-                        <a:ea typeface="Times New Roman" panose="02020603050405020304" pitchFamily="18" charset="0"/>
-                        <a:cs typeface="Times New Roman" panose="02020603050405020304" pitchFamily="18" charset="0"/>
-                      </a:endParaRPr>
-                    </a:p>
-                  </a:txBody>
-                  <a:tcPr marL="68580" marR="68580" marT="0" marB="0"/>
+                  <a:tcPr/>
                 </a:tc>
                 <a:tc>
                   <a:txBody>
                     <a:bodyPr/>
                     <a:lstStyle/>
                     <a:p>
-                      <a:pPr marL="0" marR="0" algn="l">
-                        <a:lnSpc>
-                          <a:spcPct val="105000"/>
-                        </a:lnSpc>
-                        <a:spcBef>
-                          <a:spcPts val="0"/>
-                        </a:spcBef>
-                        <a:spcAft>
-                          <a:spcPts val="0"/>
-                        </a:spcAft>
-                      </a:pPr>
-                      <a:r>
-                        <a:rPr lang="en-US" sz="1800" dirty="0">
-                          <a:effectLst/>
-                        </a:rPr>
-                        <a:t>100%</a:t>
-                      </a:r>
-                      <a:endParaRPr lang="en-US" sz="1800" dirty="0">
-                        <a:effectLst/>
-                        <a:latin typeface="Times New Roman" panose="02020603050405020304" pitchFamily="18" charset="0"/>
-                        <a:ea typeface="Times New Roman" panose="02020603050405020304" pitchFamily="18" charset="0"/>
-                        <a:cs typeface="Times New Roman" panose="02020603050405020304" pitchFamily="18" charset="0"/>
-                      </a:endParaRPr>
+                      <a:pPr algn="ctr"/>
+                      <a:endParaRPr lang="en-US" sz="2000" dirty="0"/>
                     </a:p>
                   </a:txBody>
-                  <a:tcPr marL="68580" marR="68580" marT="0" marB="0"/>
+                  <a:tcPr/>
                 </a:tc>
                 <a:tc>
                   <a:txBody>
                     <a:bodyPr/>
                     <a:lstStyle/>
                     <a:p>
-                      <a:pPr marL="0" marR="0" algn="l">
-                        <a:lnSpc>
-                          <a:spcPct val="105000"/>
-                        </a:lnSpc>
-                        <a:spcBef>
-                          <a:spcPts val="0"/>
-                        </a:spcBef>
-                        <a:spcAft>
-                          <a:spcPts val="0"/>
-                        </a:spcAft>
-                      </a:pPr>
-                      <a:r>
-                        <a:rPr lang="en-US" sz="1800">
-                          <a:effectLst/>
-                        </a:rPr>
-                        <a:t>Less than 100%</a:t>
-                      </a:r>
-                      <a:endParaRPr lang="en-US" sz="1800">
-                        <a:effectLst/>
-                        <a:latin typeface="Times New Roman" panose="02020603050405020304" pitchFamily="18" charset="0"/>
-                        <a:ea typeface="Times New Roman" panose="02020603050405020304" pitchFamily="18" charset="0"/>
-                        <a:cs typeface="Times New Roman" panose="02020603050405020304" pitchFamily="18" charset="0"/>
-                      </a:endParaRPr>
+                      <a:pPr algn="ctr"/>
+                      <a:endParaRPr lang="en-US" sz="2000" dirty="0"/>
                     </a:p>
                   </a:txBody>
-                  <a:tcPr marL="68580" marR="68580" marT="0" marB="0"/>
+                  <a:tcPr/>
                 </a:tc>
               </a:tr>
-              <a:tr h="988953">
+              <a:tr h="370840">
                 <a:tc>
                   <a:txBody>
                     <a:bodyPr/>
                     <a:lstStyle/>
                     <a:p>
-                      <a:pPr marL="0" marR="0" algn="l">
-                        <a:lnSpc>
-                          <a:spcPct val="105000"/>
-                        </a:lnSpc>
-                        <a:spcBef>
-                          <a:spcPts val="0"/>
-                        </a:spcBef>
-                        <a:spcAft>
-                          <a:spcPts val="0"/>
-                        </a:spcAft>
-                      </a:pPr>
                       <a:r>
-                        <a:rPr lang="en-US" sz="1800" dirty="0">
-                          <a:effectLst/>
-                        </a:rPr>
-                        <a:t>Percentage of moderate priority features verified</a:t>
+                        <a:rPr lang="en-US" sz="2000" dirty="0" smtClean="0"/>
+                        <a:t>High Priority Features</a:t>
                       </a:r>
-                    </a:p>
-                    <a:p>
-                      <a:pPr marL="0" marR="0" algn="l">
-                        <a:lnSpc>
-                          <a:spcPct val="105000"/>
-                        </a:lnSpc>
-                        <a:spcBef>
-                          <a:spcPts val="0"/>
-                        </a:spcBef>
-                        <a:spcAft>
-                          <a:spcPts val="0"/>
-                        </a:spcAft>
-                      </a:pPr>
                       <a:r>
-                        <a:rPr lang="en-US" sz="1800" dirty="0">
-                          <a:effectLst/>
-                        </a:rPr>
-                        <a:t> </a:t>
+                        <a:rPr lang="en-US" sz="2000" baseline="0" dirty="0" smtClean="0"/>
+                        <a:t> Verified</a:t>
                       </a:r>
-                      <a:endParaRPr lang="en-US" sz="1800" dirty="0">
-                        <a:effectLst/>
-                        <a:latin typeface="Times New Roman" panose="02020603050405020304" pitchFamily="18" charset="0"/>
-                        <a:ea typeface="Times New Roman" panose="02020603050405020304" pitchFamily="18" charset="0"/>
-                        <a:cs typeface="Times New Roman" panose="02020603050405020304" pitchFamily="18" charset="0"/>
-                      </a:endParaRPr>
+                      <a:endParaRPr lang="en-US" sz="2000" dirty="0"/>
                     </a:p>
                   </a:txBody>
-                  <a:tcPr marL="68580" marR="68580" marT="0" marB="0"/>
+                  <a:tcPr/>
                 </a:tc>
                 <a:tc>
                   <a:txBody>
                     <a:bodyPr/>
                     <a:lstStyle/>
                     <a:p>
-                      <a:pPr marL="0" marR="0" algn="l">
-                        <a:lnSpc>
-                          <a:spcPct val="105000"/>
-                        </a:lnSpc>
-                        <a:spcBef>
-                          <a:spcPts val="0"/>
-                        </a:spcBef>
-                        <a:spcAft>
-                          <a:spcPts val="0"/>
-                        </a:spcAft>
-                      </a:pPr>
+                      <a:pPr algn="ctr"/>
                       <a:r>
-                        <a:rPr lang="en-US" sz="1800" dirty="0">
-                          <a:effectLst/>
-                        </a:rPr>
-                        <a:t>75% - 100%</a:t>
+                        <a:rPr lang="en-US" sz="2000" dirty="0" smtClean="0"/>
+                        <a:t>100%</a:t>
                       </a:r>
-                      <a:endParaRPr lang="en-US" sz="1800" dirty="0">
-                        <a:effectLst/>
-                        <a:latin typeface="Times New Roman" panose="02020603050405020304" pitchFamily="18" charset="0"/>
-                        <a:ea typeface="Times New Roman" panose="02020603050405020304" pitchFamily="18" charset="0"/>
-                        <a:cs typeface="Times New Roman" panose="02020603050405020304" pitchFamily="18" charset="0"/>
-                      </a:endParaRPr>
+                      <a:endParaRPr lang="en-US" sz="2000" dirty="0"/>
                     </a:p>
                   </a:txBody>
-                  <a:tcPr marL="68580" marR="68580" marT="0" marB="0"/>
+                  <a:tcPr/>
                 </a:tc>
                 <a:tc>
                   <a:txBody>
                     <a:bodyPr/>
                     <a:lstStyle/>
                     <a:p>
-                      <a:pPr marL="0" marR="0" algn="l">
-                        <a:lnSpc>
-                          <a:spcPct val="105000"/>
-                        </a:lnSpc>
-                        <a:spcBef>
-                          <a:spcPts val="0"/>
-                        </a:spcBef>
-                        <a:spcAft>
-                          <a:spcPts val="0"/>
-                        </a:spcAft>
-                      </a:pPr>
-                      <a:r>
-                        <a:rPr lang="en-US" sz="1800" dirty="0">
-                          <a:effectLst/>
-                        </a:rPr>
-                        <a:t>Less than 75%</a:t>
-                      </a:r>
-                      <a:endParaRPr lang="en-US" sz="1800" dirty="0">
-                        <a:effectLst/>
-                        <a:latin typeface="Times New Roman" panose="02020603050405020304" pitchFamily="18" charset="0"/>
-                        <a:ea typeface="Times New Roman" panose="02020603050405020304" pitchFamily="18" charset="0"/>
-                        <a:cs typeface="Times New Roman" panose="02020603050405020304" pitchFamily="18" charset="0"/>
-                      </a:endParaRPr>
+                      <a:pPr algn="ctr"/>
+                      <a:endParaRPr lang="en-US" sz="2000" dirty="0"/>
                     </a:p>
                   </a:txBody>
-                  <a:tcPr marL="68580" marR="68580" marT="0" marB="0"/>
-                </a:tc>
-              </a:tr>
-              <a:tr h="988953">
-                <a:tc>
-                  <a:txBody>
-                    <a:bodyPr/>
-                    <a:lstStyle/>
-                    <a:p>
-                      <a:pPr marL="0" marR="0" algn="l">
-                        <a:lnSpc>
-                          <a:spcPct val="105000"/>
-                        </a:lnSpc>
-                        <a:spcBef>
-                          <a:spcPts val="0"/>
-                        </a:spcBef>
-                        <a:spcAft>
-                          <a:spcPts val="0"/>
-                        </a:spcAft>
-                      </a:pPr>
-                      <a:r>
-                        <a:rPr lang="en-US" sz="1800">
-                          <a:effectLst/>
-                        </a:rPr>
-                        <a:t>Percentage of low priority features verified</a:t>
-                      </a:r>
-                    </a:p>
-                    <a:p>
-                      <a:pPr marL="0" marR="0" algn="l">
-                        <a:lnSpc>
-                          <a:spcPct val="105000"/>
-                        </a:lnSpc>
-                        <a:spcBef>
-                          <a:spcPts val="0"/>
-                        </a:spcBef>
-                        <a:spcAft>
-                          <a:spcPts val="0"/>
-                        </a:spcAft>
-                      </a:pPr>
-                      <a:r>
-                        <a:rPr lang="en-US" sz="1800">
-                          <a:effectLst/>
-                        </a:rPr>
-                        <a:t> </a:t>
-                      </a:r>
-                      <a:endParaRPr lang="en-US" sz="1800">
-                        <a:effectLst/>
-                        <a:latin typeface="Times New Roman" panose="02020603050405020304" pitchFamily="18" charset="0"/>
-                        <a:ea typeface="Times New Roman" panose="02020603050405020304" pitchFamily="18" charset="0"/>
-                        <a:cs typeface="Times New Roman" panose="02020603050405020304" pitchFamily="18" charset="0"/>
-                      </a:endParaRPr>
-                    </a:p>
-                  </a:txBody>
-                  <a:tcPr marL="68580" marR="68580" marT="0" marB="0"/>
+                  <a:tcPr/>
                 </a:tc>
                 <a:tc>
                   <a:txBody>
                     <a:bodyPr/>
                     <a:lstStyle/>
                     <a:p>
-                      <a:pPr marL="0" marR="0" algn="l">
-                        <a:lnSpc>
-                          <a:spcPct val="105000"/>
-                        </a:lnSpc>
-                        <a:spcBef>
-                          <a:spcPts val="0"/>
-                        </a:spcBef>
-                        <a:spcAft>
-                          <a:spcPts val="0"/>
-                        </a:spcAft>
-                      </a:pPr>
-                      <a:r>
-                        <a:rPr lang="en-US" sz="1800">
-                          <a:effectLst/>
-                        </a:rPr>
-                        <a:t>50% - 100%</a:t>
-                      </a:r>
-                    </a:p>
-                    <a:p>
-                      <a:pPr marL="0" marR="0" algn="l">
-                        <a:lnSpc>
-                          <a:spcPct val="105000"/>
-                        </a:lnSpc>
-                        <a:spcBef>
-                          <a:spcPts val="0"/>
-                        </a:spcBef>
-                        <a:spcAft>
-                          <a:spcPts val="0"/>
-                        </a:spcAft>
-                      </a:pPr>
-                      <a:r>
-                        <a:rPr lang="en-US" sz="1800">
-                          <a:effectLst/>
-                        </a:rPr>
-                        <a:t> </a:t>
-                      </a:r>
-                      <a:endParaRPr lang="en-US" sz="1800">
-                        <a:effectLst/>
-                        <a:latin typeface="Times New Roman" panose="02020603050405020304" pitchFamily="18" charset="0"/>
-                        <a:ea typeface="Times New Roman" panose="02020603050405020304" pitchFamily="18" charset="0"/>
-                        <a:cs typeface="Times New Roman" panose="02020603050405020304" pitchFamily="18" charset="0"/>
-                      </a:endParaRPr>
+                      <a:pPr algn="ctr"/>
+                      <a:endParaRPr lang="en-US" sz="2000" dirty="0"/>
                     </a:p>
                   </a:txBody>
-                  <a:tcPr marL="68580" marR="68580" marT="0" marB="0"/>
+                  <a:tcPr/>
+                </a:tc>
+              </a:tr>
+              <a:tr h="370840">
+                <a:tc>
+                  <a:txBody>
+                    <a:bodyPr/>
+                    <a:lstStyle/>
+                    <a:p>
+                      <a:r>
+                        <a:rPr lang="en-US" sz="2000" dirty="0" smtClean="0"/>
+                        <a:t>Moderate Priority Features Verified</a:t>
+                      </a:r>
+                      <a:endParaRPr lang="en-US" sz="2000" dirty="0"/>
+                    </a:p>
+                  </a:txBody>
+                  <a:tcPr/>
                 </a:tc>
                 <a:tc>
                   <a:txBody>
                     <a:bodyPr/>
                     <a:lstStyle/>
                     <a:p>
-                      <a:pPr marL="0" marR="0" algn="l">
-                        <a:lnSpc>
-                          <a:spcPct val="105000"/>
-                        </a:lnSpc>
-                        <a:spcBef>
-                          <a:spcPts val="0"/>
-                        </a:spcBef>
-                        <a:spcAft>
-                          <a:spcPts val="0"/>
-                        </a:spcAft>
-                      </a:pPr>
+                      <a:pPr algn="ctr"/>
                       <a:r>
-                        <a:rPr lang="en-US" sz="1800" dirty="0">
-                          <a:effectLst/>
-                        </a:rPr>
-                        <a:t>Less than 50%</a:t>
+                        <a:rPr lang="en-US" sz="2000" dirty="0" smtClean="0"/>
+                        <a:t>75</a:t>
                       </a:r>
-                      <a:endParaRPr lang="en-US" sz="1800" dirty="0">
-                        <a:effectLst/>
-                        <a:latin typeface="Times New Roman" panose="02020603050405020304" pitchFamily="18" charset="0"/>
-                        <a:ea typeface="Times New Roman" panose="02020603050405020304" pitchFamily="18" charset="0"/>
-                        <a:cs typeface="Times New Roman" panose="02020603050405020304" pitchFamily="18" charset="0"/>
-                      </a:endParaRPr>
+                      <a:r>
+                        <a:rPr lang="en-US" sz="2000" baseline="0" dirty="0" smtClean="0"/>
+                        <a:t>% - 100%</a:t>
+                      </a:r>
+                      <a:endParaRPr lang="en-US" sz="2000" dirty="0"/>
                     </a:p>
                   </a:txBody>
-                  <a:tcPr marL="68580" marR="68580" marT="0" marB="0"/>
-                </a:tc>
-              </a:tr>
-              <a:tr h="319508">
-                <a:tc>
-                  <a:txBody>
-                    <a:bodyPr/>
-                    <a:lstStyle/>
-                    <a:p>
-                      <a:pPr marL="0" marR="0" algn="l">
-                        <a:lnSpc>
-                          <a:spcPct val="105000"/>
-                        </a:lnSpc>
-                        <a:spcBef>
-                          <a:spcPts val="0"/>
-                        </a:spcBef>
-                        <a:spcAft>
-                          <a:spcPts val="0"/>
-                        </a:spcAft>
-                      </a:pPr>
-                      <a:r>
-                        <a:rPr lang="en-US" sz="1800">
-                          <a:effectLst/>
-                        </a:rPr>
-                        <a:t>Branch and Line Coverage</a:t>
-                      </a:r>
-                      <a:endParaRPr lang="en-US" sz="1800">
-                        <a:effectLst/>
-                        <a:latin typeface="Times New Roman" panose="02020603050405020304" pitchFamily="18" charset="0"/>
-                        <a:ea typeface="Times New Roman" panose="02020603050405020304" pitchFamily="18" charset="0"/>
-                        <a:cs typeface="Times New Roman" panose="02020603050405020304" pitchFamily="18" charset="0"/>
-                      </a:endParaRPr>
-                    </a:p>
-                  </a:txBody>
-                  <a:tcPr marL="68580" marR="68580" marT="0" marB="0"/>
+                  <a:tcPr/>
                 </a:tc>
                 <a:tc>
                   <a:txBody>
                     <a:bodyPr/>
                     <a:lstStyle/>
                     <a:p>
-                      <a:pPr marL="0" marR="0" algn="l">
-                        <a:lnSpc>
-                          <a:spcPct val="105000"/>
-                        </a:lnSpc>
-                        <a:spcBef>
-                          <a:spcPts val="0"/>
-                        </a:spcBef>
-                        <a:spcAft>
-                          <a:spcPts val="0"/>
-                        </a:spcAft>
-                      </a:pPr>
-                      <a:r>
-                        <a:rPr lang="en-US" sz="1800">
-                          <a:effectLst/>
-                        </a:rPr>
-                        <a:t>80%-100%</a:t>
-                      </a:r>
-                      <a:endParaRPr lang="en-US" sz="1800">
-                        <a:effectLst/>
-                        <a:latin typeface="Times New Roman" panose="02020603050405020304" pitchFamily="18" charset="0"/>
-                        <a:ea typeface="Times New Roman" panose="02020603050405020304" pitchFamily="18" charset="0"/>
-                        <a:cs typeface="Times New Roman" panose="02020603050405020304" pitchFamily="18" charset="0"/>
-                      </a:endParaRPr>
+                      <a:pPr algn="ctr"/>
+                      <a:endParaRPr lang="en-US" sz="2000" dirty="0"/>
                     </a:p>
                   </a:txBody>
-                  <a:tcPr marL="68580" marR="68580" marT="0" marB="0"/>
+                  <a:tcPr/>
                 </a:tc>
                 <a:tc>
                   <a:txBody>
                     <a:bodyPr/>
                     <a:lstStyle/>
                     <a:p>
-                      <a:pPr marL="0" marR="0" algn="l">
-                        <a:lnSpc>
-                          <a:spcPct val="105000"/>
-                        </a:lnSpc>
-                        <a:spcBef>
-                          <a:spcPts val="0"/>
-                        </a:spcBef>
-                        <a:spcAft>
-                          <a:spcPts val="0"/>
-                        </a:spcAft>
-                      </a:pPr>
-                      <a:r>
-                        <a:rPr lang="en-US" sz="1800" dirty="0">
-                          <a:effectLst/>
-                        </a:rPr>
-                        <a:t>Less than 80%</a:t>
-                      </a:r>
-                      <a:endParaRPr lang="en-US" sz="1800" dirty="0">
-                        <a:effectLst/>
-                        <a:latin typeface="Times New Roman" panose="02020603050405020304" pitchFamily="18" charset="0"/>
-                        <a:ea typeface="Times New Roman" panose="02020603050405020304" pitchFamily="18" charset="0"/>
-                        <a:cs typeface="Times New Roman" panose="02020603050405020304" pitchFamily="18" charset="0"/>
-                      </a:endParaRPr>
+                      <a:pPr algn="ctr"/>
+                      <a:endParaRPr lang="en-US" sz="2000" dirty="0"/>
                     </a:p>
                   </a:txBody>
-                  <a:tcPr marL="68580" marR="68580" marT="0" marB="0"/>
+                  <a:tcPr/>
+                </a:tc>
+              </a:tr>
+              <a:tr h="370840">
+                <a:tc>
+                  <a:txBody>
+                    <a:bodyPr/>
+                    <a:lstStyle/>
+                    <a:p>
+                      <a:r>
+                        <a:rPr lang="en-US" sz="2000" dirty="0" smtClean="0"/>
+                        <a:t>Low Features</a:t>
+                      </a:r>
+                      <a:r>
+                        <a:rPr lang="en-US" sz="2000" baseline="0" dirty="0" smtClean="0"/>
+                        <a:t> </a:t>
+                      </a:r>
+                      <a:r>
+                        <a:rPr lang="en-US" sz="2000" dirty="0" smtClean="0"/>
+                        <a:t>Priority </a:t>
+                      </a:r>
+                      <a:r>
+                        <a:rPr lang="en-US" sz="2000" baseline="0" dirty="0" smtClean="0"/>
+                        <a:t>Verified</a:t>
+                      </a:r>
+                      <a:endParaRPr lang="en-US" sz="2000" dirty="0"/>
+                    </a:p>
+                  </a:txBody>
+                  <a:tcPr/>
+                </a:tc>
+                <a:tc>
+                  <a:txBody>
+                    <a:bodyPr/>
+                    <a:lstStyle/>
+                    <a:p>
+                      <a:pPr algn="ctr"/>
+                      <a:r>
+                        <a:rPr lang="en-US" sz="2000" dirty="0" smtClean="0"/>
+                        <a:t>50% - 100%</a:t>
+                      </a:r>
+                      <a:endParaRPr lang="en-US" sz="2000" dirty="0"/>
+                    </a:p>
+                  </a:txBody>
+                  <a:tcPr/>
+                </a:tc>
+                <a:tc>
+                  <a:txBody>
+                    <a:bodyPr/>
+                    <a:lstStyle/>
+                    <a:p>
+                      <a:pPr algn="ctr"/>
+                      <a:endParaRPr lang="en-US" sz="2000" dirty="0"/>
+                    </a:p>
+                  </a:txBody>
+                  <a:tcPr/>
+                </a:tc>
+                <a:tc>
+                  <a:txBody>
+                    <a:bodyPr/>
+                    <a:lstStyle/>
+                    <a:p>
+                      <a:pPr algn="ctr"/>
+                      <a:endParaRPr lang="en-US" sz="2000" dirty="0"/>
+                    </a:p>
+                  </a:txBody>
+                  <a:tcPr/>
+                </a:tc>
+              </a:tr>
+              <a:tr h="370840">
+                <a:tc>
+                  <a:txBody>
+                    <a:bodyPr/>
+                    <a:lstStyle/>
+                    <a:p>
+                      <a:r>
+                        <a:rPr lang="en-US" sz="2000" dirty="0" smtClean="0"/>
+                        <a:t>Branch and Line Coverage</a:t>
+                      </a:r>
+                      <a:endParaRPr lang="en-US" sz="2000" dirty="0"/>
+                    </a:p>
+                  </a:txBody>
+                  <a:tcPr/>
+                </a:tc>
+                <a:tc>
+                  <a:txBody>
+                    <a:bodyPr/>
+                    <a:lstStyle/>
+                    <a:p>
+                      <a:pPr algn="ctr"/>
+                      <a:r>
+                        <a:rPr lang="en-US" sz="2000" dirty="0" smtClean="0"/>
+                        <a:t>80% - 100%</a:t>
+                      </a:r>
+                      <a:endParaRPr lang="en-US" sz="2000" dirty="0"/>
+                    </a:p>
+                  </a:txBody>
+                  <a:tcPr/>
+                </a:tc>
+                <a:tc>
+                  <a:txBody>
+                    <a:bodyPr/>
+                    <a:lstStyle/>
+                    <a:p>
+                      <a:pPr algn="ctr"/>
+                      <a:endParaRPr lang="en-US" sz="2000" dirty="0"/>
+                    </a:p>
+                  </a:txBody>
+                  <a:tcPr/>
+                </a:tc>
+                <a:tc>
+                  <a:txBody>
+                    <a:bodyPr/>
+                    <a:lstStyle/>
+                    <a:p>
+                      <a:pPr algn="ctr"/>
+                      <a:endParaRPr lang="en-US" sz="2000" dirty="0"/>
+                    </a:p>
+                  </a:txBody>
+                  <a:tcPr/>
                 </a:tc>
               </a:tr>
             </a:tbl>
@@ -9671,20 +11209,13 @@
     </p:spTree>
     <p:extLst>
       <p:ext uri="{BB962C8B-B14F-4D97-AF65-F5344CB8AC3E}">
-        <p14:creationId xmlns:p14="http://schemas.microsoft.com/office/powerpoint/2010/main" val="10815229"/>
+        <p14:creationId xmlns:p14="http://schemas.microsoft.com/office/powerpoint/2010/main" val="4048200797"/>
       </p:ext>
     </p:extLst>
   </p:cSld>
   <p:clrMapOvr>
     <a:masterClrMapping/>
   </p:clrMapOvr>
-  <p:timing>
-    <p:tnLst>
-      <p:par>
-        <p:cTn id="1" dur="indefinite" restart="never" nodeType="tmRoot"/>
-      </p:par>
-    </p:tnLst>
-  </p:timing>
 </p:sld>
 </file>
 
@@ -9715,14 +11246,19 @@
             <p:ph type="title"/>
           </p:nvPr>
         </p:nvSpPr>
-        <p:spPr/>
+        <p:spPr>
+          <a:xfrm>
+            <a:off x="457200" y="0"/>
+            <a:ext cx="7620000" cy="1143000"/>
+          </a:xfrm>
+        </p:spPr>
         <p:txBody>
           <a:bodyPr/>
           <a:lstStyle/>
           <a:p>
             <a:r>
               <a:rPr lang="en-US" dirty="0" smtClean="0"/>
-              <a:t>Test Deliverables</a:t>
+              <a:t>Effort – Stage One</a:t>
             </a:r>
             <a:endParaRPr lang="en-US" dirty="0"/>
           </a:p>
@@ -9738,67 +11274,175 @@
             <p:ph idx="1"/>
           </p:nvPr>
         </p:nvSpPr>
-        <p:spPr/>
+        <p:spPr>
+          <a:xfrm>
+            <a:off x="457200" y="914400"/>
+            <a:ext cx="7772400" cy="5943600"/>
+          </a:xfrm>
+        </p:spPr>
         <p:txBody>
           <a:bodyPr>
-            <a:normAutofit/>
+            <a:normAutofit fontScale="92500" lnSpcReduction="20000"/>
           </a:bodyPr>
           <a:lstStyle/>
           <a:p>
             <a:r>
+              <a:rPr lang="en-US" dirty="0" smtClean="0"/>
+              <a:t>UI Layer				Hours	Lines</a:t>
+            </a:r>
+          </a:p>
+          <a:p>
+            <a:pPr lvl="1"/>
+            <a:r>
+              <a:rPr lang="en-US" dirty="0" smtClean="0"/>
+              <a:t>Database Subsystem</a:t>
+            </a:r>
+          </a:p>
+          <a:p>
+            <a:pPr lvl="2"/>
+            <a:r>
+              <a:rPr lang="en-US" dirty="0" smtClean="0"/>
+              <a:t>Persistence Framework		5	256</a:t>
+            </a:r>
+          </a:p>
+          <a:p>
+            <a:pPr lvl="2"/>
+            <a:r>
+              <a:rPr lang="en-US" dirty="0" smtClean="0"/>
+              <a:t>Command Structure		10	1020</a:t>
+            </a:r>
+          </a:p>
+          <a:p>
+            <a:r>
+              <a:rPr lang="en-US" dirty="0" smtClean="0"/>
+              <a:t>Preprocessing Layer</a:t>
+            </a:r>
+          </a:p>
+          <a:p>
+            <a:pPr lvl="1"/>
+            <a:r>
+              <a:rPr lang="en-US" dirty="0" smtClean="0"/>
+              <a:t>Normalization Subsystem</a:t>
+            </a:r>
+          </a:p>
+          <a:p>
+            <a:pPr lvl="2"/>
+            <a:r>
+              <a:rPr lang="en-US" dirty="0" smtClean="0"/>
+              <a:t>Object Subsection Module		5	435	</a:t>
+            </a:r>
+          </a:p>
+          <a:p>
+            <a:pPr lvl="2"/>
+            <a:r>
+              <a:rPr lang="en-US" dirty="0" smtClean="0"/>
+              <a:t>Object Translation Module		6	64</a:t>
+            </a:r>
+          </a:p>
+          <a:p>
+            <a:r>
+              <a:rPr lang="en-US" dirty="0" smtClean="0"/>
+              <a:t>Processing Layer</a:t>
+            </a:r>
+          </a:p>
+          <a:p>
+            <a:pPr lvl="1"/>
+            <a:r>
+              <a:rPr lang="en-US" dirty="0" smtClean="0"/>
+              <a:t>Slicing Engine</a:t>
+            </a:r>
+          </a:p>
+          <a:p>
+            <a:pPr lvl="2"/>
+            <a:r>
+              <a:rPr lang="en-US" dirty="0" smtClean="0"/>
+              <a:t>Slicing Engine Wrapper		</a:t>
+            </a:r>
+            <a:r>
+              <a:rPr lang="en-US" dirty="0"/>
+              <a:t>6</a:t>
+            </a:r>
+            <a:r>
+              <a:rPr lang="en-US" dirty="0" smtClean="0"/>
+              <a:t>	814</a:t>
+            </a:r>
+          </a:p>
+          <a:p>
+            <a:r>
+              <a:rPr lang="en-US" dirty="0" smtClean="0"/>
+              <a:t>Post Processing Layer</a:t>
+            </a:r>
+          </a:p>
+          <a:p>
+            <a:pPr lvl="1"/>
+            <a:r>
+              <a:rPr lang="en-US" dirty="0" smtClean="0"/>
+              <a:t>G-Code Preparation </a:t>
+            </a:r>
+          </a:p>
+          <a:p>
+            <a:pPr lvl="2"/>
+            <a:r>
+              <a:rPr lang="en-US" dirty="0" smtClean="0"/>
+              <a:t>Parser Module			2	248</a:t>
+            </a:r>
+          </a:p>
+          <a:p>
+            <a:pPr lvl="2"/>
+            <a:r>
+              <a:rPr lang="en-US" dirty="0" smtClean="0"/>
+              <a:t>Unification Module			4	64</a:t>
+            </a:r>
+          </a:p>
+          <a:p>
+            <a:r>
+              <a:rPr lang="en-US" dirty="0" smtClean="0"/>
+              <a:t>Communications Layer</a:t>
+            </a:r>
+          </a:p>
+          <a:p>
+            <a:pPr lvl="1"/>
+            <a:r>
+              <a:rPr lang="en-US" dirty="0" smtClean="0"/>
+              <a:t>Communication Subsystem			445</a:t>
+            </a:r>
+          </a:p>
+          <a:p>
+            <a:pPr lvl="2"/>
+            <a:r>
               <a:rPr lang="en-US" dirty="0" err="1" smtClean="0"/>
-              <a:t>JUnit</a:t>
+              <a:t>TxRx</a:t>
             </a:r>
             <a:r>
               <a:rPr lang="en-US" dirty="0" smtClean="0"/>
-              <a:t> Tests</a:t>
-            </a:r>
-          </a:p>
-          <a:p>
-            <a:pPr lvl="1"/>
+              <a:t> Module			6	</a:t>
+            </a:r>
+          </a:p>
+          <a:p>
+            <a:pPr lvl="2"/>
             <a:r>
               <a:rPr lang="en-US" dirty="0" smtClean="0"/>
-              <a:t>Test Cases</a:t>
-            </a:r>
-          </a:p>
-          <a:p>
-            <a:pPr lvl="1"/>
+              <a:t>Serialization Module		6	</a:t>
+            </a:r>
+          </a:p>
+          <a:p>
+            <a:pPr lvl="2"/>
             <a:r>
               <a:rPr lang="en-US" dirty="0" smtClean="0"/>
-              <a:t>Test Execution Code</a:t>
-            </a:r>
-          </a:p>
-          <a:p>
+              <a:t>Deserialization			6</a:t>
+            </a:r>
+          </a:p>
+          <a:p>
+            <a:pPr marL="114300" indent="0">
+              <a:buNone/>
+            </a:pPr>
+            <a:r>
+              <a:rPr lang="en-US" dirty="0"/>
+              <a:t>	</a:t>
+            </a:r>
             <a:r>
               <a:rPr lang="en-US" dirty="0" smtClean="0"/>
-              <a:t>Test Output Reports</a:t>
-            </a:r>
-          </a:p>
-          <a:p>
-            <a:r>
-              <a:rPr lang="en-US" dirty="0" smtClean="0"/>
-              <a:t>Coverage Reports</a:t>
-            </a:r>
-          </a:p>
-          <a:p>
-            <a:r>
-              <a:rPr lang="en-US" dirty="0" smtClean="0"/>
-              <a:t>Non-</a:t>
-            </a:r>
-            <a:r>
-              <a:rPr lang="en-US" dirty="0" err="1" smtClean="0"/>
-              <a:t>Junit</a:t>
-            </a:r>
-            <a:r>
-              <a:rPr lang="en-US" dirty="0" smtClean="0"/>
-              <a:t> Tests</a:t>
-            </a:r>
-          </a:p>
-          <a:p>
-            <a:pPr lvl="1"/>
-            <a:r>
-              <a:rPr lang="en-US" dirty="0" smtClean="0"/>
-              <a:t>Tabular report</a:t>
+              <a:t>			Total	56	3346</a:t>
             </a:r>
           </a:p>
         </p:txBody>
@@ -9806,7 +11450,7 @@
     </p:spTree>
     <p:extLst>
       <p:ext uri="{BB962C8B-B14F-4D97-AF65-F5344CB8AC3E}">
-        <p14:creationId xmlns:p14="http://schemas.microsoft.com/office/powerpoint/2010/main" val="1081791921"/>
+        <p14:creationId xmlns:p14="http://schemas.microsoft.com/office/powerpoint/2010/main" val="3490054470"/>
       </p:ext>
     </p:extLst>
   </p:cSld>
@@ -9850,14 +11494,19 @@
             <p:ph type="title"/>
           </p:nvPr>
         </p:nvSpPr>
-        <p:spPr/>
+        <p:spPr>
+          <a:xfrm>
+            <a:off x="457200" y="0"/>
+            <a:ext cx="7620000" cy="1143000"/>
+          </a:xfrm>
+        </p:spPr>
         <p:txBody>
           <a:bodyPr/>
           <a:lstStyle/>
           <a:p>
             <a:r>
               <a:rPr lang="en-US" dirty="0" smtClean="0"/>
-              <a:t>Lessons Learned</a:t>
+              <a:t>Effort – Stage Two</a:t>
             </a:r>
             <a:endParaRPr lang="en-US" dirty="0"/>
           </a:p>
@@ -9873,6 +11522,373 @@
             <p:ph idx="1"/>
           </p:nvPr>
         </p:nvSpPr>
+        <p:spPr>
+          <a:xfrm>
+            <a:off x="457200" y="1143000"/>
+            <a:ext cx="7620000" cy="5715000"/>
+          </a:xfrm>
+        </p:spPr>
+        <p:txBody>
+          <a:bodyPr>
+            <a:normAutofit/>
+          </a:bodyPr>
+          <a:lstStyle/>
+          <a:p>
+            <a:r>
+              <a:rPr lang="en-US" dirty="0" smtClean="0"/>
+              <a:t>UI Layer				Hours	Lines</a:t>
+            </a:r>
+          </a:p>
+          <a:p>
+            <a:pPr lvl="1"/>
+            <a:r>
+              <a:rPr lang="en-US" dirty="0" smtClean="0"/>
+              <a:t>GUI Subsystem			27	</a:t>
+            </a:r>
+            <a:r>
+              <a:rPr lang="en-US" strike="sngStrike" dirty="0" smtClean="0"/>
+              <a:t>4250</a:t>
+            </a:r>
+          </a:p>
+          <a:p>
+            <a:pPr lvl="2"/>
+            <a:r>
+              <a:rPr lang="en-US" dirty="0" smtClean="0"/>
+              <a:t>Import GUI			2	197</a:t>
+            </a:r>
+          </a:p>
+          <a:p>
+            <a:pPr lvl="2"/>
+            <a:r>
+              <a:rPr lang="en-US" dirty="0" smtClean="0"/>
+              <a:t>Printer Configuration GUI		3	744</a:t>
+            </a:r>
+          </a:p>
+          <a:p>
+            <a:pPr lvl="2"/>
+            <a:r>
+              <a:rPr lang="en-US" dirty="0" smtClean="0"/>
+              <a:t>Print Configuration GUI		3	2386</a:t>
+            </a:r>
+          </a:p>
+          <a:p>
+            <a:pPr lvl="2"/>
+            <a:r>
+              <a:rPr lang="en-US" dirty="0" smtClean="0"/>
+              <a:t>Extruder GUI 			3	483</a:t>
+            </a:r>
+          </a:p>
+          <a:p>
+            <a:pPr lvl="1"/>
+            <a:r>
+              <a:rPr lang="en-US" dirty="0" smtClean="0"/>
+              <a:t>Controller Subsystem</a:t>
+            </a:r>
+          </a:p>
+          <a:p>
+            <a:pPr lvl="2"/>
+            <a:r>
+              <a:rPr lang="en-US" dirty="0" smtClean="0"/>
+              <a:t>Import Controller			2	31</a:t>
+            </a:r>
+          </a:p>
+          <a:p>
+            <a:pPr lvl="2"/>
+            <a:r>
+              <a:rPr lang="en-US" dirty="0" smtClean="0"/>
+              <a:t>Printer Controller			2	170</a:t>
+            </a:r>
+          </a:p>
+          <a:p>
+            <a:pPr lvl="2"/>
+            <a:r>
+              <a:rPr lang="en-US" dirty="0" smtClean="0"/>
+              <a:t>Print Controller			3	155</a:t>
+            </a:r>
+          </a:p>
+          <a:p>
+            <a:pPr lvl="2"/>
+            <a:r>
+              <a:rPr lang="en-US" dirty="0" smtClean="0"/>
+              <a:t>Extruder Controller		2	64</a:t>
+            </a:r>
+            <a:endParaRPr lang="en-US" dirty="0"/>
+          </a:p>
+          <a:p>
+            <a:r>
+              <a:rPr lang="en-US" dirty="0" smtClean="0"/>
+              <a:t>Printer Control Layer</a:t>
+            </a:r>
+          </a:p>
+          <a:p>
+            <a:pPr lvl="1"/>
+            <a:r>
+              <a:rPr lang="en-US" dirty="0" smtClean="0"/>
+              <a:t>Printer State Controller</a:t>
+            </a:r>
+          </a:p>
+          <a:p>
+            <a:pPr lvl="2"/>
+            <a:r>
+              <a:rPr lang="en-US" dirty="0"/>
+              <a:t>Printer State </a:t>
+            </a:r>
+            <a:r>
+              <a:rPr lang="en-US" dirty="0" smtClean="0"/>
+              <a:t>Controller		2	212</a:t>
+            </a:r>
+          </a:p>
+          <a:p>
+            <a:pPr marL="114300" indent="0">
+              <a:buNone/>
+            </a:pPr>
+            <a:r>
+              <a:rPr lang="en-US" dirty="0"/>
+              <a:t>	</a:t>
+            </a:r>
+            <a:r>
+              <a:rPr lang="en-US" dirty="0" smtClean="0"/>
+              <a:t>			Totals	52	4442</a:t>
+            </a:r>
+            <a:endParaRPr lang="en-US" dirty="0"/>
+          </a:p>
+        </p:txBody>
+      </p:sp>
+    </p:spTree>
+    <p:extLst>
+      <p:ext uri="{BB962C8B-B14F-4D97-AF65-F5344CB8AC3E}">
+        <p14:creationId xmlns:p14="http://schemas.microsoft.com/office/powerpoint/2010/main" val="2804422211"/>
+      </p:ext>
+    </p:extLst>
+  </p:cSld>
+  <p:clrMapOvr>
+    <a:masterClrMapping/>
+  </p:clrMapOvr>
+  <p:timing>
+    <p:tnLst>
+      <p:par>
+        <p:cTn id="1" dur="indefinite" restart="never" nodeType="tmRoot"/>
+      </p:par>
+    </p:tnLst>
+  </p:timing>
+</p:sld>
+</file>
+
+<file path=ppt/slides/slide34.xml><?xml version="1.0" encoding="utf-8"?>
+<p:sld xmlns:a="http://schemas.openxmlformats.org/drawingml/2006/main" xmlns:r="http://schemas.openxmlformats.org/officeDocument/2006/relationships" xmlns:p="http://schemas.openxmlformats.org/presentationml/2006/main">
+  <p:cSld>
+    <p:spTree>
+      <p:nvGrpSpPr>
+        <p:cNvPr id="1" name=""/>
+        <p:cNvGrpSpPr/>
+        <p:nvPr/>
+      </p:nvGrpSpPr>
+      <p:grpSpPr>
+        <a:xfrm>
+          <a:off x="0" y="0"/>
+          <a:ext cx="0" cy="0"/>
+          <a:chOff x="0" y="0"/>
+          <a:chExt cx="0" cy="0"/>
+        </a:xfrm>
+      </p:grpSpPr>
+      <p:sp>
+        <p:nvSpPr>
+          <p:cNvPr id="2" name="Title 1"/>
+          <p:cNvSpPr>
+            <a:spLocks noGrp="1"/>
+          </p:cNvSpPr>
+          <p:nvPr>
+            <p:ph type="title"/>
+          </p:nvPr>
+        </p:nvSpPr>
+        <p:spPr>
+          <a:xfrm>
+            <a:off x="457200" y="0"/>
+            <a:ext cx="7620000" cy="1143000"/>
+          </a:xfrm>
+        </p:spPr>
+        <p:txBody>
+          <a:bodyPr/>
+          <a:lstStyle/>
+          <a:p>
+            <a:r>
+              <a:rPr lang="en-US" dirty="0" smtClean="0"/>
+              <a:t>Effort – Stage Three</a:t>
+            </a:r>
+            <a:endParaRPr lang="en-US" dirty="0"/>
+          </a:p>
+        </p:txBody>
+      </p:sp>
+      <p:sp>
+        <p:nvSpPr>
+          <p:cNvPr id="3" name="Content Placeholder 2"/>
+          <p:cNvSpPr>
+            <a:spLocks noGrp="1"/>
+          </p:cNvSpPr>
+          <p:nvPr>
+            <p:ph idx="1"/>
+          </p:nvPr>
+        </p:nvSpPr>
+        <p:spPr>
+          <a:xfrm>
+            <a:off x="457200" y="1143000"/>
+            <a:ext cx="7620000" cy="5715000"/>
+          </a:xfrm>
+        </p:spPr>
+        <p:txBody>
+          <a:bodyPr>
+            <a:normAutofit/>
+          </a:bodyPr>
+          <a:lstStyle/>
+          <a:p>
+            <a:r>
+              <a:rPr lang="en-US" dirty="0" smtClean="0"/>
+              <a:t>UI Layer				Hours	Lines</a:t>
+            </a:r>
+          </a:p>
+          <a:p>
+            <a:pPr lvl="1"/>
+            <a:r>
+              <a:rPr lang="en-US" dirty="0" smtClean="0"/>
+              <a:t>GUI Subsystem</a:t>
+            </a:r>
+          </a:p>
+          <a:p>
+            <a:pPr lvl="2"/>
+            <a:r>
+              <a:rPr lang="en-US" dirty="0" smtClean="0"/>
+              <a:t>Print Job GUI			9	885</a:t>
+            </a:r>
+          </a:p>
+          <a:p>
+            <a:pPr lvl="2"/>
+            <a:r>
+              <a:rPr lang="en-US" dirty="0" smtClean="0"/>
+              <a:t>Status GUI			8	520</a:t>
+            </a:r>
+          </a:p>
+          <a:p>
+            <a:pPr lvl="1"/>
+            <a:r>
+              <a:rPr lang="en-US" dirty="0" smtClean="0"/>
+              <a:t>Controller Subsystem</a:t>
+            </a:r>
+          </a:p>
+          <a:p>
+            <a:pPr lvl="2"/>
+            <a:r>
+              <a:rPr lang="en-US" dirty="0" smtClean="0"/>
+              <a:t>Print Job Controller		11	159</a:t>
+            </a:r>
+          </a:p>
+          <a:p>
+            <a:pPr lvl="2"/>
+            <a:r>
+              <a:rPr lang="en-US" dirty="0" smtClean="0"/>
+              <a:t>Status Controller			12	194</a:t>
+            </a:r>
+          </a:p>
+          <a:p>
+            <a:r>
+              <a:rPr lang="en-US" dirty="0" smtClean="0"/>
+              <a:t>Printer Feedback Layer</a:t>
+            </a:r>
+          </a:p>
+          <a:p>
+            <a:pPr lvl="1"/>
+            <a:r>
+              <a:rPr lang="en-US" dirty="0" smtClean="0"/>
+              <a:t>State Monitoring</a:t>
+            </a:r>
+          </a:p>
+          <a:p>
+            <a:pPr lvl="2"/>
+            <a:r>
+              <a:rPr lang="en-US" dirty="0" smtClean="0"/>
+              <a:t>Dispatch Module			10	125</a:t>
+            </a:r>
+          </a:p>
+          <a:p>
+            <a:r>
+              <a:rPr lang="en-US" dirty="0" smtClean="0"/>
+              <a:t>Debugging				30</a:t>
+            </a:r>
+          </a:p>
+          <a:p>
+            <a:r>
+              <a:rPr lang="en-US" dirty="0" smtClean="0"/>
+              <a:t>Testing				30	6295</a:t>
+            </a:r>
+          </a:p>
+          <a:p>
+            <a:r>
+              <a:rPr lang="en-US" dirty="0" smtClean="0"/>
+              <a:t>Utilities				10	273</a:t>
+            </a:r>
+          </a:p>
+          <a:p>
+            <a:pPr marL="114300" indent="0">
+              <a:buNone/>
+            </a:pPr>
+            <a:r>
+              <a:rPr lang="en-US" dirty="0"/>
+              <a:t>	</a:t>
+            </a:r>
+            <a:r>
+              <a:rPr lang="en-US" dirty="0" smtClean="0"/>
+              <a:t>			Total	120	8451</a:t>
+            </a:r>
+            <a:endParaRPr lang="en-US" dirty="0"/>
+          </a:p>
+        </p:txBody>
+      </p:sp>
+    </p:spTree>
+    <p:extLst>
+      <p:ext uri="{BB962C8B-B14F-4D97-AF65-F5344CB8AC3E}">
+        <p14:creationId xmlns:p14="http://schemas.microsoft.com/office/powerpoint/2010/main" val="2174969632"/>
+      </p:ext>
+    </p:extLst>
+  </p:cSld>
+  <p:clrMapOvr>
+    <a:masterClrMapping/>
+  </p:clrMapOvr>
+  <p:timing>
+    <p:tnLst>
+      <p:par>
+        <p:cTn id="1" dur="indefinite" restart="never" nodeType="tmRoot"/>
+      </p:par>
+    </p:tnLst>
+  </p:timing>
+</p:sld>
+</file>
+
+<file path=ppt/slides/slide35.xml><?xml version="1.0" encoding="utf-8"?>
+<p:sld xmlns:a="http://schemas.openxmlformats.org/drawingml/2006/main" xmlns:r="http://schemas.openxmlformats.org/officeDocument/2006/relationships" xmlns:p="http://schemas.openxmlformats.org/presentationml/2006/main">
+  <p:cSld>
+    <p:spTree>
+      <p:nvGrpSpPr>
+        <p:cNvPr id="1" name=""/>
+        <p:cNvGrpSpPr/>
+        <p:nvPr/>
+      </p:nvGrpSpPr>
+      <p:grpSpPr>
+        <a:xfrm>
+          <a:off x="0" y="0"/>
+          <a:ext cx="0" cy="0"/>
+          <a:chOff x="0" y="0"/>
+          <a:chExt cx="0" cy="0"/>
+        </a:xfrm>
+      </p:grpSpPr>
+      <p:sp>
+        <p:nvSpPr>
+          <p:cNvPr id="2" name="Title 1"/>
+          <p:cNvSpPr>
+            <a:spLocks noGrp="1"/>
+          </p:cNvSpPr>
+          <p:nvPr>
+            <p:ph type="title"/>
+          </p:nvPr>
+        </p:nvSpPr>
         <p:spPr/>
         <p:txBody>
           <a:bodyPr/>
@@ -9880,48 +11896,144 @@
           <a:p>
             <a:r>
               <a:rPr lang="en-US" dirty="0" smtClean="0"/>
-              <a:t>Understand the customer’s needs</a:t>
-            </a:r>
-          </a:p>
-          <a:p>
-            <a:r>
-              <a:rPr lang="en-US" dirty="0" smtClean="0"/>
-              <a:t>Constant communication with team and customer</a:t>
-            </a:r>
-          </a:p>
-          <a:p>
-            <a:r>
-              <a:rPr lang="en-US" dirty="0" smtClean="0"/>
-              <a:t>Ask for help when needed</a:t>
-            </a:r>
-          </a:p>
-          <a:p>
-            <a:r>
-              <a:rPr lang="en-US" dirty="0" smtClean="0"/>
-              <a:t>Hold each other accountable</a:t>
-            </a:r>
-          </a:p>
-          <a:p>
-            <a:r>
-              <a:rPr lang="en-US" dirty="0" smtClean="0"/>
-              <a:t>Design in as much detail as possible before implementation</a:t>
-            </a:r>
-          </a:p>
-          <a:p>
-            <a:r>
-              <a:rPr lang="en-US" dirty="0" smtClean="0"/>
-              <a:t>Use resources available</a:t>
-            </a:r>
-          </a:p>
-          <a:p>
-            <a:endParaRPr lang="en-US" dirty="0" smtClean="0"/>
-          </a:p>
-        </p:txBody>
-      </p:sp>
+              <a:t>Effort – Hours  </a:t>
+            </a:r>
+            <a:endParaRPr lang="en-US" dirty="0"/>
+          </a:p>
+        </p:txBody>
+      </p:sp>
+      <p:graphicFrame>
+        <p:nvGraphicFramePr>
+          <p:cNvPr id="4" name="Content Placeholder 3"/>
+          <p:cNvGraphicFramePr>
+            <a:graphicFrameLocks noGrp="1"/>
+          </p:cNvGraphicFramePr>
+          <p:nvPr>
+            <p:ph idx="1"/>
+          </p:nvPr>
+        </p:nvGraphicFramePr>
+        <p:xfrm>
+          <a:off x="457200" y="1600200"/>
+          <a:ext cx="7620000" cy="4800600"/>
+        </p:xfrm>
+        <a:graphic>
+          <a:graphicData uri="http://schemas.openxmlformats.org/drawingml/2006/chart">
+            <c:chart xmlns:c="http://schemas.openxmlformats.org/drawingml/2006/chart" xmlns:r="http://schemas.openxmlformats.org/officeDocument/2006/relationships" r:id="rId2"/>
+          </a:graphicData>
+        </a:graphic>
+      </p:graphicFrame>
     </p:spTree>
     <p:extLst>
       <p:ext uri="{BB962C8B-B14F-4D97-AF65-F5344CB8AC3E}">
         <p14:creationId xmlns:p14="http://schemas.microsoft.com/office/powerpoint/2010/main" val="1844655071"/>
+      </p:ext>
+    </p:extLst>
+  </p:cSld>
+  <p:clrMapOvr>
+    <a:masterClrMapping/>
+  </p:clrMapOvr>
+</p:sld>
+</file>
+
+<file path=ppt/slides/slide36.xml><?xml version="1.0" encoding="utf-8"?>
+<p:sld xmlns:a="http://schemas.openxmlformats.org/drawingml/2006/main" xmlns:r="http://schemas.openxmlformats.org/officeDocument/2006/relationships" xmlns:p="http://schemas.openxmlformats.org/presentationml/2006/main">
+  <p:cSld>
+    <p:spTree>
+      <p:nvGrpSpPr>
+        <p:cNvPr id="1" name=""/>
+        <p:cNvGrpSpPr/>
+        <p:nvPr/>
+      </p:nvGrpSpPr>
+      <p:grpSpPr>
+        <a:xfrm>
+          <a:off x="0" y="0"/>
+          <a:ext cx="0" cy="0"/>
+          <a:chOff x="0" y="0"/>
+          <a:chExt cx="0" cy="0"/>
+        </a:xfrm>
+      </p:grpSpPr>
+      <p:sp>
+        <p:nvSpPr>
+          <p:cNvPr id="2" name="Title 1"/>
+          <p:cNvSpPr>
+            <a:spLocks noGrp="1"/>
+          </p:cNvSpPr>
+          <p:nvPr>
+            <p:ph type="title"/>
+          </p:nvPr>
+        </p:nvSpPr>
+        <p:spPr/>
+        <p:txBody>
+          <a:bodyPr/>
+          <a:lstStyle/>
+          <a:p>
+            <a:r>
+              <a:rPr lang="en-US" dirty="0" smtClean="0"/>
+              <a:t>Lessons Learned</a:t>
+            </a:r>
+            <a:endParaRPr lang="en-US" dirty="0"/>
+          </a:p>
+        </p:txBody>
+      </p:sp>
+      <p:sp>
+        <p:nvSpPr>
+          <p:cNvPr id="3" name="Content Placeholder 2"/>
+          <p:cNvSpPr>
+            <a:spLocks noGrp="1"/>
+          </p:cNvSpPr>
+          <p:nvPr>
+            <p:ph idx="1"/>
+          </p:nvPr>
+        </p:nvSpPr>
+        <p:spPr/>
+        <p:txBody>
+          <a:bodyPr/>
+          <a:lstStyle/>
+          <a:p>
+            <a:r>
+              <a:rPr lang="en-US" dirty="0" smtClean="0"/>
+              <a:t>Understand the customer’s needs</a:t>
+            </a:r>
+          </a:p>
+          <a:p>
+            <a:r>
+              <a:rPr lang="en-US" dirty="0" smtClean="0"/>
+              <a:t>Constant communication with team and customer</a:t>
+            </a:r>
+          </a:p>
+          <a:p>
+            <a:r>
+              <a:rPr lang="en-US" dirty="0" smtClean="0"/>
+              <a:t>Ask for help when needed</a:t>
+            </a:r>
+          </a:p>
+          <a:p>
+            <a:r>
+              <a:rPr lang="en-US" dirty="0" smtClean="0"/>
+              <a:t>Hold each other accountable</a:t>
+            </a:r>
+          </a:p>
+          <a:p>
+            <a:r>
+              <a:rPr lang="en-US" dirty="0" smtClean="0"/>
+              <a:t>Design in as much detail as possible before implementation</a:t>
+            </a:r>
+          </a:p>
+          <a:p>
+            <a:r>
+              <a:rPr lang="en-US" dirty="0" smtClean="0"/>
+              <a:t>Use resources available</a:t>
+            </a:r>
+          </a:p>
+          <a:p>
+            <a:endParaRPr lang="en-US" dirty="0" smtClean="0"/>
+          </a:p>
+        </p:txBody>
+      </p:sp>
+    </p:spTree>
+    <p:extLst>
+      <p:ext uri="{BB962C8B-B14F-4D97-AF65-F5344CB8AC3E}">
+        <p14:creationId xmlns:p14="http://schemas.microsoft.com/office/powerpoint/2010/main" val="250947131"/>
       </p:ext>
     </p:extLst>
   </p:cSld>
@@ -10277,56 +12389,6 @@
       </p:sp>
       <p:sp>
         <p:nvSpPr>
-          <p:cNvPr id="5" name="Rectangle 4"/>
-          <p:cNvSpPr/>
-          <p:nvPr/>
-        </p:nvSpPr>
-        <p:spPr>
-          <a:xfrm>
-            <a:off x="6006029" y="2514600"/>
-            <a:ext cx="2286000" cy="457200"/>
-          </a:xfrm>
-          <a:prstGeom prst="rect">
-            <a:avLst/>
-          </a:prstGeom>
-          <a:solidFill>
-            <a:srgbClr val="FFFF00"/>
-          </a:solidFill>
-        </p:spPr>
-        <p:style>
-          <a:lnRef idx="2">
-            <a:schemeClr val="accent1">
-              <a:shade val="50000"/>
-            </a:schemeClr>
-          </a:lnRef>
-          <a:fillRef idx="1">
-            <a:schemeClr val="accent1"/>
-          </a:fillRef>
-          <a:effectRef idx="0">
-            <a:schemeClr val="accent1"/>
-          </a:effectRef>
-          <a:fontRef idx="minor">
-            <a:schemeClr val="lt1"/>
-          </a:fontRef>
-        </p:style>
-        <p:txBody>
-          <a:bodyPr rtlCol="0" anchor="ctr"/>
-          <a:lstStyle/>
-          <a:p>
-            <a:pPr algn="ctr"/>
-            <a:r>
-              <a:rPr lang="en-US" dirty="0" smtClean="0">
-                <a:solidFill>
-                  <a:schemeClr val="tx1"/>
-                </a:solidFill>
-              </a:rPr>
-              <a:t>Partially Completed</a:t>
-            </a:r>
-          </a:p>
-        </p:txBody>
-      </p:sp>
-      <p:sp>
-        <p:nvSpPr>
           <p:cNvPr id="6" name="Rectangle 5"/>
           <p:cNvSpPr/>
           <p:nvPr/>
@@ -10484,6 +12546,56 @@
         <p:spPr>
           <a:xfrm>
             <a:off x="5989987" y="5562600"/>
+            <a:ext cx="2286000" cy="457200"/>
+          </a:xfrm>
+          <a:prstGeom prst="rect">
+            <a:avLst/>
+          </a:prstGeom>
+          <a:solidFill>
+            <a:srgbClr val="00B050"/>
+          </a:solidFill>
+        </p:spPr>
+        <p:style>
+          <a:lnRef idx="2">
+            <a:schemeClr val="accent1">
+              <a:shade val="50000"/>
+            </a:schemeClr>
+          </a:lnRef>
+          <a:fillRef idx="1">
+            <a:schemeClr val="accent1"/>
+          </a:fillRef>
+          <a:effectRef idx="0">
+            <a:schemeClr val="accent1"/>
+          </a:effectRef>
+          <a:fontRef idx="minor">
+            <a:schemeClr val="lt1"/>
+          </a:fontRef>
+        </p:style>
+        <p:txBody>
+          <a:bodyPr rtlCol="0" anchor="ctr"/>
+          <a:lstStyle/>
+          <a:p>
+            <a:pPr algn="ctr"/>
+            <a:r>
+              <a:rPr lang="en-US" dirty="0" smtClean="0">
+                <a:solidFill>
+                  <a:schemeClr val="tx1"/>
+                </a:solidFill>
+              </a:rPr>
+              <a:t>Completed</a:t>
+            </a:r>
+          </a:p>
+        </p:txBody>
+      </p:sp>
+      <p:sp>
+        <p:nvSpPr>
+          <p:cNvPr id="10" name="Rectangle 9"/>
+          <p:cNvSpPr/>
+          <p:nvPr/>
+        </p:nvSpPr>
+        <p:spPr>
+          <a:xfrm>
+            <a:off x="6006029" y="2514600"/>
             <a:ext cx="2286000" cy="457200"/>
           </a:xfrm>
           <a:prstGeom prst="rect">

--- a/Final Presentation/Ink3d Final Presentation.pptx
+++ b/Final Presentation/Ink3d Final Presentation.pptx
@@ -141,7 +141,7 @@
   </p:defaultTextStyle>
   <p:extLst>
     <p:ext uri="{EFAFB233-063F-42B5-8137-9DF3F51BA10A}">
-      <p15:sldGuideLst xmlns:p15="http://schemas.microsoft.com/office/powerpoint/2012/main" xmlns="">
+      <p15:sldGuideLst xmlns="" xmlns:p15="http://schemas.microsoft.com/office/powerpoint/2012/main">
         <p15:guide id="1" orient="horz" pos="2160">
           <p15:clr>
             <a:srgbClr val="A4A3A4"/>
@@ -2135,11 +2135,11 @@
         </c:dLbls>
         <c:marker val="1"/>
         <c:smooth val="0"/>
-        <c:axId val="113611520"/>
-        <c:axId val="113613056"/>
+        <c:axId val="112820992"/>
+        <c:axId val="112822528"/>
       </c:lineChart>
       <c:dateAx>
-        <c:axId val="113611520"/>
+        <c:axId val="112820992"/>
         <c:scaling>
           <c:orientation val="minMax"/>
         </c:scaling>
@@ -2149,14 +2149,14 @@
         <c:majorTickMark val="out"/>
         <c:minorTickMark val="none"/>
         <c:tickLblPos val="nextTo"/>
-        <c:crossAx val="113613056"/>
+        <c:crossAx val="112822528"/>
         <c:crosses val="autoZero"/>
         <c:auto val="1"/>
         <c:lblOffset val="100"/>
         <c:baseTimeUnit val="days"/>
       </c:dateAx>
       <c:valAx>
-        <c:axId val="113613056"/>
+        <c:axId val="112822528"/>
         <c:scaling>
           <c:orientation val="minMax"/>
         </c:scaling>
@@ -2167,7 +2167,7 @@
         <c:majorTickMark val="out"/>
         <c:minorTickMark val="none"/>
         <c:tickLblPos val="nextTo"/>
-        <c:crossAx val="113611520"/>
+        <c:crossAx val="112820992"/>
         <c:crosses val="autoZero"/>
         <c:crossBetween val="between"/>
       </c:valAx>
@@ -6719,12 +6719,12 @@
           <a:graphicData uri="http://schemas.openxmlformats.org/presentationml/2006/ole">
             <mc:AlternateContent xmlns:mc="http://schemas.openxmlformats.org/markup-compatibility/2006">
               <mc:Choice xmlns:v="urn:schemas-microsoft-com:vml" Requires="v">
-                <p:oleObj spid="_x0000_s1033" name="Visio" r:id="rId4" imgW="7343730" imgH="9410580" progId="Visio.Drawing.15">
+                <p:oleObj spid="_x0000_s1035" name="Visio" r:id="rId3" imgW="7343730" imgH="9410580" progId="Visio.Drawing.15">
                   <p:embed/>
                 </p:oleObj>
               </mc:Choice>
               <mc:Fallback>
-                <p:oleObj name="Visio" r:id="rId4" imgW="7343730" imgH="9410580" progId="Visio.Drawing.15">
+                <p:oleObj name="Visio" r:id="rId3" imgW="7343730" imgH="9410580" progId="Visio.Drawing.15">
                   <p:embed/>
                   <p:pic>
                     <p:nvPicPr>
@@ -6735,7 +6735,7 @@
                       <p:nvPr/>
                     </p:nvPicPr>
                     <p:blipFill>
-                      <a:blip r:embed="rId5"/>
+                      <a:blip r:embed="rId4"/>
                       <a:srcRect/>
                       <a:stretch>
                         <a:fillRect/>
@@ -7019,12 +7019,12 @@
           <a:graphicData uri="http://schemas.openxmlformats.org/presentationml/2006/ole">
             <mc:AlternateContent xmlns:mc="http://schemas.openxmlformats.org/markup-compatibility/2006">
               <mc:Choice xmlns:v="urn:schemas-microsoft-com:vml" Requires="v">
-                <p:oleObj spid="_x0000_s2057" name="Visio" r:id="rId4" imgW="7534278" imgH="9677340" progId="Visio.Drawing.15">
+                <p:oleObj spid="_x0000_s2059" name="Visio" r:id="rId3" imgW="7534278" imgH="9677340" progId="Visio.Drawing.15">
                   <p:embed/>
                 </p:oleObj>
               </mc:Choice>
               <mc:Fallback>
-                <p:oleObj name="Visio" r:id="rId4" imgW="7534278" imgH="9677340" progId="Visio.Drawing.15">
+                <p:oleObj name="Visio" r:id="rId3" imgW="7534278" imgH="9677340" progId="Visio.Drawing.15">
                   <p:embed/>
                   <p:pic>
                     <p:nvPicPr>
@@ -7035,7 +7035,7 @@
                       <p:nvPr/>
                     </p:nvPicPr>
                     <p:blipFill>
-                      <a:blip r:embed="rId5">
+                      <a:blip r:embed="rId4">
                         <a:extLst>
                           <a:ext uri="{28A0092B-C50C-407E-A947-70E740481C1C}">
                             <a14:useLocalDpi xmlns:a14="http://schemas.microsoft.com/office/drawing/2010/main" val="0"/>
@@ -12004,25 +12004,39 @@
           <a:p>
             <a:r>
               <a:rPr lang="en-US" dirty="0" smtClean="0"/>
-              <a:t>Ask for help when needed</a:t>
-            </a:r>
-          </a:p>
-          <a:p>
+              <a:t>Ask for help when </a:t>
+            </a:r>
             <a:r>
               <a:rPr lang="en-US" dirty="0" smtClean="0"/>
-              <a:t>Hold each other accountable</a:t>
-            </a:r>
+              <a:t>needed</a:t>
+            </a:r>
+          </a:p>
+          <a:p>
+            <a:r>
+              <a:rPr lang="en-US" dirty="0"/>
+              <a:t>Use resources available</a:t>
+            </a:r>
+            <a:endParaRPr lang="en-US" dirty="0" smtClean="0"/>
+          </a:p>
+          <a:p>
+            <a:r>
+              <a:rPr lang="en-US" dirty="0" smtClean="0"/>
+              <a:t>Hold each </a:t>
+            </a:r>
+            <a:r>
+              <a:rPr lang="en-US" smtClean="0"/>
+              <a:t>other </a:t>
+            </a:r>
+            <a:r>
+              <a:rPr lang="en-US" smtClean="0"/>
+              <a:t>accountable</a:t>
+            </a:r>
+            <a:endParaRPr lang="en-US" dirty="0" smtClean="0"/>
           </a:p>
           <a:p>
             <a:r>
               <a:rPr lang="en-US" dirty="0" smtClean="0"/>
               <a:t>Design in as much detail as possible before implementation</a:t>
-            </a:r>
-          </a:p>
-          <a:p>
-            <a:r>
-              <a:rPr lang="en-US" dirty="0" smtClean="0"/>
-              <a:t>Use resources available</a:t>
             </a:r>
           </a:p>
           <a:p>
@@ -12402,7 +12416,7 @@
             <a:avLst/>
           </a:prstGeom>
           <a:solidFill>
-            <a:srgbClr val="00B050"/>
+            <a:srgbClr val="FFFF00"/>
           </a:solidFill>
         </p:spPr>
         <p:style>
@@ -12432,8 +12446,21 @@
                   <a:schemeClr val="tx1"/>
                 </a:solidFill>
               </a:rPr>
+              <a:t>Partially </a:t>
+            </a:r>
+            <a:r>
+              <a:rPr lang="en-US" dirty="0" smtClean="0">
+                <a:solidFill>
+                  <a:schemeClr val="tx1"/>
+                </a:solidFill>
+              </a:rPr>
               <a:t>Completed</a:t>
             </a:r>
+            <a:endParaRPr lang="en-US" dirty="0" smtClean="0">
+              <a:solidFill>
+                <a:schemeClr val="tx1"/>
+              </a:solidFill>
+            </a:endParaRPr>
           </a:p>
         </p:txBody>
       </p:sp>
@@ -12452,7 +12479,7 @@
             <a:avLst/>
           </a:prstGeom>
           <a:solidFill>
-            <a:srgbClr val="00B050"/>
+            <a:srgbClr val="FFFF00"/>
           </a:solidFill>
         </p:spPr>
         <p:style>
@@ -12477,6 +12504,14 @@
           <a:p>
             <a:pPr algn="ctr"/>
             <a:r>
+              <a:rPr lang="en-US" dirty="0">
+                <a:solidFill>
+                  <a:schemeClr val="tx1"/>
+                </a:solidFill>
+              </a:rPr>
+              <a:t>Partially </a:t>
+            </a:r>
+            <a:r>
               <a:rPr lang="en-US" dirty="0" smtClean="0">
                 <a:solidFill>
                   <a:schemeClr val="tx1"/>
@@ -12484,6 +12519,11 @@
               </a:rPr>
               <a:t>Completed</a:t>
             </a:r>
+            <a:endParaRPr lang="en-US" dirty="0">
+              <a:solidFill>
+                <a:schemeClr val="tx1"/>
+              </a:solidFill>
+            </a:endParaRPr>
           </a:p>
         </p:txBody>
       </p:sp>

--- a/Final Presentation/Ink3d Final Presentation.pptx
+++ b/Final Presentation/Ink3d Final Presentation.pptx
@@ -141,7 +141,7 @@
   </p:defaultTextStyle>
   <p:extLst>
     <p:ext uri="{EFAFB233-063F-42B5-8137-9DF3F51BA10A}">
-      <p15:sldGuideLst xmlns="" xmlns:p15="http://schemas.microsoft.com/office/powerpoint/2012/main">
+      <p15:sldGuideLst xmlns:p15="http://schemas.microsoft.com/office/powerpoint/2012/main" xmlns="">
         <p15:guide id="1" orient="horz" pos="2160">
           <p15:clr>
             <a:srgbClr val="A4A3A4"/>
@@ -2135,11 +2135,11 @@
         </c:dLbls>
         <c:marker val="1"/>
         <c:smooth val="0"/>
-        <c:axId val="112820992"/>
-        <c:axId val="112822528"/>
+        <c:axId val="109736704"/>
+        <c:axId val="109738240"/>
       </c:lineChart>
       <c:dateAx>
-        <c:axId val="112820992"/>
+        <c:axId val="109736704"/>
         <c:scaling>
           <c:orientation val="minMax"/>
         </c:scaling>
@@ -2149,14 +2149,14 @@
         <c:majorTickMark val="out"/>
         <c:minorTickMark val="none"/>
         <c:tickLblPos val="nextTo"/>
-        <c:crossAx val="112822528"/>
+        <c:crossAx val="109738240"/>
         <c:crosses val="autoZero"/>
         <c:auto val="1"/>
         <c:lblOffset val="100"/>
         <c:baseTimeUnit val="days"/>
       </c:dateAx>
       <c:valAx>
-        <c:axId val="112822528"/>
+        <c:axId val="109738240"/>
         <c:scaling>
           <c:orientation val="minMax"/>
         </c:scaling>
@@ -2167,7 +2167,7 @@
         <c:majorTickMark val="out"/>
         <c:minorTickMark val="none"/>
         <c:tickLblPos val="nextTo"/>
-        <c:crossAx val="112820992"/>
+        <c:crossAx val="109736704"/>
         <c:crosses val="autoZero"/>
         <c:crossBetween val="between"/>
       </c:valAx>
@@ -2381,7 +2381,7 @@
           <a:p>
             <a:fld id="{8FF4DA45-B795-4CB0-B3BB-6A487B8C4B48}" type="datetimeFigureOut">
               <a:rPr lang="en-US" smtClean="0"/>
-              <a:t>4/29/2014</a:t>
+              <a:t>5/2/2014</a:t>
             </a:fld>
             <a:endParaRPr lang="en-US"/>
           </a:p>
@@ -2546,7 +2546,7 @@
           <a:p>
             <a:fld id="{8FF4DA45-B795-4CB0-B3BB-6A487B8C4B48}" type="datetimeFigureOut">
               <a:rPr lang="en-US" smtClean="0"/>
-              <a:t>4/29/2014</a:t>
+              <a:t>5/2/2014</a:t>
             </a:fld>
             <a:endParaRPr lang="en-US"/>
           </a:p>
@@ -2721,7 +2721,7 @@
           <a:p>
             <a:fld id="{8FF4DA45-B795-4CB0-B3BB-6A487B8C4B48}" type="datetimeFigureOut">
               <a:rPr lang="en-US" smtClean="0"/>
-              <a:t>4/29/2014</a:t>
+              <a:t>5/2/2014</a:t>
             </a:fld>
             <a:endParaRPr lang="en-US"/>
           </a:p>
@@ -2886,7 +2886,7 @@
           <a:p>
             <a:fld id="{8FF4DA45-B795-4CB0-B3BB-6A487B8C4B48}" type="datetimeFigureOut">
               <a:rPr lang="en-US" smtClean="0"/>
-              <a:t>4/29/2014</a:t>
+              <a:t>5/2/2014</a:t>
             </a:fld>
             <a:endParaRPr lang="en-US"/>
           </a:p>
@@ -3127,7 +3127,7 @@
           <a:p>
             <a:fld id="{8FF4DA45-B795-4CB0-B3BB-6A487B8C4B48}" type="datetimeFigureOut">
               <a:rPr lang="en-US" smtClean="0"/>
-              <a:t>4/29/2014</a:t>
+              <a:t>5/2/2014</a:t>
             </a:fld>
             <a:endParaRPr lang="en-US"/>
           </a:p>
@@ -3410,7 +3410,7 @@
           <a:p>
             <a:fld id="{8FF4DA45-B795-4CB0-B3BB-6A487B8C4B48}" type="datetimeFigureOut">
               <a:rPr lang="en-US" smtClean="0"/>
-              <a:t>4/29/2014</a:t>
+              <a:t>5/2/2014</a:t>
             </a:fld>
             <a:endParaRPr lang="en-US"/>
           </a:p>
@@ -3839,7 +3839,7 @@
           <a:p>
             <a:fld id="{8FF4DA45-B795-4CB0-B3BB-6A487B8C4B48}" type="datetimeFigureOut">
               <a:rPr lang="en-US" smtClean="0"/>
-              <a:t>4/29/2014</a:t>
+              <a:t>5/2/2014</a:t>
             </a:fld>
             <a:endParaRPr lang="en-US"/>
           </a:p>
@@ -3952,7 +3952,7 @@
           <a:p>
             <a:fld id="{8FF4DA45-B795-4CB0-B3BB-6A487B8C4B48}" type="datetimeFigureOut">
               <a:rPr lang="en-US" smtClean="0"/>
-              <a:t>4/29/2014</a:t>
+              <a:t>5/2/2014</a:t>
             </a:fld>
             <a:endParaRPr lang="en-US"/>
           </a:p>
@@ -4042,7 +4042,7 @@
           <a:p>
             <a:fld id="{8FF4DA45-B795-4CB0-B3BB-6A487B8C4B48}" type="datetimeFigureOut">
               <a:rPr lang="en-US" smtClean="0"/>
-              <a:t>4/29/2014</a:t>
+              <a:t>5/2/2014</a:t>
             </a:fld>
             <a:endParaRPr lang="en-US"/>
           </a:p>
@@ -4231,7 +4231,7 @@
           <a:p>
             <a:fld id="{8FF4DA45-B795-4CB0-B3BB-6A487B8C4B48}" type="datetimeFigureOut">
               <a:rPr lang="en-US" smtClean="0"/>
-              <a:t>4/29/2014</a:t>
+              <a:t>5/2/2014</a:t>
             </a:fld>
             <a:endParaRPr lang="en-US"/>
           </a:p>
@@ -4549,7 +4549,7 @@
           <a:p>
             <a:fld id="{8FF4DA45-B795-4CB0-B3BB-6A487B8C4B48}" type="datetimeFigureOut">
               <a:rPr lang="en-US" smtClean="0"/>
-              <a:t>4/29/2014</a:t>
+              <a:t>5/2/2014</a:t>
             </a:fld>
             <a:endParaRPr lang="en-US"/>
           </a:p>
@@ -4928,7 +4928,7 @@
           <a:p>
             <a:fld id="{8FF4DA45-B795-4CB0-B3BB-6A487B8C4B48}" type="datetimeFigureOut">
               <a:rPr lang="en-US" smtClean="0"/>
-              <a:t>4/29/2014</a:t>
+              <a:t>5/2/2014</a:t>
             </a:fld>
             <a:endParaRPr lang="en-US"/>
           </a:p>
@@ -6719,12 +6719,12 @@
           <a:graphicData uri="http://schemas.openxmlformats.org/presentationml/2006/ole">
             <mc:AlternateContent xmlns:mc="http://schemas.openxmlformats.org/markup-compatibility/2006">
               <mc:Choice xmlns:v="urn:schemas-microsoft-com:vml" Requires="v">
-                <p:oleObj spid="_x0000_s1035" name="Visio" r:id="rId3" imgW="7343730" imgH="9410580" progId="Visio.Drawing.15">
+                <p:oleObj spid="_x0000_s1036" name="Visio" r:id="rId4" imgW="7343730" imgH="9410580" progId="Visio.Drawing.15">
                   <p:embed/>
                 </p:oleObj>
               </mc:Choice>
               <mc:Fallback>
-                <p:oleObj name="Visio" r:id="rId3" imgW="7343730" imgH="9410580" progId="Visio.Drawing.15">
+                <p:oleObj name="Visio" r:id="rId4" imgW="7343730" imgH="9410580" progId="Visio.Drawing.15">
                   <p:embed/>
                   <p:pic>
                     <p:nvPicPr>
@@ -6735,7 +6735,7 @@
                       <p:nvPr/>
                     </p:nvPicPr>
                     <p:blipFill>
-                      <a:blip r:embed="rId4"/>
+                      <a:blip r:embed="rId5"/>
                       <a:srcRect/>
                       <a:stretch>
                         <a:fillRect/>
@@ -7019,12 +7019,12 @@
           <a:graphicData uri="http://schemas.openxmlformats.org/presentationml/2006/ole">
             <mc:AlternateContent xmlns:mc="http://schemas.openxmlformats.org/markup-compatibility/2006">
               <mc:Choice xmlns:v="urn:schemas-microsoft-com:vml" Requires="v">
-                <p:oleObj spid="_x0000_s2059" name="Visio" r:id="rId3" imgW="7534278" imgH="9677340" progId="Visio.Drawing.15">
+                <p:oleObj spid="_x0000_s2060" name="Visio" r:id="rId4" imgW="7534278" imgH="9677340" progId="Visio.Drawing.15">
                   <p:embed/>
                 </p:oleObj>
               </mc:Choice>
               <mc:Fallback>
-                <p:oleObj name="Visio" r:id="rId3" imgW="7534278" imgH="9677340" progId="Visio.Drawing.15">
+                <p:oleObj name="Visio" r:id="rId4" imgW="7534278" imgH="9677340" progId="Visio.Drawing.15">
                   <p:embed/>
                   <p:pic>
                     <p:nvPicPr>
@@ -7035,7 +7035,7 @@
                       <p:nvPr/>
                     </p:nvPicPr>
                     <p:blipFill>
-                      <a:blip r:embed="rId4">
+                      <a:blip r:embed="rId5">
                         <a:extLst>
                           <a:ext uri="{28A0092B-C50C-407E-A947-70E740481C1C}">
                             <a14:useLocalDpi xmlns:a14="http://schemas.microsoft.com/office/drawing/2010/main" val="0"/>
@@ -7963,7 +7963,7 @@
         </p:nvSpPr>
         <p:spPr>
           <a:xfrm>
-            <a:off x="457200" y="152400"/>
+            <a:off x="457200" y="-304800"/>
             <a:ext cx="7620000" cy="1143000"/>
           </a:xfrm>
         </p:spPr>
@@ -7991,19 +7991,32 @@
         </p:nvSpPr>
         <p:spPr>
           <a:xfrm>
-            <a:off x="457200" y="4953000"/>
+            <a:off x="304800" y="5410200"/>
             <a:ext cx="7620000" cy="1447800"/>
           </a:xfrm>
         </p:spPr>
         <p:txBody>
           <a:bodyPr>
-            <a:normAutofit/>
+            <a:normAutofit fontScale="92500" lnSpcReduction="10000"/>
           </a:bodyPr>
           <a:lstStyle/>
           <a:p>
+            <a:endParaRPr lang="en-US" dirty="0" smtClean="0"/>
+          </a:p>
+          <a:p>
+            <a:endParaRPr lang="en-US" dirty="0"/>
+          </a:p>
+          <a:p>
+            <a:endParaRPr lang="en-US" dirty="0" smtClean="0"/>
+          </a:p>
+          <a:p>
             <a:r>
               <a:rPr lang="en-US" dirty="0" smtClean="0"/>
-              <a:t>Oversight – Dr. </a:t>
+              <a:t>Oversight </a:t>
+            </a:r>
+            <a:r>
+              <a:rPr lang="en-US" dirty="0" smtClean="0"/>
+              <a:t>– Dr. </a:t>
             </a:r>
             <a:r>
               <a:rPr lang="en-US" dirty="0" err="1" smtClean="0"/>
@@ -8025,14 +8038,14 @@
           <p:nvPr>
             <p:extLst>
               <p:ext uri="{D42A27DB-BD31-4B8C-83A1-F6EECF244321}">
-                <p14:modId xmlns:p14="http://schemas.microsoft.com/office/powerpoint/2010/main" val="1358934939"/>
+                <p14:modId xmlns:p14="http://schemas.microsoft.com/office/powerpoint/2010/main" val="1492217133"/>
               </p:ext>
             </p:extLst>
           </p:nvPr>
         </p:nvGraphicFramePr>
         <p:xfrm>
-          <a:off x="685801" y="1074420"/>
-          <a:ext cx="6553199" cy="3886200"/>
+          <a:off x="609600" y="685800"/>
+          <a:ext cx="6553199" cy="5454377"/>
         </p:xfrm>
         <a:graphic>
           <a:graphicData uri="http://schemas.openxmlformats.org/drawingml/2006/table">
@@ -8041,11 +8054,11 @@
                 <a:tableStyleId>{5C22544A-7EE6-4342-B048-85BDC9FD1C3A}</a:tableStyleId>
               </a:tblPr>
               <a:tblGrid>
-                <a:gridCol w="2222389"/>
-                <a:gridCol w="2165405"/>
-                <a:gridCol w="2165405"/>
+                <a:gridCol w="1904999"/>
+                <a:gridCol w="2057400"/>
+                <a:gridCol w="2590800"/>
               </a:tblGrid>
-              <a:tr h="132050">
+              <a:tr h="270076">
                 <a:tc>
                   <a:txBody>
                     <a:bodyPr/>
@@ -8060,12 +8073,12 @@
                         </a:spcAft>
                       </a:pPr>
                       <a:r>
-                        <a:rPr lang="en-US" sz="900" dirty="0">
+                        <a:rPr lang="en-US" sz="1800" dirty="0">
                           <a:effectLst/>
                         </a:rPr>
                         <a:t>Role</a:t>
                       </a:r>
-                      <a:endParaRPr lang="en-US" sz="900" dirty="0">
+                      <a:endParaRPr lang="en-US" sz="1800" dirty="0">
                         <a:effectLst/>
                         <a:latin typeface="Times New Roman"/>
                         <a:ea typeface="Times New Roman"/>
@@ -8088,12 +8101,12 @@
                         </a:spcAft>
                       </a:pPr>
                       <a:r>
-                        <a:rPr lang="en-US" sz="900">
+                        <a:rPr lang="en-US" sz="1800">
                           <a:effectLst/>
                         </a:rPr>
                         <a:t>Assigned To</a:t>
                       </a:r>
-                      <a:endParaRPr lang="en-US" sz="900">
+                      <a:endParaRPr lang="en-US" sz="1800">
                         <a:effectLst/>
                         <a:latin typeface="Times New Roman"/>
                         <a:ea typeface="Times New Roman"/>
@@ -8116,12 +8129,12 @@
                         </a:spcAft>
                       </a:pPr>
                       <a:r>
-                        <a:rPr lang="en-US" sz="900">
+                        <a:rPr lang="en-US" sz="1800">
                           <a:effectLst/>
                         </a:rPr>
                         <a:t>Responsibility</a:t>
                       </a:r>
-                      <a:endParaRPr lang="en-US" sz="900">
+                      <a:endParaRPr lang="en-US" sz="1800">
                         <a:effectLst/>
                         <a:latin typeface="Times New Roman"/>
                         <a:ea typeface="Times New Roman"/>
@@ -8131,7 +8144,7 @@
                   <a:tcPr marL="48986" marR="48986" marT="0" marB="0"/>
                 </a:tc>
               </a:tr>
-              <a:tr h="953695">
+              <a:tr h="1282861">
                 <a:tc>
                   <a:txBody>
                     <a:bodyPr/>
@@ -8146,12 +8159,12 @@
                         </a:spcAft>
                       </a:pPr>
                       <a:r>
-                        <a:rPr lang="en-US" sz="900" dirty="0">
+                        <a:rPr lang="en-US" sz="1800" dirty="0">
                           <a:effectLst/>
                         </a:rPr>
                         <a:t>Project Manager</a:t>
                       </a:r>
-                      <a:endParaRPr lang="en-US" sz="900" dirty="0">
+                      <a:endParaRPr lang="en-US" sz="1800" dirty="0">
                         <a:effectLst/>
                         <a:latin typeface="Times New Roman"/>
                         <a:ea typeface="Times New Roman"/>
@@ -8174,12 +8187,12 @@
                         </a:spcAft>
                       </a:pPr>
                       <a:r>
-                        <a:rPr lang="en-US" sz="900" dirty="0">
+                        <a:rPr lang="en-US" sz="1800" dirty="0">
                           <a:effectLst/>
                         </a:rPr>
                         <a:t>Daniel Lain</a:t>
                       </a:r>
-                      <a:endParaRPr lang="en-US" sz="900" dirty="0">
+                      <a:endParaRPr lang="en-US" sz="1800" dirty="0">
                         <a:effectLst/>
                         <a:latin typeface="Times New Roman"/>
                         <a:ea typeface="Times New Roman"/>
@@ -8202,7 +8215,7 @@
                         </a:spcAft>
                       </a:pPr>
                       <a:r>
-                        <a:rPr lang="en-US" sz="900">
+                        <a:rPr lang="en-US" sz="1800" dirty="0">
                           <a:effectLst/>
                         </a:rPr>
                         <a:t>Maintain Project Plan</a:t>
@@ -8218,7 +8231,7 @@
                         </a:spcAft>
                       </a:pPr>
                       <a:r>
-                        <a:rPr lang="en-US" sz="900">
+                        <a:rPr lang="en-US" sz="1800" dirty="0">
                           <a:effectLst/>
                         </a:rPr>
                         <a:t>Assign Tasks to Team</a:t>
@@ -8234,7 +8247,7 @@
                         </a:spcAft>
                       </a:pPr>
                       <a:r>
-                        <a:rPr lang="en-US" sz="900">
+                        <a:rPr lang="en-US" sz="1800" dirty="0">
                           <a:effectLst/>
                         </a:rPr>
                         <a:t>Turn in Deliverables</a:t>
@@ -8250,38 +8263,26 @@
                         </a:spcAft>
                       </a:pPr>
                       <a:r>
-                        <a:rPr lang="en-US" sz="900">
+                        <a:rPr lang="en-US" sz="1800" dirty="0">
                           <a:effectLst/>
                         </a:rPr>
-                        <a:t>Risk Manager</a:t>
+                        <a:t>Risk </a:t>
                       </a:r>
-                    </a:p>
-                    <a:p>
-                      <a:pPr marL="0" marR="0">
-                        <a:spcBef>
-                          <a:spcPts val="600"/>
-                        </a:spcBef>
-                        <a:spcAft>
-                          <a:spcPts val="0"/>
-                        </a:spcAft>
-                      </a:pPr>
                       <a:r>
-                        <a:rPr lang="en-US" sz="900">
+                        <a:rPr lang="en-US" sz="1800" dirty="0" smtClean="0">
                           <a:effectLst/>
                         </a:rPr>
-                        <a:t>Change Approval</a:t>
+                        <a:t>Manager</a:t>
                       </a:r>
-                      <a:endParaRPr lang="en-US" sz="900">
+                      <a:endParaRPr lang="en-US" sz="1800" dirty="0">
                         <a:effectLst/>
-                        <a:latin typeface="Times New Roman"/>
-                        <a:ea typeface="Times New Roman"/>
                       </a:endParaRPr>
                     </a:p>
                   </a:txBody>
                   <a:tcPr marL="48986" marR="48986" marT="0" marB="0"/>
                 </a:tc>
               </a:tr>
-              <a:tr h="953695">
+              <a:tr h="1552937">
                 <a:tc>
                   <a:txBody>
                     <a:bodyPr/>
@@ -8296,12 +8297,12 @@
                         </a:spcAft>
                       </a:pPr>
                       <a:r>
-                        <a:rPr lang="en-US" sz="900" dirty="0">
+                        <a:rPr lang="en-US" sz="1800" dirty="0">
                           <a:effectLst/>
                         </a:rPr>
                         <a:t>Hardware Lead</a:t>
                       </a:r>
-                      <a:endParaRPr lang="en-US" sz="900" dirty="0">
+                      <a:endParaRPr lang="en-US" sz="1800" dirty="0">
                         <a:effectLst/>
                         <a:latin typeface="Times New Roman"/>
                         <a:ea typeface="Times New Roman"/>
@@ -8324,12 +8325,12 @@
                         </a:spcAft>
                       </a:pPr>
                       <a:r>
-                        <a:rPr lang="en-US" sz="900">
+                        <a:rPr lang="en-US" sz="1800" dirty="0">
                           <a:effectLst/>
                         </a:rPr>
                         <a:t>Shawn Simonson</a:t>
                       </a:r>
-                      <a:endParaRPr lang="en-US" sz="900">
+                      <a:endParaRPr lang="en-US" sz="1800" dirty="0">
                         <a:effectLst/>
                         <a:latin typeface="Times New Roman"/>
                         <a:ea typeface="Times New Roman"/>
@@ -8352,7 +8353,7 @@
                         </a:spcAft>
                       </a:pPr>
                       <a:r>
-                        <a:rPr lang="en-US" sz="900">
+                        <a:rPr lang="en-US" sz="1800" dirty="0">
                           <a:effectLst/>
                         </a:rPr>
                         <a:t>Plan Hardware Interfaces</a:t>
@@ -8368,7 +8369,7 @@
                         </a:spcAft>
                       </a:pPr>
                       <a:r>
-                        <a:rPr lang="en-US" sz="900">
+                        <a:rPr lang="en-US" sz="1800" dirty="0">
                           <a:effectLst/>
                         </a:rPr>
                         <a:t>Research Hardware</a:t>
@@ -8384,7 +8385,7 @@
                         </a:spcAft>
                       </a:pPr>
                       <a:r>
-                        <a:rPr lang="en-US" sz="900">
+                        <a:rPr lang="en-US" sz="1800" dirty="0">
                           <a:effectLst/>
                         </a:rPr>
                         <a:t>Hardware Development</a:t>
@@ -8400,38 +8401,26 @@
                         </a:spcAft>
                       </a:pPr>
                       <a:r>
-                        <a:rPr lang="en-US" sz="900">
+                        <a:rPr lang="en-US" sz="1800" dirty="0">
                           <a:effectLst/>
                         </a:rPr>
-                        <a:t>ME Liaison</a:t>
+                        <a:t>ME </a:t>
                       </a:r>
-                    </a:p>
-                    <a:p>
-                      <a:pPr marL="0" marR="0">
-                        <a:spcBef>
-                          <a:spcPts val="600"/>
-                        </a:spcBef>
-                        <a:spcAft>
-                          <a:spcPts val="0"/>
-                        </a:spcAft>
-                      </a:pPr>
                       <a:r>
-                        <a:rPr lang="en-US" sz="900">
+                        <a:rPr lang="en-US" sz="1800" dirty="0" smtClean="0">
                           <a:effectLst/>
                         </a:rPr>
-                        <a:t>Change Approval</a:t>
+                        <a:t>Liaison</a:t>
                       </a:r>
-                      <a:endParaRPr lang="en-US" sz="900">
+                      <a:endParaRPr lang="en-US" sz="1800" dirty="0">
                         <a:effectLst/>
-                        <a:latin typeface="Times New Roman"/>
-                        <a:ea typeface="Times New Roman"/>
                       </a:endParaRPr>
                     </a:p>
                   </a:txBody>
                   <a:tcPr marL="48986" marR="48986" marT="0" marB="0"/>
                 </a:tc>
               </a:tr>
-              <a:tr h="953695">
+              <a:tr h="1282861">
                 <a:tc>
                   <a:txBody>
                     <a:bodyPr/>
@@ -8446,12 +8435,12 @@
                         </a:spcAft>
                       </a:pPr>
                       <a:r>
-                        <a:rPr lang="en-US" sz="900">
+                        <a:rPr lang="en-US" sz="1800" dirty="0">
                           <a:effectLst/>
                         </a:rPr>
                         <a:t>Software Engineering Lead</a:t>
                       </a:r>
-                      <a:endParaRPr lang="en-US" sz="900">
+                      <a:endParaRPr lang="en-US" sz="1800" dirty="0">
                         <a:effectLst/>
                         <a:latin typeface="Times New Roman"/>
                         <a:ea typeface="Times New Roman"/>
@@ -8474,12 +8463,12 @@
                         </a:spcAft>
                       </a:pPr>
                       <a:r>
-                        <a:rPr lang="en-US" sz="900">
+                        <a:rPr lang="en-US" sz="1800">
                           <a:effectLst/>
                         </a:rPr>
                         <a:t>Jesse Bowles</a:t>
                       </a:r>
-                      <a:endParaRPr lang="en-US" sz="900">
+                      <a:endParaRPr lang="en-US" sz="1800">
                         <a:effectLst/>
                         <a:latin typeface="Times New Roman"/>
                         <a:ea typeface="Times New Roman"/>
@@ -8502,7 +8491,7 @@
                         </a:spcAft>
                       </a:pPr>
                       <a:r>
-                        <a:rPr lang="en-US" sz="900">
+                        <a:rPr lang="en-US" sz="1800" dirty="0">
                           <a:effectLst/>
                         </a:rPr>
                         <a:t>System Architecture</a:t>
@@ -8518,7 +8507,7 @@
                         </a:spcAft>
                       </a:pPr>
                       <a:r>
-                        <a:rPr lang="en-US" sz="900">
+                        <a:rPr lang="en-US" sz="1800" dirty="0">
                           <a:effectLst/>
                         </a:rPr>
                         <a:t>Modular Planning</a:t>
@@ -8534,7 +8523,7 @@
                         </a:spcAft>
                       </a:pPr>
                       <a:r>
-                        <a:rPr lang="en-US" sz="900">
+                        <a:rPr lang="en-US" sz="1800" dirty="0">
                           <a:effectLst/>
                         </a:rPr>
                         <a:t>Scalability Planning</a:t>
@@ -8550,38 +8539,26 @@
                         </a:spcAft>
                       </a:pPr>
                       <a:r>
-                        <a:rPr lang="en-US" sz="900">
+                        <a:rPr lang="en-US" sz="1800" dirty="0">
                           <a:effectLst/>
                         </a:rPr>
-                        <a:t>Develop UMLs</a:t>
+                        <a:t>Develop </a:t>
                       </a:r>
-                    </a:p>
-                    <a:p>
-                      <a:pPr marL="0" marR="0">
-                        <a:spcBef>
-                          <a:spcPts val="600"/>
-                        </a:spcBef>
-                        <a:spcAft>
-                          <a:spcPts val="0"/>
-                        </a:spcAft>
-                      </a:pPr>
                       <a:r>
-                        <a:rPr lang="en-US" sz="900">
+                        <a:rPr lang="en-US" sz="1800" dirty="0" smtClean="0">
                           <a:effectLst/>
                         </a:rPr>
-                        <a:t>Change Approval</a:t>
+                        <a:t>UMLs</a:t>
                       </a:r>
-                      <a:endParaRPr lang="en-US" sz="900">
+                      <a:endParaRPr lang="en-US" sz="1800" dirty="0">
                         <a:effectLst/>
-                        <a:latin typeface="Times New Roman"/>
-                        <a:ea typeface="Times New Roman"/>
                       </a:endParaRPr>
                     </a:p>
                   </a:txBody>
                   <a:tcPr marL="48986" marR="48986" marT="0" marB="0"/>
                 </a:tc>
               </a:tr>
-              <a:tr h="748284">
+              <a:tr h="945266">
                 <a:tc>
                   <a:txBody>
                     <a:bodyPr/>
@@ -8596,12 +8573,12 @@
                         </a:spcAft>
                       </a:pPr>
                       <a:r>
-                        <a:rPr lang="en-US" sz="900">
+                        <a:rPr lang="en-US" sz="1800">
                           <a:effectLst/>
                         </a:rPr>
                         <a:t>Lead Programmer</a:t>
                       </a:r>
-                      <a:endParaRPr lang="en-US" sz="900">
+                      <a:endParaRPr lang="en-US" sz="1800">
                         <a:effectLst/>
                         <a:latin typeface="Times New Roman"/>
                         <a:ea typeface="Times New Roman"/>
@@ -8624,12 +8601,12 @@
                         </a:spcAft>
                       </a:pPr>
                       <a:r>
-                        <a:rPr lang="en-US" sz="900">
+                        <a:rPr lang="en-US" sz="1800">
                           <a:effectLst/>
                         </a:rPr>
                         <a:t>Tim Edmonson</a:t>
                       </a:r>
-                      <a:endParaRPr lang="en-US" sz="900">
+                      <a:endParaRPr lang="en-US" sz="1800">
                         <a:effectLst/>
                         <a:latin typeface="Times New Roman"/>
                         <a:ea typeface="Times New Roman"/>
@@ -8652,7 +8629,7 @@
                         </a:spcAft>
                       </a:pPr>
                       <a:r>
-                        <a:rPr lang="en-US" sz="900" dirty="0">
+                        <a:rPr lang="en-US" sz="1800" dirty="0">
                           <a:effectLst/>
                         </a:rPr>
                         <a:t>Algorithm Development</a:t>
@@ -8668,7 +8645,7 @@
                         </a:spcAft>
                       </a:pPr>
                       <a:r>
-                        <a:rPr lang="en-US" sz="900" dirty="0">
+                        <a:rPr lang="en-US" sz="1800" dirty="0">
                           <a:effectLst/>
                         </a:rPr>
                         <a:t>Open Source Selection</a:t>
@@ -8684,31 +8661,19 @@
                         </a:spcAft>
                       </a:pPr>
                       <a:r>
-                        <a:rPr lang="en-US" sz="900" dirty="0">
+                        <a:rPr lang="en-US" sz="1800" dirty="0">
                           <a:effectLst/>
                         </a:rPr>
-                        <a:t>Algorithm Research</a:t>
+                        <a:t>Algorithm </a:t>
                       </a:r>
-                    </a:p>
-                    <a:p>
-                      <a:pPr marL="0" marR="0">
-                        <a:spcBef>
-                          <a:spcPts val="600"/>
-                        </a:spcBef>
-                        <a:spcAft>
-                          <a:spcPts val="0"/>
-                        </a:spcAft>
-                      </a:pPr>
                       <a:r>
-                        <a:rPr lang="en-US" sz="900" dirty="0">
+                        <a:rPr lang="en-US" sz="1800" dirty="0" smtClean="0">
                           <a:effectLst/>
                         </a:rPr>
-                        <a:t>Change Approval</a:t>
+                        <a:t>Research</a:t>
                       </a:r>
-                      <a:endParaRPr lang="en-US" sz="900" dirty="0">
+                      <a:endParaRPr lang="en-US" sz="1800" dirty="0">
                         <a:effectLst/>
-                        <a:latin typeface="Times New Roman"/>
-                        <a:ea typeface="Times New Roman"/>
                       </a:endParaRPr>
                     </a:p>
                   </a:txBody>
@@ -12004,11 +11969,7 @@
           <a:p>
             <a:r>
               <a:rPr lang="en-US" dirty="0" smtClean="0"/>
-              <a:t>Ask for help when </a:t>
-            </a:r>
-            <a:r>
-              <a:rPr lang="en-US" dirty="0" smtClean="0"/>
-              <a:t>needed</a:t>
+              <a:t>Ask for help when needed</a:t>
             </a:r>
           </a:p>
           <a:p>
@@ -12025,11 +11986,7 @@
             </a:r>
             <a:r>
               <a:rPr lang="en-US" smtClean="0"/>
-              <a:t>other </a:t>
-            </a:r>
-            <a:r>
-              <a:rPr lang="en-US" smtClean="0"/>
-              <a:t>accountable</a:t>
+              <a:t>other accountable</a:t>
             </a:r>
             <a:endParaRPr lang="en-US" dirty="0" smtClean="0"/>
           </a:p>
@@ -12403,132 +12360,6 @@
       </p:sp>
       <p:sp>
         <p:nvSpPr>
-          <p:cNvPr id="6" name="Rectangle 5"/>
-          <p:cNvSpPr/>
-          <p:nvPr/>
-        </p:nvSpPr>
-        <p:spPr>
-          <a:xfrm>
-            <a:off x="6006029" y="3276600"/>
-            <a:ext cx="2286000" cy="457200"/>
-          </a:xfrm>
-          <a:prstGeom prst="rect">
-            <a:avLst/>
-          </a:prstGeom>
-          <a:solidFill>
-            <a:srgbClr val="FFFF00"/>
-          </a:solidFill>
-        </p:spPr>
-        <p:style>
-          <a:lnRef idx="2">
-            <a:schemeClr val="accent1">
-              <a:shade val="50000"/>
-            </a:schemeClr>
-          </a:lnRef>
-          <a:fillRef idx="1">
-            <a:schemeClr val="accent1"/>
-          </a:fillRef>
-          <a:effectRef idx="0">
-            <a:schemeClr val="accent1"/>
-          </a:effectRef>
-          <a:fontRef idx="minor">
-            <a:schemeClr val="lt1"/>
-          </a:fontRef>
-        </p:style>
-        <p:txBody>
-          <a:bodyPr rtlCol="0" anchor="ctr"/>
-          <a:lstStyle/>
-          <a:p>
-            <a:pPr algn="ctr"/>
-            <a:r>
-              <a:rPr lang="en-US" dirty="0" smtClean="0">
-                <a:solidFill>
-                  <a:schemeClr val="tx1"/>
-                </a:solidFill>
-              </a:rPr>
-              <a:t>Partially </a:t>
-            </a:r>
-            <a:r>
-              <a:rPr lang="en-US" dirty="0" smtClean="0">
-                <a:solidFill>
-                  <a:schemeClr val="tx1"/>
-                </a:solidFill>
-              </a:rPr>
-              <a:t>Completed</a:t>
-            </a:r>
-            <a:endParaRPr lang="en-US" dirty="0" smtClean="0">
-              <a:solidFill>
-                <a:schemeClr val="tx1"/>
-              </a:solidFill>
-            </a:endParaRPr>
-          </a:p>
-        </p:txBody>
-      </p:sp>
-      <p:sp>
-        <p:nvSpPr>
-          <p:cNvPr id="7" name="Rectangle 6"/>
-          <p:cNvSpPr/>
-          <p:nvPr/>
-        </p:nvSpPr>
-        <p:spPr>
-          <a:xfrm>
-            <a:off x="6019800" y="4114800"/>
-            <a:ext cx="2286000" cy="457200"/>
-          </a:xfrm>
-          <a:prstGeom prst="rect">
-            <a:avLst/>
-          </a:prstGeom>
-          <a:solidFill>
-            <a:srgbClr val="FFFF00"/>
-          </a:solidFill>
-        </p:spPr>
-        <p:style>
-          <a:lnRef idx="2">
-            <a:schemeClr val="accent1">
-              <a:shade val="50000"/>
-            </a:schemeClr>
-          </a:lnRef>
-          <a:fillRef idx="1">
-            <a:schemeClr val="accent1"/>
-          </a:fillRef>
-          <a:effectRef idx="0">
-            <a:schemeClr val="accent1"/>
-          </a:effectRef>
-          <a:fontRef idx="minor">
-            <a:schemeClr val="lt1"/>
-          </a:fontRef>
-        </p:style>
-        <p:txBody>
-          <a:bodyPr rtlCol="0" anchor="ctr"/>
-          <a:lstStyle/>
-          <a:p>
-            <a:pPr algn="ctr"/>
-            <a:r>
-              <a:rPr lang="en-US" dirty="0">
-                <a:solidFill>
-                  <a:schemeClr val="tx1"/>
-                </a:solidFill>
-              </a:rPr>
-              <a:t>Partially </a:t>
-            </a:r>
-            <a:r>
-              <a:rPr lang="en-US" dirty="0" smtClean="0">
-                <a:solidFill>
-                  <a:schemeClr val="tx1"/>
-                </a:solidFill>
-              </a:rPr>
-              <a:t>Completed</a:t>
-            </a:r>
-            <a:endParaRPr lang="en-US" dirty="0">
-              <a:solidFill>
-                <a:schemeClr val="tx1"/>
-              </a:solidFill>
-            </a:endParaRPr>
-          </a:p>
-        </p:txBody>
-      </p:sp>
-      <p:sp>
-        <p:nvSpPr>
           <p:cNvPr id="8" name="Rectangle 7"/>
           <p:cNvSpPr/>
           <p:nvPr/>
@@ -12636,6 +12467,106 @@
         <p:spPr>
           <a:xfrm>
             <a:off x="6006029" y="2514600"/>
+            <a:ext cx="2286000" cy="457200"/>
+          </a:xfrm>
+          <a:prstGeom prst="rect">
+            <a:avLst/>
+          </a:prstGeom>
+          <a:solidFill>
+            <a:srgbClr val="00B050"/>
+          </a:solidFill>
+        </p:spPr>
+        <p:style>
+          <a:lnRef idx="2">
+            <a:schemeClr val="accent1">
+              <a:shade val="50000"/>
+            </a:schemeClr>
+          </a:lnRef>
+          <a:fillRef idx="1">
+            <a:schemeClr val="accent1"/>
+          </a:fillRef>
+          <a:effectRef idx="0">
+            <a:schemeClr val="accent1"/>
+          </a:effectRef>
+          <a:fontRef idx="minor">
+            <a:schemeClr val="lt1"/>
+          </a:fontRef>
+        </p:style>
+        <p:txBody>
+          <a:bodyPr rtlCol="0" anchor="ctr"/>
+          <a:lstStyle/>
+          <a:p>
+            <a:pPr algn="ctr"/>
+            <a:r>
+              <a:rPr lang="en-US" dirty="0" smtClean="0">
+                <a:solidFill>
+                  <a:schemeClr val="tx1"/>
+                </a:solidFill>
+              </a:rPr>
+              <a:t>Completed</a:t>
+            </a:r>
+          </a:p>
+        </p:txBody>
+      </p:sp>
+      <p:sp>
+        <p:nvSpPr>
+          <p:cNvPr id="11" name="Rectangle 10"/>
+          <p:cNvSpPr/>
+          <p:nvPr/>
+        </p:nvSpPr>
+        <p:spPr>
+          <a:xfrm>
+            <a:off x="6004425" y="3276600"/>
+            <a:ext cx="2286000" cy="457200"/>
+          </a:xfrm>
+          <a:prstGeom prst="rect">
+            <a:avLst/>
+          </a:prstGeom>
+          <a:solidFill>
+            <a:srgbClr val="00B050"/>
+          </a:solidFill>
+        </p:spPr>
+        <p:style>
+          <a:lnRef idx="2">
+            <a:schemeClr val="accent1">
+              <a:shade val="50000"/>
+            </a:schemeClr>
+          </a:lnRef>
+          <a:fillRef idx="1">
+            <a:schemeClr val="accent1"/>
+          </a:fillRef>
+          <a:effectRef idx="0">
+            <a:schemeClr val="accent1"/>
+          </a:effectRef>
+          <a:fontRef idx="minor">
+            <a:schemeClr val="lt1"/>
+          </a:fontRef>
+        </p:style>
+        <p:txBody>
+          <a:bodyPr rtlCol="0" anchor="ctr"/>
+          <a:lstStyle/>
+          <a:p>
+            <a:pPr algn="ctr"/>
+            <a:r>
+              <a:rPr lang="en-US" dirty="0" smtClean="0">
+                <a:solidFill>
+                  <a:schemeClr val="tx1"/>
+                </a:solidFill>
+              </a:rPr>
+              <a:t>Completed</a:t>
+            </a:r>
+          </a:p>
+        </p:txBody>
+      </p:sp>
+      <p:sp>
+        <p:nvSpPr>
+          <p:cNvPr id="12" name="Rectangle 11"/>
+          <p:cNvSpPr/>
+          <p:nvPr/>
+        </p:nvSpPr>
+        <p:spPr>
+          <a:xfrm>
+            <a:off x="6020467" y="4038600"/>
             <a:ext cx="2286000" cy="457200"/>
           </a:xfrm>
           <a:prstGeom prst="rect">

--- a/Final Presentation/Ink3d Final Presentation.pptx
+++ b/Final Presentation/Ink3d Final Presentation.pptx
@@ -141,7 +141,7 @@
   </p:defaultTextStyle>
   <p:extLst>
     <p:ext uri="{EFAFB233-063F-42B5-8137-9DF3F51BA10A}">
-      <p15:sldGuideLst xmlns:p15="http://schemas.microsoft.com/office/powerpoint/2012/main" xmlns="">
+      <p15:sldGuideLst xmlns:p15="http://schemas.microsoft.com/office/powerpoint/2012/main">
         <p15:guide id="1" orient="horz" pos="2160">
           <p15:clr>
             <a:srgbClr val="A4A3A4"/>
@@ -2133,13 +2133,12 @@
           <c:showPercent val="0"/>
           <c:showBubbleSize val="0"/>
         </c:dLbls>
-        <c:marker val="1"/>
         <c:smooth val="0"/>
-        <c:axId val="109736704"/>
-        <c:axId val="109738240"/>
+        <c:axId val="219722768"/>
+        <c:axId val="249477536"/>
       </c:lineChart>
       <c:dateAx>
-        <c:axId val="109736704"/>
+        <c:axId val="219722768"/>
         <c:scaling>
           <c:orientation val="minMax"/>
         </c:scaling>
@@ -2149,14 +2148,14 @@
         <c:majorTickMark val="out"/>
         <c:minorTickMark val="none"/>
         <c:tickLblPos val="nextTo"/>
-        <c:crossAx val="109738240"/>
+        <c:crossAx val="249477536"/>
         <c:crosses val="autoZero"/>
         <c:auto val="1"/>
         <c:lblOffset val="100"/>
         <c:baseTimeUnit val="days"/>
       </c:dateAx>
       <c:valAx>
-        <c:axId val="109738240"/>
+        <c:axId val="249477536"/>
         <c:scaling>
           <c:orientation val="minMax"/>
         </c:scaling>
@@ -2167,14 +2166,13 @@
         <c:majorTickMark val="out"/>
         <c:minorTickMark val="none"/>
         <c:tickLblPos val="nextTo"/>
-        <c:crossAx val="109736704"/>
+        <c:crossAx val="219722768"/>
         <c:crosses val="autoZero"/>
         <c:crossBetween val="between"/>
       </c:valAx>
     </c:plotArea>
     <c:legend>
       <c:legendPos val="r"/>
-      <c:layout/>
       <c:overlay val="0"/>
     </c:legend>
     <c:plotVisOnly val="1"/>
@@ -6719,12 +6717,12 @@
           <a:graphicData uri="http://schemas.openxmlformats.org/presentationml/2006/ole">
             <mc:AlternateContent xmlns:mc="http://schemas.openxmlformats.org/markup-compatibility/2006">
               <mc:Choice xmlns:v="urn:schemas-microsoft-com:vml" Requires="v">
-                <p:oleObj spid="_x0000_s1036" name="Visio" r:id="rId4" imgW="7343730" imgH="9410580" progId="Visio.Drawing.15">
+                <p:oleObj spid="_x0000_s1038" name="Visio" r:id="rId3" imgW="7343730" imgH="9410580" progId="Visio.Drawing.15">
                   <p:embed/>
                 </p:oleObj>
               </mc:Choice>
               <mc:Fallback>
-                <p:oleObj name="Visio" r:id="rId4" imgW="7343730" imgH="9410580" progId="Visio.Drawing.15">
+                <p:oleObj name="Visio" r:id="rId3" imgW="7343730" imgH="9410580" progId="Visio.Drawing.15">
                   <p:embed/>
                   <p:pic>
                     <p:nvPicPr>
@@ -6735,7 +6733,7 @@
                       <p:nvPr/>
                     </p:nvPicPr>
                     <p:blipFill>
-                      <a:blip r:embed="rId5"/>
+                      <a:blip r:embed="rId4"/>
                       <a:srcRect/>
                       <a:stretch>
                         <a:fillRect/>
@@ -7019,12 +7017,12 @@
           <a:graphicData uri="http://schemas.openxmlformats.org/presentationml/2006/ole">
             <mc:AlternateContent xmlns:mc="http://schemas.openxmlformats.org/markup-compatibility/2006">
               <mc:Choice xmlns:v="urn:schemas-microsoft-com:vml" Requires="v">
-                <p:oleObj spid="_x0000_s2060" name="Visio" r:id="rId4" imgW="7534278" imgH="9677340" progId="Visio.Drawing.15">
+                <p:oleObj spid="_x0000_s2062" name="Visio" r:id="rId3" imgW="7534278" imgH="9677340" progId="Visio.Drawing.15">
                   <p:embed/>
                 </p:oleObj>
               </mc:Choice>
               <mc:Fallback>
-                <p:oleObj name="Visio" r:id="rId4" imgW="7534278" imgH="9677340" progId="Visio.Drawing.15">
+                <p:oleObj name="Visio" r:id="rId3" imgW="7534278" imgH="9677340" progId="Visio.Drawing.15">
                   <p:embed/>
                   <p:pic>
                     <p:nvPicPr>
@@ -7035,7 +7033,7 @@
                       <p:nvPr/>
                     </p:nvPicPr>
                     <p:blipFill>
-                      <a:blip r:embed="rId5">
+                      <a:blip r:embed="rId4">
                         <a:extLst>
                           <a:ext uri="{28A0092B-C50C-407E-A947-70E740481C1C}">
                             <a14:useLocalDpi xmlns:a14="http://schemas.microsoft.com/office/drawing/2010/main" val="0"/>
@@ -8012,11 +8010,7 @@
           <a:p>
             <a:r>
               <a:rPr lang="en-US" dirty="0" smtClean="0"/>
-              <a:t>Oversight </a:t>
-            </a:r>
-            <a:r>
-              <a:rPr lang="en-US" dirty="0" smtClean="0"/>
-              <a:t>– Dr. </a:t>
+              <a:t>Oversight – Dr. </a:t>
             </a:r>
             <a:r>
               <a:rPr lang="en-US" dirty="0" err="1" smtClean="0"/>
@@ -10799,7 +10793,7 @@
             <p:ph idx="1"/>
             <p:extLst>
               <p:ext uri="{D42A27DB-BD31-4B8C-83A1-F6EECF244321}">
-                <p14:modId xmlns:p14="http://schemas.microsoft.com/office/powerpoint/2010/main" val="227400233"/>
+                <p14:modId xmlns:p14="http://schemas.microsoft.com/office/powerpoint/2010/main" val="2740401575"/>
               </p:ext>
             </p:extLst>
           </p:nvPr>
@@ -10918,6 +10912,10 @@
                     <a:lstStyle/>
                     <a:p>
                       <a:pPr algn="ctr"/>
+                      <a:r>
+                        <a:rPr lang="en-US" sz="2000" dirty="0" smtClean="0"/>
+                        <a:t>100%</a:t>
+                      </a:r>
                       <a:endParaRPr lang="en-US" sz="2000" dirty="0"/>
                     </a:p>
                   </a:txBody>
@@ -10929,6 +10927,10 @@
                     <a:lstStyle/>
                     <a:p>
                       <a:pPr algn="ctr"/>
+                      <a:r>
+                        <a:rPr lang="en-US" sz="2000" dirty="0" smtClean="0"/>
+                        <a:t>Pass</a:t>
+                      </a:r>
                       <a:endParaRPr lang="en-US" sz="2000" dirty="0"/>
                     </a:p>
                   </a:txBody>
@@ -10975,6 +10977,10 @@
                     <a:lstStyle/>
                     <a:p>
                       <a:pPr algn="ctr"/>
+                      <a:r>
+                        <a:rPr lang="en-US" sz="2000" dirty="0" smtClean="0"/>
+                        <a:t>100%</a:t>
+                      </a:r>
                       <a:endParaRPr lang="en-US" sz="2000" dirty="0"/>
                     </a:p>
                   </a:txBody>
@@ -10986,6 +10992,10 @@
                     <a:lstStyle/>
                     <a:p>
                       <a:pPr algn="ctr"/>
+                      <a:r>
+                        <a:rPr lang="en-US" sz="2000" dirty="0" smtClean="0"/>
+                        <a:t>Pass</a:t>
+                      </a:r>
                       <a:endParaRPr lang="en-US" sz="2000" dirty="0"/>
                     </a:p>
                   </a:txBody>
@@ -11032,6 +11042,10 @@
                     <a:lstStyle/>
                     <a:p>
                       <a:pPr algn="ctr"/>
+                      <a:r>
+                        <a:rPr lang="en-US" sz="2000" dirty="0" smtClean="0"/>
+                        <a:t>100%</a:t>
+                      </a:r>
                       <a:endParaRPr lang="en-US" sz="2000" dirty="0"/>
                     </a:p>
                   </a:txBody>
@@ -11043,6 +11057,10 @@
                     <a:lstStyle/>
                     <a:p>
                       <a:pPr algn="ctr"/>
+                      <a:r>
+                        <a:rPr lang="en-US" sz="2000" dirty="0" smtClean="0"/>
+                        <a:t>Pass</a:t>
+                      </a:r>
                       <a:endParaRPr lang="en-US" sz="2000" dirty="0"/>
                     </a:p>
                   </a:txBody>
@@ -11097,6 +11115,10 @@
                     <a:lstStyle/>
                     <a:p>
                       <a:pPr algn="ctr"/>
+                      <a:r>
+                        <a:rPr lang="en-US" sz="2000" dirty="0" smtClean="0"/>
+                        <a:t>100%</a:t>
+                      </a:r>
                       <a:endParaRPr lang="en-US" sz="2000" dirty="0"/>
                     </a:p>
                   </a:txBody>
@@ -11108,6 +11130,10 @@
                     <a:lstStyle/>
                     <a:p>
                       <a:pPr algn="ctr"/>
+                      <a:r>
+                        <a:rPr lang="en-US" sz="2000" dirty="0" smtClean="0"/>
+                        <a:t>Pass</a:t>
+                      </a:r>
                       <a:endParaRPr lang="en-US" sz="2000" dirty="0"/>
                     </a:p>
                   </a:txBody>
@@ -11150,6 +11176,10 @@
                     <a:lstStyle/>
                     <a:p>
                       <a:pPr algn="ctr"/>
+                      <a:r>
+                        <a:rPr lang="en-US" sz="2000" dirty="0" smtClean="0"/>
+                        <a:t>30%</a:t>
+                      </a:r>
                       <a:endParaRPr lang="en-US" sz="2000" dirty="0"/>
                     </a:p>
                   </a:txBody>
@@ -11161,6 +11191,10 @@
                     <a:lstStyle/>
                     <a:p>
                       <a:pPr algn="ctr"/>
+                      <a:r>
+                        <a:rPr lang="en-US" sz="2000" dirty="0" smtClean="0"/>
+                        <a:t>Fail</a:t>
+                      </a:r>
                       <a:endParaRPr lang="en-US" sz="2000" dirty="0"/>
                     </a:p>
                   </a:txBody>

--- a/Final Presentation/Ink3d Final Presentation.pptx
+++ b/Final Presentation/Ink3d Final Presentation.pptx
@@ -141,7 +141,7 @@
   </p:defaultTextStyle>
   <p:extLst>
     <p:ext uri="{EFAFB233-063F-42B5-8137-9DF3F51BA10A}">
-      <p15:sldGuideLst xmlns:p15="http://schemas.microsoft.com/office/powerpoint/2012/main">
+      <p15:sldGuideLst xmlns:p15="http://schemas.microsoft.com/office/powerpoint/2012/main" xmlns="">
         <p15:guide id="1" orient="horz" pos="2160">
           <p15:clr>
             <a:srgbClr val="A4A3A4"/>
@@ -2133,12 +2133,13 @@
           <c:showPercent val="0"/>
           <c:showBubbleSize val="0"/>
         </c:dLbls>
+        <c:marker val="1"/>
         <c:smooth val="0"/>
-        <c:axId val="219722768"/>
-        <c:axId val="249477536"/>
+        <c:axId val="110787200"/>
+        <c:axId val="110797184"/>
       </c:lineChart>
       <c:dateAx>
-        <c:axId val="219722768"/>
+        <c:axId val="110787200"/>
         <c:scaling>
           <c:orientation val="minMax"/>
         </c:scaling>
@@ -2148,14 +2149,14 @@
         <c:majorTickMark val="out"/>
         <c:minorTickMark val="none"/>
         <c:tickLblPos val="nextTo"/>
-        <c:crossAx val="249477536"/>
+        <c:crossAx val="110797184"/>
         <c:crosses val="autoZero"/>
         <c:auto val="1"/>
         <c:lblOffset val="100"/>
         <c:baseTimeUnit val="days"/>
       </c:dateAx>
       <c:valAx>
-        <c:axId val="249477536"/>
+        <c:axId val="110797184"/>
         <c:scaling>
           <c:orientation val="minMax"/>
         </c:scaling>
@@ -2166,13 +2167,14 @@
         <c:majorTickMark val="out"/>
         <c:minorTickMark val="none"/>
         <c:tickLblPos val="nextTo"/>
-        <c:crossAx val="219722768"/>
+        <c:crossAx val="110787200"/>
         <c:crosses val="autoZero"/>
         <c:crossBetween val="between"/>
       </c:valAx>
     </c:plotArea>
     <c:legend>
       <c:legendPos val="r"/>
+      <c:layout/>
       <c:overlay val="0"/>
     </c:legend>
     <c:plotVisOnly val="1"/>
@@ -6717,12 +6719,12 @@
           <a:graphicData uri="http://schemas.openxmlformats.org/presentationml/2006/ole">
             <mc:AlternateContent xmlns:mc="http://schemas.openxmlformats.org/markup-compatibility/2006">
               <mc:Choice xmlns:v="urn:schemas-microsoft-com:vml" Requires="v">
-                <p:oleObj spid="_x0000_s1038" name="Visio" r:id="rId3" imgW="7343730" imgH="9410580" progId="Visio.Drawing.15">
+                <p:oleObj spid="_x0000_s1039" name="Visio" r:id="rId4" imgW="7343730" imgH="9410580" progId="Visio.Drawing.15">
                   <p:embed/>
                 </p:oleObj>
               </mc:Choice>
               <mc:Fallback>
-                <p:oleObj name="Visio" r:id="rId3" imgW="7343730" imgH="9410580" progId="Visio.Drawing.15">
+                <p:oleObj name="Visio" r:id="rId4" imgW="7343730" imgH="9410580" progId="Visio.Drawing.15">
                   <p:embed/>
                   <p:pic>
                     <p:nvPicPr>
@@ -6733,7 +6735,7 @@
                       <p:nvPr/>
                     </p:nvPicPr>
                     <p:blipFill>
-                      <a:blip r:embed="rId4"/>
+                      <a:blip r:embed="rId5"/>
                       <a:srcRect/>
                       <a:stretch>
                         <a:fillRect/>
@@ -7017,12 +7019,12 @@
           <a:graphicData uri="http://schemas.openxmlformats.org/presentationml/2006/ole">
             <mc:AlternateContent xmlns:mc="http://schemas.openxmlformats.org/markup-compatibility/2006">
               <mc:Choice xmlns:v="urn:schemas-microsoft-com:vml" Requires="v">
-                <p:oleObj spid="_x0000_s2062" name="Visio" r:id="rId3" imgW="7534278" imgH="9677340" progId="Visio.Drawing.15">
+                <p:oleObj spid="_x0000_s2063" name="Visio" r:id="rId4" imgW="7534278" imgH="9677340" progId="Visio.Drawing.15">
                   <p:embed/>
                 </p:oleObj>
               </mc:Choice>
               <mc:Fallback>
-                <p:oleObj name="Visio" r:id="rId3" imgW="7534278" imgH="9677340" progId="Visio.Drawing.15">
+                <p:oleObj name="Visio" r:id="rId4" imgW="7534278" imgH="9677340" progId="Visio.Drawing.15">
                   <p:embed/>
                   <p:pic>
                     <p:nvPicPr>
@@ -7033,7 +7035,7 @@
                       <p:nvPr/>
                     </p:nvPicPr>
                     <p:blipFill>
-                      <a:blip r:embed="rId4">
+                      <a:blip r:embed="rId5">
                         <a:extLst>
                           <a:ext uri="{28A0092B-C50C-407E-A947-70E740481C1C}">
                             <a14:useLocalDpi xmlns:a14="http://schemas.microsoft.com/office/drawing/2010/main" val="0"/>
@@ -11835,7 +11837,28 @@
             </a:r>
             <a:r>
               <a:rPr lang="en-US" dirty="0" smtClean="0"/>
-              <a:t>			Total	120	8451</a:t>
+              <a:t>			Total	120	</a:t>
+            </a:r>
+            <a:r>
+              <a:rPr lang="en-US" dirty="0" smtClean="0"/>
+              <a:t>8451 </a:t>
+            </a:r>
+          </a:p>
+          <a:p>
+            <a:pPr marL="114300" indent="0">
+              <a:buNone/>
+            </a:pPr>
+            <a:r>
+              <a:rPr lang="en-US" dirty="0"/>
+              <a:t>	</a:t>
+            </a:r>
+            <a:r>
+              <a:rPr lang="en-US" dirty="0" smtClean="0"/>
+              <a:t>		</a:t>
+            </a:r>
+            <a:r>
+              <a:rPr lang="en-US" smtClean="0"/>
+              <a:t>Grand Total	228	16,239</a:t>
             </a:r>
             <a:endParaRPr lang="en-US" dirty="0"/>
           </a:p>
